--- a/EC)Basic 3주차.pptx
+++ b/EC)Basic 3주차.pptx
@@ -8,9 +8,18 @@
     <p:sldId id="256" r:id="rId2"/>
     <p:sldId id="257" r:id="rId3"/>
     <p:sldId id="267" r:id="rId4"/>
-    <p:sldId id="268" r:id="rId5"/>
-    <p:sldId id="269" r:id="rId6"/>
-    <p:sldId id="270" r:id="rId7"/>
+    <p:sldId id="271" r:id="rId5"/>
+    <p:sldId id="272" r:id="rId6"/>
+    <p:sldId id="274" r:id="rId7"/>
+    <p:sldId id="273" r:id="rId8"/>
+    <p:sldId id="277" r:id="rId9"/>
+    <p:sldId id="275" r:id="rId10"/>
+    <p:sldId id="280" r:id="rId11"/>
+    <p:sldId id="276" r:id="rId12"/>
+    <p:sldId id="281" r:id="rId13"/>
+    <p:sldId id="278" r:id="rId14"/>
+    <p:sldId id="282" r:id="rId15"/>
+    <p:sldId id="270" r:id="rId16"/>
   </p:sldIdLst>
   <p:sldSz cx="12192000" cy="6858000"/>
   <p:notesSz cx="6858000" cy="9144000"/>
@@ -264,7 +273,7 @@
           <a:p>
             <a:fld id="{99D9758D-D09E-4F4D-9D6D-5374D685559F}" type="datetimeFigureOut">
               <a:rPr lang="ko-KR" altLang="en-US" smtClean="0"/>
-              <a:t>2021-03-05</a:t>
+              <a:t>2021-03-12</a:t>
             </a:fld>
             <a:endParaRPr lang="ko-KR" altLang="en-US"/>
           </a:p>
@@ -462,7 +471,7 @@
           <a:p>
             <a:fld id="{99D9758D-D09E-4F4D-9D6D-5374D685559F}" type="datetimeFigureOut">
               <a:rPr lang="ko-KR" altLang="en-US" smtClean="0"/>
-              <a:t>2021-03-05</a:t>
+              <a:t>2021-03-12</a:t>
             </a:fld>
             <a:endParaRPr lang="ko-KR" altLang="en-US"/>
           </a:p>
@@ -670,7 +679,7 @@
           <a:p>
             <a:fld id="{99D9758D-D09E-4F4D-9D6D-5374D685559F}" type="datetimeFigureOut">
               <a:rPr lang="ko-KR" altLang="en-US" smtClean="0"/>
-              <a:t>2021-03-05</a:t>
+              <a:t>2021-03-12</a:t>
             </a:fld>
             <a:endParaRPr lang="ko-KR" altLang="en-US"/>
           </a:p>
@@ -868,7 +877,7 @@
           <a:p>
             <a:fld id="{99D9758D-D09E-4F4D-9D6D-5374D685559F}" type="datetimeFigureOut">
               <a:rPr lang="ko-KR" altLang="en-US" smtClean="0"/>
-              <a:t>2021-03-05</a:t>
+              <a:t>2021-03-12</a:t>
             </a:fld>
             <a:endParaRPr lang="ko-KR" altLang="en-US"/>
           </a:p>
@@ -1143,7 +1152,7 @@
           <a:p>
             <a:fld id="{99D9758D-D09E-4F4D-9D6D-5374D685559F}" type="datetimeFigureOut">
               <a:rPr lang="ko-KR" altLang="en-US" smtClean="0"/>
-              <a:t>2021-03-05</a:t>
+              <a:t>2021-03-12</a:t>
             </a:fld>
             <a:endParaRPr lang="ko-KR" altLang="en-US"/>
           </a:p>
@@ -1408,7 +1417,7 @@
           <a:p>
             <a:fld id="{99D9758D-D09E-4F4D-9D6D-5374D685559F}" type="datetimeFigureOut">
               <a:rPr lang="ko-KR" altLang="en-US" smtClean="0"/>
-              <a:t>2021-03-05</a:t>
+              <a:t>2021-03-12</a:t>
             </a:fld>
             <a:endParaRPr lang="ko-KR" altLang="en-US"/>
           </a:p>
@@ -1820,7 +1829,7 @@
           <a:p>
             <a:fld id="{99D9758D-D09E-4F4D-9D6D-5374D685559F}" type="datetimeFigureOut">
               <a:rPr lang="ko-KR" altLang="en-US" smtClean="0"/>
-              <a:t>2021-03-05</a:t>
+              <a:t>2021-03-12</a:t>
             </a:fld>
             <a:endParaRPr lang="ko-KR" altLang="en-US"/>
           </a:p>
@@ -1961,7 +1970,7 @@
           <a:p>
             <a:fld id="{99D9758D-D09E-4F4D-9D6D-5374D685559F}" type="datetimeFigureOut">
               <a:rPr lang="ko-KR" altLang="en-US" smtClean="0"/>
-              <a:t>2021-03-05</a:t>
+              <a:t>2021-03-12</a:t>
             </a:fld>
             <a:endParaRPr lang="ko-KR" altLang="en-US"/>
           </a:p>
@@ -2074,7 +2083,7 @@
           <a:p>
             <a:fld id="{99D9758D-D09E-4F4D-9D6D-5374D685559F}" type="datetimeFigureOut">
               <a:rPr lang="ko-KR" altLang="en-US" smtClean="0"/>
-              <a:t>2021-03-05</a:t>
+              <a:t>2021-03-12</a:t>
             </a:fld>
             <a:endParaRPr lang="ko-KR" altLang="en-US"/>
           </a:p>
@@ -2385,7 +2394,7 @@
           <a:p>
             <a:fld id="{99D9758D-D09E-4F4D-9D6D-5374D685559F}" type="datetimeFigureOut">
               <a:rPr lang="ko-KR" altLang="en-US" smtClean="0"/>
-              <a:t>2021-03-05</a:t>
+              <a:t>2021-03-12</a:t>
             </a:fld>
             <a:endParaRPr lang="ko-KR" altLang="en-US"/>
           </a:p>
@@ -2673,7 +2682,7 @@
           <a:p>
             <a:fld id="{99D9758D-D09E-4F4D-9D6D-5374D685559F}" type="datetimeFigureOut">
               <a:rPr lang="ko-KR" altLang="en-US" smtClean="0"/>
-              <a:t>2021-03-05</a:t>
+              <a:t>2021-03-12</a:t>
             </a:fld>
             <a:endParaRPr lang="ko-KR" altLang="en-US"/>
           </a:p>
@@ -2917,7 +2926,7 @@
           <a:p>
             <a:fld id="{99D9758D-D09E-4F4D-9D6D-5374D685559F}" type="datetimeFigureOut">
               <a:rPr lang="ko-KR" altLang="en-US" smtClean="0"/>
-              <a:t>2021-03-05</a:t>
+              <a:t>2021-03-12</a:t>
             </a:fld>
             <a:endParaRPr lang="ko-KR" altLang="en-US"/>
           </a:p>
@@ -3572,6 +3581,3167 @@
 </p:sld>
 </file>
 
+<file path=ppt/slides/slide10.xml><?xml version="1.0" encoding="utf-8"?>
+<p:sld xmlns:a="http://schemas.openxmlformats.org/drawingml/2006/main" xmlns:r="http://schemas.openxmlformats.org/officeDocument/2006/relationships" xmlns:p="http://schemas.openxmlformats.org/presentationml/2006/main">
+  <p:cSld>
+    <p:spTree>
+      <p:nvGrpSpPr>
+        <p:cNvPr id="1" name=""/>
+        <p:cNvGrpSpPr/>
+        <p:nvPr/>
+      </p:nvGrpSpPr>
+      <p:grpSpPr>
+        <a:xfrm>
+          <a:off x="0" y="0"/>
+          <a:ext cx="0" cy="0"/>
+          <a:chOff x="0" y="0"/>
+          <a:chExt cx="0" cy="0"/>
+        </a:xfrm>
+      </p:grpSpPr>
+      <p:pic>
+        <p:nvPicPr>
+          <p:cNvPr id="6" name="그림 5" descr="화살이(가) 표시된 사진&#10;&#10;자동 생성된 설명">
+            <a:extLst>
+              <a:ext uri="{FF2B5EF4-FFF2-40B4-BE49-F238E27FC236}">
+                <a16:creationId xmlns:a16="http://schemas.microsoft.com/office/drawing/2014/main" id="{A56C6D43-05A3-4988-A7D7-3D59E2F65C17}"/>
+              </a:ext>
+            </a:extLst>
+          </p:cNvPr>
+          <p:cNvPicPr>
+            <a:picLocks noChangeAspect="1"/>
+          </p:cNvPicPr>
+          <p:nvPr/>
+        </p:nvPicPr>
+        <p:blipFill>
+          <a:blip r:embed="rId2">
+            <a:alphaModFix amt="5000"/>
+            <a:extLst>
+              <a:ext uri="{28A0092B-C50C-407E-A947-70E740481C1C}">
+                <a14:useLocalDpi xmlns:a14="http://schemas.microsoft.com/office/drawing/2010/main" val="0"/>
+              </a:ext>
+            </a:extLst>
+          </a:blip>
+          <a:stretch>
+            <a:fillRect/>
+          </a:stretch>
+        </p:blipFill>
+        <p:spPr>
+          <a:xfrm>
+            <a:off x="1209040" y="-1"/>
+            <a:ext cx="9875520" cy="6857429"/>
+          </a:xfrm>
+          <a:prstGeom prst="rect">
+            <a:avLst/>
+          </a:prstGeom>
+        </p:spPr>
+      </p:pic>
+      <p:sp>
+        <p:nvSpPr>
+          <p:cNvPr id="2" name="제목 1">
+            <a:extLst>
+              <a:ext uri="{FF2B5EF4-FFF2-40B4-BE49-F238E27FC236}">
+                <a16:creationId xmlns:a16="http://schemas.microsoft.com/office/drawing/2014/main" id="{B5F771FA-F15B-46C3-BA0D-4B28CB171312}"/>
+              </a:ext>
+            </a:extLst>
+          </p:cNvPr>
+          <p:cNvSpPr>
+            <a:spLocks noGrp="1"/>
+          </p:cNvSpPr>
+          <p:nvPr>
+            <p:ph type="ctrTitle"/>
+          </p:nvPr>
+        </p:nvSpPr>
+        <p:spPr>
+          <a:xfrm>
+            <a:off x="301812" y="210670"/>
+            <a:ext cx="11689976" cy="851648"/>
+          </a:xfrm>
+        </p:spPr>
+        <p:txBody>
+          <a:bodyPr>
+            <a:normAutofit fontScale="90000"/>
+          </a:bodyPr>
+          <a:lstStyle/>
+          <a:p>
+            <a:pPr algn="l"/>
+            <a:r>
+              <a:rPr lang="en-US" altLang="ko-KR" b="1">
+                <a:effectLst>
+                  <a:outerShdw blurRad="38100" dist="38100" dir="2700000" algn="tl">
+                    <a:srgbClr val="000000">
+                      <a:alpha val="43137"/>
+                    </a:srgbClr>
+                  </a:outerShdw>
+                </a:effectLst>
+              </a:rPr>
+              <a:t>String</a:t>
+            </a:r>
+            <a:endParaRPr lang="ko-KR" altLang="en-US" b="1">
+              <a:effectLst>
+                <a:outerShdw blurRad="38100" dist="38100" dir="2700000" algn="tl">
+                  <a:srgbClr val="000000">
+                    <a:alpha val="43137"/>
+                  </a:srgbClr>
+                </a:outerShdw>
+              </a:effectLst>
+            </a:endParaRPr>
+          </a:p>
+        </p:txBody>
+      </p:sp>
+      <p:sp>
+        <p:nvSpPr>
+          <p:cNvPr id="4" name="이등변 삼각형 3">
+            <a:extLst>
+              <a:ext uri="{FF2B5EF4-FFF2-40B4-BE49-F238E27FC236}">
+                <a16:creationId xmlns:a16="http://schemas.microsoft.com/office/drawing/2014/main" id="{D82EB4D7-301B-4780-87C6-7D1E66BD5181}"/>
+              </a:ext>
+            </a:extLst>
+          </p:cNvPr>
+          <p:cNvSpPr/>
+          <p:nvPr/>
+        </p:nvSpPr>
+        <p:spPr>
+          <a:xfrm rot="10800000">
+            <a:off x="11204089" y="-1"/>
+            <a:ext cx="987911" cy="851647"/>
+          </a:xfrm>
+          <a:prstGeom prst="triangle">
+            <a:avLst>
+              <a:gd name="adj" fmla="val 0"/>
+            </a:avLst>
+          </a:prstGeom>
+          <a:solidFill>
+            <a:schemeClr val="tx1"/>
+          </a:solidFill>
+          <a:ln>
+            <a:solidFill>
+              <a:schemeClr val="tx1"/>
+            </a:solidFill>
+          </a:ln>
+        </p:spPr>
+        <p:style>
+          <a:lnRef idx="2">
+            <a:schemeClr val="accent1">
+              <a:shade val="50000"/>
+            </a:schemeClr>
+          </a:lnRef>
+          <a:fillRef idx="1">
+            <a:schemeClr val="accent1"/>
+          </a:fillRef>
+          <a:effectRef idx="0">
+            <a:schemeClr val="accent1"/>
+          </a:effectRef>
+          <a:fontRef idx="minor">
+            <a:schemeClr val="lt1"/>
+          </a:fontRef>
+        </p:style>
+        <p:txBody>
+          <a:bodyPr rtlCol="0" anchor="ctr"/>
+          <a:lstStyle/>
+          <a:p>
+            <a:pPr algn="ctr"/>
+            <a:endParaRPr lang="ko-KR" altLang="en-US"/>
+          </a:p>
+        </p:txBody>
+      </p:sp>
+      <p:cxnSp>
+        <p:nvCxnSpPr>
+          <p:cNvPr id="7" name="직선 연결선 6">
+            <a:extLst>
+              <a:ext uri="{FF2B5EF4-FFF2-40B4-BE49-F238E27FC236}">
+                <a16:creationId xmlns:a16="http://schemas.microsoft.com/office/drawing/2014/main" id="{2585E046-0EB0-4A38-9487-0FDCAD563659}"/>
+              </a:ext>
+            </a:extLst>
+          </p:cNvPr>
+          <p:cNvCxnSpPr/>
+          <p:nvPr/>
+        </p:nvCxnSpPr>
+        <p:spPr>
+          <a:xfrm>
+            <a:off x="30480" y="1143598"/>
+            <a:ext cx="2357120" cy="0"/>
+          </a:xfrm>
+          <a:prstGeom prst="line">
+            <a:avLst/>
+          </a:prstGeom>
+          <a:ln w="63500">
+            <a:solidFill>
+              <a:schemeClr val="tx1"/>
+            </a:solidFill>
+          </a:ln>
+        </p:spPr>
+        <p:style>
+          <a:lnRef idx="1">
+            <a:schemeClr val="accent1"/>
+          </a:lnRef>
+          <a:fillRef idx="0">
+            <a:schemeClr val="accent1"/>
+          </a:fillRef>
+          <a:effectRef idx="0">
+            <a:schemeClr val="accent1"/>
+          </a:effectRef>
+          <a:fontRef idx="minor">
+            <a:schemeClr val="tx1"/>
+          </a:fontRef>
+        </p:style>
+      </p:cxnSp>
+      <p:sp>
+        <p:nvSpPr>
+          <p:cNvPr id="8" name="TextBox 7">
+            <a:extLst>
+              <a:ext uri="{FF2B5EF4-FFF2-40B4-BE49-F238E27FC236}">
+                <a16:creationId xmlns:a16="http://schemas.microsoft.com/office/drawing/2014/main" id="{401ED521-CFE1-44B7-9BB3-E355239399D3}"/>
+              </a:ext>
+            </a:extLst>
+          </p:cNvPr>
+          <p:cNvSpPr txBox="1"/>
+          <p:nvPr/>
+        </p:nvSpPr>
+        <p:spPr>
+          <a:xfrm>
+            <a:off x="730922" y="2402136"/>
+            <a:ext cx="8554720" cy="2308324"/>
+          </a:xfrm>
+          <a:prstGeom prst="rect">
+            <a:avLst/>
+          </a:prstGeom>
+          <a:noFill/>
+          <a:ln>
+            <a:solidFill>
+              <a:schemeClr val="tx1"/>
+            </a:solidFill>
+          </a:ln>
+        </p:spPr>
+        <p:txBody>
+          <a:bodyPr wrap="square" rtlCol="0">
+            <a:spAutoFit/>
+          </a:bodyPr>
+          <a:lstStyle/>
+          <a:p>
+            <a:r>
+              <a:rPr lang="en-US" altLang="ko-KR" sz="2400">
+                <a:effectLst>
+                  <a:outerShdw blurRad="38100" dist="38100" dir="2700000" algn="tl">
+                    <a:srgbClr val="000000">
+                      <a:alpha val="43137"/>
+                    </a:srgbClr>
+                  </a:outerShdw>
+                </a:effectLst>
+              </a:rPr>
+              <a:t>#include &lt;stdio.h&gt;</a:t>
+            </a:r>
+          </a:p>
+          <a:p>
+            <a:endParaRPr lang="en-US" altLang="ko-KR" sz="2400">
+              <a:effectLst>
+                <a:outerShdw blurRad="38100" dist="38100" dir="2700000" algn="tl">
+                  <a:srgbClr val="000000">
+                    <a:alpha val="43137"/>
+                  </a:srgbClr>
+                </a:outerShdw>
+              </a:effectLst>
+            </a:endParaRPr>
+          </a:p>
+          <a:p>
+            <a:r>
+              <a:rPr lang="en-US" altLang="ko-KR" sz="2400">
+                <a:effectLst>
+                  <a:outerShdw blurRad="38100" dist="38100" dir="2700000" algn="tl">
+                    <a:srgbClr val="000000">
+                      <a:alpha val="43137"/>
+                    </a:srgbClr>
+                  </a:outerShdw>
+                </a:effectLst>
+              </a:rPr>
+              <a:t>int main() {</a:t>
+            </a:r>
+          </a:p>
+          <a:p>
+            <a:r>
+              <a:rPr lang="en-US" altLang="ko-KR" sz="2400">
+                <a:effectLst>
+                  <a:outerShdw blurRad="38100" dist="38100" dir="2700000" algn="tl">
+                    <a:srgbClr val="000000">
+                      <a:alpha val="43137"/>
+                    </a:srgbClr>
+                  </a:outerShdw>
+                </a:effectLst>
+              </a:rPr>
+              <a:t>	char stringHello[100] = “Hello World!”; </a:t>
+            </a:r>
+          </a:p>
+          <a:p>
+            <a:r>
+              <a:rPr lang="en-US" altLang="ko-KR" sz="2400">
+                <a:effectLst>
+                  <a:outerShdw blurRad="38100" dist="38100" dir="2700000" algn="tl">
+                    <a:srgbClr val="000000">
+                      <a:alpha val="43137"/>
+                    </a:srgbClr>
+                  </a:outerShdw>
+                </a:effectLst>
+              </a:rPr>
+              <a:t>	printf(“%s”, stringHello);</a:t>
+            </a:r>
+          </a:p>
+          <a:p>
+            <a:r>
+              <a:rPr lang="en-US" altLang="ko-KR" sz="2400">
+                <a:effectLst>
+                  <a:outerShdw blurRad="38100" dist="38100" dir="2700000" algn="tl">
+                    <a:srgbClr val="000000">
+                      <a:alpha val="43137"/>
+                    </a:srgbClr>
+                  </a:outerShdw>
+                </a:effectLst>
+              </a:rPr>
+              <a:t>}</a:t>
+            </a:r>
+          </a:p>
+        </p:txBody>
+      </p:sp>
+      <p:sp>
+        <p:nvSpPr>
+          <p:cNvPr id="9" name="TextBox 8">
+            <a:extLst>
+              <a:ext uri="{FF2B5EF4-FFF2-40B4-BE49-F238E27FC236}">
+                <a16:creationId xmlns:a16="http://schemas.microsoft.com/office/drawing/2014/main" id="{0D9F02F6-35F7-46F5-8FFE-FBAD20732CDC}"/>
+              </a:ext>
+            </a:extLst>
+          </p:cNvPr>
+          <p:cNvSpPr txBox="1"/>
+          <p:nvPr/>
+        </p:nvSpPr>
+        <p:spPr>
+          <a:xfrm>
+            <a:off x="301812" y="1347761"/>
+            <a:ext cx="7700955" cy="461665"/>
+          </a:xfrm>
+          <a:prstGeom prst="rect">
+            <a:avLst/>
+          </a:prstGeom>
+          <a:noFill/>
+        </p:spPr>
+        <p:txBody>
+          <a:bodyPr wrap="square" rtlCol="0">
+            <a:spAutoFit/>
+          </a:bodyPr>
+          <a:lstStyle/>
+          <a:p>
+            <a:pPr marL="457200" indent="-457200">
+              <a:buFont typeface="Arial" panose="020B0604020202020204" pitchFamily="34" charset="0"/>
+              <a:buChar char="•"/>
+            </a:pPr>
+            <a:r>
+              <a:rPr lang="en-US" altLang="ko-KR" sz="2400" b="1">
+                <a:effectLst>
+                  <a:outerShdw blurRad="38100" dist="38100" dir="2700000" algn="tl">
+                    <a:srgbClr val="000000">
+                      <a:alpha val="43137"/>
+                    </a:srgbClr>
+                  </a:outerShdw>
+                </a:effectLst>
+              </a:rPr>
+              <a:t>String</a:t>
+            </a:r>
+            <a:r>
+              <a:rPr lang="ko-KR" altLang="en-US" sz="2400" b="1">
+                <a:effectLst>
+                  <a:outerShdw blurRad="38100" dist="38100" dir="2700000" algn="tl">
+                    <a:srgbClr val="000000">
+                      <a:alpha val="43137"/>
+                    </a:srgbClr>
+                  </a:outerShdw>
+                </a:effectLst>
+              </a:rPr>
+              <a:t>의 선언 및 입출력</a:t>
+            </a:r>
+            <a:endParaRPr lang="en-US" altLang="ko-KR" sz="2400" b="1">
+              <a:effectLst>
+                <a:outerShdw blurRad="38100" dist="38100" dir="2700000" algn="tl">
+                  <a:srgbClr val="000000">
+                    <a:alpha val="43137"/>
+                  </a:srgbClr>
+                </a:outerShdw>
+              </a:effectLst>
+            </a:endParaRPr>
+          </a:p>
+        </p:txBody>
+      </p:sp>
+      <p:sp>
+        <p:nvSpPr>
+          <p:cNvPr id="10" name="TextBox 9">
+            <a:extLst>
+              <a:ext uri="{FF2B5EF4-FFF2-40B4-BE49-F238E27FC236}">
+                <a16:creationId xmlns:a16="http://schemas.microsoft.com/office/drawing/2014/main" id="{A29EA04F-7B1B-49BC-ACB8-3B4FF42C8C33}"/>
+              </a:ext>
+            </a:extLst>
+          </p:cNvPr>
+          <p:cNvSpPr txBox="1"/>
+          <p:nvPr/>
+        </p:nvSpPr>
+        <p:spPr>
+          <a:xfrm>
+            <a:off x="730922" y="1941546"/>
+            <a:ext cx="9300584" cy="461665"/>
+          </a:xfrm>
+          <a:prstGeom prst="rect">
+            <a:avLst/>
+          </a:prstGeom>
+          <a:noFill/>
+        </p:spPr>
+        <p:txBody>
+          <a:bodyPr wrap="square" rtlCol="0">
+            <a:spAutoFit/>
+          </a:bodyPr>
+          <a:lstStyle/>
+          <a:p>
+            <a:r>
+              <a:rPr lang="en-US" altLang="ko-KR" sz="2400">
+                <a:effectLst>
+                  <a:outerShdw blurRad="38100" dist="38100" dir="2700000" algn="tl">
+                    <a:srgbClr val="000000">
+                      <a:alpha val="43137"/>
+                    </a:srgbClr>
+                  </a:outerShdw>
+                </a:effectLst>
+              </a:rPr>
+              <a:t>“Hello</a:t>
+            </a:r>
+            <a:r>
+              <a:rPr lang="ko-KR" altLang="en-US" sz="2400">
+                <a:effectLst>
+                  <a:outerShdw blurRad="38100" dist="38100" dir="2700000" algn="tl">
+                    <a:srgbClr val="000000">
+                      <a:alpha val="43137"/>
+                    </a:srgbClr>
+                  </a:outerShdw>
+                </a:effectLst>
+              </a:rPr>
+              <a:t> </a:t>
+            </a:r>
+            <a:r>
+              <a:rPr lang="en-US" altLang="ko-KR" sz="2400">
+                <a:effectLst>
+                  <a:outerShdw blurRad="38100" dist="38100" dir="2700000" algn="tl">
+                    <a:srgbClr val="000000">
+                      <a:alpha val="43137"/>
+                    </a:srgbClr>
+                  </a:outerShdw>
+                </a:effectLst>
+              </a:rPr>
+              <a:t>World!”</a:t>
+            </a:r>
+            <a:r>
+              <a:rPr lang="ko-KR" altLang="en-US" sz="2400">
+                <a:effectLst>
+                  <a:outerShdw blurRad="38100" dist="38100" dir="2700000" algn="tl">
+                    <a:srgbClr val="000000">
+                      <a:alpha val="43137"/>
+                    </a:srgbClr>
+                  </a:outerShdw>
+                </a:effectLst>
+              </a:rPr>
+              <a:t>를 </a:t>
+            </a:r>
+            <a:r>
+              <a:rPr lang="en-US" altLang="ko-KR" sz="2400">
+                <a:effectLst>
+                  <a:outerShdw blurRad="38100" dist="38100" dir="2700000" algn="tl">
+                    <a:srgbClr val="000000">
+                      <a:alpha val="43137"/>
+                    </a:srgbClr>
+                  </a:outerShdw>
+                </a:effectLst>
+              </a:rPr>
+              <a:t>string</a:t>
+            </a:r>
+            <a:r>
+              <a:rPr lang="ko-KR" altLang="en-US" sz="2400">
+                <a:effectLst>
+                  <a:outerShdw blurRad="38100" dist="38100" dir="2700000" algn="tl">
+                    <a:srgbClr val="000000">
+                      <a:alpha val="43137"/>
+                    </a:srgbClr>
+                  </a:outerShdw>
+                </a:effectLst>
+              </a:rPr>
+              <a:t>에 넣고 출력하기</a:t>
+            </a:r>
+            <a:endParaRPr lang="en-US" altLang="ko-KR" sz="2400">
+              <a:effectLst>
+                <a:outerShdw blurRad="38100" dist="38100" dir="2700000" algn="tl">
+                  <a:srgbClr val="000000">
+                    <a:alpha val="43137"/>
+                  </a:srgbClr>
+                </a:outerShdw>
+              </a:effectLst>
+            </a:endParaRPr>
+          </a:p>
+        </p:txBody>
+      </p:sp>
+    </p:spTree>
+    <p:extLst>
+      <p:ext uri="{BB962C8B-B14F-4D97-AF65-F5344CB8AC3E}">
+        <p14:creationId xmlns:p14="http://schemas.microsoft.com/office/powerpoint/2010/main" val="3996033159"/>
+      </p:ext>
+    </p:extLst>
+  </p:cSld>
+  <p:clrMapOvr>
+    <a:masterClrMapping/>
+  </p:clrMapOvr>
+</p:sld>
+</file>
+
+<file path=ppt/slides/slide11.xml><?xml version="1.0" encoding="utf-8"?>
+<p:sld xmlns:a="http://schemas.openxmlformats.org/drawingml/2006/main" xmlns:r="http://schemas.openxmlformats.org/officeDocument/2006/relationships" xmlns:p="http://schemas.openxmlformats.org/presentationml/2006/main">
+  <p:cSld>
+    <p:spTree>
+      <p:nvGrpSpPr>
+        <p:cNvPr id="1" name=""/>
+        <p:cNvGrpSpPr/>
+        <p:nvPr/>
+      </p:nvGrpSpPr>
+      <p:grpSpPr>
+        <a:xfrm>
+          <a:off x="0" y="0"/>
+          <a:ext cx="0" cy="0"/>
+          <a:chOff x="0" y="0"/>
+          <a:chExt cx="0" cy="0"/>
+        </a:xfrm>
+      </p:grpSpPr>
+      <p:pic>
+        <p:nvPicPr>
+          <p:cNvPr id="6" name="그림 5" descr="화살이(가) 표시된 사진&#10;&#10;자동 생성된 설명">
+            <a:extLst>
+              <a:ext uri="{FF2B5EF4-FFF2-40B4-BE49-F238E27FC236}">
+                <a16:creationId xmlns:a16="http://schemas.microsoft.com/office/drawing/2014/main" id="{A56C6D43-05A3-4988-A7D7-3D59E2F65C17}"/>
+              </a:ext>
+            </a:extLst>
+          </p:cNvPr>
+          <p:cNvPicPr>
+            <a:picLocks noChangeAspect="1"/>
+          </p:cNvPicPr>
+          <p:nvPr/>
+        </p:nvPicPr>
+        <p:blipFill>
+          <a:blip r:embed="rId2">
+            <a:alphaModFix amt="5000"/>
+            <a:extLst>
+              <a:ext uri="{28A0092B-C50C-407E-A947-70E740481C1C}">
+                <a14:useLocalDpi xmlns:a14="http://schemas.microsoft.com/office/drawing/2010/main" val="0"/>
+              </a:ext>
+            </a:extLst>
+          </a:blip>
+          <a:stretch>
+            <a:fillRect/>
+          </a:stretch>
+        </p:blipFill>
+        <p:spPr>
+          <a:xfrm>
+            <a:off x="1209040" y="-1"/>
+            <a:ext cx="9875520" cy="6857429"/>
+          </a:xfrm>
+          <a:prstGeom prst="rect">
+            <a:avLst/>
+          </a:prstGeom>
+        </p:spPr>
+      </p:pic>
+      <p:sp>
+        <p:nvSpPr>
+          <p:cNvPr id="2" name="제목 1">
+            <a:extLst>
+              <a:ext uri="{FF2B5EF4-FFF2-40B4-BE49-F238E27FC236}">
+                <a16:creationId xmlns:a16="http://schemas.microsoft.com/office/drawing/2014/main" id="{B5F771FA-F15B-46C3-BA0D-4B28CB171312}"/>
+              </a:ext>
+            </a:extLst>
+          </p:cNvPr>
+          <p:cNvSpPr>
+            <a:spLocks noGrp="1"/>
+          </p:cNvSpPr>
+          <p:nvPr>
+            <p:ph type="ctrTitle"/>
+          </p:nvPr>
+        </p:nvSpPr>
+        <p:spPr>
+          <a:xfrm>
+            <a:off x="301812" y="210670"/>
+            <a:ext cx="11689976" cy="851648"/>
+          </a:xfrm>
+        </p:spPr>
+        <p:txBody>
+          <a:bodyPr>
+            <a:normAutofit fontScale="90000"/>
+          </a:bodyPr>
+          <a:lstStyle/>
+          <a:p>
+            <a:pPr algn="l"/>
+            <a:r>
+              <a:rPr lang="en-US" altLang="ko-KR" b="1">
+                <a:effectLst>
+                  <a:outerShdw blurRad="38100" dist="38100" dir="2700000" algn="tl">
+                    <a:srgbClr val="000000">
+                      <a:alpha val="43137"/>
+                    </a:srgbClr>
+                  </a:outerShdw>
+                </a:effectLst>
+              </a:rPr>
+              <a:t>String</a:t>
+            </a:r>
+            <a:endParaRPr lang="ko-KR" altLang="en-US" b="1">
+              <a:effectLst>
+                <a:outerShdw blurRad="38100" dist="38100" dir="2700000" algn="tl">
+                  <a:srgbClr val="000000">
+                    <a:alpha val="43137"/>
+                  </a:srgbClr>
+                </a:outerShdw>
+              </a:effectLst>
+            </a:endParaRPr>
+          </a:p>
+        </p:txBody>
+      </p:sp>
+      <p:sp>
+        <p:nvSpPr>
+          <p:cNvPr id="4" name="이등변 삼각형 3">
+            <a:extLst>
+              <a:ext uri="{FF2B5EF4-FFF2-40B4-BE49-F238E27FC236}">
+                <a16:creationId xmlns:a16="http://schemas.microsoft.com/office/drawing/2014/main" id="{D82EB4D7-301B-4780-87C6-7D1E66BD5181}"/>
+              </a:ext>
+            </a:extLst>
+          </p:cNvPr>
+          <p:cNvSpPr/>
+          <p:nvPr/>
+        </p:nvSpPr>
+        <p:spPr>
+          <a:xfrm rot="10800000">
+            <a:off x="11204089" y="-1"/>
+            <a:ext cx="987911" cy="851647"/>
+          </a:xfrm>
+          <a:prstGeom prst="triangle">
+            <a:avLst>
+              <a:gd name="adj" fmla="val 0"/>
+            </a:avLst>
+          </a:prstGeom>
+          <a:solidFill>
+            <a:schemeClr val="tx1"/>
+          </a:solidFill>
+          <a:ln>
+            <a:solidFill>
+              <a:schemeClr val="tx1"/>
+            </a:solidFill>
+          </a:ln>
+        </p:spPr>
+        <p:style>
+          <a:lnRef idx="2">
+            <a:schemeClr val="accent1">
+              <a:shade val="50000"/>
+            </a:schemeClr>
+          </a:lnRef>
+          <a:fillRef idx="1">
+            <a:schemeClr val="accent1"/>
+          </a:fillRef>
+          <a:effectRef idx="0">
+            <a:schemeClr val="accent1"/>
+          </a:effectRef>
+          <a:fontRef idx="minor">
+            <a:schemeClr val="lt1"/>
+          </a:fontRef>
+        </p:style>
+        <p:txBody>
+          <a:bodyPr rtlCol="0" anchor="ctr"/>
+          <a:lstStyle/>
+          <a:p>
+            <a:pPr algn="ctr"/>
+            <a:endParaRPr lang="ko-KR" altLang="en-US"/>
+          </a:p>
+        </p:txBody>
+      </p:sp>
+      <p:cxnSp>
+        <p:nvCxnSpPr>
+          <p:cNvPr id="7" name="직선 연결선 6">
+            <a:extLst>
+              <a:ext uri="{FF2B5EF4-FFF2-40B4-BE49-F238E27FC236}">
+                <a16:creationId xmlns:a16="http://schemas.microsoft.com/office/drawing/2014/main" id="{2585E046-0EB0-4A38-9487-0FDCAD563659}"/>
+              </a:ext>
+            </a:extLst>
+          </p:cNvPr>
+          <p:cNvCxnSpPr/>
+          <p:nvPr/>
+        </p:nvCxnSpPr>
+        <p:spPr>
+          <a:xfrm>
+            <a:off x="30480" y="1143598"/>
+            <a:ext cx="2357120" cy="0"/>
+          </a:xfrm>
+          <a:prstGeom prst="line">
+            <a:avLst/>
+          </a:prstGeom>
+          <a:ln w="63500">
+            <a:solidFill>
+              <a:schemeClr val="tx1"/>
+            </a:solidFill>
+          </a:ln>
+        </p:spPr>
+        <p:style>
+          <a:lnRef idx="1">
+            <a:schemeClr val="accent1"/>
+          </a:lnRef>
+          <a:fillRef idx="0">
+            <a:schemeClr val="accent1"/>
+          </a:fillRef>
+          <a:effectRef idx="0">
+            <a:schemeClr val="accent1"/>
+          </a:effectRef>
+          <a:fontRef idx="minor">
+            <a:schemeClr val="tx1"/>
+          </a:fontRef>
+        </p:style>
+      </p:cxnSp>
+      <p:sp>
+        <p:nvSpPr>
+          <p:cNvPr id="8" name="TextBox 7">
+            <a:extLst>
+              <a:ext uri="{FF2B5EF4-FFF2-40B4-BE49-F238E27FC236}">
+                <a16:creationId xmlns:a16="http://schemas.microsoft.com/office/drawing/2014/main" id="{401ED521-CFE1-44B7-9BB3-E355239399D3}"/>
+              </a:ext>
+            </a:extLst>
+          </p:cNvPr>
+          <p:cNvSpPr txBox="1"/>
+          <p:nvPr/>
+        </p:nvSpPr>
+        <p:spPr>
+          <a:xfrm>
+            <a:off x="730922" y="2402136"/>
+            <a:ext cx="8554720" cy="2677656"/>
+          </a:xfrm>
+          <a:prstGeom prst="rect">
+            <a:avLst/>
+          </a:prstGeom>
+          <a:noFill/>
+          <a:ln>
+            <a:solidFill>
+              <a:schemeClr val="tx1"/>
+            </a:solidFill>
+          </a:ln>
+        </p:spPr>
+        <p:txBody>
+          <a:bodyPr wrap="square" rtlCol="0">
+            <a:spAutoFit/>
+          </a:bodyPr>
+          <a:lstStyle/>
+          <a:p>
+            <a:r>
+              <a:rPr lang="en-US" altLang="ko-KR" sz="2400">
+                <a:effectLst>
+                  <a:outerShdw blurRad="38100" dist="38100" dir="2700000" algn="tl">
+                    <a:srgbClr val="000000">
+                      <a:alpha val="43137"/>
+                    </a:srgbClr>
+                  </a:outerShdw>
+                </a:effectLst>
+              </a:rPr>
+              <a:t>#include &lt;stdio.h&gt;</a:t>
+            </a:r>
+          </a:p>
+          <a:p>
+            <a:endParaRPr lang="en-US" altLang="ko-KR" sz="2400">
+              <a:effectLst>
+                <a:outerShdw blurRad="38100" dist="38100" dir="2700000" algn="tl">
+                  <a:srgbClr val="000000">
+                    <a:alpha val="43137"/>
+                  </a:srgbClr>
+                </a:outerShdw>
+              </a:effectLst>
+            </a:endParaRPr>
+          </a:p>
+          <a:p>
+            <a:r>
+              <a:rPr lang="en-US" altLang="ko-KR" sz="2400">
+                <a:effectLst>
+                  <a:outerShdw blurRad="38100" dist="38100" dir="2700000" algn="tl">
+                    <a:srgbClr val="000000">
+                      <a:alpha val="43137"/>
+                    </a:srgbClr>
+                  </a:outerShdw>
+                </a:effectLst>
+              </a:rPr>
+              <a:t>int main() {</a:t>
+            </a:r>
+          </a:p>
+          <a:p>
+            <a:r>
+              <a:rPr lang="en-US" altLang="ko-KR" sz="2400">
+                <a:effectLst>
+                  <a:outerShdw blurRad="38100" dist="38100" dir="2700000" algn="tl">
+                    <a:srgbClr val="000000">
+                      <a:alpha val="43137"/>
+                    </a:srgbClr>
+                  </a:outerShdw>
+                </a:effectLst>
+              </a:rPr>
+              <a:t>	char name[100];</a:t>
+            </a:r>
+          </a:p>
+          <a:p>
+            <a:r>
+              <a:rPr lang="en-US" altLang="ko-KR" sz="2400">
+                <a:effectLst>
+                  <a:outerShdw blurRad="38100" dist="38100" dir="2700000" algn="tl">
+                    <a:srgbClr val="000000">
+                      <a:alpha val="43137"/>
+                    </a:srgbClr>
+                  </a:outerShdw>
+                </a:effectLst>
+              </a:rPr>
+              <a:t>	scanf(“%s”, name);</a:t>
+            </a:r>
+          </a:p>
+          <a:p>
+            <a:r>
+              <a:rPr lang="en-US" altLang="ko-KR" sz="2400">
+                <a:effectLst>
+                  <a:outerShdw blurRad="38100" dist="38100" dir="2700000" algn="tl">
+                    <a:srgbClr val="000000">
+                      <a:alpha val="43137"/>
+                    </a:srgbClr>
+                  </a:outerShdw>
+                </a:effectLst>
+              </a:rPr>
+              <a:t>	printf(“%s”, name);</a:t>
+            </a:r>
+          </a:p>
+          <a:p>
+            <a:r>
+              <a:rPr lang="en-US" altLang="ko-KR" sz="2400">
+                <a:effectLst>
+                  <a:outerShdw blurRad="38100" dist="38100" dir="2700000" algn="tl">
+                    <a:srgbClr val="000000">
+                      <a:alpha val="43137"/>
+                    </a:srgbClr>
+                  </a:outerShdw>
+                </a:effectLst>
+              </a:rPr>
+              <a:t>}</a:t>
+            </a:r>
+          </a:p>
+        </p:txBody>
+      </p:sp>
+      <p:sp>
+        <p:nvSpPr>
+          <p:cNvPr id="9" name="TextBox 8">
+            <a:extLst>
+              <a:ext uri="{FF2B5EF4-FFF2-40B4-BE49-F238E27FC236}">
+                <a16:creationId xmlns:a16="http://schemas.microsoft.com/office/drawing/2014/main" id="{0D9F02F6-35F7-46F5-8FFE-FBAD20732CDC}"/>
+              </a:ext>
+            </a:extLst>
+          </p:cNvPr>
+          <p:cNvSpPr txBox="1"/>
+          <p:nvPr/>
+        </p:nvSpPr>
+        <p:spPr>
+          <a:xfrm>
+            <a:off x="301812" y="1347761"/>
+            <a:ext cx="7700955" cy="461665"/>
+          </a:xfrm>
+          <a:prstGeom prst="rect">
+            <a:avLst/>
+          </a:prstGeom>
+          <a:noFill/>
+        </p:spPr>
+        <p:txBody>
+          <a:bodyPr wrap="square" rtlCol="0">
+            <a:spAutoFit/>
+          </a:bodyPr>
+          <a:lstStyle/>
+          <a:p>
+            <a:pPr marL="457200" indent="-457200">
+              <a:buFont typeface="Arial" panose="020B0604020202020204" pitchFamily="34" charset="0"/>
+              <a:buChar char="•"/>
+            </a:pPr>
+            <a:r>
+              <a:rPr lang="en-US" altLang="ko-KR" sz="2400" b="1">
+                <a:effectLst>
+                  <a:outerShdw blurRad="38100" dist="38100" dir="2700000" algn="tl">
+                    <a:srgbClr val="000000">
+                      <a:alpha val="43137"/>
+                    </a:srgbClr>
+                  </a:outerShdw>
+                </a:effectLst>
+              </a:rPr>
+              <a:t>String</a:t>
+            </a:r>
+            <a:r>
+              <a:rPr lang="ko-KR" altLang="en-US" sz="2400" b="1">
+                <a:effectLst>
+                  <a:outerShdw blurRad="38100" dist="38100" dir="2700000" algn="tl">
+                    <a:srgbClr val="000000">
+                      <a:alpha val="43137"/>
+                    </a:srgbClr>
+                  </a:outerShdw>
+                </a:effectLst>
+              </a:rPr>
+              <a:t>의 선언 및 입출력</a:t>
+            </a:r>
+            <a:endParaRPr lang="en-US" altLang="ko-KR" sz="2400" b="1">
+              <a:effectLst>
+                <a:outerShdw blurRad="38100" dist="38100" dir="2700000" algn="tl">
+                  <a:srgbClr val="000000">
+                    <a:alpha val="43137"/>
+                  </a:srgbClr>
+                </a:outerShdw>
+              </a:effectLst>
+            </a:endParaRPr>
+          </a:p>
+        </p:txBody>
+      </p:sp>
+      <p:sp>
+        <p:nvSpPr>
+          <p:cNvPr id="12" name="TextBox 11">
+            <a:extLst>
+              <a:ext uri="{FF2B5EF4-FFF2-40B4-BE49-F238E27FC236}">
+                <a16:creationId xmlns:a16="http://schemas.microsoft.com/office/drawing/2014/main" id="{58B23639-8E26-4765-9ED6-11518F66D22D}"/>
+              </a:ext>
+            </a:extLst>
+          </p:cNvPr>
+          <p:cNvSpPr txBox="1"/>
+          <p:nvPr/>
+        </p:nvSpPr>
+        <p:spPr>
+          <a:xfrm>
+            <a:off x="4478468" y="4018515"/>
+            <a:ext cx="2944310" cy="369332"/>
+          </a:xfrm>
+          <a:prstGeom prst="rect">
+            <a:avLst/>
+          </a:prstGeom>
+          <a:noFill/>
+        </p:spPr>
+        <p:txBody>
+          <a:bodyPr wrap="square" rtlCol="0">
+            <a:spAutoFit/>
+          </a:bodyPr>
+          <a:lstStyle/>
+          <a:p>
+            <a:r>
+              <a:rPr lang="ko-KR" altLang="en-US">
+                <a:solidFill>
+                  <a:srgbClr val="0000FF"/>
+                </a:solidFill>
+                <a:effectLst>
+                  <a:outerShdw blurRad="38100" dist="38100" dir="2700000" algn="tl">
+                    <a:srgbClr val="000000">
+                      <a:alpha val="43137"/>
+                    </a:srgbClr>
+                  </a:outerShdw>
+                </a:effectLst>
+              </a:rPr>
+              <a:t>왜 얘한테는 </a:t>
+            </a:r>
+            <a:r>
+              <a:rPr lang="en-US" altLang="ko-KR">
+                <a:solidFill>
+                  <a:srgbClr val="0000FF"/>
+                </a:solidFill>
+                <a:effectLst>
+                  <a:outerShdw blurRad="38100" dist="38100" dir="2700000" algn="tl">
+                    <a:srgbClr val="000000">
+                      <a:alpha val="43137"/>
+                    </a:srgbClr>
+                  </a:outerShdw>
+                </a:effectLst>
+              </a:rPr>
+              <a:t>&amp; </a:t>
+            </a:r>
+            <a:r>
+              <a:rPr lang="ko-KR" altLang="en-US">
+                <a:solidFill>
+                  <a:srgbClr val="0000FF"/>
+                </a:solidFill>
+                <a:effectLst>
+                  <a:outerShdw blurRad="38100" dist="38100" dir="2700000" algn="tl">
+                    <a:srgbClr val="000000">
+                      <a:alpha val="43137"/>
+                    </a:srgbClr>
+                  </a:outerShdw>
+                </a:effectLst>
+              </a:rPr>
+              <a:t>안붙여요</a:t>
+            </a:r>
+            <a:r>
+              <a:rPr lang="en-US" altLang="ko-KR">
+                <a:solidFill>
+                  <a:srgbClr val="0000FF"/>
+                </a:solidFill>
+                <a:effectLst>
+                  <a:outerShdw blurRad="38100" dist="38100" dir="2700000" algn="tl">
+                    <a:srgbClr val="000000">
+                      <a:alpha val="43137"/>
+                    </a:srgbClr>
+                  </a:outerShdw>
+                </a:effectLst>
+              </a:rPr>
+              <a:t>?</a:t>
+            </a:r>
+          </a:p>
+        </p:txBody>
+      </p:sp>
+      <p:sp>
+        <p:nvSpPr>
+          <p:cNvPr id="10" name="TextBox 9">
+            <a:extLst>
+              <a:ext uri="{FF2B5EF4-FFF2-40B4-BE49-F238E27FC236}">
+                <a16:creationId xmlns:a16="http://schemas.microsoft.com/office/drawing/2014/main" id="{A29EA04F-7B1B-49BC-ACB8-3B4FF42C8C33}"/>
+              </a:ext>
+            </a:extLst>
+          </p:cNvPr>
+          <p:cNvSpPr txBox="1"/>
+          <p:nvPr/>
+        </p:nvSpPr>
+        <p:spPr>
+          <a:xfrm>
+            <a:off x="730922" y="1941546"/>
+            <a:ext cx="9300584" cy="461665"/>
+          </a:xfrm>
+          <a:prstGeom prst="rect">
+            <a:avLst/>
+          </a:prstGeom>
+          <a:noFill/>
+        </p:spPr>
+        <p:txBody>
+          <a:bodyPr wrap="square" rtlCol="0">
+            <a:spAutoFit/>
+          </a:bodyPr>
+          <a:lstStyle/>
+          <a:p>
+            <a:r>
+              <a:rPr lang="ko-KR" altLang="en-US" sz="2400">
+                <a:effectLst>
+                  <a:outerShdw blurRad="38100" dist="38100" dir="2700000" algn="tl">
+                    <a:srgbClr val="000000">
+                      <a:alpha val="43137"/>
+                    </a:srgbClr>
+                  </a:outerShdw>
+                </a:effectLst>
+              </a:rPr>
+              <a:t>이름을 입력받고 출력하는 프로그램</a:t>
+            </a:r>
+            <a:endParaRPr lang="en-US" altLang="ko-KR" sz="2400">
+              <a:effectLst>
+                <a:outerShdw blurRad="38100" dist="38100" dir="2700000" algn="tl">
+                  <a:srgbClr val="000000">
+                    <a:alpha val="43137"/>
+                  </a:srgbClr>
+                </a:outerShdw>
+              </a:effectLst>
+            </a:endParaRPr>
+          </a:p>
+        </p:txBody>
+      </p:sp>
+    </p:spTree>
+    <p:extLst>
+      <p:ext uri="{BB962C8B-B14F-4D97-AF65-F5344CB8AC3E}">
+        <p14:creationId xmlns:p14="http://schemas.microsoft.com/office/powerpoint/2010/main" val="3025839933"/>
+      </p:ext>
+    </p:extLst>
+  </p:cSld>
+  <p:clrMapOvr>
+    <a:masterClrMapping/>
+  </p:clrMapOvr>
+</p:sld>
+</file>
+
+<file path=ppt/slides/slide12.xml><?xml version="1.0" encoding="utf-8"?>
+<p:sld xmlns:a="http://schemas.openxmlformats.org/drawingml/2006/main" xmlns:r="http://schemas.openxmlformats.org/officeDocument/2006/relationships" xmlns:p="http://schemas.openxmlformats.org/presentationml/2006/main">
+  <p:cSld>
+    <p:spTree>
+      <p:nvGrpSpPr>
+        <p:cNvPr id="1" name=""/>
+        <p:cNvGrpSpPr/>
+        <p:nvPr/>
+      </p:nvGrpSpPr>
+      <p:grpSpPr>
+        <a:xfrm>
+          <a:off x="0" y="0"/>
+          <a:ext cx="0" cy="0"/>
+          <a:chOff x="0" y="0"/>
+          <a:chExt cx="0" cy="0"/>
+        </a:xfrm>
+      </p:grpSpPr>
+      <p:pic>
+        <p:nvPicPr>
+          <p:cNvPr id="6" name="그림 5" descr="화살이(가) 표시된 사진&#10;&#10;자동 생성된 설명">
+            <a:extLst>
+              <a:ext uri="{FF2B5EF4-FFF2-40B4-BE49-F238E27FC236}">
+                <a16:creationId xmlns:a16="http://schemas.microsoft.com/office/drawing/2014/main" id="{A56C6D43-05A3-4988-A7D7-3D59E2F65C17}"/>
+              </a:ext>
+            </a:extLst>
+          </p:cNvPr>
+          <p:cNvPicPr>
+            <a:picLocks noChangeAspect="1"/>
+          </p:cNvPicPr>
+          <p:nvPr/>
+        </p:nvPicPr>
+        <p:blipFill>
+          <a:blip r:embed="rId2">
+            <a:alphaModFix amt="5000"/>
+            <a:extLst>
+              <a:ext uri="{28A0092B-C50C-407E-A947-70E740481C1C}">
+                <a14:useLocalDpi xmlns:a14="http://schemas.microsoft.com/office/drawing/2010/main" val="0"/>
+              </a:ext>
+            </a:extLst>
+          </a:blip>
+          <a:stretch>
+            <a:fillRect/>
+          </a:stretch>
+        </p:blipFill>
+        <p:spPr>
+          <a:xfrm>
+            <a:off x="1209040" y="-1"/>
+            <a:ext cx="9875520" cy="6857429"/>
+          </a:xfrm>
+          <a:prstGeom prst="rect">
+            <a:avLst/>
+          </a:prstGeom>
+        </p:spPr>
+      </p:pic>
+      <p:sp>
+        <p:nvSpPr>
+          <p:cNvPr id="2" name="제목 1">
+            <a:extLst>
+              <a:ext uri="{FF2B5EF4-FFF2-40B4-BE49-F238E27FC236}">
+                <a16:creationId xmlns:a16="http://schemas.microsoft.com/office/drawing/2014/main" id="{B5F771FA-F15B-46C3-BA0D-4B28CB171312}"/>
+              </a:ext>
+            </a:extLst>
+          </p:cNvPr>
+          <p:cNvSpPr>
+            <a:spLocks noGrp="1"/>
+          </p:cNvSpPr>
+          <p:nvPr>
+            <p:ph type="ctrTitle"/>
+          </p:nvPr>
+        </p:nvSpPr>
+        <p:spPr>
+          <a:xfrm>
+            <a:off x="301812" y="210670"/>
+            <a:ext cx="11689976" cy="851648"/>
+          </a:xfrm>
+        </p:spPr>
+        <p:txBody>
+          <a:bodyPr>
+            <a:normAutofit fontScale="90000"/>
+          </a:bodyPr>
+          <a:lstStyle/>
+          <a:p>
+            <a:pPr algn="l"/>
+            <a:r>
+              <a:rPr lang="en-US" altLang="ko-KR" b="1">
+                <a:effectLst>
+                  <a:outerShdw blurRad="38100" dist="38100" dir="2700000" algn="tl">
+                    <a:srgbClr val="000000">
+                      <a:alpha val="43137"/>
+                    </a:srgbClr>
+                  </a:outerShdw>
+                </a:effectLst>
+              </a:rPr>
+              <a:t>String</a:t>
+            </a:r>
+            <a:endParaRPr lang="ko-KR" altLang="en-US" b="1">
+              <a:effectLst>
+                <a:outerShdw blurRad="38100" dist="38100" dir="2700000" algn="tl">
+                  <a:srgbClr val="000000">
+                    <a:alpha val="43137"/>
+                  </a:srgbClr>
+                </a:outerShdw>
+              </a:effectLst>
+            </a:endParaRPr>
+          </a:p>
+        </p:txBody>
+      </p:sp>
+      <p:sp>
+        <p:nvSpPr>
+          <p:cNvPr id="4" name="이등변 삼각형 3">
+            <a:extLst>
+              <a:ext uri="{FF2B5EF4-FFF2-40B4-BE49-F238E27FC236}">
+                <a16:creationId xmlns:a16="http://schemas.microsoft.com/office/drawing/2014/main" id="{D82EB4D7-301B-4780-87C6-7D1E66BD5181}"/>
+              </a:ext>
+            </a:extLst>
+          </p:cNvPr>
+          <p:cNvSpPr/>
+          <p:nvPr/>
+        </p:nvSpPr>
+        <p:spPr>
+          <a:xfrm rot="10800000">
+            <a:off x="11204089" y="-1"/>
+            <a:ext cx="987911" cy="851647"/>
+          </a:xfrm>
+          <a:prstGeom prst="triangle">
+            <a:avLst>
+              <a:gd name="adj" fmla="val 0"/>
+            </a:avLst>
+          </a:prstGeom>
+          <a:solidFill>
+            <a:schemeClr val="tx1"/>
+          </a:solidFill>
+          <a:ln>
+            <a:solidFill>
+              <a:schemeClr val="tx1"/>
+            </a:solidFill>
+          </a:ln>
+        </p:spPr>
+        <p:style>
+          <a:lnRef idx="2">
+            <a:schemeClr val="accent1">
+              <a:shade val="50000"/>
+            </a:schemeClr>
+          </a:lnRef>
+          <a:fillRef idx="1">
+            <a:schemeClr val="accent1"/>
+          </a:fillRef>
+          <a:effectRef idx="0">
+            <a:schemeClr val="accent1"/>
+          </a:effectRef>
+          <a:fontRef idx="minor">
+            <a:schemeClr val="lt1"/>
+          </a:fontRef>
+        </p:style>
+        <p:txBody>
+          <a:bodyPr rtlCol="0" anchor="ctr"/>
+          <a:lstStyle/>
+          <a:p>
+            <a:pPr algn="ctr"/>
+            <a:endParaRPr lang="ko-KR" altLang="en-US"/>
+          </a:p>
+        </p:txBody>
+      </p:sp>
+      <p:cxnSp>
+        <p:nvCxnSpPr>
+          <p:cNvPr id="7" name="직선 연결선 6">
+            <a:extLst>
+              <a:ext uri="{FF2B5EF4-FFF2-40B4-BE49-F238E27FC236}">
+                <a16:creationId xmlns:a16="http://schemas.microsoft.com/office/drawing/2014/main" id="{2585E046-0EB0-4A38-9487-0FDCAD563659}"/>
+              </a:ext>
+            </a:extLst>
+          </p:cNvPr>
+          <p:cNvCxnSpPr/>
+          <p:nvPr/>
+        </p:nvCxnSpPr>
+        <p:spPr>
+          <a:xfrm>
+            <a:off x="30480" y="1143598"/>
+            <a:ext cx="2357120" cy="0"/>
+          </a:xfrm>
+          <a:prstGeom prst="line">
+            <a:avLst/>
+          </a:prstGeom>
+          <a:ln w="63500">
+            <a:solidFill>
+              <a:schemeClr val="tx1"/>
+            </a:solidFill>
+          </a:ln>
+        </p:spPr>
+        <p:style>
+          <a:lnRef idx="1">
+            <a:schemeClr val="accent1"/>
+          </a:lnRef>
+          <a:fillRef idx="0">
+            <a:schemeClr val="accent1"/>
+          </a:fillRef>
+          <a:effectRef idx="0">
+            <a:schemeClr val="accent1"/>
+          </a:effectRef>
+          <a:fontRef idx="minor">
+            <a:schemeClr val="tx1"/>
+          </a:fontRef>
+        </p:style>
+      </p:cxnSp>
+      <p:sp>
+        <p:nvSpPr>
+          <p:cNvPr id="8" name="TextBox 7">
+            <a:extLst>
+              <a:ext uri="{FF2B5EF4-FFF2-40B4-BE49-F238E27FC236}">
+                <a16:creationId xmlns:a16="http://schemas.microsoft.com/office/drawing/2014/main" id="{401ED521-CFE1-44B7-9BB3-E355239399D3}"/>
+              </a:ext>
+            </a:extLst>
+          </p:cNvPr>
+          <p:cNvSpPr txBox="1"/>
+          <p:nvPr/>
+        </p:nvSpPr>
+        <p:spPr>
+          <a:xfrm>
+            <a:off x="730922" y="2402136"/>
+            <a:ext cx="8554720" cy="3046988"/>
+          </a:xfrm>
+          <a:prstGeom prst="rect">
+            <a:avLst/>
+          </a:prstGeom>
+          <a:noFill/>
+          <a:ln>
+            <a:solidFill>
+              <a:schemeClr val="tx1"/>
+            </a:solidFill>
+          </a:ln>
+        </p:spPr>
+        <p:txBody>
+          <a:bodyPr wrap="square" rtlCol="0">
+            <a:spAutoFit/>
+          </a:bodyPr>
+          <a:lstStyle/>
+          <a:p>
+            <a:r>
+              <a:rPr lang="en-US" altLang="ko-KR" sz="2400">
+                <a:effectLst>
+                  <a:outerShdw blurRad="38100" dist="38100" dir="2700000" algn="tl">
+                    <a:srgbClr val="000000">
+                      <a:alpha val="43137"/>
+                    </a:srgbClr>
+                  </a:outerShdw>
+                </a:effectLst>
+              </a:rPr>
+              <a:t>#include &lt;stdio.h&gt;</a:t>
+            </a:r>
+          </a:p>
+          <a:p>
+            <a:endParaRPr lang="en-US" altLang="ko-KR" sz="2400">
+              <a:effectLst>
+                <a:outerShdw blurRad="38100" dist="38100" dir="2700000" algn="tl">
+                  <a:srgbClr val="000000">
+                    <a:alpha val="43137"/>
+                  </a:srgbClr>
+                </a:outerShdw>
+              </a:effectLst>
+            </a:endParaRPr>
+          </a:p>
+          <a:p>
+            <a:r>
+              <a:rPr lang="en-US" altLang="ko-KR" sz="2400">
+                <a:effectLst>
+                  <a:outerShdw blurRad="38100" dist="38100" dir="2700000" algn="tl">
+                    <a:srgbClr val="000000">
+                      <a:alpha val="43137"/>
+                    </a:srgbClr>
+                  </a:outerShdw>
+                </a:effectLst>
+              </a:rPr>
+              <a:t>int main() {</a:t>
+            </a:r>
+          </a:p>
+          <a:p>
+            <a:r>
+              <a:rPr lang="en-US" altLang="ko-KR" sz="2400">
+                <a:effectLst>
+                  <a:outerShdw blurRad="38100" dist="38100" dir="2700000" algn="tl">
+                    <a:srgbClr val="000000">
+                      <a:alpha val="43137"/>
+                    </a:srgbClr>
+                  </a:outerShdw>
+                </a:effectLst>
+              </a:rPr>
+              <a:t>	char name1[100] = “KimSeonHwi”; </a:t>
+            </a:r>
+          </a:p>
+          <a:p>
+            <a:r>
+              <a:rPr lang="en-US" altLang="ko-KR" sz="2400">
+                <a:effectLst>
+                  <a:outerShdw blurRad="38100" dist="38100" dir="2700000" algn="tl">
+                    <a:srgbClr val="000000">
+                      <a:alpha val="43137"/>
+                    </a:srgbClr>
+                  </a:outerShdw>
+                </a:effectLst>
+              </a:rPr>
+              <a:t>	char name2[100];</a:t>
+            </a:r>
+          </a:p>
+          <a:p>
+            <a:r>
+              <a:rPr lang="en-US" altLang="ko-KR" sz="2400">
+                <a:effectLst>
+                  <a:outerShdw blurRad="38100" dist="38100" dir="2700000" algn="tl">
+                    <a:srgbClr val="000000">
+                      <a:alpha val="43137"/>
+                    </a:srgbClr>
+                  </a:outerShdw>
+                </a:effectLst>
+              </a:rPr>
+              <a:t>	name2 = name1;</a:t>
+            </a:r>
+          </a:p>
+          <a:p>
+            <a:r>
+              <a:rPr lang="en-US" altLang="ko-KR" sz="2400">
+                <a:effectLst>
+                  <a:outerShdw blurRad="38100" dist="38100" dir="2700000" algn="tl">
+                    <a:srgbClr val="000000">
+                      <a:alpha val="43137"/>
+                    </a:srgbClr>
+                  </a:outerShdw>
+                </a:effectLst>
+              </a:rPr>
+              <a:t>	printf(“%s\n%s\n”, name1, name2);</a:t>
+            </a:r>
+          </a:p>
+          <a:p>
+            <a:r>
+              <a:rPr lang="en-US" altLang="ko-KR" sz="2400">
+                <a:effectLst>
+                  <a:outerShdw blurRad="38100" dist="38100" dir="2700000" algn="tl">
+                    <a:srgbClr val="000000">
+                      <a:alpha val="43137"/>
+                    </a:srgbClr>
+                  </a:outerShdw>
+                </a:effectLst>
+              </a:rPr>
+              <a:t>}</a:t>
+            </a:r>
+          </a:p>
+        </p:txBody>
+      </p:sp>
+      <p:sp>
+        <p:nvSpPr>
+          <p:cNvPr id="9" name="TextBox 8">
+            <a:extLst>
+              <a:ext uri="{FF2B5EF4-FFF2-40B4-BE49-F238E27FC236}">
+                <a16:creationId xmlns:a16="http://schemas.microsoft.com/office/drawing/2014/main" id="{0D9F02F6-35F7-46F5-8FFE-FBAD20732CDC}"/>
+              </a:ext>
+            </a:extLst>
+          </p:cNvPr>
+          <p:cNvSpPr txBox="1"/>
+          <p:nvPr/>
+        </p:nvSpPr>
+        <p:spPr>
+          <a:xfrm>
+            <a:off x="301812" y="1347761"/>
+            <a:ext cx="7700955" cy="461665"/>
+          </a:xfrm>
+          <a:prstGeom prst="rect">
+            <a:avLst/>
+          </a:prstGeom>
+          <a:noFill/>
+        </p:spPr>
+        <p:txBody>
+          <a:bodyPr wrap="square" rtlCol="0">
+            <a:spAutoFit/>
+          </a:bodyPr>
+          <a:lstStyle/>
+          <a:p>
+            <a:pPr marL="457200" indent="-457200">
+              <a:buFont typeface="Arial" panose="020B0604020202020204" pitchFamily="34" charset="0"/>
+              <a:buChar char="•"/>
+            </a:pPr>
+            <a:r>
+              <a:rPr lang="en-US" altLang="ko-KR" sz="2400" b="1">
+                <a:effectLst>
+                  <a:outerShdw blurRad="38100" dist="38100" dir="2700000" algn="tl">
+                    <a:srgbClr val="000000">
+                      <a:alpha val="43137"/>
+                    </a:srgbClr>
+                  </a:outerShdw>
+                </a:effectLst>
+              </a:rPr>
+              <a:t>String</a:t>
+            </a:r>
+            <a:r>
+              <a:rPr lang="ko-KR" altLang="en-US" sz="2400" b="1">
+                <a:effectLst>
+                  <a:outerShdw blurRad="38100" dist="38100" dir="2700000" algn="tl">
+                    <a:srgbClr val="000000">
+                      <a:alpha val="43137"/>
+                    </a:srgbClr>
+                  </a:outerShdw>
+                </a:effectLst>
+              </a:rPr>
+              <a:t>의 대입</a:t>
+            </a:r>
+            <a:endParaRPr lang="en-US" altLang="ko-KR" sz="2400" b="1">
+              <a:effectLst>
+                <a:outerShdw blurRad="38100" dist="38100" dir="2700000" algn="tl">
+                  <a:srgbClr val="000000">
+                    <a:alpha val="43137"/>
+                  </a:srgbClr>
+                </a:outerShdw>
+              </a:effectLst>
+            </a:endParaRPr>
+          </a:p>
+        </p:txBody>
+      </p:sp>
+      <p:sp>
+        <p:nvSpPr>
+          <p:cNvPr id="10" name="TextBox 9">
+            <a:extLst>
+              <a:ext uri="{FF2B5EF4-FFF2-40B4-BE49-F238E27FC236}">
+                <a16:creationId xmlns:a16="http://schemas.microsoft.com/office/drawing/2014/main" id="{A29EA04F-7B1B-49BC-ACB8-3B4FF42C8C33}"/>
+              </a:ext>
+            </a:extLst>
+          </p:cNvPr>
+          <p:cNvSpPr txBox="1"/>
+          <p:nvPr/>
+        </p:nvSpPr>
+        <p:spPr>
+          <a:xfrm>
+            <a:off x="730922" y="1941546"/>
+            <a:ext cx="9300584" cy="461665"/>
+          </a:xfrm>
+          <a:prstGeom prst="rect">
+            <a:avLst/>
+          </a:prstGeom>
+          <a:noFill/>
+        </p:spPr>
+        <p:txBody>
+          <a:bodyPr wrap="square" rtlCol="0">
+            <a:spAutoFit/>
+          </a:bodyPr>
+          <a:lstStyle/>
+          <a:p>
+            <a:r>
+              <a:rPr lang="ko-KR" altLang="en-US" sz="2400">
+                <a:effectLst>
+                  <a:outerShdw blurRad="38100" dist="38100" dir="2700000" algn="tl">
+                    <a:srgbClr val="000000">
+                      <a:alpha val="43137"/>
+                    </a:srgbClr>
+                  </a:outerShdw>
+                </a:effectLst>
+              </a:rPr>
+              <a:t>이렇게 입력하면 </a:t>
+            </a:r>
+            <a:r>
+              <a:rPr lang="en-US" altLang="ko-KR" sz="2400">
+                <a:effectLst>
+                  <a:outerShdw blurRad="38100" dist="38100" dir="2700000" algn="tl">
+                    <a:srgbClr val="000000">
+                      <a:alpha val="43137"/>
+                    </a:srgbClr>
+                  </a:outerShdw>
+                </a:effectLst>
+              </a:rPr>
+              <a:t>name1</a:t>
+            </a:r>
+            <a:r>
+              <a:rPr lang="ko-KR" altLang="en-US" sz="2400">
+                <a:effectLst>
+                  <a:outerShdw blurRad="38100" dist="38100" dir="2700000" algn="tl">
+                    <a:srgbClr val="000000">
+                      <a:alpha val="43137"/>
+                    </a:srgbClr>
+                  </a:outerShdw>
+                </a:effectLst>
+              </a:rPr>
+              <a:t>의 내용이 </a:t>
+            </a:r>
+            <a:r>
+              <a:rPr lang="en-US" altLang="ko-KR" sz="2400">
+                <a:effectLst>
+                  <a:outerShdw blurRad="38100" dist="38100" dir="2700000" algn="tl">
+                    <a:srgbClr val="000000">
+                      <a:alpha val="43137"/>
+                    </a:srgbClr>
+                  </a:outerShdw>
+                </a:effectLst>
+              </a:rPr>
+              <a:t>name2</a:t>
+            </a:r>
+            <a:r>
+              <a:rPr lang="ko-KR" altLang="en-US" sz="2400">
+                <a:effectLst>
+                  <a:outerShdw blurRad="38100" dist="38100" dir="2700000" algn="tl">
+                    <a:srgbClr val="000000">
+                      <a:alpha val="43137"/>
+                    </a:srgbClr>
+                  </a:outerShdw>
+                </a:effectLst>
+              </a:rPr>
+              <a:t>에 들어갈까요</a:t>
+            </a:r>
+            <a:r>
+              <a:rPr lang="en-US" altLang="ko-KR" sz="2400">
+                <a:effectLst>
+                  <a:outerShdw blurRad="38100" dist="38100" dir="2700000" algn="tl">
+                    <a:srgbClr val="000000">
+                      <a:alpha val="43137"/>
+                    </a:srgbClr>
+                  </a:outerShdw>
+                </a:effectLst>
+              </a:rPr>
+              <a:t>?</a:t>
+            </a:r>
+          </a:p>
+        </p:txBody>
+      </p:sp>
+    </p:spTree>
+    <p:extLst>
+      <p:ext uri="{BB962C8B-B14F-4D97-AF65-F5344CB8AC3E}">
+        <p14:creationId xmlns:p14="http://schemas.microsoft.com/office/powerpoint/2010/main" val="381049518"/>
+      </p:ext>
+    </p:extLst>
+  </p:cSld>
+  <p:clrMapOvr>
+    <a:masterClrMapping/>
+  </p:clrMapOvr>
+</p:sld>
+</file>
+
+<file path=ppt/slides/slide13.xml><?xml version="1.0" encoding="utf-8"?>
+<p:sld xmlns:a="http://schemas.openxmlformats.org/drawingml/2006/main" xmlns:r="http://schemas.openxmlformats.org/officeDocument/2006/relationships" xmlns:p="http://schemas.openxmlformats.org/presentationml/2006/main">
+  <p:cSld>
+    <p:spTree>
+      <p:nvGrpSpPr>
+        <p:cNvPr id="1" name=""/>
+        <p:cNvGrpSpPr/>
+        <p:nvPr/>
+      </p:nvGrpSpPr>
+      <p:grpSpPr>
+        <a:xfrm>
+          <a:off x="0" y="0"/>
+          <a:ext cx="0" cy="0"/>
+          <a:chOff x="0" y="0"/>
+          <a:chExt cx="0" cy="0"/>
+        </a:xfrm>
+      </p:grpSpPr>
+      <p:pic>
+        <p:nvPicPr>
+          <p:cNvPr id="6" name="그림 5" descr="화살이(가) 표시된 사진&#10;&#10;자동 생성된 설명">
+            <a:extLst>
+              <a:ext uri="{FF2B5EF4-FFF2-40B4-BE49-F238E27FC236}">
+                <a16:creationId xmlns:a16="http://schemas.microsoft.com/office/drawing/2014/main" id="{A56C6D43-05A3-4988-A7D7-3D59E2F65C17}"/>
+              </a:ext>
+            </a:extLst>
+          </p:cNvPr>
+          <p:cNvPicPr>
+            <a:picLocks noChangeAspect="1"/>
+          </p:cNvPicPr>
+          <p:nvPr/>
+        </p:nvPicPr>
+        <p:blipFill>
+          <a:blip r:embed="rId2">
+            <a:alphaModFix amt="5000"/>
+            <a:extLst>
+              <a:ext uri="{28A0092B-C50C-407E-A947-70E740481C1C}">
+                <a14:useLocalDpi xmlns:a14="http://schemas.microsoft.com/office/drawing/2010/main" val="0"/>
+              </a:ext>
+            </a:extLst>
+          </a:blip>
+          <a:stretch>
+            <a:fillRect/>
+          </a:stretch>
+        </p:blipFill>
+        <p:spPr>
+          <a:xfrm>
+            <a:off x="1209040" y="-1"/>
+            <a:ext cx="9875520" cy="6857429"/>
+          </a:xfrm>
+          <a:prstGeom prst="rect">
+            <a:avLst/>
+          </a:prstGeom>
+        </p:spPr>
+      </p:pic>
+      <p:sp>
+        <p:nvSpPr>
+          <p:cNvPr id="2" name="제목 1">
+            <a:extLst>
+              <a:ext uri="{FF2B5EF4-FFF2-40B4-BE49-F238E27FC236}">
+                <a16:creationId xmlns:a16="http://schemas.microsoft.com/office/drawing/2014/main" id="{B5F771FA-F15B-46C3-BA0D-4B28CB171312}"/>
+              </a:ext>
+            </a:extLst>
+          </p:cNvPr>
+          <p:cNvSpPr>
+            <a:spLocks noGrp="1"/>
+          </p:cNvSpPr>
+          <p:nvPr>
+            <p:ph type="ctrTitle"/>
+          </p:nvPr>
+        </p:nvSpPr>
+        <p:spPr>
+          <a:xfrm>
+            <a:off x="301812" y="210670"/>
+            <a:ext cx="11689976" cy="851648"/>
+          </a:xfrm>
+        </p:spPr>
+        <p:txBody>
+          <a:bodyPr>
+            <a:normAutofit fontScale="90000"/>
+          </a:bodyPr>
+          <a:lstStyle/>
+          <a:p>
+            <a:pPr algn="l"/>
+            <a:r>
+              <a:rPr lang="en-US" altLang="ko-KR" b="1">
+                <a:effectLst>
+                  <a:outerShdw blurRad="38100" dist="38100" dir="2700000" algn="tl">
+                    <a:srgbClr val="000000">
+                      <a:alpha val="43137"/>
+                    </a:srgbClr>
+                  </a:outerShdw>
+                </a:effectLst>
+              </a:rPr>
+              <a:t>String</a:t>
+            </a:r>
+            <a:endParaRPr lang="ko-KR" altLang="en-US" b="1">
+              <a:effectLst>
+                <a:outerShdw blurRad="38100" dist="38100" dir="2700000" algn="tl">
+                  <a:srgbClr val="000000">
+                    <a:alpha val="43137"/>
+                  </a:srgbClr>
+                </a:outerShdw>
+              </a:effectLst>
+            </a:endParaRPr>
+          </a:p>
+        </p:txBody>
+      </p:sp>
+      <p:sp>
+        <p:nvSpPr>
+          <p:cNvPr id="4" name="이등변 삼각형 3">
+            <a:extLst>
+              <a:ext uri="{FF2B5EF4-FFF2-40B4-BE49-F238E27FC236}">
+                <a16:creationId xmlns:a16="http://schemas.microsoft.com/office/drawing/2014/main" id="{D82EB4D7-301B-4780-87C6-7D1E66BD5181}"/>
+              </a:ext>
+            </a:extLst>
+          </p:cNvPr>
+          <p:cNvSpPr/>
+          <p:nvPr/>
+        </p:nvSpPr>
+        <p:spPr>
+          <a:xfrm rot="10800000">
+            <a:off x="11204089" y="-1"/>
+            <a:ext cx="987911" cy="851647"/>
+          </a:xfrm>
+          <a:prstGeom prst="triangle">
+            <a:avLst>
+              <a:gd name="adj" fmla="val 0"/>
+            </a:avLst>
+          </a:prstGeom>
+          <a:solidFill>
+            <a:schemeClr val="tx1"/>
+          </a:solidFill>
+          <a:ln>
+            <a:solidFill>
+              <a:schemeClr val="tx1"/>
+            </a:solidFill>
+          </a:ln>
+        </p:spPr>
+        <p:style>
+          <a:lnRef idx="2">
+            <a:schemeClr val="accent1">
+              <a:shade val="50000"/>
+            </a:schemeClr>
+          </a:lnRef>
+          <a:fillRef idx="1">
+            <a:schemeClr val="accent1"/>
+          </a:fillRef>
+          <a:effectRef idx="0">
+            <a:schemeClr val="accent1"/>
+          </a:effectRef>
+          <a:fontRef idx="minor">
+            <a:schemeClr val="lt1"/>
+          </a:fontRef>
+        </p:style>
+        <p:txBody>
+          <a:bodyPr rtlCol="0" anchor="ctr"/>
+          <a:lstStyle/>
+          <a:p>
+            <a:pPr algn="ctr"/>
+            <a:endParaRPr lang="ko-KR" altLang="en-US"/>
+          </a:p>
+        </p:txBody>
+      </p:sp>
+      <p:cxnSp>
+        <p:nvCxnSpPr>
+          <p:cNvPr id="7" name="직선 연결선 6">
+            <a:extLst>
+              <a:ext uri="{FF2B5EF4-FFF2-40B4-BE49-F238E27FC236}">
+                <a16:creationId xmlns:a16="http://schemas.microsoft.com/office/drawing/2014/main" id="{2585E046-0EB0-4A38-9487-0FDCAD563659}"/>
+              </a:ext>
+            </a:extLst>
+          </p:cNvPr>
+          <p:cNvCxnSpPr/>
+          <p:nvPr/>
+        </p:nvCxnSpPr>
+        <p:spPr>
+          <a:xfrm>
+            <a:off x="30480" y="1143598"/>
+            <a:ext cx="2357120" cy="0"/>
+          </a:xfrm>
+          <a:prstGeom prst="line">
+            <a:avLst/>
+          </a:prstGeom>
+          <a:ln w="63500">
+            <a:solidFill>
+              <a:schemeClr val="tx1"/>
+            </a:solidFill>
+          </a:ln>
+        </p:spPr>
+        <p:style>
+          <a:lnRef idx="1">
+            <a:schemeClr val="accent1"/>
+          </a:lnRef>
+          <a:fillRef idx="0">
+            <a:schemeClr val="accent1"/>
+          </a:fillRef>
+          <a:effectRef idx="0">
+            <a:schemeClr val="accent1"/>
+          </a:effectRef>
+          <a:fontRef idx="minor">
+            <a:schemeClr val="tx1"/>
+          </a:fontRef>
+        </p:style>
+      </p:cxnSp>
+      <p:sp>
+        <p:nvSpPr>
+          <p:cNvPr id="8" name="TextBox 7">
+            <a:extLst>
+              <a:ext uri="{FF2B5EF4-FFF2-40B4-BE49-F238E27FC236}">
+                <a16:creationId xmlns:a16="http://schemas.microsoft.com/office/drawing/2014/main" id="{401ED521-CFE1-44B7-9BB3-E355239399D3}"/>
+              </a:ext>
+            </a:extLst>
+          </p:cNvPr>
+          <p:cNvSpPr txBox="1"/>
+          <p:nvPr/>
+        </p:nvSpPr>
+        <p:spPr>
+          <a:xfrm>
+            <a:off x="626607" y="1810052"/>
+            <a:ext cx="8554720" cy="830997"/>
+          </a:xfrm>
+          <a:prstGeom prst="rect">
+            <a:avLst/>
+          </a:prstGeom>
+          <a:noFill/>
+        </p:spPr>
+        <p:txBody>
+          <a:bodyPr wrap="square" rtlCol="0">
+            <a:spAutoFit/>
+          </a:bodyPr>
+          <a:lstStyle/>
+          <a:p>
+            <a:r>
+              <a:rPr lang="en-US" altLang="ko-KR" sz="2400">
+                <a:effectLst>
+                  <a:outerShdw blurRad="38100" dist="38100" dir="2700000" algn="tl">
+                    <a:srgbClr val="000000">
+                      <a:alpha val="43137"/>
+                    </a:srgbClr>
+                  </a:outerShdw>
+                </a:effectLst>
+              </a:rPr>
+              <a:t>#include &lt;string.h&gt;</a:t>
+            </a:r>
+            <a:r>
+              <a:rPr lang="ko-KR" altLang="en-US" sz="2400">
+                <a:effectLst>
+                  <a:outerShdw blurRad="38100" dist="38100" dir="2700000" algn="tl">
+                    <a:srgbClr val="000000">
+                      <a:alpha val="43137"/>
+                    </a:srgbClr>
+                  </a:outerShdw>
+                </a:effectLst>
+              </a:rPr>
+              <a:t>를 통해 </a:t>
+            </a:r>
+            <a:r>
+              <a:rPr lang="en-US" altLang="ko-KR" sz="2400">
+                <a:effectLst>
+                  <a:outerShdw blurRad="38100" dist="38100" dir="2700000" algn="tl">
+                    <a:srgbClr val="000000">
+                      <a:alpha val="43137"/>
+                    </a:srgbClr>
+                  </a:outerShdw>
+                </a:effectLst>
+              </a:rPr>
+              <a:t>string.h</a:t>
+            </a:r>
+            <a:r>
+              <a:rPr lang="ko-KR" altLang="en-US" sz="2400">
+                <a:effectLst>
+                  <a:outerShdw blurRad="38100" dist="38100" dir="2700000" algn="tl">
+                    <a:srgbClr val="000000">
+                      <a:alpha val="43137"/>
+                    </a:srgbClr>
+                  </a:outerShdw>
+                </a:effectLst>
+              </a:rPr>
+              <a:t>를 포함시키면 다양한 </a:t>
+            </a:r>
+            <a:endParaRPr lang="en-US" altLang="ko-KR" sz="2400">
+              <a:effectLst>
+                <a:outerShdw blurRad="38100" dist="38100" dir="2700000" algn="tl">
+                  <a:srgbClr val="000000">
+                    <a:alpha val="43137"/>
+                  </a:srgbClr>
+                </a:outerShdw>
+              </a:effectLst>
+            </a:endParaRPr>
+          </a:p>
+          <a:p>
+            <a:r>
+              <a:rPr lang="en-US" altLang="ko-KR" sz="2400">
+                <a:effectLst>
+                  <a:outerShdw blurRad="38100" dist="38100" dir="2700000" algn="tl">
+                    <a:srgbClr val="000000">
+                      <a:alpha val="43137"/>
+                    </a:srgbClr>
+                  </a:outerShdw>
+                </a:effectLst>
+              </a:rPr>
+              <a:t>string</a:t>
+            </a:r>
+            <a:r>
+              <a:rPr lang="ko-KR" altLang="en-US" sz="2400">
+                <a:effectLst>
+                  <a:outerShdw blurRad="38100" dist="38100" dir="2700000" algn="tl">
+                    <a:srgbClr val="000000">
+                      <a:alpha val="43137"/>
+                    </a:srgbClr>
+                  </a:outerShdw>
+                </a:effectLst>
+              </a:rPr>
+              <a:t>관련 함수 이용 가능</a:t>
+            </a:r>
+            <a:endParaRPr lang="en-US" altLang="ko-KR" sz="2400">
+              <a:effectLst>
+                <a:outerShdw blurRad="38100" dist="38100" dir="2700000" algn="tl">
+                  <a:srgbClr val="000000">
+                    <a:alpha val="43137"/>
+                  </a:srgbClr>
+                </a:outerShdw>
+              </a:effectLst>
+            </a:endParaRPr>
+          </a:p>
+        </p:txBody>
+      </p:sp>
+      <p:sp>
+        <p:nvSpPr>
+          <p:cNvPr id="9" name="TextBox 8">
+            <a:extLst>
+              <a:ext uri="{FF2B5EF4-FFF2-40B4-BE49-F238E27FC236}">
+                <a16:creationId xmlns:a16="http://schemas.microsoft.com/office/drawing/2014/main" id="{0D9F02F6-35F7-46F5-8FFE-FBAD20732CDC}"/>
+              </a:ext>
+            </a:extLst>
+          </p:cNvPr>
+          <p:cNvSpPr txBox="1"/>
+          <p:nvPr/>
+        </p:nvSpPr>
+        <p:spPr>
+          <a:xfrm>
+            <a:off x="301812" y="1347761"/>
+            <a:ext cx="7700955" cy="461665"/>
+          </a:xfrm>
+          <a:prstGeom prst="rect">
+            <a:avLst/>
+          </a:prstGeom>
+          <a:noFill/>
+        </p:spPr>
+        <p:txBody>
+          <a:bodyPr wrap="square" rtlCol="0">
+            <a:spAutoFit/>
+          </a:bodyPr>
+          <a:lstStyle/>
+          <a:p>
+            <a:pPr marL="457200" indent="-457200">
+              <a:buFont typeface="Arial" panose="020B0604020202020204" pitchFamily="34" charset="0"/>
+              <a:buChar char="•"/>
+            </a:pPr>
+            <a:r>
+              <a:rPr lang="en-US" altLang="ko-KR" sz="2400" b="1">
+                <a:effectLst>
+                  <a:outerShdw blurRad="38100" dist="38100" dir="2700000" algn="tl">
+                    <a:srgbClr val="000000">
+                      <a:alpha val="43137"/>
+                    </a:srgbClr>
+                  </a:outerShdw>
+                </a:effectLst>
+              </a:rPr>
+              <a:t>string.h</a:t>
+            </a:r>
+          </a:p>
+        </p:txBody>
+      </p:sp>
+      <p:sp>
+        <p:nvSpPr>
+          <p:cNvPr id="12" name="TextBox 11">
+            <a:extLst>
+              <a:ext uri="{FF2B5EF4-FFF2-40B4-BE49-F238E27FC236}">
+                <a16:creationId xmlns:a16="http://schemas.microsoft.com/office/drawing/2014/main" id="{58B23639-8E26-4765-9ED6-11518F66D22D}"/>
+              </a:ext>
+            </a:extLst>
+          </p:cNvPr>
+          <p:cNvSpPr txBox="1"/>
+          <p:nvPr/>
+        </p:nvSpPr>
+        <p:spPr>
+          <a:xfrm>
+            <a:off x="4200561" y="3472046"/>
+            <a:ext cx="7497483" cy="369332"/>
+          </a:xfrm>
+          <a:prstGeom prst="rect">
+            <a:avLst/>
+          </a:prstGeom>
+          <a:noFill/>
+        </p:spPr>
+        <p:txBody>
+          <a:bodyPr wrap="square" rtlCol="0">
+            <a:spAutoFit/>
+          </a:bodyPr>
+          <a:lstStyle/>
+          <a:p>
+            <a:r>
+              <a:rPr lang="ko-KR" altLang="en-US">
+                <a:solidFill>
+                  <a:srgbClr val="0000FF"/>
+                </a:solidFill>
+                <a:effectLst>
+                  <a:outerShdw blurRad="38100" dist="38100" dir="2700000" algn="tl">
+                    <a:srgbClr val="000000">
+                      <a:alpha val="43137"/>
+                    </a:srgbClr>
+                  </a:outerShdw>
+                </a:effectLst>
+              </a:rPr>
+              <a:t>너무 많으니 한 번 검색해서 찾아보세요</a:t>
+            </a:r>
+            <a:endParaRPr lang="en-US" altLang="ko-KR">
+              <a:solidFill>
+                <a:srgbClr val="0000FF"/>
+              </a:solidFill>
+              <a:effectLst>
+                <a:outerShdw blurRad="38100" dist="38100" dir="2700000" algn="tl">
+                  <a:srgbClr val="000000">
+                    <a:alpha val="43137"/>
+                  </a:srgbClr>
+                </a:outerShdw>
+              </a:effectLst>
+            </a:endParaRPr>
+          </a:p>
+        </p:txBody>
+      </p:sp>
+      <p:sp>
+        <p:nvSpPr>
+          <p:cNvPr id="10" name="TextBox 9">
+            <a:extLst>
+              <a:ext uri="{FF2B5EF4-FFF2-40B4-BE49-F238E27FC236}">
+                <a16:creationId xmlns:a16="http://schemas.microsoft.com/office/drawing/2014/main" id="{A29EA04F-7B1B-49BC-ACB8-3B4FF42C8C33}"/>
+              </a:ext>
+            </a:extLst>
+          </p:cNvPr>
+          <p:cNvSpPr txBox="1"/>
+          <p:nvPr/>
+        </p:nvSpPr>
+        <p:spPr>
+          <a:xfrm>
+            <a:off x="626607" y="2641049"/>
+            <a:ext cx="9300584" cy="830997"/>
+          </a:xfrm>
+          <a:prstGeom prst="rect">
+            <a:avLst/>
+          </a:prstGeom>
+          <a:noFill/>
+        </p:spPr>
+        <p:txBody>
+          <a:bodyPr wrap="square" rtlCol="0">
+            <a:spAutoFit/>
+          </a:bodyPr>
+          <a:lstStyle/>
+          <a:p>
+            <a:r>
+              <a:rPr lang="en-US" altLang="ko-KR" sz="2400">
+                <a:effectLst>
+                  <a:outerShdw blurRad="38100" dist="38100" dir="2700000" algn="tl">
+                    <a:srgbClr val="000000">
+                      <a:alpha val="43137"/>
+                    </a:srgbClr>
+                  </a:outerShdw>
+                </a:effectLst>
+              </a:rPr>
+              <a:t>string </a:t>
+            </a:r>
+            <a:r>
+              <a:rPr lang="ko-KR" altLang="en-US" sz="2400">
+                <a:effectLst>
+                  <a:outerShdw blurRad="38100" dist="38100" dir="2700000" algn="tl">
+                    <a:srgbClr val="000000">
+                      <a:alpha val="43137"/>
+                    </a:srgbClr>
+                  </a:outerShdw>
+                </a:effectLst>
+              </a:rPr>
+              <a:t>복사하기</a:t>
+            </a:r>
+            <a:r>
+              <a:rPr lang="en-US" altLang="ko-KR" sz="2400">
+                <a:effectLst>
+                  <a:outerShdw blurRad="38100" dist="38100" dir="2700000" algn="tl">
+                    <a:srgbClr val="000000">
+                      <a:alpha val="43137"/>
+                    </a:srgbClr>
+                  </a:outerShdw>
+                </a:effectLst>
+              </a:rPr>
+              <a:t>, strin</a:t>
+            </a:r>
+            <a:r>
+              <a:rPr lang="ko-KR" altLang="en-US" sz="2400">
+                <a:effectLst>
+                  <a:outerShdw blurRad="38100" dist="38100" dir="2700000" algn="tl">
+                    <a:srgbClr val="000000">
+                      <a:alpha val="43137"/>
+                    </a:srgbClr>
+                  </a:outerShdw>
+                </a:effectLst>
+              </a:rPr>
+              <a:t>에 들어온 문자열 수 계산하기</a:t>
+            </a:r>
+            <a:r>
+              <a:rPr lang="en-US" altLang="ko-KR" sz="2400">
+                <a:effectLst>
+                  <a:outerShdw blurRad="38100" dist="38100" dir="2700000" algn="tl">
+                    <a:srgbClr val="000000">
+                      <a:alpha val="43137"/>
+                    </a:srgbClr>
+                  </a:outerShdw>
+                </a:effectLst>
+              </a:rPr>
+              <a:t>,</a:t>
+            </a:r>
+          </a:p>
+          <a:p>
+            <a:r>
+              <a:rPr lang="ko-KR" altLang="en-US" sz="2400">
+                <a:effectLst>
+                  <a:outerShdw blurRad="38100" dist="38100" dir="2700000" algn="tl">
+                    <a:srgbClr val="000000">
+                      <a:alpha val="43137"/>
+                    </a:srgbClr>
+                  </a:outerShdw>
+                </a:effectLst>
+              </a:rPr>
+              <a:t>특정 단어 찾기 등</a:t>
+            </a:r>
+            <a:r>
+              <a:rPr lang="en-US" altLang="ko-KR" sz="2400">
+                <a:effectLst>
+                  <a:outerShdw blurRad="38100" dist="38100" dir="2700000" algn="tl">
+                    <a:srgbClr val="000000">
+                      <a:alpha val="43137"/>
+                    </a:srgbClr>
+                  </a:outerShdw>
+                </a:effectLst>
+              </a:rPr>
+              <a:t>...</a:t>
+            </a:r>
+          </a:p>
+        </p:txBody>
+      </p:sp>
+    </p:spTree>
+    <p:extLst>
+      <p:ext uri="{BB962C8B-B14F-4D97-AF65-F5344CB8AC3E}">
+        <p14:creationId xmlns:p14="http://schemas.microsoft.com/office/powerpoint/2010/main" val="3447259264"/>
+      </p:ext>
+    </p:extLst>
+  </p:cSld>
+  <p:clrMapOvr>
+    <a:masterClrMapping/>
+  </p:clrMapOvr>
+</p:sld>
+</file>
+
+<file path=ppt/slides/slide14.xml><?xml version="1.0" encoding="utf-8"?>
+<p:sld xmlns:a="http://schemas.openxmlformats.org/drawingml/2006/main" xmlns:r="http://schemas.openxmlformats.org/officeDocument/2006/relationships" xmlns:p="http://schemas.openxmlformats.org/presentationml/2006/main">
+  <p:cSld>
+    <p:spTree>
+      <p:nvGrpSpPr>
+        <p:cNvPr id="1" name=""/>
+        <p:cNvGrpSpPr/>
+        <p:nvPr/>
+      </p:nvGrpSpPr>
+      <p:grpSpPr>
+        <a:xfrm>
+          <a:off x="0" y="0"/>
+          <a:ext cx="0" cy="0"/>
+          <a:chOff x="0" y="0"/>
+          <a:chExt cx="0" cy="0"/>
+        </a:xfrm>
+      </p:grpSpPr>
+      <p:pic>
+        <p:nvPicPr>
+          <p:cNvPr id="6" name="그림 5" descr="화살이(가) 표시된 사진&#10;&#10;자동 생성된 설명">
+            <a:extLst>
+              <a:ext uri="{FF2B5EF4-FFF2-40B4-BE49-F238E27FC236}">
+                <a16:creationId xmlns:a16="http://schemas.microsoft.com/office/drawing/2014/main" id="{A56C6D43-05A3-4988-A7D7-3D59E2F65C17}"/>
+              </a:ext>
+            </a:extLst>
+          </p:cNvPr>
+          <p:cNvPicPr>
+            <a:picLocks noChangeAspect="1"/>
+          </p:cNvPicPr>
+          <p:nvPr/>
+        </p:nvPicPr>
+        <p:blipFill>
+          <a:blip r:embed="rId2">
+            <a:alphaModFix amt="5000"/>
+            <a:extLst>
+              <a:ext uri="{28A0092B-C50C-407E-A947-70E740481C1C}">
+                <a14:useLocalDpi xmlns:a14="http://schemas.microsoft.com/office/drawing/2010/main" val="0"/>
+              </a:ext>
+            </a:extLst>
+          </a:blip>
+          <a:stretch>
+            <a:fillRect/>
+          </a:stretch>
+        </p:blipFill>
+        <p:spPr>
+          <a:xfrm>
+            <a:off x="1209040" y="-1"/>
+            <a:ext cx="9875520" cy="6857429"/>
+          </a:xfrm>
+          <a:prstGeom prst="rect">
+            <a:avLst/>
+          </a:prstGeom>
+        </p:spPr>
+      </p:pic>
+      <p:sp>
+        <p:nvSpPr>
+          <p:cNvPr id="2" name="제목 1">
+            <a:extLst>
+              <a:ext uri="{FF2B5EF4-FFF2-40B4-BE49-F238E27FC236}">
+                <a16:creationId xmlns:a16="http://schemas.microsoft.com/office/drawing/2014/main" id="{B5F771FA-F15B-46C3-BA0D-4B28CB171312}"/>
+              </a:ext>
+            </a:extLst>
+          </p:cNvPr>
+          <p:cNvSpPr>
+            <a:spLocks noGrp="1"/>
+          </p:cNvSpPr>
+          <p:nvPr>
+            <p:ph type="ctrTitle"/>
+          </p:nvPr>
+        </p:nvSpPr>
+        <p:spPr>
+          <a:xfrm>
+            <a:off x="301812" y="210670"/>
+            <a:ext cx="11689976" cy="851648"/>
+          </a:xfrm>
+        </p:spPr>
+        <p:txBody>
+          <a:bodyPr>
+            <a:normAutofit fontScale="90000"/>
+          </a:bodyPr>
+          <a:lstStyle/>
+          <a:p>
+            <a:pPr algn="l"/>
+            <a:r>
+              <a:rPr lang="en-US" altLang="ko-KR" b="1">
+                <a:effectLst>
+                  <a:outerShdw blurRad="38100" dist="38100" dir="2700000" algn="tl">
+                    <a:srgbClr val="000000">
+                      <a:alpha val="43137"/>
+                    </a:srgbClr>
+                  </a:outerShdw>
+                </a:effectLst>
+              </a:rPr>
+              <a:t>String</a:t>
+            </a:r>
+            <a:endParaRPr lang="ko-KR" altLang="en-US" b="1">
+              <a:effectLst>
+                <a:outerShdw blurRad="38100" dist="38100" dir="2700000" algn="tl">
+                  <a:srgbClr val="000000">
+                    <a:alpha val="43137"/>
+                  </a:srgbClr>
+                </a:outerShdw>
+              </a:effectLst>
+            </a:endParaRPr>
+          </a:p>
+        </p:txBody>
+      </p:sp>
+      <p:sp>
+        <p:nvSpPr>
+          <p:cNvPr id="4" name="이등변 삼각형 3">
+            <a:extLst>
+              <a:ext uri="{FF2B5EF4-FFF2-40B4-BE49-F238E27FC236}">
+                <a16:creationId xmlns:a16="http://schemas.microsoft.com/office/drawing/2014/main" id="{D82EB4D7-301B-4780-87C6-7D1E66BD5181}"/>
+              </a:ext>
+            </a:extLst>
+          </p:cNvPr>
+          <p:cNvSpPr/>
+          <p:nvPr/>
+        </p:nvSpPr>
+        <p:spPr>
+          <a:xfrm rot="10800000">
+            <a:off x="11204089" y="-1"/>
+            <a:ext cx="987911" cy="851647"/>
+          </a:xfrm>
+          <a:prstGeom prst="triangle">
+            <a:avLst>
+              <a:gd name="adj" fmla="val 0"/>
+            </a:avLst>
+          </a:prstGeom>
+          <a:solidFill>
+            <a:schemeClr val="tx1"/>
+          </a:solidFill>
+          <a:ln>
+            <a:solidFill>
+              <a:schemeClr val="tx1"/>
+            </a:solidFill>
+          </a:ln>
+        </p:spPr>
+        <p:style>
+          <a:lnRef idx="2">
+            <a:schemeClr val="accent1">
+              <a:shade val="50000"/>
+            </a:schemeClr>
+          </a:lnRef>
+          <a:fillRef idx="1">
+            <a:schemeClr val="accent1"/>
+          </a:fillRef>
+          <a:effectRef idx="0">
+            <a:schemeClr val="accent1"/>
+          </a:effectRef>
+          <a:fontRef idx="minor">
+            <a:schemeClr val="lt1"/>
+          </a:fontRef>
+        </p:style>
+        <p:txBody>
+          <a:bodyPr rtlCol="0" anchor="ctr"/>
+          <a:lstStyle/>
+          <a:p>
+            <a:pPr algn="ctr"/>
+            <a:endParaRPr lang="ko-KR" altLang="en-US"/>
+          </a:p>
+        </p:txBody>
+      </p:sp>
+      <p:cxnSp>
+        <p:nvCxnSpPr>
+          <p:cNvPr id="7" name="직선 연결선 6">
+            <a:extLst>
+              <a:ext uri="{FF2B5EF4-FFF2-40B4-BE49-F238E27FC236}">
+                <a16:creationId xmlns:a16="http://schemas.microsoft.com/office/drawing/2014/main" id="{2585E046-0EB0-4A38-9487-0FDCAD563659}"/>
+              </a:ext>
+            </a:extLst>
+          </p:cNvPr>
+          <p:cNvCxnSpPr/>
+          <p:nvPr/>
+        </p:nvCxnSpPr>
+        <p:spPr>
+          <a:xfrm>
+            <a:off x="30480" y="1143598"/>
+            <a:ext cx="2357120" cy="0"/>
+          </a:xfrm>
+          <a:prstGeom prst="line">
+            <a:avLst/>
+          </a:prstGeom>
+          <a:ln w="63500">
+            <a:solidFill>
+              <a:schemeClr val="tx1"/>
+            </a:solidFill>
+          </a:ln>
+        </p:spPr>
+        <p:style>
+          <a:lnRef idx="1">
+            <a:schemeClr val="accent1"/>
+          </a:lnRef>
+          <a:fillRef idx="0">
+            <a:schemeClr val="accent1"/>
+          </a:fillRef>
+          <a:effectRef idx="0">
+            <a:schemeClr val="accent1"/>
+          </a:effectRef>
+          <a:fontRef idx="minor">
+            <a:schemeClr val="tx1"/>
+          </a:fontRef>
+        </p:style>
+      </p:cxnSp>
+      <p:sp>
+        <p:nvSpPr>
+          <p:cNvPr id="8" name="TextBox 7">
+            <a:extLst>
+              <a:ext uri="{FF2B5EF4-FFF2-40B4-BE49-F238E27FC236}">
+                <a16:creationId xmlns:a16="http://schemas.microsoft.com/office/drawing/2014/main" id="{401ED521-CFE1-44B7-9BB3-E355239399D3}"/>
+              </a:ext>
+            </a:extLst>
+          </p:cNvPr>
+          <p:cNvSpPr txBox="1"/>
+          <p:nvPr/>
+        </p:nvSpPr>
+        <p:spPr>
+          <a:xfrm>
+            <a:off x="730922" y="2402136"/>
+            <a:ext cx="8554720" cy="3416320"/>
+          </a:xfrm>
+          <a:prstGeom prst="rect">
+            <a:avLst/>
+          </a:prstGeom>
+          <a:noFill/>
+          <a:ln>
+            <a:solidFill>
+              <a:schemeClr val="tx1"/>
+            </a:solidFill>
+          </a:ln>
+        </p:spPr>
+        <p:txBody>
+          <a:bodyPr wrap="square" rtlCol="0">
+            <a:spAutoFit/>
+          </a:bodyPr>
+          <a:lstStyle/>
+          <a:p>
+            <a:r>
+              <a:rPr lang="en-US" altLang="ko-KR" sz="2400">
+                <a:effectLst>
+                  <a:outerShdw blurRad="38100" dist="38100" dir="2700000" algn="tl">
+                    <a:srgbClr val="000000">
+                      <a:alpha val="43137"/>
+                    </a:srgbClr>
+                  </a:outerShdw>
+                </a:effectLst>
+              </a:rPr>
+              <a:t>#include &lt;stdio.h&gt;</a:t>
+            </a:r>
+          </a:p>
+          <a:p>
+            <a:r>
+              <a:rPr lang="en-US" altLang="ko-KR" sz="2400">
+                <a:effectLst>
+                  <a:outerShdw blurRad="38100" dist="38100" dir="2700000" algn="tl">
+                    <a:srgbClr val="000000">
+                      <a:alpha val="43137"/>
+                    </a:srgbClr>
+                  </a:outerShdw>
+                </a:effectLst>
+              </a:rPr>
+              <a:t>#include</a:t>
+            </a:r>
+            <a:r>
+              <a:rPr lang="ko-KR" altLang="en-US" sz="2400">
+                <a:effectLst>
+                  <a:outerShdw blurRad="38100" dist="38100" dir="2700000" algn="tl">
+                    <a:srgbClr val="000000">
+                      <a:alpha val="43137"/>
+                    </a:srgbClr>
+                  </a:outerShdw>
+                </a:effectLst>
+              </a:rPr>
+              <a:t> </a:t>
+            </a:r>
+            <a:r>
+              <a:rPr lang="en-US" altLang="ko-KR" sz="2400">
+                <a:effectLst>
+                  <a:outerShdw blurRad="38100" dist="38100" dir="2700000" algn="tl">
+                    <a:srgbClr val="000000">
+                      <a:alpha val="43137"/>
+                    </a:srgbClr>
+                  </a:outerShdw>
+                </a:effectLst>
+              </a:rPr>
+              <a:t>&lt;string.h&gt;</a:t>
+            </a:r>
+          </a:p>
+          <a:p>
+            <a:endParaRPr lang="en-US" altLang="ko-KR" sz="2400">
+              <a:effectLst>
+                <a:outerShdw blurRad="38100" dist="38100" dir="2700000" algn="tl">
+                  <a:srgbClr val="000000">
+                    <a:alpha val="43137"/>
+                  </a:srgbClr>
+                </a:outerShdw>
+              </a:effectLst>
+            </a:endParaRPr>
+          </a:p>
+          <a:p>
+            <a:r>
+              <a:rPr lang="en-US" altLang="ko-KR" sz="2400">
+                <a:effectLst>
+                  <a:outerShdw blurRad="38100" dist="38100" dir="2700000" algn="tl">
+                    <a:srgbClr val="000000">
+                      <a:alpha val="43137"/>
+                    </a:srgbClr>
+                  </a:outerShdw>
+                </a:effectLst>
+              </a:rPr>
+              <a:t>int main() {</a:t>
+            </a:r>
+          </a:p>
+          <a:p>
+            <a:r>
+              <a:rPr lang="en-US" altLang="ko-KR" sz="2400">
+                <a:effectLst>
+                  <a:outerShdw blurRad="38100" dist="38100" dir="2700000" algn="tl">
+                    <a:srgbClr val="000000">
+                      <a:alpha val="43137"/>
+                    </a:srgbClr>
+                  </a:outerShdw>
+                </a:effectLst>
+              </a:rPr>
+              <a:t>	char name1[100] = “KimSeonHwi”; </a:t>
+            </a:r>
+          </a:p>
+          <a:p>
+            <a:r>
+              <a:rPr lang="en-US" altLang="ko-KR" sz="2400">
+                <a:effectLst>
+                  <a:outerShdw blurRad="38100" dist="38100" dir="2700000" algn="tl">
+                    <a:srgbClr val="000000">
+                      <a:alpha val="43137"/>
+                    </a:srgbClr>
+                  </a:outerShdw>
+                </a:effectLst>
+              </a:rPr>
+              <a:t>	char name2[100];</a:t>
+            </a:r>
+          </a:p>
+          <a:p>
+            <a:r>
+              <a:rPr lang="en-US" altLang="ko-KR" sz="2400">
+                <a:effectLst>
+                  <a:outerShdw blurRad="38100" dist="38100" dir="2700000" algn="tl">
+                    <a:srgbClr val="000000">
+                      <a:alpha val="43137"/>
+                    </a:srgbClr>
+                  </a:outerShdw>
+                </a:effectLst>
+              </a:rPr>
+              <a:t>	</a:t>
+            </a:r>
+            <a:r>
+              <a:rPr lang="en-US" altLang="ko-KR" sz="2400">
+                <a:solidFill>
+                  <a:srgbClr val="00B050"/>
+                </a:solidFill>
+                <a:effectLst>
+                  <a:outerShdw blurRad="38100" dist="38100" dir="2700000" algn="tl">
+                    <a:srgbClr val="000000">
+                      <a:alpha val="43137"/>
+                    </a:srgbClr>
+                  </a:outerShdw>
+                </a:effectLst>
+              </a:rPr>
+              <a:t>strcpy(name2, name1);</a:t>
+            </a:r>
+          </a:p>
+          <a:p>
+            <a:r>
+              <a:rPr lang="en-US" altLang="ko-KR" sz="2400">
+                <a:effectLst>
+                  <a:outerShdw blurRad="38100" dist="38100" dir="2700000" algn="tl">
+                    <a:srgbClr val="000000">
+                      <a:alpha val="43137"/>
+                    </a:srgbClr>
+                  </a:outerShdw>
+                </a:effectLst>
+              </a:rPr>
+              <a:t>	printf(“%s\n%s\n”, name1, name2);</a:t>
+            </a:r>
+          </a:p>
+          <a:p>
+            <a:r>
+              <a:rPr lang="en-US" altLang="ko-KR" sz="2400">
+                <a:effectLst>
+                  <a:outerShdw blurRad="38100" dist="38100" dir="2700000" algn="tl">
+                    <a:srgbClr val="000000">
+                      <a:alpha val="43137"/>
+                    </a:srgbClr>
+                  </a:outerShdw>
+                </a:effectLst>
+              </a:rPr>
+              <a:t>}</a:t>
+            </a:r>
+          </a:p>
+        </p:txBody>
+      </p:sp>
+      <p:sp>
+        <p:nvSpPr>
+          <p:cNvPr id="9" name="TextBox 8">
+            <a:extLst>
+              <a:ext uri="{FF2B5EF4-FFF2-40B4-BE49-F238E27FC236}">
+                <a16:creationId xmlns:a16="http://schemas.microsoft.com/office/drawing/2014/main" id="{0D9F02F6-35F7-46F5-8FFE-FBAD20732CDC}"/>
+              </a:ext>
+            </a:extLst>
+          </p:cNvPr>
+          <p:cNvSpPr txBox="1"/>
+          <p:nvPr/>
+        </p:nvSpPr>
+        <p:spPr>
+          <a:xfrm>
+            <a:off x="301812" y="1347761"/>
+            <a:ext cx="7700955" cy="461665"/>
+          </a:xfrm>
+          <a:prstGeom prst="rect">
+            <a:avLst/>
+          </a:prstGeom>
+          <a:noFill/>
+        </p:spPr>
+        <p:txBody>
+          <a:bodyPr wrap="square" rtlCol="0">
+            <a:spAutoFit/>
+          </a:bodyPr>
+          <a:lstStyle/>
+          <a:p>
+            <a:pPr marL="457200" indent="-457200">
+              <a:buFont typeface="Arial" panose="020B0604020202020204" pitchFamily="34" charset="0"/>
+              <a:buChar char="•"/>
+            </a:pPr>
+            <a:r>
+              <a:rPr lang="en-US" altLang="ko-KR" sz="2400" b="1">
+                <a:effectLst>
+                  <a:outerShdw blurRad="38100" dist="38100" dir="2700000" algn="tl">
+                    <a:srgbClr val="000000">
+                      <a:alpha val="43137"/>
+                    </a:srgbClr>
+                  </a:outerShdw>
+                </a:effectLst>
+              </a:rPr>
+              <a:t>string.h </a:t>
+            </a:r>
+            <a:r>
+              <a:rPr lang="ko-KR" altLang="en-US" sz="2400" b="1">
+                <a:effectLst>
+                  <a:outerShdw blurRad="38100" dist="38100" dir="2700000" algn="tl">
+                    <a:srgbClr val="000000">
+                      <a:alpha val="43137"/>
+                    </a:srgbClr>
+                  </a:outerShdw>
+                </a:effectLst>
+              </a:rPr>
+              <a:t>사용예시</a:t>
+            </a:r>
+            <a:r>
+              <a:rPr lang="en-US" altLang="ko-KR" sz="2400" b="1">
+                <a:effectLst>
+                  <a:outerShdw blurRad="38100" dist="38100" dir="2700000" algn="tl">
+                    <a:srgbClr val="000000">
+                      <a:alpha val="43137"/>
+                    </a:srgbClr>
+                  </a:outerShdw>
+                </a:effectLst>
+              </a:rPr>
+              <a:t>(string </a:t>
+            </a:r>
+            <a:r>
+              <a:rPr lang="ko-KR" altLang="en-US" sz="2400" b="1">
+                <a:effectLst>
+                  <a:outerShdw blurRad="38100" dist="38100" dir="2700000" algn="tl">
+                    <a:srgbClr val="000000">
+                      <a:alpha val="43137"/>
+                    </a:srgbClr>
+                  </a:outerShdw>
+                </a:effectLst>
+              </a:rPr>
+              <a:t>복사하기</a:t>
+            </a:r>
+            <a:r>
+              <a:rPr lang="en-US" altLang="ko-KR" sz="2400" b="1">
+                <a:effectLst>
+                  <a:outerShdw blurRad="38100" dist="38100" dir="2700000" algn="tl">
+                    <a:srgbClr val="000000">
+                      <a:alpha val="43137"/>
+                    </a:srgbClr>
+                  </a:outerShdw>
+                </a:effectLst>
+              </a:rPr>
+              <a:t>)</a:t>
+            </a:r>
+          </a:p>
+        </p:txBody>
+      </p:sp>
+      <p:sp>
+        <p:nvSpPr>
+          <p:cNvPr id="10" name="TextBox 9">
+            <a:extLst>
+              <a:ext uri="{FF2B5EF4-FFF2-40B4-BE49-F238E27FC236}">
+                <a16:creationId xmlns:a16="http://schemas.microsoft.com/office/drawing/2014/main" id="{A29EA04F-7B1B-49BC-ACB8-3B4FF42C8C33}"/>
+              </a:ext>
+            </a:extLst>
+          </p:cNvPr>
+          <p:cNvSpPr txBox="1"/>
+          <p:nvPr/>
+        </p:nvSpPr>
+        <p:spPr>
+          <a:xfrm>
+            <a:off x="730922" y="1941546"/>
+            <a:ext cx="9300584" cy="461665"/>
+          </a:xfrm>
+          <a:prstGeom prst="rect">
+            <a:avLst/>
+          </a:prstGeom>
+          <a:noFill/>
+        </p:spPr>
+        <p:txBody>
+          <a:bodyPr wrap="square" rtlCol="0">
+            <a:spAutoFit/>
+          </a:bodyPr>
+          <a:lstStyle/>
+          <a:p>
+            <a:r>
+              <a:rPr lang="ko-KR" altLang="en-US" sz="2400">
+                <a:effectLst>
+                  <a:outerShdw blurRad="38100" dist="38100" dir="2700000" algn="tl">
+                    <a:srgbClr val="000000">
+                      <a:alpha val="43137"/>
+                    </a:srgbClr>
+                  </a:outerShdw>
+                </a:effectLst>
+              </a:rPr>
+              <a:t>이렇게 입력하면 </a:t>
+            </a:r>
+            <a:r>
+              <a:rPr lang="en-US" altLang="ko-KR" sz="2400">
+                <a:effectLst>
+                  <a:outerShdw blurRad="38100" dist="38100" dir="2700000" algn="tl">
+                    <a:srgbClr val="000000">
+                      <a:alpha val="43137"/>
+                    </a:srgbClr>
+                  </a:outerShdw>
+                </a:effectLst>
+              </a:rPr>
+              <a:t>name1</a:t>
+            </a:r>
+            <a:r>
+              <a:rPr lang="ko-KR" altLang="en-US" sz="2400">
+                <a:effectLst>
+                  <a:outerShdw blurRad="38100" dist="38100" dir="2700000" algn="tl">
+                    <a:srgbClr val="000000">
+                      <a:alpha val="43137"/>
+                    </a:srgbClr>
+                  </a:outerShdw>
+                </a:effectLst>
+              </a:rPr>
+              <a:t>의 내용이 </a:t>
+            </a:r>
+            <a:r>
+              <a:rPr lang="en-US" altLang="ko-KR" sz="2400">
+                <a:effectLst>
+                  <a:outerShdw blurRad="38100" dist="38100" dir="2700000" algn="tl">
+                    <a:srgbClr val="000000">
+                      <a:alpha val="43137"/>
+                    </a:srgbClr>
+                  </a:outerShdw>
+                </a:effectLst>
+              </a:rPr>
+              <a:t>name2</a:t>
+            </a:r>
+            <a:r>
+              <a:rPr lang="ko-KR" altLang="en-US" sz="2400">
+                <a:effectLst>
+                  <a:outerShdw blurRad="38100" dist="38100" dir="2700000" algn="tl">
+                    <a:srgbClr val="000000">
+                      <a:alpha val="43137"/>
+                    </a:srgbClr>
+                  </a:outerShdw>
+                </a:effectLst>
+              </a:rPr>
+              <a:t>에 들어가요</a:t>
+            </a:r>
+            <a:endParaRPr lang="en-US" altLang="ko-KR" sz="2400">
+              <a:effectLst>
+                <a:outerShdw blurRad="38100" dist="38100" dir="2700000" algn="tl">
+                  <a:srgbClr val="000000">
+                    <a:alpha val="43137"/>
+                  </a:srgbClr>
+                </a:outerShdw>
+              </a:effectLst>
+            </a:endParaRPr>
+          </a:p>
+        </p:txBody>
+      </p:sp>
+      <p:sp>
+        <p:nvSpPr>
+          <p:cNvPr id="11" name="TextBox 10">
+            <a:extLst>
+              <a:ext uri="{FF2B5EF4-FFF2-40B4-BE49-F238E27FC236}">
+                <a16:creationId xmlns:a16="http://schemas.microsoft.com/office/drawing/2014/main" id="{2FE1DCEA-FB72-4B2F-A923-1AB3E2C9D29F}"/>
+              </a:ext>
+            </a:extLst>
+          </p:cNvPr>
+          <p:cNvSpPr txBox="1"/>
+          <p:nvPr/>
+        </p:nvSpPr>
+        <p:spPr>
+          <a:xfrm>
+            <a:off x="4854984" y="4637457"/>
+            <a:ext cx="7497483" cy="369332"/>
+          </a:xfrm>
+          <a:prstGeom prst="rect">
+            <a:avLst/>
+          </a:prstGeom>
+          <a:noFill/>
+        </p:spPr>
+        <p:txBody>
+          <a:bodyPr wrap="square" rtlCol="0">
+            <a:spAutoFit/>
+          </a:bodyPr>
+          <a:lstStyle/>
+          <a:p>
+            <a:r>
+              <a:rPr lang="en-US" altLang="ko-KR">
+                <a:solidFill>
+                  <a:srgbClr val="0000FF"/>
+                </a:solidFill>
+                <a:effectLst>
+                  <a:outerShdw blurRad="38100" dist="38100" dir="2700000" algn="tl">
+                    <a:srgbClr val="000000">
+                      <a:alpha val="43137"/>
+                    </a:srgbClr>
+                  </a:outerShdw>
+                </a:effectLst>
+              </a:rPr>
+              <a:t>string.h</a:t>
+            </a:r>
+            <a:r>
+              <a:rPr lang="ko-KR" altLang="en-US">
+                <a:solidFill>
+                  <a:srgbClr val="0000FF"/>
+                </a:solidFill>
+                <a:effectLst>
+                  <a:outerShdw blurRad="38100" dist="38100" dir="2700000" algn="tl">
+                    <a:srgbClr val="000000">
+                      <a:alpha val="43137"/>
+                    </a:srgbClr>
+                  </a:outerShdw>
+                </a:effectLst>
+              </a:rPr>
+              <a:t>에 들어있는 </a:t>
+            </a:r>
+            <a:r>
+              <a:rPr lang="en-US" altLang="ko-KR">
+                <a:solidFill>
+                  <a:srgbClr val="0000FF"/>
+                </a:solidFill>
+                <a:effectLst>
+                  <a:outerShdw blurRad="38100" dist="38100" dir="2700000" algn="tl">
+                    <a:srgbClr val="000000">
+                      <a:alpha val="43137"/>
+                    </a:srgbClr>
+                  </a:outerShdw>
+                </a:effectLst>
+              </a:rPr>
+              <a:t>strcpy </a:t>
+            </a:r>
+            <a:r>
+              <a:rPr lang="ko-KR" altLang="en-US">
+                <a:solidFill>
+                  <a:srgbClr val="0000FF"/>
+                </a:solidFill>
+                <a:effectLst>
+                  <a:outerShdw blurRad="38100" dist="38100" dir="2700000" algn="tl">
+                    <a:srgbClr val="000000">
+                      <a:alpha val="43137"/>
+                    </a:srgbClr>
+                  </a:outerShdw>
+                </a:effectLst>
+              </a:rPr>
+              <a:t>함수</a:t>
+            </a:r>
+            <a:endParaRPr lang="en-US" altLang="ko-KR">
+              <a:solidFill>
+                <a:srgbClr val="0000FF"/>
+              </a:solidFill>
+              <a:effectLst>
+                <a:outerShdw blurRad="38100" dist="38100" dir="2700000" algn="tl">
+                  <a:srgbClr val="000000">
+                    <a:alpha val="43137"/>
+                  </a:srgbClr>
+                </a:outerShdw>
+              </a:effectLst>
+            </a:endParaRPr>
+          </a:p>
+        </p:txBody>
+      </p:sp>
+    </p:spTree>
+    <p:extLst>
+      <p:ext uri="{BB962C8B-B14F-4D97-AF65-F5344CB8AC3E}">
+        <p14:creationId xmlns:p14="http://schemas.microsoft.com/office/powerpoint/2010/main" val="1478359360"/>
+      </p:ext>
+    </p:extLst>
+  </p:cSld>
+  <p:clrMapOvr>
+    <a:masterClrMapping/>
+  </p:clrMapOvr>
+</p:sld>
+</file>
+
+<file path=ppt/slides/slide15.xml><?xml version="1.0" encoding="utf-8"?>
+<p:sld xmlns:a="http://schemas.openxmlformats.org/drawingml/2006/main" xmlns:r="http://schemas.openxmlformats.org/officeDocument/2006/relationships" xmlns:p="http://schemas.openxmlformats.org/presentationml/2006/main">
+  <p:cSld>
+    <p:spTree>
+      <p:nvGrpSpPr>
+        <p:cNvPr id="1" name=""/>
+        <p:cNvGrpSpPr/>
+        <p:nvPr/>
+      </p:nvGrpSpPr>
+      <p:grpSpPr>
+        <a:xfrm>
+          <a:off x="0" y="0"/>
+          <a:ext cx="0" cy="0"/>
+          <a:chOff x="0" y="0"/>
+          <a:chExt cx="0" cy="0"/>
+        </a:xfrm>
+      </p:grpSpPr>
+      <p:pic>
+        <p:nvPicPr>
+          <p:cNvPr id="10" name="그림 9" descr="화살이(가) 표시된 사진&#10;&#10;자동 생성된 설명">
+            <a:extLst>
+              <a:ext uri="{FF2B5EF4-FFF2-40B4-BE49-F238E27FC236}">
+                <a16:creationId xmlns:a16="http://schemas.microsoft.com/office/drawing/2014/main" id="{44CFF3E1-8AF5-49B1-BCC4-92C7C5FC2EAB}"/>
+              </a:ext>
+            </a:extLst>
+          </p:cNvPr>
+          <p:cNvPicPr>
+            <a:picLocks noChangeAspect="1"/>
+          </p:cNvPicPr>
+          <p:nvPr/>
+        </p:nvPicPr>
+        <p:blipFill>
+          <a:blip r:embed="rId2">
+            <a:alphaModFix amt="5000"/>
+            <a:extLst>
+              <a:ext uri="{28A0092B-C50C-407E-A947-70E740481C1C}">
+                <a14:useLocalDpi xmlns:a14="http://schemas.microsoft.com/office/drawing/2010/main" val="0"/>
+              </a:ext>
+            </a:extLst>
+          </a:blip>
+          <a:stretch>
+            <a:fillRect/>
+          </a:stretch>
+        </p:blipFill>
+        <p:spPr>
+          <a:xfrm>
+            <a:off x="1209040" y="-1"/>
+            <a:ext cx="9875520" cy="6857429"/>
+          </a:xfrm>
+          <a:prstGeom prst="rect">
+            <a:avLst/>
+          </a:prstGeom>
+        </p:spPr>
+      </p:pic>
+      <p:sp>
+        <p:nvSpPr>
+          <p:cNvPr id="2" name="제목 1">
+            <a:extLst>
+              <a:ext uri="{FF2B5EF4-FFF2-40B4-BE49-F238E27FC236}">
+                <a16:creationId xmlns:a16="http://schemas.microsoft.com/office/drawing/2014/main" id="{B5F771FA-F15B-46C3-BA0D-4B28CB171312}"/>
+              </a:ext>
+            </a:extLst>
+          </p:cNvPr>
+          <p:cNvSpPr>
+            <a:spLocks noGrp="1"/>
+          </p:cNvSpPr>
+          <p:nvPr>
+            <p:ph type="ctrTitle"/>
+          </p:nvPr>
+        </p:nvSpPr>
+        <p:spPr>
+          <a:xfrm>
+            <a:off x="301812" y="210670"/>
+            <a:ext cx="11689976" cy="851648"/>
+          </a:xfrm>
+        </p:spPr>
+        <p:txBody>
+          <a:bodyPr>
+            <a:normAutofit fontScale="90000"/>
+          </a:bodyPr>
+          <a:lstStyle/>
+          <a:p>
+            <a:pPr algn="l"/>
+            <a:r>
+              <a:rPr lang="ko-KR" altLang="en-US" b="1">
+                <a:effectLst>
+                  <a:outerShdw blurRad="38100" dist="38100" dir="2700000" algn="tl">
+                    <a:srgbClr val="000000">
+                      <a:alpha val="43137"/>
+                    </a:srgbClr>
+                  </a:outerShdw>
+                </a:effectLst>
+              </a:rPr>
+              <a:t>과제</a:t>
+            </a:r>
+          </a:p>
+        </p:txBody>
+      </p:sp>
+      <p:sp>
+        <p:nvSpPr>
+          <p:cNvPr id="4" name="이등변 삼각형 3">
+            <a:extLst>
+              <a:ext uri="{FF2B5EF4-FFF2-40B4-BE49-F238E27FC236}">
+                <a16:creationId xmlns:a16="http://schemas.microsoft.com/office/drawing/2014/main" id="{D82EB4D7-301B-4780-87C6-7D1E66BD5181}"/>
+              </a:ext>
+            </a:extLst>
+          </p:cNvPr>
+          <p:cNvSpPr/>
+          <p:nvPr/>
+        </p:nvSpPr>
+        <p:spPr>
+          <a:xfrm rot="10800000">
+            <a:off x="11204089" y="-1"/>
+            <a:ext cx="987911" cy="851647"/>
+          </a:xfrm>
+          <a:prstGeom prst="triangle">
+            <a:avLst>
+              <a:gd name="adj" fmla="val 0"/>
+            </a:avLst>
+          </a:prstGeom>
+          <a:solidFill>
+            <a:schemeClr val="tx1"/>
+          </a:solidFill>
+          <a:ln>
+            <a:solidFill>
+              <a:schemeClr val="tx1"/>
+            </a:solidFill>
+          </a:ln>
+        </p:spPr>
+        <p:style>
+          <a:lnRef idx="2">
+            <a:schemeClr val="accent1">
+              <a:shade val="50000"/>
+            </a:schemeClr>
+          </a:lnRef>
+          <a:fillRef idx="1">
+            <a:schemeClr val="accent1"/>
+          </a:fillRef>
+          <a:effectRef idx="0">
+            <a:schemeClr val="accent1"/>
+          </a:effectRef>
+          <a:fontRef idx="minor">
+            <a:schemeClr val="lt1"/>
+          </a:fontRef>
+        </p:style>
+        <p:txBody>
+          <a:bodyPr rtlCol="0" anchor="ctr"/>
+          <a:lstStyle/>
+          <a:p>
+            <a:pPr algn="ctr"/>
+            <a:endParaRPr lang="ko-KR" altLang="en-US"/>
+          </a:p>
+        </p:txBody>
+      </p:sp>
+      <p:cxnSp>
+        <p:nvCxnSpPr>
+          <p:cNvPr id="7" name="직선 연결선 6">
+            <a:extLst>
+              <a:ext uri="{FF2B5EF4-FFF2-40B4-BE49-F238E27FC236}">
+                <a16:creationId xmlns:a16="http://schemas.microsoft.com/office/drawing/2014/main" id="{2585E046-0EB0-4A38-9487-0FDCAD563659}"/>
+              </a:ext>
+            </a:extLst>
+          </p:cNvPr>
+          <p:cNvCxnSpPr/>
+          <p:nvPr/>
+        </p:nvCxnSpPr>
+        <p:spPr>
+          <a:xfrm>
+            <a:off x="30480" y="1143598"/>
+            <a:ext cx="2357120" cy="0"/>
+          </a:xfrm>
+          <a:prstGeom prst="line">
+            <a:avLst/>
+          </a:prstGeom>
+          <a:ln w="63500">
+            <a:solidFill>
+              <a:schemeClr val="tx1"/>
+            </a:solidFill>
+          </a:ln>
+        </p:spPr>
+        <p:style>
+          <a:lnRef idx="1">
+            <a:schemeClr val="accent1"/>
+          </a:lnRef>
+          <a:fillRef idx="0">
+            <a:schemeClr val="accent1"/>
+          </a:fillRef>
+          <a:effectRef idx="0">
+            <a:schemeClr val="accent1"/>
+          </a:effectRef>
+          <a:fontRef idx="minor">
+            <a:schemeClr val="tx1"/>
+          </a:fontRef>
+        </p:style>
+      </p:cxnSp>
+      <p:sp>
+        <p:nvSpPr>
+          <p:cNvPr id="11" name="TextBox 10">
+            <a:extLst>
+              <a:ext uri="{FF2B5EF4-FFF2-40B4-BE49-F238E27FC236}">
+                <a16:creationId xmlns:a16="http://schemas.microsoft.com/office/drawing/2014/main" id="{866C7EE0-D0AC-46B6-A800-93045D75F2C4}"/>
+              </a:ext>
+            </a:extLst>
+          </p:cNvPr>
+          <p:cNvSpPr txBox="1"/>
+          <p:nvPr/>
+        </p:nvSpPr>
+        <p:spPr>
+          <a:xfrm>
+            <a:off x="1209040" y="1600025"/>
+            <a:ext cx="8935557" cy="1569660"/>
+          </a:xfrm>
+          <a:prstGeom prst="rect">
+            <a:avLst/>
+          </a:prstGeom>
+          <a:noFill/>
+        </p:spPr>
+        <p:txBody>
+          <a:bodyPr wrap="square" rtlCol="0">
+            <a:spAutoFit/>
+          </a:bodyPr>
+          <a:lstStyle/>
+          <a:p>
+            <a:pPr marL="457200" indent="-457200">
+              <a:buFont typeface="Arial" panose="020B0604020202020204" pitchFamily="34" charset="0"/>
+              <a:buChar char="•"/>
+            </a:pPr>
+            <a:r>
+              <a:rPr lang="en-US" altLang="ko-KR" sz="3200">
+                <a:effectLst>
+                  <a:outerShdw blurRad="38100" dist="38100" dir="2700000" algn="tl">
+                    <a:srgbClr val="000000">
+                      <a:alpha val="43137"/>
+                    </a:srgbClr>
+                  </a:outerShdw>
+                </a:effectLst>
+              </a:rPr>
+              <a:t>boj.kr/2562</a:t>
+            </a:r>
+          </a:p>
+          <a:p>
+            <a:pPr marL="457200" indent="-457200">
+              <a:buFont typeface="Arial" panose="020B0604020202020204" pitchFamily="34" charset="0"/>
+              <a:buChar char="•"/>
+            </a:pPr>
+            <a:endParaRPr lang="en-US" altLang="ko-KR" sz="3200">
+              <a:effectLst>
+                <a:outerShdw blurRad="38100" dist="38100" dir="2700000" algn="tl">
+                  <a:srgbClr val="000000">
+                    <a:alpha val="43137"/>
+                  </a:srgbClr>
+                </a:outerShdw>
+              </a:effectLst>
+            </a:endParaRPr>
+          </a:p>
+          <a:p>
+            <a:pPr marL="457200" indent="-457200">
+              <a:buFont typeface="Arial" panose="020B0604020202020204" pitchFamily="34" charset="0"/>
+              <a:buChar char="•"/>
+            </a:pPr>
+            <a:r>
+              <a:rPr lang="en-US" altLang="ko-KR" sz="3200">
+                <a:effectLst>
+                  <a:outerShdw blurRad="38100" dist="38100" dir="2700000" algn="tl">
+                    <a:srgbClr val="000000">
+                      <a:alpha val="43137"/>
+                    </a:srgbClr>
+                  </a:outerShdw>
+                </a:effectLst>
+              </a:rPr>
+              <a:t>boj.kr/8958</a:t>
+            </a:r>
+          </a:p>
+        </p:txBody>
+      </p:sp>
+    </p:spTree>
+    <p:extLst>
+      <p:ext uri="{BB962C8B-B14F-4D97-AF65-F5344CB8AC3E}">
+        <p14:creationId xmlns:p14="http://schemas.microsoft.com/office/powerpoint/2010/main" val="647075201"/>
+      </p:ext>
+    </p:extLst>
+  </p:cSld>
+  <p:clrMapOvr>
+    <a:masterClrMapping/>
+  </p:clrMapOvr>
+</p:sld>
+</file>
+
 <file path=ppt/slides/slide2.xml><?xml version="1.0" encoding="utf-8"?>
 <p:sld xmlns:a="http://schemas.openxmlformats.org/drawingml/2006/main" xmlns:r="http://schemas.openxmlformats.org/officeDocument/2006/relationships" xmlns:p="http://schemas.openxmlformats.org/presentationml/2006/main">
   <p:cSld>
@@ -4221,10 +7391,10 @@
       </p:grpSpPr>
       <p:pic>
         <p:nvPicPr>
-          <p:cNvPr id="10" name="그림 9" descr="화살이(가) 표시된 사진&#10;&#10;자동 생성된 설명">
-            <a:extLst>
-              <a:ext uri="{FF2B5EF4-FFF2-40B4-BE49-F238E27FC236}">
-                <a16:creationId xmlns:a16="http://schemas.microsoft.com/office/drawing/2014/main" id="{44CFF3E1-8AF5-49B1-BCC4-92C7C5FC2EAB}"/>
+          <p:cNvPr id="6" name="그림 5" descr="화살이(가) 표시된 사진&#10;&#10;자동 생성된 설명">
+            <a:extLst>
+              <a:ext uri="{FF2B5EF4-FFF2-40B4-BE49-F238E27FC236}">
+                <a16:creationId xmlns:a16="http://schemas.microsoft.com/office/drawing/2014/main" id="{A56C6D43-05A3-4988-A7D7-3D59E2F65C17}"/>
               </a:ext>
             </a:extLst>
           </p:cNvPr>
@@ -4399,10 +7569,10 @@
       </p:cxnSp>
       <p:sp>
         <p:nvSpPr>
-          <p:cNvPr id="9" name="TextBox 8">
-            <a:extLst>
-              <a:ext uri="{FF2B5EF4-FFF2-40B4-BE49-F238E27FC236}">
-                <a16:creationId xmlns:a16="http://schemas.microsoft.com/office/drawing/2014/main" id="{C8DFC9CB-D40A-4540-9DE9-227C5DA2E8C7}"/>
+          <p:cNvPr id="8" name="TextBox 7">
+            <a:extLst>
+              <a:ext uri="{FF2B5EF4-FFF2-40B4-BE49-F238E27FC236}">
+                <a16:creationId xmlns:a16="http://schemas.microsoft.com/office/drawing/2014/main" id="{401ED521-CFE1-44B7-9BB3-E355239399D3}"/>
               </a:ext>
             </a:extLst>
           </p:cNvPr>
@@ -4411,8 +7581,8 @@
         </p:nvSpPr>
         <p:spPr>
           <a:xfrm>
-            <a:off x="1158240" y="1720553"/>
-            <a:ext cx="8554720" cy="461665"/>
+            <a:off x="730922" y="2402136"/>
+            <a:ext cx="8554720" cy="1200329"/>
           </a:xfrm>
           <a:prstGeom prst="rect">
             <a:avLst/>
@@ -4435,7 +7605,264 @@
                   </a:outerShdw>
                 </a:effectLst>
               </a:rPr>
-              <a:t>ㅇㅇ</a:t>
+              <a:t>자료형 배열이름</a:t>
+            </a:r>
+            <a:r>
+              <a:rPr lang="en-US" altLang="ko-KR" sz="2400">
+                <a:effectLst>
+                  <a:outerShdw blurRad="38100" dist="38100" dir="2700000" algn="tl">
+                    <a:srgbClr val="000000">
+                      <a:alpha val="43137"/>
+                    </a:srgbClr>
+                  </a:outerShdw>
+                </a:effectLst>
+              </a:rPr>
+              <a:t>[</a:t>
+            </a:r>
+            <a:r>
+              <a:rPr lang="ko-KR" altLang="en-US" sz="2400">
+                <a:effectLst>
+                  <a:outerShdw blurRad="38100" dist="38100" dir="2700000" algn="tl">
+                    <a:srgbClr val="000000">
+                      <a:alpha val="43137"/>
+                    </a:srgbClr>
+                  </a:outerShdw>
+                </a:effectLst>
+              </a:rPr>
+              <a:t>배열크기</a:t>
+            </a:r>
+            <a:r>
+              <a:rPr lang="en-US" altLang="ko-KR" sz="2400">
+                <a:effectLst>
+                  <a:outerShdw blurRad="38100" dist="38100" dir="2700000" algn="tl">
+                    <a:srgbClr val="000000">
+                      <a:alpha val="43137"/>
+                    </a:srgbClr>
+                  </a:outerShdw>
+                </a:effectLst>
+              </a:rPr>
+              <a:t>];</a:t>
+            </a:r>
+          </a:p>
+          <a:p>
+            <a:r>
+              <a:rPr lang="ko-KR" altLang="en-US" sz="2400">
+                <a:effectLst>
+                  <a:outerShdw blurRad="38100" dist="38100" dir="2700000" algn="tl">
+                    <a:srgbClr val="000000">
+                      <a:alpha val="43137"/>
+                    </a:srgbClr>
+                  </a:outerShdw>
+                </a:effectLst>
+              </a:rPr>
+              <a:t>예시</a:t>
+            </a:r>
+            <a:r>
+              <a:rPr lang="en-US" altLang="ko-KR" sz="2400">
+                <a:effectLst>
+                  <a:outerShdw blurRad="38100" dist="38100" dir="2700000" algn="tl">
+                    <a:srgbClr val="000000">
+                      <a:alpha val="43137"/>
+                    </a:srgbClr>
+                  </a:outerShdw>
+                </a:effectLst>
+              </a:rPr>
+              <a:t>)</a:t>
+            </a:r>
+          </a:p>
+          <a:p>
+            <a:r>
+              <a:rPr lang="en-US" altLang="ko-KR" sz="2400">
+                <a:effectLst>
+                  <a:outerShdw blurRad="38100" dist="38100" dir="2700000" algn="tl">
+                    <a:srgbClr val="000000">
+                      <a:alpha val="43137"/>
+                    </a:srgbClr>
+                  </a:outerShdw>
+                </a:effectLst>
+              </a:rPr>
+              <a:t>int ecMembersAge[10];</a:t>
+            </a:r>
+          </a:p>
+        </p:txBody>
+      </p:sp>
+      <p:sp>
+        <p:nvSpPr>
+          <p:cNvPr id="9" name="TextBox 8">
+            <a:extLst>
+              <a:ext uri="{FF2B5EF4-FFF2-40B4-BE49-F238E27FC236}">
+                <a16:creationId xmlns:a16="http://schemas.microsoft.com/office/drawing/2014/main" id="{0D9F02F6-35F7-46F5-8FFE-FBAD20732CDC}"/>
+              </a:ext>
+            </a:extLst>
+          </p:cNvPr>
+          <p:cNvSpPr txBox="1"/>
+          <p:nvPr/>
+        </p:nvSpPr>
+        <p:spPr>
+          <a:xfrm>
+            <a:off x="301812" y="1347761"/>
+            <a:ext cx="7700955" cy="461665"/>
+          </a:xfrm>
+          <a:prstGeom prst="rect">
+            <a:avLst/>
+          </a:prstGeom>
+          <a:noFill/>
+        </p:spPr>
+        <p:txBody>
+          <a:bodyPr wrap="square" rtlCol="0">
+            <a:spAutoFit/>
+          </a:bodyPr>
+          <a:lstStyle/>
+          <a:p>
+            <a:pPr marL="457200" indent="-457200">
+              <a:buFont typeface="Arial" panose="020B0604020202020204" pitchFamily="34" charset="0"/>
+              <a:buChar char="•"/>
+            </a:pPr>
+            <a:r>
+              <a:rPr lang="ko-KR" altLang="en-US" sz="2400" b="1">
+                <a:effectLst>
+                  <a:outerShdw blurRad="38100" dist="38100" dir="2700000" algn="tl">
+                    <a:srgbClr val="000000">
+                      <a:alpha val="43137"/>
+                    </a:srgbClr>
+                  </a:outerShdw>
+                </a:effectLst>
+              </a:rPr>
+              <a:t>배열</a:t>
+            </a:r>
+            <a:r>
+              <a:rPr lang="en-US" altLang="ko-KR" sz="2400" b="1">
+                <a:effectLst>
+                  <a:outerShdw blurRad="38100" dist="38100" dir="2700000" algn="tl">
+                    <a:srgbClr val="000000">
+                      <a:alpha val="43137"/>
+                    </a:srgbClr>
+                  </a:outerShdw>
+                </a:effectLst>
+              </a:rPr>
+              <a:t>(Array)</a:t>
+            </a:r>
+            <a:r>
+              <a:rPr lang="ko-KR" altLang="en-US" sz="2400" b="1">
+                <a:effectLst>
+                  <a:outerShdw blurRad="38100" dist="38100" dir="2700000" algn="tl">
+                    <a:srgbClr val="000000">
+                      <a:alpha val="43137"/>
+                    </a:srgbClr>
+                  </a:outerShdw>
+                </a:effectLst>
+              </a:rPr>
+              <a:t>의 정의</a:t>
+            </a:r>
+            <a:endParaRPr lang="en-US" altLang="ko-KR" sz="2400" b="1">
+              <a:effectLst>
+                <a:outerShdw blurRad="38100" dist="38100" dir="2700000" algn="tl">
+                  <a:srgbClr val="000000">
+                    <a:alpha val="43137"/>
+                  </a:srgbClr>
+                </a:outerShdw>
+              </a:effectLst>
+            </a:endParaRPr>
+          </a:p>
+        </p:txBody>
+      </p:sp>
+      <p:sp>
+        <p:nvSpPr>
+          <p:cNvPr id="12" name="TextBox 11">
+            <a:extLst>
+              <a:ext uri="{FF2B5EF4-FFF2-40B4-BE49-F238E27FC236}">
+                <a16:creationId xmlns:a16="http://schemas.microsoft.com/office/drawing/2014/main" id="{58B23639-8E26-4765-9ED6-11518F66D22D}"/>
+              </a:ext>
+            </a:extLst>
+          </p:cNvPr>
+          <p:cNvSpPr txBox="1"/>
+          <p:nvPr/>
+        </p:nvSpPr>
+        <p:spPr>
+          <a:xfrm>
+            <a:off x="730922" y="3807384"/>
+            <a:ext cx="7497483" cy="369332"/>
+          </a:xfrm>
+          <a:prstGeom prst="rect">
+            <a:avLst/>
+          </a:prstGeom>
+          <a:noFill/>
+        </p:spPr>
+        <p:txBody>
+          <a:bodyPr wrap="square" rtlCol="0">
+            <a:spAutoFit/>
+          </a:bodyPr>
+          <a:lstStyle/>
+          <a:p>
+            <a:r>
+              <a:rPr lang="ko-KR" altLang="en-US">
+                <a:solidFill>
+                  <a:srgbClr val="0000FF"/>
+                </a:solidFill>
+                <a:effectLst>
+                  <a:outerShdw blurRad="38100" dist="38100" dir="2700000" algn="tl">
+                    <a:srgbClr val="000000">
+                      <a:alpha val="43137"/>
+                    </a:srgbClr>
+                  </a:outerShdw>
+                </a:effectLst>
+              </a:rPr>
+              <a:t>조건에서 탈출하지 못하면 무한루프에 걸려서 프로그램이 끝나지 않음</a:t>
+            </a:r>
+            <a:endParaRPr lang="en-US" altLang="ko-KR">
+              <a:solidFill>
+                <a:srgbClr val="0000FF"/>
+              </a:solidFill>
+              <a:effectLst>
+                <a:outerShdw blurRad="38100" dist="38100" dir="2700000" algn="tl">
+                  <a:srgbClr val="000000">
+                    <a:alpha val="43137"/>
+                  </a:srgbClr>
+                </a:outerShdw>
+              </a:effectLst>
+            </a:endParaRPr>
+          </a:p>
+        </p:txBody>
+      </p:sp>
+      <p:sp>
+        <p:nvSpPr>
+          <p:cNvPr id="10" name="TextBox 9">
+            <a:extLst>
+              <a:ext uri="{FF2B5EF4-FFF2-40B4-BE49-F238E27FC236}">
+                <a16:creationId xmlns:a16="http://schemas.microsoft.com/office/drawing/2014/main" id="{A29EA04F-7B1B-49BC-ACB8-3B4FF42C8C33}"/>
+              </a:ext>
+            </a:extLst>
+          </p:cNvPr>
+          <p:cNvSpPr txBox="1"/>
+          <p:nvPr/>
+        </p:nvSpPr>
+        <p:spPr>
+          <a:xfrm>
+            <a:off x="730922" y="1941546"/>
+            <a:ext cx="9300584" cy="461665"/>
+          </a:xfrm>
+          <a:prstGeom prst="rect">
+            <a:avLst/>
+          </a:prstGeom>
+          <a:noFill/>
+        </p:spPr>
+        <p:txBody>
+          <a:bodyPr wrap="square" rtlCol="0">
+            <a:spAutoFit/>
+          </a:bodyPr>
+          <a:lstStyle/>
+          <a:p>
+            <a:r>
+              <a:rPr lang="ko-KR" altLang="en-US" sz="2400">
+                <a:effectLst>
+                  <a:outerShdw blurRad="38100" dist="38100" dir="2700000" algn="tl">
+                    <a:srgbClr val="000000">
+                      <a:alpha val="43137"/>
+                    </a:srgbClr>
+                  </a:outerShdw>
+                </a:effectLst>
+              </a:rPr>
+              <a:t>번호를 이용하여 자료형이 같은 데이터들을 관리</a:t>
             </a:r>
             <a:endParaRPr lang="en-US" altLang="ko-KR" sz="2400">
               <a:effectLst>
@@ -4452,7 +7879,7 @@
     </p:spTree>
     <p:extLst>
       <p:ext uri="{BB962C8B-B14F-4D97-AF65-F5344CB8AC3E}">
-        <p14:creationId xmlns:p14="http://schemas.microsoft.com/office/powerpoint/2010/main" val="4098278937"/>
+        <p14:creationId xmlns:p14="http://schemas.microsoft.com/office/powerpoint/2010/main" val="806223786"/>
       </p:ext>
     </p:extLst>
   </p:cSld>
@@ -4481,10 +7908,10 @@
       </p:grpSpPr>
       <p:pic>
         <p:nvPicPr>
-          <p:cNvPr id="10" name="그림 9" descr="화살이(가) 표시된 사진&#10;&#10;자동 생성된 설명">
-            <a:extLst>
-              <a:ext uri="{FF2B5EF4-FFF2-40B4-BE49-F238E27FC236}">
-                <a16:creationId xmlns:a16="http://schemas.microsoft.com/office/drawing/2014/main" id="{44CFF3E1-8AF5-49B1-BCC4-92C7C5FC2EAB}"/>
+          <p:cNvPr id="6" name="그림 5" descr="화살이(가) 표시된 사진&#10;&#10;자동 생성된 설명">
+            <a:extLst>
+              <a:ext uri="{FF2B5EF4-FFF2-40B4-BE49-F238E27FC236}">
+                <a16:creationId xmlns:a16="http://schemas.microsoft.com/office/drawing/2014/main" id="{A56C6D43-05A3-4988-A7D7-3D59E2F65C17}"/>
               </a:ext>
             </a:extLst>
           </p:cNvPr>
@@ -4546,18 +7973,243 @@
           <a:p>
             <a:pPr algn="l"/>
             <a:r>
-              <a:rPr lang="en-US" altLang="ko-KR" b="1">
-                <a:effectLst>
-                  <a:outerShdw blurRad="38100" dist="38100" dir="2700000" algn="tl">
-                    <a:srgbClr val="000000">
-                      <a:alpha val="43137"/>
-                    </a:srgbClr>
-                  </a:outerShdw>
-                </a:effectLst>
-              </a:rPr>
-              <a:t>String</a:t>
-            </a:r>
-            <a:endParaRPr lang="ko-KR" altLang="en-US" b="1">
+              <a:rPr lang="ko-KR" altLang="en-US" b="1">
+                <a:effectLst>
+                  <a:outerShdw blurRad="38100" dist="38100" dir="2700000" algn="tl">
+                    <a:srgbClr val="000000">
+                      <a:alpha val="43137"/>
+                    </a:srgbClr>
+                  </a:outerShdw>
+                </a:effectLst>
+              </a:rPr>
+              <a:t>배열</a:t>
+            </a:r>
+          </a:p>
+        </p:txBody>
+      </p:sp>
+      <p:sp>
+        <p:nvSpPr>
+          <p:cNvPr id="4" name="이등변 삼각형 3">
+            <a:extLst>
+              <a:ext uri="{FF2B5EF4-FFF2-40B4-BE49-F238E27FC236}">
+                <a16:creationId xmlns:a16="http://schemas.microsoft.com/office/drawing/2014/main" id="{D82EB4D7-301B-4780-87C6-7D1E66BD5181}"/>
+              </a:ext>
+            </a:extLst>
+          </p:cNvPr>
+          <p:cNvSpPr/>
+          <p:nvPr/>
+        </p:nvSpPr>
+        <p:spPr>
+          <a:xfrm rot="10800000">
+            <a:off x="11204089" y="-1"/>
+            <a:ext cx="987911" cy="851647"/>
+          </a:xfrm>
+          <a:prstGeom prst="triangle">
+            <a:avLst>
+              <a:gd name="adj" fmla="val 0"/>
+            </a:avLst>
+          </a:prstGeom>
+          <a:solidFill>
+            <a:schemeClr val="tx1"/>
+          </a:solidFill>
+          <a:ln>
+            <a:solidFill>
+              <a:schemeClr val="tx1"/>
+            </a:solidFill>
+          </a:ln>
+        </p:spPr>
+        <p:style>
+          <a:lnRef idx="2">
+            <a:schemeClr val="accent1">
+              <a:shade val="50000"/>
+            </a:schemeClr>
+          </a:lnRef>
+          <a:fillRef idx="1">
+            <a:schemeClr val="accent1"/>
+          </a:fillRef>
+          <a:effectRef idx="0">
+            <a:schemeClr val="accent1"/>
+          </a:effectRef>
+          <a:fontRef idx="minor">
+            <a:schemeClr val="lt1"/>
+          </a:fontRef>
+        </p:style>
+        <p:txBody>
+          <a:bodyPr rtlCol="0" anchor="ctr"/>
+          <a:lstStyle/>
+          <a:p>
+            <a:pPr algn="ctr"/>
+            <a:endParaRPr lang="ko-KR" altLang="en-US"/>
+          </a:p>
+        </p:txBody>
+      </p:sp>
+      <p:cxnSp>
+        <p:nvCxnSpPr>
+          <p:cNvPr id="7" name="직선 연결선 6">
+            <a:extLst>
+              <a:ext uri="{FF2B5EF4-FFF2-40B4-BE49-F238E27FC236}">
+                <a16:creationId xmlns:a16="http://schemas.microsoft.com/office/drawing/2014/main" id="{2585E046-0EB0-4A38-9487-0FDCAD563659}"/>
+              </a:ext>
+            </a:extLst>
+          </p:cNvPr>
+          <p:cNvCxnSpPr/>
+          <p:nvPr/>
+        </p:nvCxnSpPr>
+        <p:spPr>
+          <a:xfrm>
+            <a:off x="30480" y="1143598"/>
+            <a:ext cx="2357120" cy="0"/>
+          </a:xfrm>
+          <a:prstGeom prst="line">
+            <a:avLst/>
+          </a:prstGeom>
+          <a:ln w="63500">
+            <a:solidFill>
+              <a:schemeClr val="tx1"/>
+            </a:solidFill>
+          </a:ln>
+        </p:spPr>
+        <p:style>
+          <a:lnRef idx="1">
+            <a:schemeClr val="accent1"/>
+          </a:lnRef>
+          <a:fillRef idx="0">
+            <a:schemeClr val="accent1"/>
+          </a:fillRef>
+          <a:effectRef idx="0">
+            <a:schemeClr val="accent1"/>
+          </a:effectRef>
+          <a:fontRef idx="minor">
+            <a:schemeClr val="tx1"/>
+          </a:fontRef>
+        </p:style>
+      </p:cxnSp>
+      <p:sp>
+        <p:nvSpPr>
+          <p:cNvPr id="8" name="TextBox 7">
+            <a:extLst>
+              <a:ext uri="{FF2B5EF4-FFF2-40B4-BE49-F238E27FC236}">
+                <a16:creationId xmlns:a16="http://schemas.microsoft.com/office/drawing/2014/main" id="{401ED521-CFE1-44B7-9BB3-E355239399D3}"/>
+              </a:ext>
+            </a:extLst>
+          </p:cNvPr>
+          <p:cNvSpPr txBox="1"/>
+          <p:nvPr/>
+        </p:nvSpPr>
+        <p:spPr>
+          <a:xfrm>
+            <a:off x="730922" y="2402136"/>
+            <a:ext cx="10353638" cy="830997"/>
+          </a:xfrm>
+          <a:prstGeom prst="rect">
+            <a:avLst/>
+          </a:prstGeom>
+          <a:noFill/>
+        </p:spPr>
+        <p:txBody>
+          <a:bodyPr wrap="square" rtlCol="0">
+            <a:spAutoFit/>
+          </a:bodyPr>
+          <a:lstStyle/>
+          <a:p>
+            <a:r>
+              <a:rPr lang="en-US" altLang="ko-KR" sz="2400">
+                <a:effectLst>
+                  <a:outerShdw blurRad="38100" dist="38100" dir="2700000" algn="tl">
+                    <a:srgbClr val="000000">
+                      <a:alpha val="43137"/>
+                    </a:srgbClr>
+                  </a:outerShdw>
+                </a:effectLst>
+              </a:rPr>
+              <a:t>int ecMembersAge[10] = { 19, 20, 20, 21, 25, 21, 22, 24, 25, 23 };</a:t>
+            </a:r>
+          </a:p>
+          <a:p>
+            <a:r>
+              <a:rPr lang="en-US" altLang="ko-KR" sz="2400">
+                <a:effectLst>
+                  <a:outerShdw blurRad="38100" dist="38100" dir="2700000" algn="tl">
+                    <a:srgbClr val="000000">
+                      <a:alpha val="43137"/>
+                    </a:srgbClr>
+                  </a:outerShdw>
+                </a:effectLst>
+              </a:rPr>
+              <a:t>int freshersProjects[20] = { 0, };</a:t>
+            </a:r>
+          </a:p>
+        </p:txBody>
+      </p:sp>
+      <p:sp>
+        <p:nvSpPr>
+          <p:cNvPr id="9" name="TextBox 8">
+            <a:extLst>
+              <a:ext uri="{FF2B5EF4-FFF2-40B4-BE49-F238E27FC236}">
+                <a16:creationId xmlns:a16="http://schemas.microsoft.com/office/drawing/2014/main" id="{0D9F02F6-35F7-46F5-8FFE-FBAD20732CDC}"/>
+              </a:ext>
+            </a:extLst>
+          </p:cNvPr>
+          <p:cNvSpPr txBox="1"/>
+          <p:nvPr/>
+        </p:nvSpPr>
+        <p:spPr>
+          <a:xfrm>
+            <a:off x="301812" y="1347761"/>
+            <a:ext cx="7700955" cy="461665"/>
+          </a:xfrm>
+          <a:prstGeom prst="rect">
+            <a:avLst/>
+          </a:prstGeom>
+          <a:noFill/>
+        </p:spPr>
+        <p:txBody>
+          <a:bodyPr wrap="square" rtlCol="0">
+            <a:spAutoFit/>
+          </a:bodyPr>
+          <a:lstStyle/>
+          <a:p>
+            <a:pPr marL="457200" indent="-457200">
+              <a:buFont typeface="Arial" panose="020B0604020202020204" pitchFamily="34" charset="0"/>
+              <a:buChar char="•"/>
+            </a:pPr>
+            <a:r>
+              <a:rPr lang="ko-KR" altLang="en-US" sz="2400" b="1">
+                <a:effectLst>
+                  <a:outerShdw blurRad="38100" dist="38100" dir="2700000" algn="tl">
+                    <a:srgbClr val="000000">
+                      <a:alpha val="43137"/>
+                    </a:srgbClr>
+                  </a:outerShdw>
+                </a:effectLst>
+              </a:rPr>
+              <a:t>배열</a:t>
+            </a:r>
+            <a:r>
+              <a:rPr lang="en-US" altLang="ko-KR" sz="2400" b="1">
+                <a:effectLst>
+                  <a:outerShdw blurRad="38100" dist="38100" dir="2700000" algn="tl">
+                    <a:srgbClr val="000000">
+                      <a:alpha val="43137"/>
+                    </a:srgbClr>
+                  </a:outerShdw>
+                </a:effectLst>
+              </a:rPr>
+              <a:t>(Array)</a:t>
+            </a:r>
+            <a:r>
+              <a:rPr lang="ko-KR" altLang="en-US" sz="2400" b="1">
+                <a:effectLst>
+                  <a:outerShdw blurRad="38100" dist="38100" dir="2700000" algn="tl">
+                    <a:srgbClr val="000000">
+                      <a:alpha val="43137"/>
+                    </a:srgbClr>
+                  </a:outerShdw>
+                </a:effectLst>
+              </a:rPr>
+              <a:t>의 초기화</a:t>
+            </a:r>
+            <a:endParaRPr lang="en-US" altLang="ko-KR" sz="2400" b="1">
               <a:effectLst>
                 <a:outerShdw blurRad="38100" dist="38100" dir="2700000" algn="tl">
                   <a:srgbClr val="000000">
@@ -4571,107 +8223,10 @@
       </p:sp>
       <p:sp>
         <p:nvSpPr>
-          <p:cNvPr id="4" name="이등변 삼각형 3">
-            <a:extLst>
-              <a:ext uri="{FF2B5EF4-FFF2-40B4-BE49-F238E27FC236}">
-                <a16:creationId xmlns:a16="http://schemas.microsoft.com/office/drawing/2014/main" id="{D82EB4D7-301B-4780-87C6-7D1E66BD5181}"/>
-              </a:ext>
-            </a:extLst>
-          </p:cNvPr>
-          <p:cNvSpPr/>
-          <p:nvPr/>
-        </p:nvSpPr>
-        <p:spPr>
-          <a:xfrm rot="10800000">
-            <a:off x="11204089" y="-1"/>
-            <a:ext cx="987911" cy="851647"/>
-          </a:xfrm>
-          <a:prstGeom prst="triangle">
-            <a:avLst>
-              <a:gd name="adj" fmla="val 0"/>
-            </a:avLst>
-          </a:prstGeom>
-          <a:solidFill>
-            <a:schemeClr val="tx1"/>
-          </a:solidFill>
-          <a:ln>
-            <a:solidFill>
-              <a:schemeClr val="tx1"/>
-            </a:solidFill>
-          </a:ln>
-        </p:spPr>
-        <p:style>
-          <a:lnRef idx="2">
-            <a:schemeClr val="accent1">
-              <a:shade val="50000"/>
-            </a:schemeClr>
-          </a:lnRef>
-          <a:fillRef idx="1">
-            <a:schemeClr val="accent1"/>
-          </a:fillRef>
-          <a:effectRef idx="0">
-            <a:schemeClr val="accent1"/>
-          </a:effectRef>
-          <a:fontRef idx="minor">
-            <a:schemeClr val="lt1"/>
-          </a:fontRef>
-        </p:style>
-        <p:txBody>
-          <a:bodyPr rtlCol="0" anchor="ctr"/>
-          <a:lstStyle/>
-          <a:p>
-            <a:pPr algn="ctr"/>
-            <a:endParaRPr lang="ko-KR" altLang="en-US"/>
-          </a:p>
-        </p:txBody>
-      </p:sp>
-      <p:cxnSp>
-        <p:nvCxnSpPr>
-          <p:cNvPr id="7" name="직선 연결선 6">
-            <a:extLst>
-              <a:ext uri="{FF2B5EF4-FFF2-40B4-BE49-F238E27FC236}">
-                <a16:creationId xmlns:a16="http://schemas.microsoft.com/office/drawing/2014/main" id="{2585E046-0EB0-4A38-9487-0FDCAD563659}"/>
-              </a:ext>
-            </a:extLst>
-          </p:cNvPr>
-          <p:cNvCxnSpPr/>
-          <p:nvPr/>
-        </p:nvCxnSpPr>
-        <p:spPr>
-          <a:xfrm>
-            <a:off x="30480" y="1143598"/>
-            <a:ext cx="2357120" cy="0"/>
-          </a:xfrm>
-          <a:prstGeom prst="line">
-            <a:avLst/>
-          </a:prstGeom>
-          <a:ln w="63500">
-            <a:solidFill>
-              <a:schemeClr val="tx1"/>
-            </a:solidFill>
-          </a:ln>
-        </p:spPr>
-        <p:style>
-          <a:lnRef idx="1">
-            <a:schemeClr val="accent1"/>
-          </a:lnRef>
-          <a:fillRef idx="0">
-            <a:schemeClr val="accent1"/>
-          </a:fillRef>
-          <a:effectRef idx="0">
-            <a:schemeClr val="accent1"/>
-          </a:effectRef>
-          <a:fontRef idx="minor">
-            <a:schemeClr val="tx1"/>
-          </a:fontRef>
-        </p:style>
-      </p:cxnSp>
-      <p:sp>
-        <p:nvSpPr>
-          <p:cNvPr id="8" name="TextBox 7">
-            <a:extLst>
-              <a:ext uri="{FF2B5EF4-FFF2-40B4-BE49-F238E27FC236}">
-                <a16:creationId xmlns:a16="http://schemas.microsoft.com/office/drawing/2014/main" id="{224F4EC7-63C1-4A4D-8C01-3C82039AEB0F}"/>
+          <p:cNvPr id="12" name="TextBox 11">
+            <a:extLst>
+              <a:ext uri="{FF2B5EF4-FFF2-40B4-BE49-F238E27FC236}">
+                <a16:creationId xmlns:a16="http://schemas.microsoft.com/office/drawing/2014/main" id="{58B23639-8E26-4765-9ED6-11518F66D22D}"/>
               </a:ext>
             </a:extLst>
           </p:cNvPr>
@@ -4680,8 +8235,8 @@
         </p:nvSpPr>
         <p:spPr>
           <a:xfrm>
-            <a:off x="1158240" y="1720553"/>
-            <a:ext cx="8554720" cy="461665"/>
+            <a:off x="8758989" y="2817633"/>
+            <a:ext cx="3504131" cy="369332"/>
           </a:xfrm>
           <a:prstGeom prst="rect">
             <a:avLst/>
@@ -4695,6 +8250,64 @@
           <a:lstStyle/>
           <a:p>
             <a:r>
+              <a:rPr lang="ko-KR" altLang="en-US">
+                <a:solidFill>
+                  <a:srgbClr val="0000FF"/>
+                </a:solidFill>
+                <a:effectLst>
+                  <a:outerShdw blurRad="38100" dist="38100" dir="2700000" algn="tl">
+                    <a:srgbClr val="000000">
+                      <a:alpha val="43137"/>
+                    </a:srgbClr>
+                  </a:outerShdw>
+                </a:effectLst>
+              </a:rPr>
+              <a:t>중괄호 이용하는 것에 주목</a:t>
+            </a:r>
+            <a:endParaRPr lang="en-US" altLang="ko-KR">
+              <a:solidFill>
+                <a:srgbClr val="0000FF"/>
+              </a:solidFill>
+              <a:effectLst>
+                <a:outerShdw blurRad="38100" dist="38100" dir="2700000" algn="tl">
+                  <a:srgbClr val="000000">
+                    <a:alpha val="43137"/>
+                  </a:srgbClr>
+                </a:outerShdw>
+              </a:effectLst>
+            </a:endParaRPr>
+          </a:p>
+        </p:txBody>
+      </p:sp>
+      <p:sp>
+        <p:nvSpPr>
+          <p:cNvPr id="10" name="TextBox 9">
+            <a:extLst>
+              <a:ext uri="{FF2B5EF4-FFF2-40B4-BE49-F238E27FC236}">
+                <a16:creationId xmlns:a16="http://schemas.microsoft.com/office/drawing/2014/main" id="{A29EA04F-7B1B-49BC-ACB8-3B4FF42C8C33}"/>
+              </a:ext>
+            </a:extLst>
+          </p:cNvPr>
+          <p:cNvSpPr txBox="1"/>
+          <p:nvPr/>
+        </p:nvSpPr>
+        <p:spPr>
+          <a:xfrm>
+            <a:off x="730922" y="1941546"/>
+            <a:ext cx="9300584" cy="461665"/>
+          </a:xfrm>
+          <a:prstGeom prst="rect">
+            <a:avLst/>
+          </a:prstGeom>
+          <a:noFill/>
+        </p:spPr>
+        <p:txBody>
+          <a:bodyPr wrap="square" rtlCol="0">
+            <a:spAutoFit/>
+          </a:bodyPr>
+          <a:lstStyle/>
+          <a:p>
+            <a:r>
               <a:rPr lang="ko-KR" altLang="en-US" sz="2400">
                 <a:effectLst>
                   <a:outerShdw blurRad="38100" dist="38100" dir="2700000" algn="tl">
@@ -4704,7 +8317,7 @@
                   </a:outerShdw>
                 </a:effectLst>
               </a:rPr>
-              <a:t>ㅇㅇ</a:t>
+              <a:t>변수와 마찬가지로 선언과 동시에 값을 넣어 초기화할 수 있음</a:t>
             </a:r>
             <a:endParaRPr lang="en-US" altLang="ko-KR" sz="2400">
               <a:effectLst>
@@ -4718,10 +8331,98 @@
           </a:p>
         </p:txBody>
       </p:sp>
+      <p:sp>
+        <p:nvSpPr>
+          <p:cNvPr id="11" name="TextBox 10">
+            <a:extLst>
+              <a:ext uri="{FF2B5EF4-FFF2-40B4-BE49-F238E27FC236}">
+                <a16:creationId xmlns:a16="http://schemas.microsoft.com/office/drawing/2014/main" id="{84D26C9F-7D3B-4BE8-BB21-6ECD82A97D9D}"/>
+              </a:ext>
+            </a:extLst>
+          </p:cNvPr>
+          <p:cNvSpPr txBox="1"/>
+          <p:nvPr/>
+        </p:nvSpPr>
+        <p:spPr>
+          <a:xfrm>
+            <a:off x="1833455" y="3244047"/>
+            <a:ext cx="5096735" cy="369332"/>
+          </a:xfrm>
+          <a:prstGeom prst="rect">
+            <a:avLst/>
+          </a:prstGeom>
+          <a:noFill/>
+        </p:spPr>
+        <p:txBody>
+          <a:bodyPr wrap="square" rtlCol="0">
+            <a:spAutoFit/>
+          </a:bodyPr>
+          <a:lstStyle/>
+          <a:p>
+            <a:r>
+              <a:rPr lang="ko-KR" altLang="en-US">
+                <a:solidFill>
+                  <a:srgbClr val="0000FF"/>
+                </a:solidFill>
+                <a:effectLst>
+                  <a:outerShdw blurRad="38100" dist="38100" dir="2700000" algn="tl">
+                    <a:srgbClr val="000000">
+                      <a:alpha val="43137"/>
+                    </a:srgbClr>
+                  </a:outerShdw>
+                </a:effectLst>
+              </a:rPr>
+              <a:t>이러면 배열의 모든 요소가 </a:t>
+            </a:r>
+            <a:r>
+              <a:rPr lang="en-US" altLang="ko-KR">
+                <a:solidFill>
+                  <a:srgbClr val="0000FF"/>
+                </a:solidFill>
+                <a:effectLst>
+                  <a:outerShdw blurRad="38100" dist="38100" dir="2700000" algn="tl">
+                    <a:srgbClr val="000000">
+                      <a:alpha val="43137"/>
+                    </a:srgbClr>
+                  </a:outerShdw>
+                </a:effectLst>
+              </a:rPr>
+              <a:t>0</a:t>
+            </a:r>
+            <a:r>
+              <a:rPr lang="ko-KR" altLang="en-US">
+                <a:solidFill>
+                  <a:srgbClr val="0000FF"/>
+                </a:solidFill>
+                <a:effectLst>
+                  <a:outerShdw blurRad="38100" dist="38100" dir="2700000" algn="tl">
+                    <a:srgbClr val="000000">
+                      <a:alpha val="43137"/>
+                    </a:srgbClr>
+                  </a:outerShdw>
+                </a:effectLst>
+              </a:rPr>
+              <a:t>으로 초기화</a:t>
+            </a:r>
+            <a:endParaRPr lang="en-US" altLang="ko-KR">
+              <a:solidFill>
+                <a:srgbClr val="0000FF"/>
+              </a:solidFill>
+              <a:effectLst>
+                <a:outerShdw blurRad="38100" dist="38100" dir="2700000" algn="tl">
+                  <a:srgbClr val="000000">
+                    <a:alpha val="43137"/>
+                  </a:srgbClr>
+                </a:outerShdw>
+              </a:effectLst>
+            </a:endParaRPr>
+          </a:p>
+        </p:txBody>
+      </p:sp>
     </p:spTree>
     <p:extLst>
       <p:ext uri="{BB962C8B-B14F-4D97-AF65-F5344CB8AC3E}">
-        <p14:creationId xmlns:p14="http://schemas.microsoft.com/office/powerpoint/2010/main" val="750529664"/>
+        <p14:creationId xmlns:p14="http://schemas.microsoft.com/office/powerpoint/2010/main" val="1616233529"/>
       </p:ext>
     </p:extLst>
   </p:cSld>
@@ -4750,10 +8451,10 @@
       </p:grpSpPr>
       <p:pic>
         <p:nvPicPr>
-          <p:cNvPr id="10" name="그림 9" descr="화살이(가) 표시된 사진&#10;&#10;자동 생성된 설명">
-            <a:extLst>
-              <a:ext uri="{FF2B5EF4-FFF2-40B4-BE49-F238E27FC236}">
-                <a16:creationId xmlns:a16="http://schemas.microsoft.com/office/drawing/2014/main" id="{44CFF3E1-8AF5-49B1-BCC4-92C7C5FC2EAB}"/>
+          <p:cNvPr id="6" name="그림 5" descr="화살이(가) 표시된 사진&#10;&#10;자동 생성된 설명">
+            <a:extLst>
+              <a:ext uri="{FF2B5EF4-FFF2-40B4-BE49-F238E27FC236}">
+                <a16:creationId xmlns:a16="http://schemas.microsoft.com/office/drawing/2014/main" id="{A56C6D43-05A3-4988-A7D7-3D59E2F65C17}"/>
               </a:ext>
             </a:extLst>
           </p:cNvPr>
@@ -4824,7 +8525,7 @@
                   </a:outerShdw>
                 </a:effectLst>
               </a:rPr>
-              <a:t>과제</a:t>
+              <a:t>배열</a:t>
             </a:r>
           </a:p>
         </p:txBody>
@@ -4928,10 +8629,10 @@
       </p:cxnSp>
       <p:sp>
         <p:nvSpPr>
-          <p:cNvPr id="11" name="TextBox 10">
-            <a:extLst>
-              <a:ext uri="{FF2B5EF4-FFF2-40B4-BE49-F238E27FC236}">
-                <a16:creationId xmlns:a16="http://schemas.microsoft.com/office/drawing/2014/main" id="{866C7EE0-D0AC-46B6-A800-93045D75F2C4}"/>
+          <p:cNvPr id="9" name="TextBox 8">
+            <a:extLst>
+              <a:ext uri="{FF2B5EF4-FFF2-40B4-BE49-F238E27FC236}">
+                <a16:creationId xmlns:a16="http://schemas.microsoft.com/office/drawing/2014/main" id="{0D9F02F6-35F7-46F5-8FFE-FBAD20732CDC}"/>
               </a:ext>
             </a:extLst>
           </p:cNvPr>
@@ -4940,8 +8641,8 @@
         </p:nvSpPr>
         <p:spPr>
           <a:xfrm>
-            <a:off x="1209040" y="1600025"/>
-            <a:ext cx="8935557" cy="1569660"/>
+            <a:off x="301812" y="1347761"/>
+            <a:ext cx="7700955" cy="461665"/>
           </a:xfrm>
           <a:prstGeom prst="rect">
             <a:avLst/>
@@ -4959,24 +8660,42 @@
               <a:buChar char="•"/>
             </a:pPr>
             <a:r>
-              <a:rPr lang="en-US" altLang="ko-KR" sz="3200">
-                <a:effectLst>
-                  <a:outerShdw blurRad="38100" dist="38100" dir="2700000" algn="tl">
-                    <a:srgbClr val="000000">
-                      <a:alpha val="43137"/>
-                    </a:srgbClr>
-                  </a:outerShdw>
-                </a:effectLst>
-              </a:rPr>
-              <a:t>boj.kr/2562</a:t>
-            </a:r>
-          </a:p>
-          <a:p>
-            <a:pPr marL="457200" indent="-457200">
-              <a:buFont typeface="Arial" panose="020B0604020202020204" pitchFamily="34" charset="0"/>
-              <a:buChar char="•"/>
-            </a:pPr>
-            <a:endParaRPr lang="en-US" altLang="ko-KR" sz="3200">
+              <a:rPr lang="ko-KR" altLang="en-US" sz="2400" b="1">
+                <a:effectLst>
+                  <a:outerShdw blurRad="38100" dist="38100" dir="2700000" algn="tl">
+                    <a:srgbClr val="000000">
+                      <a:alpha val="43137"/>
+                    </a:srgbClr>
+                  </a:outerShdw>
+                </a:effectLst>
+              </a:rPr>
+              <a:t>배열</a:t>
+            </a:r>
+            <a:r>
+              <a:rPr lang="en-US" altLang="ko-KR" sz="2400" b="1">
+                <a:effectLst>
+                  <a:outerShdw blurRad="38100" dist="38100" dir="2700000" algn="tl">
+                    <a:srgbClr val="000000">
+                      <a:alpha val="43137"/>
+                    </a:srgbClr>
+                  </a:outerShdw>
+                </a:effectLst>
+              </a:rPr>
+              <a:t>(Array)</a:t>
+            </a:r>
+            <a:r>
+              <a:rPr lang="ko-KR" altLang="en-US" sz="2400" b="1">
+                <a:effectLst>
+                  <a:outerShdw blurRad="38100" dist="38100" dir="2700000" algn="tl">
+                    <a:srgbClr val="000000">
+                      <a:alpha val="43137"/>
+                    </a:srgbClr>
+                  </a:outerShdw>
+                </a:effectLst>
+              </a:rPr>
+              <a:t>의 구조</a:t>
+            </a:r>
+            <a:endParaRPr lang="en-US" altLang="ko-KR" sz="2400" b="1">
               <a:effectLst>
                 <a:outerShdw blurRad="38100" dist="38100" dir="2700000" algn="tl">
                   <a:srgbClr val="000000">
@@ -4986,30 +8705,5352 @@
               </a:effectLst>
             </a:endParaRPr>
           </a:p>
+        </p:txBody>
+      </p:sp>
+      <p:sp>
+        <p:nvSpPr>
+          <p:cNvPr id="12" name="TextBox 11">
+            <a:extLst>
+              <a:ext uri="{FF2B5EF4-FFF2-40B4-BE49-F238E27FC236}">
+                <a16:creationId xmlns:a16="http://schemas.microsoft.com/office/drawing/2014/main" id="{58B23639-8E26-4765-9ED6-11518F66D22D}"/>
+              </a:ext>
+            </a:extLst>
+          </p:cNvPr>
+          <p:cNvSpPr txBox="1"/>
+          <p:nvPr/>
+        </p:nvSpPr>
+        <p:spPr>
+          <a:xfrm>
+            <a:off x="550727" y="4725335"/>
+            <a:ext cx="7497483" cy="923330"/>
+          </a:xfrm>
+          <a:prstGeom prst="rect">
+            <a:avLst/>
+          </a:prstGeom>
+          <a:noFill/>
+        </p:spPr>
+        <p:txBody>
+          <a:bodyPr wrap="square" rtlCol="0">
+            <a:spAutoFit/>
+          </a:bodyPr>
+          <a:lstStyle/>
+          <a:p>
+            <a:r>
+              <a:rPr lang="ko-KR" altLang="en-US">
+                <a:solidFill>
+                  <a:srgbClr val="0000FF"/>
+                </a:solidFill>
+                <a:effectLst>
+                  <a:outerShdw blurRad="38100" dist="38100" dir="2700000" algn="tl">
+                    <a:srgbClr val="000000">
+                      <a:alpha val="43137"/>
+                    </a:srgbClr>
+                  </a:outerShdw>
+                </a:effectLst>
+              </a:rPr>
+              <a:t>배열의 인덱스는 무조건 </a:t>
+            </a:r>
+            <a:r>
+              <a:rPr lang="en-US" altLang="ko-KR">
+                <a:solidFill>
+                  <a:srgbClr val="0000FF"/>
+                </a:solidFill>
+                <a:effectLst>
+                  <a:outerShdw blurRad="38100" dist="38100" dir="2700000" algn="tl">
+                    <a:srgbClr val="000000">
+                      <a:alpha val="43137"/>
+                    </a:srgbClr>
+                  </a:outerShdw>
+                </a:effectLst>
+              </a:rPr>
+              <a:t>0</a:t>
+            </a:r>
+            <a:r>
+              <a:rPr lang="ko-KR" altLang="en-US">
+                <a:solidFill>
+                  <a:srgbClr val="0000FF"/>
+                </a:solidFill>
+                <a:effectLst>
+                  <a:outerShdw blurRad="38100" dist="38100" dir="2700000" algn="tl">
+                    <a:srgbClr val="000000">
+                      <a:alpha val="43137"/>
+                    </a:srgbClr>
+                  </a:outerShdw>
+                </a:effectLst>
+              </a:rPr>
+              <a:t>부터 시작한다는 것을 명심</a:t>
+            </a:r>
+            <a:endParaRPr lang="en-US" altLang="ko-KR">
+              <a:solidFill>
+                <a:srgbClr val="0000FF"/>
+              </a:solidFill>
+              <a:effectLst>
+                <a:outerShdw blurRad="38100" dist="38100" dir="2700000" algn="tl">
+                  <a:srgbClr val="000000">
+                    <a:alpha val="43137"/>
+                  </a:srgbClr>
+                </a:outerShdw>
+              </a:effectLst>
+            </a:endParaRPr>
+          </a:p>
+          <a:p>
+            <a:endParaRPr lang="en-US" altLang="ko-KR">
+              <a:solidFill>
+                <a:srgbClr val="0000FF"/>
+              </a:solidFill>
+              <a:effectLst>
+                <a:outerShdw blurRad="38100" dist="38100" dir="2700000" algn="tl">
+                  <a:srgbClr val="000000">
+                    <a:alpha val="43137"/>
+                  </a:srgbClr>
+                </a:outerShdw>
+              </a:effectLst>
+            </a:endParaRPr>
+          </a:p>
+          <a:p>
+            <a:r>
+              <a:rPr lang="ko-KR" altLang="en-US">
+                <a:solidFill>
+                  <a:srgbClr val="0000FF"/>
+                </a:solidFill>
+                <a:effectLst>
+                  <a:outerShdw blurRad="38100" dist="38100" dir="2700000" algn="tl">
+                    <a:srgbClr val="000000">
+                      <a:alpha val="43137"/>
+                    </a:srgbClr>
+                  </a:outerShdw>
+                </a:effectLst>
+              </a:rPr>
+              <a:t>메모리 주소가 </a:t>
+            </a:r>
+            <a:r>
+              <a:rPr lang="en-US" altLang="ko-KR">
+                <a:solidFill>
+                  <a:srgbClr val="0000FF"/>
+                </a:solidFill>
+                <a:effectLst>
+                  <a:outerShdw blurRad="38100" dist="38100" dir="2700000" algn="tl">
+                    <a:srgbClr val="000000">
+                      <a:alpha val="43137"/>
+                    </a:srgbClr>
+                  </a:outerShdw>
+                </a:effectLst>
+              </a:rPr>
+              <a:t>4</a:t>
+            </a:r>
+            <a:r>
+              <a:rPr lang="ko-KR" altLang="en-US">
+                <a:solidFill>
+                  <a:srgbClr val="0000FF"/>
+                </a:solidFill>
+                <a:effectLst>
+                  <a:outerShdw blurRad="38100" dist="38100" dir="2700000" algn="tl">
+                    <a:srgbClr val="000000">
+                      <a:alpha val="43137"/>
+                    </a:srgbClr>
+                  </a:outerShdw>
+                </a:effectLst>
+              </a:rPr>
+              <a:t>씩 증가하는 이유는</a:t>
+            </a:r>
+            <a:r>
+              <a:rPr lang="en-US" altLang="ko-KR">
+                <a:solidFill>
+                  <a:srgbClr val="0000FF"/>
+                </a:solidFill>
+                <a:effectLst>
+                  <a:outerShdw blurRad="38100" dist="38100" dir="2700000" algn="tl">
+                    <a:srgbClr val="000000">
+                      <a:alpha val="43137"/>
+                    </a:srgbClr>
+                  </a:outerShdw>
+                </a:effectLst>
+              </a:rPr>
+              <a:t>?</a:t>
+            </a:r>
+          </a:p>
+        </p:txBody>
+      </p:sp>
+      <p:sp>
+        <p:nvSpPr>
+          <p:cNvPr id="3" name="직사각형 2">
+            <a:extLst>
+              <a:ext uri="{FF2B5EF4-FFF2-40B4-BE49-F238E27FC236}">
+                <a16:creationId xmlns:a16="http://schemas.microsoft.com/office/drawing/2014/main" id="{FDF33737-4CBF-4EC0-9771-62DCF47F2190}"/>
+              </a:ext>
+            </a:extLst>
+          </p:cNvPr>
+          <p:cNvSpPr/>
+          <p:nvPr/>
+        </p:nvSpPr>
+        <p:spPr>
+          <a:xfrm>
+            <a:off x="433291" y="2410058"/>
+            <a:ext cx="1174376" cy="863632"/>
+          </a:xfrm>
+          <a:prstGeom prst="rect">
+            <a:avLst/>
+          </a:prstGeom>
+          <a:solidFill>
+            <a:schemeClr val="bg1"/>
+          </a:solidFill>
+          <a:ln>
+            <a:solidFill>
+              <a:schemeClr val="tx1"/>
+            </a:solidFill>
+          </a:ln>
+        </p:spPr>
+        <p:style>
+          <a:lnRef idx="2">
+            <a:schemeClr val="accent1">
+              <a:shade val="50000"/>
+            </a:schemeClr>
+          </a:lnRef>
+          <a:fillRef idx="1">
+            <a:schemeClr val="accent1"/>
+          </a:fillRef>
+          <a:effectRef idx="0">
+            <a:schemeClr val="accent1"/>
+          </a:effectRef>
+          <a:fontRef idx="minor">
+            <a:schemeClr val="lt1"/>
+          </a:fontRef>
+        </p:style>
+        <p:txBody>
+          <a:bodyPr rtlCol="0" anchor="ctr"/>
+          <a:lstStyle/>
+          <a:p>
+            <a:pPr algn="ctr"/>
+            <a:r>
+              <a:rPr lang="en-US" altLang="ko-KR">
+                <a:solidFill>
+                  <a:schemeClr val="tx1"/>
+                </a:solidFill>
+              </a:rPr>
+              <a:t>19</a:t>
+            </a:r>
+            <a:endParaRPr lang="ko-KR" altLang="en-US">
+              <a:solidFill>
+                <a:schemeClr val="tx1"/>
+              </a:solidFill>
+            </a:endParaRPr>
+          </a:p>
+        </p:txBody>
+      </p:sp>
+      <p:sp>
+        <p:nvSpPr>
+          <p:cNvPr id="11" name="직사각형 10">
+            <a:extLst>
+              <a:ext uri="{FF2B5EF4-FFF2-40B4-BE49-F238E27FC236}">
+                <a16:creationId xmlns:a16="http://schemas.microsoft.com/office/drawing/2014/main" id="{F1B69F97-8DDD-4160-8A68-0D8B3031500C}"/>
+              </a:ext>
+            </a:extLst>
+          </p:cNvPr>
+          <p:cNvSpPr/>
+          <p:nvPr/>
+        </p:nvSpPr>
+        <p:spPr>
+          <a:xfrm>
+            <a:off x="433291" y="3584434"/>
+            <a:ext cx="1174376" cy="310744"/>
+          </a:xfrm>
+          <a:prstGeom prst="rect">
+            <a:avLst/>
+          </a:prstGeom>
+          <a:solidFill>
+            <a:schemeClr val="bg1"/>
+          </a:solidFill>
+          <a:ln>
+            <a:solidFill>
+              <a:schemeClr val="tx1"/>
+            </a:solidFill>
+          </a:ln>
+        </p:spPr>
+        <p:style>
+          <a:lnRef idx="2">
+            <a:schemeClr val="accent1">
+              <a:shade val="50000"/>
+            </a:schemeClr>
+          </a:lnRef>
+          <a:fillRef idx="1">
+            <a:schemeClr val="accent1"/>
+          </a:fillRef>
+          <a:effectRef idx="0">
+            <a:schemeClr val="accent1"/>
+          </a:effectRef>
+          <a:fontRef idx="minor">
+            <a:schemeClr val="lt1"/>
+          </a:fontRef>
+        </p:style>
+        <p:txBody>
+          <a:bodyPr rtlCol="0" anchor="ctr"/>
+          <a:lstStyle/>
+          <a:p>
+            <a:pPr algn="ctr"/>
+            <a:r>
+              <a:rPr lang="en-US" altLang="ko-KR">
+                <a:solidFill>
+                  <a:schemeClr val="tx1"/>
+                </a:solidFill>
+              </a:rPr>
+              <a:t>0</a:t>
+            </a:r>
+            <a:endParaRPr lang="ko-KR" altLang="en-US">
+              <a:solidFill>
+                <a:schemeClr val="tx1"/>
+              </a:solidFill>
+            </a:endParaRPr>
+          </a:p>
+        </p:txBody>
+      </p:sp>
+      <p:sp>
+        <p:nvSpPr>
+          <p:cNvPr id="13" name="직사각형 12">
+            <a:extLst>
+              <a:ext uri="{FF2B5EF4-FFF2-40B4-BE49-F238E27FC236}">
+                <a16:creationId xmlns:a16="http://schemas.microsoft.com/office/drawing/2014/main" id="{6B0D497E-BA04-442E-B502-A6769581678D}"/>
+              </a:ext>
+            </a:extLst>
+          </p:cNvPr>
+          <p:cNvSpPr/>
+          <p:nvPr/>
+        </p:nvSpPr>
+        <p:spPr>
+          <a:xfrm>
+            <a:off x="433291" y="3895178"/>
+            <a:ext cx="1174376" cy="310744"/>
+          </a:xfrm>
+          <a:prstGeom prst="rect">
+            <a:avLst/>
+          </a:prstGeom>
+          <a:solidFill>
+            <a:schemeClr val="bg1"/>
+          </a:solidFill>
+          <a:ln>
+            <a:solidFill>
+              <a:schemeClr val="tx1"/>
+            </a:solidFill>
+          </a:ln>
+        </p:spPr>
+        <p:style>
+          <a:lnRef idx="2">
+            <a:schemeClr val="accent1">
+              <a:shade val="50000"/>
+            </a:schemeClr>
+          </a:lnRef>
+          <a:fillRef idx="1">
+            <a:schemeClr val="accent1"/>
+          </a:fillRef>
+          <a:effectRef idx="0">
+            <a:schemeClr val="accent1"/>
+          </a:effectRef>
+          <a:fontRef idx="minor">
+            <a:schemeClr val="lt1"/>
+          </a:fontRef>
+        </p:style>
+        <p:txBody>
+          <a:bodyPr rtlCol="0" anchor="ctr"/>
+          <a:lstStyle/>
+          <a:p>
+            <a:pPr algn="ctr"/>
+            <a:r>
+              <a:rPr lang="en-US" altLang="ko-KR">
+                <a:solidFill>
+                  <a:schemeClr val="tx1"/>
+                </a:solidFill>
+              </a:rPr>
+              <a:t>0x0000</a:t>
+            </a:r>
+            <a:endParaRPr lang="ko-KR" altLang="en-US">
+              <a:solidFill>
+                <a:schemeClr val="tx1"/>
+              </a:solidFill>
+            </a:endParaRPr>
+          </a:p>
+        </p:txBody>
+      </p:sp>
+      <p:sp>
+        <p:nvSpPr>
+          <p:cNvPr id="14" name="직사각형 13">
+            <a:extLst>
+              <a:ext uri="{FF2B5EF4-FFF2-40B4-BE49-F238E27FC236}">
+                <a16:creationId xmlns:a16="http://schemas.microsoft.com/office/drawing/2014/main" id="{871EE41B-DC6B-4CDC-A3C1-9A3AEC359DB9}"/>
+              </a:ext>
+            </a:extLst>
+          </p:cNvPr>
+          <p:cNvSpPr/>
+          <p:nvPr/>
+        </p:nvSpPr>
+        <p:spPr>
+          <a:xfrm>
+            <a:off x="433291" y="3286785"/>
+            <a:ext cx="1174376" cy="297649"/>
+          </a:xfrm>
+          <a:prstGeom prst="rect">
+            <a:avLst/>
+          </a:prstGeom>
+          <a:solidFill>
+            <a:schemeClr val="bg1"/>
+          </a:solidFill>
+          <a:ln>
+            <a:solidFill>
+              <a:schemeClr val="tx1"/>
+            </a:solidFill>
+          </a:ln>
+        </p:spPr>
+        <p:style>
+          <a:lnRef idx="2">
+            <a:schemeClr val="accent1">
+              <a:shade val="50000"/>
+            </a:schemeClr>
+          </a:lnRef>
+          <a:fillRef idx="1">
+            <a:schemeClr val="accent1"/>
+          </a:fillRef>
+          <a:effectRef idx="0">
+            <a:schemeClr val="accent1"/>
+          </a:effectRef>
+          <a:fontRef idx="minor">
+            <a:schemeClr val="lt1"/>
+          </a:fontRef>
+        </p:style>
+        <p:txBody>
+          <a:bodyPr rtlCol="0" anchor="ctr"/>
+          <a:lstStyle/>
+          <a:p>
+            <a:pPr algn="ctr"/>
+            <a:r>
+              <a:rPr lang="en-US" altLang="ko-KR">
+                <a:solidFill>
+                  <a:schemeClr val="tx1"/>
+                </a:solidFill>
+              </a:rPr>
+              <a:t>int</a:t>
+            </a:r>
+            <a:endParaRPr lang="ko-KR" altLang="en-US">
+              <a:solidFill>
+                <a:schemeClr val="tx1"/>
+              </a:solidFill>
+            </a:endParaRPr>
+          </a:p>
+        </p:txBody>
+      </p:sp>
+      <p:sp>
+        <p:nvSpPr>
+          <p:cNvPr id="5" name="TextBox 4">
+            <a:extLst>
+              <a:ext uri="{FF2B5EF4-FFF2-40B4-BE49-F238E27FC236}">
+                <a16:creationId xmlns:a16="http://schemas.microsoft.com/office/drawing/2014/main" id="{EBD53240-DC76-4346-90E0-65CF68957453}"/>
+              </a:ext>
+            </a:extLst>
+          </p:cNvPr>
+          <p:cNvSpPr txBox="1"/>
+          <p:nvPr/>
+        </p:nvSpPr>
+        <p:spPr>
+          <a:xfrm>
+            <a:off x="17925" y="2186906"/>
+            <a:ext cx="1065605" cy="261610"/>
+          </a:xfrm>
+          <a:prstGeom prst="rect">
+            <a:avLst/>
+          </a:prstGeom>
+          <a:noFill/>
+        </p:spPr>
+        <p:txBody>
+          <a:bodyPr wrap="square" rtlCol="0">
+            <a:spAutoFit/>
+          </a:bodyPr>
+          <a:lstStyle/>
+          <a:p>
+            <a:r>
+              <a:rPr lang="ko-KR" altLang="en-US" sz="1100"/>
+              <a:t>이름</a:t>
+            </a:r>
+          </a:p>
+        </p:txBody>
+      </p:sp>
+      <p:sp>
+        <p:nvSpPr>
+          <p:cNvPr id="15" name="TextBox 14">
+            <a:extLst>
+              <a:ext uri="{FF2B5EF4-FFF2-40B4-BE49-F238E27FC236}">
+                <a16:creationId xmlns:a16="http://schemas.microsoft.com/office/drawing/2014/main" id="{E7EDE633-7061-4C32-B5DA-B0556990E79B}"/>
+              </a:ext>
+            </a:extLst>
+          </p:cNvPr>
+          <p:cNvSpPr txBox="1"/>
+          <p:nvPr/>
+        </p:nvSpPr>
+        <p:spPr>
+          <a:xfrm>
+            <a:off x="-82777" y="3297528"/>
+            <a:ext cx="1065605" cy="261610"/>
+          </a:xfrm>
+          <a:prstGeom prst="rect">
+            <a:avLst/>
+          </a:prstGeom>
+          <a:noFill/>
+        </p:spPr>
+        <p:txBody>
+          <a:bodyPr wrap="square" rtlCol="0">
+            <a:spAutoFit/>
+          </a:bodyPr>
+          <a:lstStyle/>
+          <a:p>
+            <a:r>
+              <a:rPr lang="ko-KR" altLang="en-US" sz="1100"/>
+              <a:t>자료형</a:t>
+            </a:r>
+          </a:p>
+        </p:txBody>
+      </p:sp>
+      <p:sp>
+        <p:nvSpPr>
+          <p:cNvPr id="16" name="TextBox 15">
+            <a:extLst>
+              <a:ext uri="{FF2B5EF4-FFF2-40B4-BE49-F238E27FC236}">
+                <a16:creationId xmlns:a16="http://schemas.microsoft.com/office/drawing/2014/main" id="{600C8BE0-C0F1-4898-8DEE-01F74D1183D0}"/>
+              </a:ext>
+            </a:extLst>
+          </p:cNvPr>
+          <p:cNvSpPr txBox="1"/>
+          <p:nvPr/>
+        </p:nvSpPr>
+        <p:spPr>
+          <a:xfrm>
+            <a:off x="-82777" y="3620610"/>
+            <a:ext cx="1065605" cy="261610"/>
+          </a:xfrm>
+          <a:prstGeom prst="rect">
+            <a:avLst/>
+          </a:prstGeom>
+          <a:noFill/>
+        </p:spPr>
+        <p:txBody>
+          <a:bodyPr wrap="square" rtlCol="0">
+            <a:spAutoFit/>
+          </a:bodyPr>
+          <a:lstStyle/>
+          <a:p>
+            <a:r>
+              <a:rPr lang="ko-KR" altLang="en-US" sz="1100"/>
+              <a:t>인덱스</a:t>
+            </a:r>
+          </a:p>
+        </p:txBody>
+      </p:sp>
+      <p:sp>
+        <p:nvSpPr>
+          <p:cNvPr id="19" name="TextBox 18">
+            <a:extLst>
+              <a:ext uri="{FF2B5EF4-FFF2-40B4-BE49-F238E27FC236}">
+                <a16:creationId xmlns:a16="http://schemas.microsoft.com/office/drawing/2014/main" id="{0EB805EB-E2CB-4457-B508-CF3AB9E423EA}"/>
+              </a:ext>
+            </a:extLst>
+          </p:cNvPr>
+          <p:cNvSpPr txBox="1"/>
+          <p:nvPr/>
+        </p:nvSpPr>
+        <p:spPr>
+          <a:xfrm>
+            <a:off x="-7771" y="4247041"/>
+            <a:ext cx="1402678" cy="246221"/>
+          </a:xfrm>
+          <a:prstGeom prst="rect">
+            <a:avLst/>
+          </a:prstGeom>
+          <a:noFill/>
+        </p:spPr>
+        <p:txBody>
+          <a:bodyPr wrap="square" rtlCol="0">
+            <a:spAutoFit/>
+          </a:bodyPr>
+          <a:lstStyle/>
+          <a:p>
+            <a:r>
+              <a:rPr lang="ko-KR" altLang="en-US" sz="1000"/>
+              <a:t>메모리주소</a:t>
+            </a:r>
+          </a:p>
+        </p:txBody>
+      </p:sp>
+      <p:sp>
+        <p:nvSpPr>
+          <p:cNvPr id="20" name="TextBox 19">
+            <a:extLst>
+              <a:ext uri="{FF2B5EF4-FFF2-40B4-BE49-F238E27FC236}">
+                <a16:creationId xmlns:a16="http://schemas.microsoft.com/office/drawing/2014/main" id="{CA79624C-15B7-483E-AC37-B563C0987185}"/>
+              </a:ext>
+            </a:extLst>
+          </p:cNvPr>
+          <p:cNvSpPr txBox="1"/>
+          <p:nvPr/>
+        </p:nvSpPr>
+        <p:spPr>
+          <a:xfrm>
+            <a:off x="71715" y="2886637"/>
+            <a:ext cx="1065605" cy="261610"/>
+          </a:xfrm>
+          <a:prstGeom prst="rect">
+            <a:avLst/>
+          </a:prstGeom>
+          <a:noFill/>
+        </p:spPr>
+        <p:txBody>
+          <a:bodyPr wrap="square" rtlCol="0">
+            <a:spAutoFit/>
+          </a:bodyPr>
+          <a:lstStyle/>
+          <a:p>
+            <a:r>
+              <a:rPr lang="ko-KR" altLang="en-US" sz="1100"/>
+              <a:t>값</a:t>
+            </a:r>
+          </a:p>
+        </p:txBody>
+      </p:sp>
+      <p:sp>
+        <p:nvSpPr>
+          <p:cNvPr id="21" name="TextBox 20">
+            <a:extLst>
+              <a:ext uri="{FF2B5EF4-FFF2-40B4-BE49-F238E27FC236}">
+                <a16:creationId xmlns:a16="http://schemas.microsoft.com/office/drawing/2014/main" id="{917D45C9-0DE1-4A5E-AFEE-ED2D35CE5575}"/>
+              </a:ext>
+            </a:extLst>
+          </p:cNvPr>
+          <p:cNvSpPr txBox="1"/>
+          <p:nvPr/>
+        </p:nvSpPr>
+        <p:spPr>
+          <a:xfrm>
+            <a:off x="427015" y="2159541"/>
+            <a:ext cx="1321099" cy="253916"/>
+          </a:xfrm>
+          <a:prstGeom prst="rect">
+            <a:avLst/>
+          </a:prstGeom>
+          <a:noFill/>
+        </p:spPr>
+        <p:txBody>
+          <a:bodyPr wrap="square" rtlCol="0">
+            <a:spAutoFit/>
+          </a:bodyPr>
+          <a:lstStyle/>
+          <a:p>
+            <a:r>
+              <a:rPr lang="en-US" altLang="ko-KR" sz="1000"/>
+              <a:t>ecMembersAge[0]</a:t>
+            </a:r>
+            <a:endParaRPr lang="ko-KR" altLang="en-US" sz="1000"/>
+          </a:p>
+        </p:txBody>
+      </p:sp>
+      <p:sp>
+        <p:nvSpPr>
+          <p:cNvPr id="22" name="직사각형 21">
+            <a:extLst>
+              <a:ext uri="{FF2B5EF4-FFF2-40B4-BE49-F238E27FC236}">
+                <a16:creationId xmlns:a16="http://schemas.microsoft.com/office/drawing/2014/main" id="{74EEEECF-36E7-4B3C-9BF9-82637F307349}"/>
+              </a:ext>
+            </a:extLst>
+          </p:cNvPr>
+          <p:cNvSpPr/>
+          <p:nvPr/>
+        </p:nvSpPr>
+        <p:spPr>
+          <a:xfrm>
+            <a:off x="1605575" y="2409934"/>
+            <a:ext cx="1174376" cy="863632"/>
+          </a:xfrm>
+          <a:prstGeom prst="rect">
+            <a:avLst/>
+          </a:prstGeom>
+          <a:solidFill>
+            <a:schemeClr val="bg1"/>
+          </a:solidFill>
+          <a:ln>
+            <a:solidFill>
+              <a:schemeClr val="tx1"/>
+            </a:solidFill>
+          </a:ln>
+        </p:spPr>
+        <p:style>
+          <a:lnRef idx="2">
+            <a:schemeClr val="accent1">
+              <a:shade val="50000"/>
+            </a:schemeClr>
+          </a:lnRef>
+          <a:fillRef idx="1">
+            <a:schemeClr val="accent1"/>
+          </a:fillRef>
+          <a:effectRef idx="0">
+            <a:schemeClr val="accent1"/>
+          </a:effectRef>
+          <a:fontRef idx="minor">
+            <a:schemeClr val="lt1"/>
+          </a:fontRef>
+        </p:style>
+        <p:txBody>
+          <a:bodyPr rtlCol="0" anchor="ctr"/>
+          <a:lstStyle/>
+          <a:p>
+            <a:pPr algn="ctr"/>
+            <a:r>
+              <a:rPr lang="en-US" altLang="ko-KR">
+                <a:solidFill>
+                  <a:schemeClr val="tx1"/>
+                </a:solidFill>
+              </a:rPr>
+              <a:t>20</a:t>
+            </a:r>
+            <a:endParaRPr lang="ko-KR" altLang="en-US">
+              <a:solidFill>
+                <a:schemeClr val="tx1"/>
+              </a:solidFill>
+            </a:endParaRPr>
+          </a:p>
+        </p:txBody>
+      </p:sp>
+      <p:sp>
+        <p:nvSpPr>
+          <p:cNvPr id="23" name="직사각형 22">
+            <a:extLst>
+              <a:ext uri="{FF2B5EF4-FFF2-40B4-BE49-F238E27FC236}">
+                <a16:creationId xmlns:a16="http://schemas.microsoft.com/office/drawing/2014/main" id="{B26483A3-C5CA-423E-9D7A-279ABA96530A}"/>
+              </a:ext>
+            </a:extLst>
+          </p:cNvPr>
+          <p:cNvSpPr/>
+          <p:nvPr/>
+        </p:nvSpPr>
+        <p:spPr>
+          <a:xfrm>
+            <a:off x="1605575" y="3584310"/>
+            <a:ext cx="1174376" cy="310744"/>
+          </a:xfrm>
+          <a:prstGeom prst="rect">
+            <a:avLst/>
+          </a:prstGeom>
+          <a:solidFill>
+            <a:schemeClr val="bg1"/>
+          </a:solidFill>
+          <a:ln>
+            <a:solidFill>
+              <a:schemeClr val="tx1"/>
+            </a:solidFill>
+          </a:ln>
+        </p:spPr>
+        <p:style>
+          <a:lnRef idx="2">
+            <a:schemeClr val="accent1">
+              <a:shade val="50000"/>
+            </a:schemeClr>
+          </a:lnRef>
+          <a:fillRef idx="1">
+            <a:schemeClr val="accent1"/>
+          </a:fillRef>
+          <a:effectRef idx="0">
+            <a:schemeClr val="accent1"/>
+          </a:effectRef>
+          <a:fontRef idx="minor">
+            <a:schemeClr val="lt1"/>
+          </a:fontRef>
+        </p:style>
+        <p:txBody>
+          <a:bodyPr rtlCol="0" anchor="ctr"/>
+          <a:lstStyle/>
+          <a:p>
+            <a:pPr algn="ctr"/>
+            <a:r>
+              <a:rPr lang="en-US" altLang="ko-KR">
+                <a:solidFill>
+                  <a:schemeClr val="tx1"/>
+                </a:solidFill>
+              </a:rPr>
+              <a:t>1</a:t>
+            </a:r>
+            <a:endParaRPr lang="ko-KR" altLang="en-US">
+              <a:solidFill>
+                <a:schemeClr val="tx1"/>
+              </a:solidFill>
+            </a:endParaRPr>
+          </a:p>
+        </p:txBody>
+      </p:sp>
+      <p:sp>
+        <p:nvSpPr>
+          <p:cNvPr id="24" name="직사각형 23">
+            <a:extLst>
+              <a:ext uri="{FF2B5EF4-FFF2-40B4-BE49-F238E27FC236}">
+                <a16:creationId xmlns:a16="http://schemas.microsoft.com/office/drawing/2014/main" id="{3E06A322-5E0C-4A09-AE4E-5DBE9FBD37A9}"/>
+              </a:ext>
+            </a:extLst>
+          </p:cNvPr>
+          <p:cNvSpPr/>
+          <p:nvPr/>
+        </p:nvSpPr>
+        <p:spPr>
+          <a:xfrm>
+            <a:off x="1605575" y="3895054"/>
+            <a:ext cx="1174376" cy="310744"/>
+          </a:xfrm>
+          <a:prstGeom prst="rect">
+            <a:avLst/>
+          </a:prstGeom>
+          <a:solidFill>
+            <a:schemeClr val="bg1"/>
+          </a:solidFill>
+          <a:ln>
+            <a:solidFill>
+              <a:schemeClr val="tx1"/>
+            </a:solidFill>
+          </a:ln>
+        </p:spPr>
+        <p:style>
+          <a:lnRef idx="2">
+            <a:schemeClr val="accent1">
+              <a:shade val="50000"/>
+            </a:schemeClr>
+          </a:lnRef>
+          <a:fillRef idx="1">
+            <a:schemeClr val="accent1"/>
+          </a:fillRef>
+          <a:effectRef idx="0">
+            <a:schemeClr val="accent1"/>
+          </a:effectRef>
+          <a:fontRef idx="minor">
+            <a:schemeClr val="lt1"/>
+          </a:fontRef>
+        </p:style>
+        <p:txBody>
+          <a:bodyPr rtlCol="0" anchor="ctr"/>
+          <a:lstStyle/>
+          <a:p>
+            <a:pPr algn="ctr"/>
+            <a:r>
+              <a:rPr lang="en-US" altLang="ko-KR">
+                <a:solidFill>
+                  <a:schemeClr val="tx1"/>
+                </a:solidFill>
+              </a:rPr>
+              <a:t>0x0004</a:t>
+            </a:r>
+            <a:endParaRPr lang="ko-KR" altLang="en-US">
+              <a:solidFill>
+                <a:schemeClr val="tx1"/>
+              </a:solidFill>
+            </a:endParaRPr>
+          </a:p>
+        </p:txBody>
+      </p:sp>
+      <p:sp>
+        <p:nvSpPr>
+          <p:cNvPr id="25" name="직사각형 24">
+            <a:extLst>
+              <a:ext uri="{FF2B5EF4-FFF2-40B4-BE49-F238E27FC236}">
+                <a16:creationId xmlns:a16="http://schemas.microsoft.com/office/drawing/2014/main" id="{73638A4E-5A03-40FE-A528-9AE29E08272B}"/>
+              </a:ext>
+            </a:extLst>
+          </p:cNvPr>
+          <p:cNvSpPr/>
+          <p:nvPr/>
+        </p:nvSpPr>
+        <p:spPr>
+          <a:xfrm>
+            <a:off x="1605575" y="3286661"/>
+            <a:ext cx="1174376" cy="297649"/>
+          </a:xfrm>
+          <a:prstGeom prst="rect">
+            <a:avLst/>
+          </a:prstGeom>
+          <a:solidFill>
+            <a:schemeClr val="bg1"/>
+          </a:solidFill>
+          <a:ln>
+            <a:solidFill>
+              <a:schemeClr val="tx1"/>
+            </a:solidFill>
+          </a:ln>
+        </p:spPr>
+        <p:style>
+          <a:lnRef idx="2">
+            <a:schemeClr val="accent1">
+              <a:shade val="50000"/>
+            </a:schemeClr>
+          </a:lnRef>
+          <a:fillRef idx="1">
+            <a:schemeClr val="accent1"/>
+          </a:fillRef>
+          <a:effectRef idx="0">
+            <a:schemeClr val="accent1"/>
+          </a:effectRef>
+          <a:fontRef idx="minor">
+            <a:schemeClr val="lt1"/>
+          </a:fontRef>
+        </p:style>
+        <p:txBody>
+          <a:bodyPr rtlCol="0" anchor="ctr"/>
+          <a:lstStyle/>
+          <a:p>
+            <a:pPr algn="ctr"/>
+            <a:r>
+              <a:rPr lang="en-US" altLang="ko-KR">
+                <a:solidFill>
+                  <a:schemeClr val="tx1"/>
+                </a:solidFill>
+              </a:rPr>
+              <a:t>int</a:t>
+            </a:r>
+            <a:endParaRPr lang="ko-KR" altLang="en-US">
+              <a:solidFill>
+                <a:schemeClr val="tx1"/>
+              </a:solidFill>
+            </a:endParaRPr>
+          </a:p>
+        </p:txBody>
+      </p:sp>
+      <p:sp>
+        <p:nvSpPr>
+          <p:cNvPr id="26" name="TextBox 25">
+            <a:extLst>
+              <a:ext uri="{FF2B5EF4-FFF2-40B4-BE49-F238E27FC236}">
+                <a16:creationId xmlns:a16="http://schemas.microsoft.com/office/drawing/2014/main" id="{9CEFD8E3-AFF4-46C5-BE26-0492C417AF9B}"/>
+              </a:ext>
+            </a:extLst>
+          </p:cNvPr>
+          <p:cNvSpPr txBox="1"/>
+          <p:nvPr/>
+        </p:nvSpPr>
+        <p:spPr>
+          <a:xfrm>
+            <a:off x="1599299" y="2159417"/>
+            <a:ext cx="1321099" cy="253916"/>
+          </a:xfrm>
+          <a:prstGeom prst="rect">
+            <a:avLst/>
+          </a:prstGeom>
+          <a:noFill/>
+        </p:spPr>
+        <p:txBody>
+          <a:bodyPr wrap="square" rtlCol="0">
+            <a:spAutoFit/>
+          </a:bodyPr>
+          <a:lstStyle/>
+          <a:p>
+            <a:r>
+              <a:rPr lang="en-US" altLang="ko-KR" sz="1000"/>
+              <a:t>ecMembersAge[1]</a:t>
+            </a:r>
+            <a:endParaRPr lang="ko-KR" altLang="en-US" sz="1000"/>
+          </a:p>
+        </p:txBody>
+      </p:sp>
+      <p:sp>
+        <p:nvSpPr>
+          <p:cNvPr id="27" name="직사각형 26">
+            <a:extLst>
+              <a:ext uri="{FF2B5EF4-FFF2-40B4-BE49-F238E27FC236}">
+                <a16:creationId xmlns:a16="http://schemas.microsoft.com/office/drawing/2014/main" id="{1EDBF0CE-BCFB-4DF9-BC09-4E6A5CC18B0D}"/>
+              </a:ext>
+            </a:extLst>
+          </p:cNvPr>
+          <p:cNvSpPr/>
+          <p:nvPr/>
+        </p:nvSpPr>
+        <p:spPr>
+          <a:xfrm>
+            <a:off x="2769344" y="2409934"/>
+            <a:ext cx="1174376" cy="863632"/>
+          </a:xfrm>
+          <a:prstGeom prst="rect">
+            <a:avLst/>
+          </a:prstGeom>
+          <a:solidFill>
+            <a:schemeClr val="bg1"/>
+          </a:solidFill>
+          <a:ln>
+            <a:solidFill>
+              <a:schemeClr val="tx1"/>
+            </a:solidFill>
+          </a:ln>
+        </p:spPr>
+        <p:style>
+          <a:lnRef idx="2">
+            <a:schemeClr val="accent1">
+              <a:shade val="50000"/>
+            </a:schemeClr>
+          </a:lnRef>
+          <a:fillRef idx="1">
+            <a:schemeClr val="accent1"/>
+          </a:fillRef>
+          <a:effectRef idx="0">
+            <a:schemeClr val="accent1"/>
+          </a:effectRef>
+          <a:fontRef idx="minor">
+            <a:schemeClr val="lt1"/>
+          </a:fontRef>
+        </p:style>
+        <p:txBody>
+          <a:bodyPr rtlCol="0" anchor="ctr"/>
+          <a:lstStyle/>
+          <a:p>
+            <a:pPr algn="ctr"/>
+            <a:r>
+              <a:rPr lang="en-US" altLang="ko-KR">
+                <a:solidFill>
+                  <a:schemeClr val="tx1"/>
+                </a:solidFill>
+              </a:rPr>
+              <a:t>20</a:t>
+            </a:r>
+            <a:endParaRPr lang="ko-KR" altLang="en-US">
+              <a:solidFill>
+                <a:schemeClr val="tx1"/>
+              </a:solidFill>
+            </a:endParaRPr>
+          </a:p>
+        </p:txBody>
+      </p:sp>
+      <p:sp>
+        <p:nvSpPr>
+          <p:cNvPr id="28" name="직사각형 27">
+            <a:extLst>
+              <a:ext uri="{FF2B5EF4-FFF2-40B4-BE49-F238E27FC236}">
+                <a16:creationId xmlns:a16="http://schemas.microsoft.com/office/drawing/2014/main" id="{8E1EB364-5DEA-4E5C-8E61-F786060A232A}"/>
+              </a:ext>
+            </a:extLst>
+          </p:cNvPr>
+          <p:cNvSpPr/>
+          <p:nvPr/>
+        </p:nvSpPr>
+        <p:spPr>
+          <a:xfrm>
+            <a:off x="2769344" y="3584310"/>
+            <a:ext cx="1174376" cy="310744"/>
+          </a:xfrm>
+          <a:prstGeom prst="rect">
+            <a:avLst/>
+          </a:prstGeom>
+          <a:solidFill>
+            <a:schemeClr val="bg1"/>
+          </a:solidFill>
+          <a:ln>
+            <a:solidFill>
+              <a:schemeClr val="tx1"/>
+            </a:solidFill>
+          </a:ln>
+        </p:spPr>
+        <p:style>
+          <a:lnRef idx="2">
+            <a:schemeClr val="accent1">
+              <a:shade val="50000"/>
+            </a:schemeClr>
+          </a:lnRef>
+          <a:fillRef idx="1">
+            <a:schemeClr val="accent1"/>
+          </a:fillRef>
+          <a:effectRef idx="0">
+            <a:schemeClr val="accent1"/>
+          </a:effectRef>
+          <a:fontRef idx="minor">
+            <a:schemeClr val="lt1"/>
+          </a:fontRef>
+        </p:style>
+        <p:txBody>
+          <a:bodyPr rtlCol="0" anchor="ctr"/>
+          <a:lstStyle/>
+          <a:p>
+            <a:pPr algn="ctr"/>
+            <a:r>
+              <a:rPr lang="en-US" altLang="ko-KR">
+                <a:solidFill>
+                  <a:schemeClr val="tx1"/>
+                </a:solidFill>
+              </a:rPr>
+              <a:t>2</a:t>
+            </a:r>
+            <a:endParaRPr lang="ko-KR" altLang="en-US">
+              <a:solidFill>
+                <a:schemeClr val="tx1"/>
+              </a:solidFill>
+            </a:endParaRPr>
+          </a:p>
+        </p:txBody>
+      </p:sp>
+      <p:sp>
+        <p:nvSpPr>
+          <p:cNvPr id="29" name="직사각형 28">
+            <a:extLst>
+              <a:ext uri="{FF2B5EF4-FFF2-40B4-BE49-F238E27FC236}">
+                <a16:creationId xmlns:a16="http://schemas.microsoft.com/office/drawing/2014/main" id="{2406AAEE-98B7-4674-BE90-2AE791579A93}"/>
+              </a:ext>
+            </a:extLst>
+          </p:cNvPr>
+          <p:cNvSpPr/>
+          <p:nvPr/>
+        </p:nvSpPr>
+        <p:spPr>
+          <a:xfrm>
+            <a:off x="2769344" y="3895054"/>
+            <a:ext cx="1174376" cy="310744"/>
+          </a:xfrm>
+          <a:prstGeom prst="rect">
+            <a:avLst/>
+          </a:prstGeom>
+          <a:solidFill>
+            <a:schemeClr val="bg1"/>
+          </a:solidFill>
+          <a:ln>
+            <a:solidFill>
+              <a:schemeClr val="tx1"/>
+            </a:solidFill>
+          </a:ln>
+        </p:spPr>
+        <p:style>
+          <a:lnRef idx="2">
+            <a:schemeClr val="accent1">
+              <a:shade val="50000"/>
+            </a:schemeClr>
+          </a:lnRef>
+          <a:fillRef idx="1">
+            <a:schemeClr val="accent1"/>
+          </a:fillRef>
+          <a:effectRef idx="0">
+            <a:schemeClr val="accent1"/>
+          </a:effectRef>
+          <a:fontRef idx="minor">
+            <a:schemeClr val="lt1"/>
+          </a:fontRef>
+        </p:style>
+        <p:txBody>
+          <a:bodyPr rtlCol="0" anchor="ctr"/>
+          <a:lstStyle/>
+          <a:p>
+            <a:pPr algn="ctr"/>
+            <a:r>
+              <a:rPr lang="en-US" altLang="ko-KR">
+                <a:solidFill>
+                  <a:schemeClr val="tx1"/>
+                </a:solidFill>
+              </a:rPr>
+              <a:t>0x0008</a:t>
+            </a:r>
+            <a:endParaRPr lang="ko-KR" altLang="en-US">
+              <a:solidFill>
+                <a:schemeClr val="tx1"/>
+              </a:solidFill>
+            </a:endParaRPr>
+          </a:p>
+        </p:txBody>
+      </p:sp>
+      <p:sp>
+        <p:nvSpPr>
+          <p:cNvPr id="30" name="직사각형 29">
+            <a:extLst>
+              <a:ext uri="{FF2B5EF4-FFF2-40B4-BE49-F238E27FC236}">
+                <a16:creationId xmlns:a16="http://schemas.microsoft.com/office/drawing/2014/main" id="{F537A2F4-59B4-4CBF-99B9-264EF759095E}"/>
+              </a:ext>
+            </a:extLst>
+          </p:cNvPr>
+          <p:cNvSpPr/>
+          <p:nvPr/>
+        </p:nvSpPr>
+        <p:spPr>
+          <a:xfrm>
+            <a:off x="2769344" y="3286661"/>
+            <a:ext cx="1174376" cy="297649"/>
+          </a:xfrm>
+          <a:prstGeom prst="rect">
+            <a:avLst/>
+          </a:prstGeom>
+          <a:solidFill>
+            <a:schemeClr val="bg1"/>
+          </a:solidFill>
+          <a:ln>
+            <a:solidFill>
+              <a:schemeClr val="tx1"/>
+            </a:solidFill>
+          </a:ln>
+        </p:spPr>
+        <p:style>
+          <a:lnRef idx="2">
+            <a:schemeClr val="accent1">
+              <a:shade val="50000"/>
+            </a:schemeClr>
+          </a:lnRef>
+          <a:fillRef idx="1">
+            <a:schemeClr val="accent1"/>
+          </a:fillRef>
+          <a:effectRef idx="0">
+            <a:schemeClr val="accent1"/>
+          </a:effectRef>
+          <a:fontRef idx="minor">
+            <a:schemeClr val="lt1"/>
+          </a:fontRef>
+        </p:style>
+        <p:txBody>
+          <a:bodyPr rtlCol="0" anchor="ctr"/>
+          <a:lstStyle/>
+          <a:p>
+            <a:pPr algn="ctr"/>
+            <a:r>
+              <a:rPr lang="en-US" altLang="ko-KR">
+                <a:solidFill>
+                  <a:schemeClr val="tx1"/>
+                </a:solidFill>
+              </a:rPr>
+              <a:t>int</a:t>
+            </a:r>
+            <a:endParaRPr lang="ko-KR" altLang="en-US">
+              <a:solidFill>
+                <a:schemeClr val="tx1"/>
+              </a:solidFill>
+            </a:endParaRPr>
+          </a:p>
+        </p:txBody>
+      </p:sp>
+      <p:sp>
+        <p:nvSpPr>
+          <p:cNvPr id="31" name="TextBox 30">
+            <a:extLst>
+              <a:ext uri="{FF2B5EF4-FFF2-40B4-BE49-F238E27FC236}">
+                <a16:creationId xmlns:a16="http://schemas.microsoft.com/office/drawing/2014/main" id="{74A4CD26-9A48-4011-AE02-175DF5AB4D28}"/>
+              </a:ext>
+            </a:extLst>
+          </p:cNvPr>
+          <p:cNvSpPr txBox="1"/>
+          <p:nvPr/>
+        </p:nvSpPr>
+        <p:spPr>
+          <a:xfrm>
+            <a:off x="2763068" y="2159417"/>
+            <a:ext cx="1321099" cy="253916"/>
+          </a:xfrm>
+          <a:prstGeom prst="rect">
+            <a:avLst/>
+          </a:prstGeom>
+          <a:noFill/>
+        </p:spPr>
+        <p:txBody>
+          <a:bodyPr wrap="square" rtlCol="0">
+            <a:spAutoFit/>
+          </a:bodyPr>
+          <a:lstStyle/>
+          <a:p>
+            <a:r>
+              <a:rPr lang="en-US" altLang="ko-KR" sz="1000"/>
+              <a:t>ecMembersAge[2]</a:t>
+            </a:r>
+            <a:endParaRPr lang="ko-KR" altLang="en-US" sz="1000"/>
+          </a:p>
+        </p:txBody>
+      </p:sp>
+      <p:sp>
+        <p:nvSpPr>
+          <p:cNvPr id="32" name="직사각형 31">
+            <a:extLst>
+              <a:ext uri="{FF2B5EF4-FFF2-40B4-BE49-F238E27FC236}">
+                <a16:creationId xmlns:a16="http://schemas.microsoft.com/office/drawing/2014/main" id="{3F15F055-B76D-4F03-BB5F-E402B33DAB95}"/>
+              </a:ext>
+            </a:extLst>
+          </p:cNvPr>
+          <p:cNvSpPr/>
+          <p:nvPr/>
+        </p:nvSpPr>
+        <p:spPr>
+          <a:xfrm>
+            <a:off x="3943720" y="2409996"/>
+            <a:ext cx="1174376" cy="863632"/>
+          </a:xfrm>
+          <a:prstGeom prst="rect">
+            <a:avLst/>
+          </a:prstGeom>
+          <a:solidFill>
+            <a:schemeClr val="bg1"/>
+          </a:solidFill>
+          <a:ln>
+            <a:solidFill>
+              <a:schemeClr val="tx1"/>
+            </a:solidFill>
+          </a:ln>
+        </p:spPr>
+        <p:style>
+          <a:lnRef idx="2">
+            <a:schemeClr val="accent1">
+              <a:shade val="50000"/>
+            </a:schemeClr>
+          </a:lnRef>
+          <a:fillRef idx="1">
+            <a:schemeClr val="accent1"/>
+          </a:fillRef>
+          <a:effectRef idx="0">
+            <a:schemeClr val="accent1"/>
+          </a:effectRef>
+          <a:fontRef idx="minor">
+            <a:schemeClr val="lt1"/>
+          </a:fontRef>
+        </p:style>
+        <p:txBody>
+          <a:bodyPr rtlCol="0" anchor="ctr"/>
+          <a:lstStyle/>
+          <a:p>
+            <a:pPr algn="ctr"/>
+            <a:r>
+              <a:rPr lang="en-US" altLang="ko-KR">
+                <a:solidFill>
+                  <a:schemeClr val="tx1"/>
+                </a:solidFill>
+              </a:rPr>
+              <a:t>21</a:t>
+            </a:r>
+            <a:endParaRPr lang="ko-KR" altLang="en-US">
+              <a:solidFill>
+                <a:schemeClr val="tx1"/>
+              </a:solidFill>
+            </a:endParaRPr>
+          </a:p>
+        </p:txBody>
+      </p:sp>
+      <p:sp>
+        <p:nvSpPr>
+          <p:cNvPr id="33" name="직사각형 32">
+            <a:extLst>
+              <a:ext uri="{FF2B5EF4-FFF2-40B4-BE49-F238E27FC236}">
+                <a16:creationId xmlns:a16="http://schemas.microsoft.com/office/drawing/2014/main" id="{F2E23B96-0CA2-4285-842F-D634A24896C1}"/>
+              </a:ext>
+            </a:extLst>
+          </p:cNvPr>
+          <p:cNvSpPr/>
+          <p:nvPr/>
+        </p:nvSpPr>
+        <p:spPr>
+          <a:xfrm>
+            <a:off x="3943720" y="3584372"/>
+            <a:ext cx="1174376" cy="310744"/>
+          </a:xfrm>
+          <a:prstGeom prst="rect">
+            <a:avLst/>
+          </a:prstGeom>
+          <a:solidFill>
+            <a:schemeClr val="bg1"/>
+          </a:solidFill>
+          <a:ln>
+            <a:solidFill>
+              <a:schemeClr val="tx1"/>
+            </a:solidFill>
+          </a:ln>
+        </p:spPr>
+        <p:style>
+          <a:lnRef idx="2">
+            <a:schemeClr val="accent1">
+              <a:shade val="50000"/>
+            </a:schemeClr>
+          </a:lnRef>
+          <a:fillRef idx="1">
+            <a:schemeClr val="accent1"/>
+          </a:fillRef>
+          <a:effectRef idx="0">
+            <a:schemeClr val="accent1"/>
+          </a:effectRef>
+          <a:fontRef idx="minor">
+            <a:schemeClr val="lt1"/>
+          </a:fontRef>
+        </p:style>
+        <p:txBody>
+          <a:bodyPr rtlCol="0" anchor="ctr"/>
+          <a:lstStyle/>
+          <a:p>
+            <a:pPr algn="ctr"/>
+            <a:r>
+              <a:rPr lang="en-US" altLang="ko-KR">
+                <a:solidFill>
+                  <a:schemeClr val="tx1"/>
+                </a:solidFill>
+              </a:rPr>
+              <a:t>3</a:t>
+            </a:r>
+            <a:endParaRPr lang="ko-KR" altLang="en-US">
+              <a:solidFill>
+                <a:schemeClr val="tx1"/>
+              </a:solidFill>
+            </a:endParaRPr>
+          </a:p>
+        </p:txBody>
+      </p:sp>
+      <p:sp>
+        <p:nvSpPr>
+          <p:cNvPr id="34" name="직사각형 33">
+            <a:extLst>
+              <a:ext uri="{FF2B5EF4-FFF2-40B4-BE49-F238E27FC236}">
+                <a16:creationId xmlns:a16="http://schemas.microsoft.com/office/drawing/2014/main" id="{B25F5E95-ED06-4869-99D9-93328991A5AE}"/>
+              </a:ext>
+            </a:extLst>
+          </p:cNvPr>
+          <p:cNvSpPr/>
+          <p:nvPr/>
+        </p:nvSpPr>
+        <p:spPr>
+          <a:xfrm>
+            <a:off x="3943720" y="3895116"/>
+            <a:ext cx="1174376" cy="310744"/>
+          </a:xfrm>
+          <a:prstGeom prst="rect">
+            <a:avLst/>
+          </a:prstGeom>
+          <a:solidFill>
+            <a:schemeClr val="bg1"/>
+          </a:solidFill>
+          <a:ln>
+            <a:solidFill>
+              <a:schemeClr val="tx1"/>
+            </a:solidFill>
+          </a:ln>
+        </p:spPr>
+        <p:style>
+          <a:lnRef idx="2">
+            <a:schemeClr val="accent1">
+              <a:shade val="50000"/>
+            </a:schemeClr>
+          </a:lnRef>
+          <a:fillRef idx="1">
+            <a:schemeClr val="accent1"/>
+          </a:fillRef>
+          <a:effectRef idx="0">
+            <a:schemeClr val="accent1"/>
+          </a:effectRef>
+          <a:fontRef idx="minor">
+            <a:schemeClr val="lt1"/>
+          </a:fontRef>
+        </p:style>
+        <p:txBody>
+          <a:bodyPr rtlCol="0" anchor="ctr"/>
+          <a:lstStyle/>
+          <a:p>
+            <a:pPr algn="ctr"/>
+            <a:r>
+              <a:rPr lang="en-US" altLang="ko-KR">
+                <a:solidFill>
+                  <a:schemeClr val="tx1"/>
+                </a:solidFill>
+              </a:rPr>
+              <a:t>0x000C</a:t>
+            </a:r>
+            <a:endParaRPr lang="ko-KR" altLang="en-US">
+              <a:solidFill>
+                <a:schemeClr val="tx1"/>
+              </a:solidFill>
+            </a:endParaRPr>
+          </a:p>
+        </p:txBody>
+      </p:sp>
+      <p:sp>
+        <p:nvSpPr>
+          <p:cNvPr id="35" name="직사각형 34">
+            <a:extLst>
+              <a:ext uri="{FF2B5EF4-FFF2-40B4-BE49-F238E27FC236}">
+                <a16:creationId xmlns:a16="http://schemas.microsoft.com/office/drawing/2014/main" id="{4AAC4033-326B-4E87-9FEA-239F62D77FA3}"/>
+              </a:ext>
+            </a:extLst>
+          </p:cNvPr>
+          <p:cNvSpPr/>
+          <p:nvPr/>
+        </p:nvSpPr>
+        <p:spPr>
+          <a:xfrm>
+            <a:off x="3943720" y="3286723"/>
+            <a:ext cx="1174376" cy="297649"/>
+          </a:xfrm>
+          <a:prstGeom prst="rect">
+            <a:avLst/>
+          </a:prstGeom>
+          <a:solidFill>
+            <a:schemeClr val="bg1"/>
+          </a:solidFill>
+          <a:ln>
+            <a:solidFill>
+              <a:schemeClr val="tx1"/>
+            </a:solidFill>
+          </a:ln>
+        </p:spPr>
+        <p:style>
+          <a:lnRef idx="2">
+            <a:schemeClr val="accent1">
+              <a:shade val="50000"/>
+            </a:schemeClr>
+          </a:lnRef>
+          <a:fillRef idx="1">
+            <a:schemeClr val="accent1"/>
+          </a:fillRef>
+          <a:effectRef idx="0">
+            <a:schemeClr val="accent1"/>
+          </a:effectRef>
+          <a:fontRef idx="minor">
+            <a:schemeClr val="lt1"/>
+          </a:fontRef>
+        </p:style>
+        <p:txBody>
+          <a:bodyPr rtlCol="0" anchor="ctr"/>
+          <a:lstStyle/>
+          <a:p>
+            <a:pPr algn="ctr"/>
+            <a:r>
+              <a:rPr lang="en-US" altLang="ko-KR">
+                <a:solidFill>
+                  <a:schemeClr val="tx1"/>
+                </a:solidFill>
+              </a:rPr>
+              <a:t>int</a:t>
+            </a:r>
+            <a:endParaRPr lang="ko-KR" altLang="en-US">
+              <a:solidFill>
+                <a:schemeClr val="tx1"/>
+              </a:solidFill>
+            </a:endParaRPr>
+          </a:p>
+        </p:txBody>
+      </p:sp>
+      <p:sp>
+        <p:nvSpPr>
+          <p:cNvPr id="36" name="TextBox 35">
+            <a:extLst>
+              <a:ext uri="{FF2B5EF4-FFF2-40B4-BE49-F238E27FC236}">
+                <a16:creationId xmlns:a16="http://schemas.microsoft.com/office/drawing/2014/main" id="{F3B314C3-3185-4D02-9583-FFAD09AD0980}"/>
+              </a:ext>
+            </a:extLst>
+          </p:cNvPr>
+          <p:cNvSpPr txBox="1"/>
+          <p:nvPr/>
+        </p:nvSpPr>
+        <p:spPr>
+          <a:xfrm>
+            <a:off x="3937444" y="2159479"/>
+            <a:ext cx="1321099" cy="253916"/>
+          </a:xfrm>
+          <a:prstGeom prst="rect">
+            <a:avLst/>
+          </a:prstGeom>
+          <a:noFill/>
+        </p:spPr>
+        <p:txBody>
+          <a:bodyPr wrap="square" rtlCol="0">
+            <a:spAutoFit/>
+          </a:bodyPr>
+          <a:lstStyle/>
+          <a:p>
+            <a:r>
+              <a:rPr lang="en-US" altLang="ko-KR" sz="1000"/>
+              <a:t>ecMembersAge[3]</a:t>
+            </a:r>
+            <a:endParaRPr lang="ko-KR" altLang="en-US" sz="1000"/>
+          </a:p>
+        </p:txBody>
+      </p:sp>
+      <p:sp>
+        <p:nvSpPr>
+          <p:cNvPr id="57" name="직사각형 56">
+            <a:extLst>
+              <a:ext uri="{FF2B5EF4-FFF2-40B4-BE49-F238E27FC236}">
+                <a16:creationId xmlns:a16="http://schemas.microsoft.com/office/drawing/2014/main" id="{3C08FE2E-F326-43F2-A97E-D8E5FB55FE9A}"/>
+              </a:ext>
+            </a:extLst>
+          </p:cNvPr>
+          <p:cNvSpPr/>
+          <p:nvPr/>
+        </p:nvSpPr>
+        <p:spPr>
+          <a:xfrm>
+            <a:off x="5113765" y="2409996"/>
+            <a:ext cx="1174376" cy="863632"/>
+          </a:xfrm>
+          <a:prstGeom prst="rect">
+            <a:avLst/>
+          </a:prstGeom>
+          <a:solidFill>
+            <a:schemeClr val="bg1"/>
+          </a:solidFill>
+          <a:ln>
+            <a:solidFill>
+              <a:schemeClr val="tx1"/>
+            </a:solidFill>
+          </a:ln>
+        </p:spPr>
+        <p:style>
+          <a:lnRef idx="2">
+            <a:schemeClr val="accent1">
+              <a:shade val="50000"/>
+            </a:schemeClr>
+          </a:lnRef>
+          <a:fillRef idx="1">
+            <a:schemeClr val="accent1"/>
+          </a:fillRef>
+          <a:effectRef idx="0">
+            <a:schemeClr val="accent1"/>
+          </a:effectRef>
+          <a:fontRef idx="minor">
+            <a:schemeClr val="lt1"/>
+          </a:fontRef>
+        </p:style>
+        <p:txBody>
+          <a:bodyPr rtlCol="0" anchor="ctr"/>
+          <a:lstStyle/>
+          <a:p>
+            <a:pPr algn="ctr"/>
+            <a:r>
+              <a:rPr lang="en-US" altLang="ko-KR">
+                <a:solidFill>
+                  <a:schemeClr val="tx1"/>
+                </a:solidFill>
+              </a:rPr>
+              <a:t>25</a:t>
+            </a:r>
+            <a:endParaRPr lang="ko-KR" altLang="en-US">
+              <a:solidFill>
+                <a:schemeClr val="tx1"/>
+              </a:solidFill>
+            </a:endParaRPr>
+          </a:p>
+        </p:txBody>
+      </p:sp>
+      <p:sp>
+        <p:nvSpPr>
+          <p:cNvPr id="58" name="직사각형 57">
+            <a:extLst>
+              <a:ext uri="{FF2B5EF4-FFF2-40B4-BE49-F238E27FC236}">
+                <a16:creationId xmlns:a16="http://schemas.microsoft.com/office/drawing/2014/main" id="{550517B6-5CDC-4091-8012-701E11F81B8B}"/>
+              </a:ext>
+            </a:extLst>
+          </p:cNvPr>
+          <p:cNvSpPr/>
+          <p:nvPr/>
+        </p:nvSpPr>
+        <p:spPr>
+          <a:xfrm>
+            <a:off x="5113765" y="3584372"/>
+            <a:ext cx="1174376" cy="310744"/>
+          </a:xfrm>
+          <a:prstGeom prst="rect">
+            <a:avLst/>
+          </a:prstGeom>
+          <a:solidFill>
+            <a:schemeClr val="bg1"/>
+          </a:solidFill>
+          <a:ln>
+            <a:solidFill>
+              <a:schemeClr val="tx1"/>
+            </a:solidFill>
+          </a:ln>
+        </p:spPr>
+        <p:style>
+          <a:lnRef idx="2">
+            <a:schemeClr val="accent1">
+              <a:shade val="50000"/>
+            </a:schemeClr>
+          </a:lnRef>
+          <a:fillRef idx="1">
+            <a:schemeClr val="accent1"/>
+          </a:fillRef>
+          <a:effectRef idx="0">
+            <a:schemeClr val="accent1"/>
+          </a:effectRef>
+          <a:fontRef idx="minor">
+            <a:schemeClr val="lt1"/>
+          </a:fontRef>
+        </p:style>
+        <p:txBody>
+          <a:bodyPr rtlCol="0" anchor="ctr"/>
+          <a:lstStyle/>
+          <a:p>
+            <a:pPr algn="ctr"/>
+            <a:r>
+              <a:rPr lang="en-US" altLang="ko-KR">
+                <a:solidFill>
+                  <a:schemeClr val="tx1"/>
+                </a:solidFill>
+              </a:rPr>
+              <a:t>4</a:t>
+            </a:r>
+            <a:endParaRPr lang="ko-KR" altLang="en-US">
+              <a:solidFill>
+                <a:schemeClr val="tx1"/>
+              </a:solidFill>
+            </a:endParaRPr>
+          </a:p>
+        </p:txBody>
+      </p:sp>
+      <p:sp>
+        <p:nvSpPr>
+          <p:cNvPr id="59" name="직사각형 58">
+            <a:extLst>
+              <a:ext uri="{FF2B5EF4-FFF2-40B4-BE49-F238E27FC236}">
+                <a16:creationId xmlns:a16="http://schemas.microsoft.com/office/drawing/2014/main" id="{A82ABE8C-1D2E-4623-9F5C-F45A3E74D9CE}"/>
+              </a:ext>
+            </a:extLst>
+          </p:cNvPr>
+          <p:cNvSpPr/>
+          <p:nvPr/>
+        </p:nvSpPr>
+        <p:spPr>
+          <a:xfrm>
+            <a:off x="5113765" y="3895116"/>
+            <a:ext cx="1174376" cy="310744"/>
+          </a:xfrm>
+          <a:prstGeom prst="rect">
+            <a:avLst/>
+          </a:prstGeom>
+          <a:solidFill>
+            <a:schemeClr val="bg1"/>
+          </a:solidFill>
+          <a:ln>
+            <a:solidFill>
+              <a:schemeClr val="tx1"/>
+            </a:solidFill>
+          </a:ln>
+        </p:spPr>
+        <p:style>
+          <a:lnRef idx="2">
+            <a:schemeClr val="accent1">
+              <a:shade val="50000"/>
+            </a:schemeClr>
+          </a:lnRef>
+          <a:fillRef idx="1">
+            <a:schemeClr val="accent1"/>
+          </a:fillRef>
+          <a:effectRef idx="0">
+            <a:schemeClr val="accent1"/>
+          </a:effectRef>
+          <a:fontRef idx="minor">
+            <a:schemeClr val="lt1"/>
+          </a:fontRef>
+        </p:style>
+        <p:txBody>
+          <a:bodyPr rtlCol="0" anchor="ctr"/>
+          <a:lstStyle/>
+          <a:p>
+            <a:pPr algn="ctr"/>
+            <a:r>
+              <a:rPr lang="en-US" altLang="ko-KR">
+                <a:solidFill>
+                  <a:schemeClr val="tx1"/>
+                </a:solidFill>
+              </a:rPr>
+              <a:t>0x0010</a:t>
+            </a:r>
+            <a:endParaRPr lang="ko-KR" altLang="en-US">
+              <a:solidFill>
+                <a:schemeClr val="tx1"/>
+              </a:solidFill>
+            </a:endParaRPr>
+          </a:p>
+        </p:txBody>
+      </p:sp>
+      <p:sp>
+        <p:nvSpPr>
+          <p:cNvPr id="60" name="직사각형 59">
+            <a:extLst>
+              <a:ext uri="{FF2B5EF4-FFF2-40B4-BE49-F238E27FC236}">
+                <a16:creationId xmlns:a16="http://schemas.microsoft.com/office/drawing/2014/main" id="{3CBAAA23-179F-4C42-B48D-10186BCC1C39}"/>
+              </a:ext>
+            </a:extLst>
+          </p:cNvPr>
+          <p:cNvSpPr/>
+          <p:nvPr/>
+        </p:nvSpPr>
+        <p:spPr>
+          <a:xfrm>
+            <a:off x="5113765" y="3286723"/>
+            <a:ext cx="1174376" cy="297649"/>
+          </a:xfrm>
+          <a:prstGeom prst="rect">
+            <a:avLst/>
+          </a:prstGeom>
+          <a:solidFill>
+            <a:schemeClr val="bg1"/>
+          </a:solidFill>
+          <a:ln>
+            <a:solidFill>
+              <a:schemeClr val="tx1"/>
+            </a:solidFill>
+          </a:ln>
+        </p:spPr>
+        <p:style>
+          <a:lnRef idx="2">
+            <a:schemeClr val="accent1">
+              <a:shade val="50000"/>
+            </a:schemeClr>
+          </a:lnRef>
+          <a:fillRef idx="1">
+            <a:schemeClr val="accent1"/>
+          </a:fillRef>
+          <a:effectRef idx="0">
+            <a:schemeClr val="accent1"/>
+          </a:effectRef>
+          <a:fontRef idx="minor">
+            <a:schemeClr val="lt1"/>
+          </a:fontRef>
+        </p:style>
+        <p:txBody>
+          <a:bodyPr rtlCol="0" anchor="ctr"/>
+          <a:lstStyle/>
+          <a:p>
+            <a:pPr algn="ctr"/>
+            <a:r>
+              <a:rPr lang="en-US" altLang="ko-KR">
+                <a:solidFill>
+                  <a:schemeClr val="tx1"/>
+                </a:solidFill>
+              </a:rPr>
+              <a:t>int</a:t>
+            </a:r>
+            <a:endParaRPr lang="ko-KR" altLang="en-US">
+              <a:solidFill>
+                <a:schemeClr val="tx1"/>
+              </a:solidFill>
+            </a:endParaRPr>
+          </a:p>
+        </p:txBody>
+      </p:sp>
+      <p:sp>
+        <p:nvSpPr>
+          <p:cNvPr id="61" name="TextBox 60">
+            <a:extLst>
+              <a:ext uri="{FF2B5EF4-FFF2-40B4-BE49-F238E27FC236}">
+                <a16:creationId xmlns:a16="http://schemas.microsoft.com/office/drawing/2014/main" id="{4CFFCB62-78C2-4FED-A861-4204E02C3AAB}"/>
+              </a:ext>
+            </a:extLst>
+          </p:cNvPr>
+          <p:cNvSpPr txBox="1"/>
+          <p:nvPr/>
+        </p:nvSpPr>
+        <p:spPr>
+          <a:xfrm>
+            <a:off x="5107489" y="2159479"/>
+            <a:ext cx="1321099" cy="253916"/>
+          </a:xfrm>
+          <a:prstGeom prst="rect">
+            <a:avLst/>
+          </a:prstGeom>
+          <a:noFill/>
+        </p:spPr>
+        <p:txBody>
+          <a:bodyPr wrap="square" rtlCol="0">
+            <a:spAutoFit/>
+          </a:bodyPr>
+          <a:lstStyle/>
+          <a:p>
+            <a:r>
+              <a:rPr lang="en-US" altLang="ko-KR" sz="1000"/>
+              <a:t>ecMembersAge[4]</a:t>
+            </a:r>
+            <a:endParaRPr lang="ko-KR" altLang="en-US" sz="1000"/>
+          </a:p>
+        </p:txBody>
+      </p:sp>
+      <p:sp>
+        <p:nvSpPr>
+          <p:cNvPr id="62" name="직사각형 61">
+            <a:extLst>
+              <a:ext uri="{FF2B5EF4-FFF2-40B4-BE49-F238E27FC236}">
+                <a16:creationId xmlns:a16="http://schemas.microsoft.com/office/drawing/2014/main" id="{EBCE5ACE-5B63-4C0C-BB38-C3971DE463F5}"/>
+              </a:ext>
+            </a:extLst>
+          </p:cNvPr>
+          <p:cNvSpPr/>
+          <p:nvPr/>
+        </p:nvSpPr>
+        <p:spPr>
+          <a:xfrm>
+            <a:off x="6286049" y="2409872"/>
+            <a:ext cx="1174376" cy="863632"/>
+          </a:xfrm>
+          <a:prstGeom prst="rect">
+            <a:avLst/>
+          </a:prstGeom>
+          <a:solidFill>
+            <a:schemeClr val="bg1"/>
+          </a:solidFill>
+          <a:ln>
+            <a:solidFill>
+              <a:schemeClr val="tx1"/>
+            </a:solidFill>
+          </a:ln>
+        </p:spPr>
+        <p:style>
+          <a:lnRef idx="2">
+            <a:schemeClr val="accent1">
+              <a:shade val="50000"/>
+            </a:schemeClr>
+          </a:lnRef>
+          <a:fillRef idx="1">
+            <a:schemeClr val="accent1"/>
+          </a:fillRef>
+          <a:effectRef idx="0">
+            <a:schemeClr val="accent1"/>
+          </a:effectRef>
+          <a:fontRef idx="minor">
+            <a:schemeClr val="lt1"/>
+          </a:fontRef>
+        </p:style>
+        <p:txBody>
+          <a:bodyPr rtlCol="0" anchor="ctr"/>
+          <a:lstStyle/>
+          <a:p>
+            <a:pPr algn="ctr"/>
+            <a:r>
+              <a:rPr lang="en-US" altLang="ko-KR">
+                <a:solidFill>
+                  <a:schemeClr val="tx1"/>
+                </a:solidFill>
+              </a:rPr>
+              <a:t>21</a:t>
+            </a:r>
+            <a:endParaRPr lang="ko-KR" altLang="en-US">
+              <a:solidFill>
+                <a:schemeClr val="tx1"/>
+              </a:solidFill>
+            </a:endParaRPr>
+          </a:p>
+        </p:txBody>
+      </p:sp>
+      <p:sp>
+        <p:nvSpPr>
+          <p:cNvPr id="63" name="직사각형 62">
+            <a:extLst>
+              <a:ext uri="{FF2B5EF4-FFF2-40B4-BE49-F238E27FC236}">
+                <a16:creationId xmlns:a16="http://schemas.microsoft.com/office/drawing/2014/main" id="{F17CD6CB-FE57-473F-8D40-3D24CEB2A6CD}"/>
+              </a:ext>
+            </a:extLst>
+          </p:cNvPr>
+          <p:cNvSpPr/>
+          <p:nvPr/>
+        </p:nvSpPr>
+        <p:spPr>
+          <a:xfrm>
+            <a:off x="6286049" y="3584248"/>
+            <a:ext cx="1174376" cy="310744"/>
+          </a:xfrm>
+          <a:prstGeom prst="rect">
+            <a:avLst/>
+          </a:prstGeom>
+          <a:solidFill>
+            <a:schemeClr val="bg1"/>
+          </a:solidFill>
+          <a:ln>
+            <a:solidFill>
+              <a:schemeClr val="tx1"/>
+            </a:solidFill>
+          </a:ln>
+        </p:spPr>
+        <p:style>
+          <a:lnRef idx="2">
+            <a:schemeClr val="accent1">
+              <a:shade val="50000"/>
+            </a:schemeClr>
+          </a:lnRef>
+          <a:fillRef idx="1">
+            <a:schemeClr val="accent1"/>
+          </a:fillRef>
+          <a:effectRef idx="0">
+            <a:schemeClr val="accent1"/>
+          </a:effectRef>
+          <a:fontRef idx="minor">
+            <a:schemeClr val="lt1"/>
+          </a:fontRef>
+        </p:style>
+        <p:txBody>
+          <a:bodyPr rtlCol="0" anchor="ctr"/>
+          <a:lstStyle/>
+          <a:p>
+            <a:pPr algn="ctr"/>
+            <a:r>
+              <a:rPr lang="en-US" altLang="ko-KR">
+                <a:solidFill>
+                  <a:schemeClr val="tx1"/>
+                </a:solidFill>
+              </a:rPr>
+              <a:t>5</a:t>
+            </a:r>
+            <a:endParaRPr lang="ko-KR" altLang="en-US">
+              <a:solidFill>
+                <a:schemeClr val="tx1"/>
+              </a:solidFill>
+            </a:endParaRPr>
+          </a:p>
+        </p:txBody>
+      </p:sp>
+      <p:sp>
+        <p:nvSpPr>
+          <p:cNvPr id="64" name="직사각형 63">
+            <a:extLst>
+              <a:ext uri="{FF2B5EF4-FFF2-40B4-BE49-F238E27FC236}">
+                <a16:creationId xmlns:a16="http://schemas.microsoft.com/office/drawing/2014/main" id="{73CADE6E-05DE-4945-91F8-4BB984CED15F}"/>
+              </a:ext>
+            </a:extLst>
+          </p:cNvPr>
+          <p:cNvSpPr/>
+          <p:nvPr/>
+        </p:nvSpPr>
+        <p:spPr>
+          <a:xfrm>
+            <a:off x="6286049" y="3894992"/>
+            <a:ext cx="1174376" cy="310744"/>
+          </a:xfrm>
+          <a:prstGeom prst="rect">
+            <a:avLst/>
+          </a:prstGeom>
+          <a:solidFill>
+            <a:schemeClr val="bg1"/>
+          </a:solidFill>
+          <a:ln>
+            <a:solidFill>
+              <a:schemeClr val="tx1"/>
+            </a:solidFill>
+          </a:ln>
+        </p:spPr>
+        <p:style>
+          <a:lnRef idx="2">
+            <a:schemeClr val="accent1">
+              <a:shade val="50000"/>
+            </a:schemeClr>
+          </a:lnRef>
+          <a:fillRef idx="1">
+            <a:schemeClr val="accent1"/>
+          </a:fillRef>
+          <a:effectRef idx="0">
+            <a:schemeClr val="accent1"/>
+          </a:effectRef>
+          <a:fontRef idx="minor">
+            <a:schemeClr val="lt1"/>
+          </a:fontRef>
+        </p:style>
+        <p:txBody>
+          <a:bodyPr rtlCol="0" anchor="ctr"/>
+          <a:lstStyle/>
+          <a:p>
+            <a:pPr algn="ctr"/>
+            <a:r>
+              <a:rPr lang="en-US" altLang="ko-KR">
+                <a:solidFill>
+                  <a:schemeClr val="tx1"/>
+                </a:solidFill>
+              </a:rPr>
+              <a:t>0x0014</a:t>
+            </a:r>
+            <a:endParaRPr lang="ko-KR" altLang="en-US">
+              <a:solidFill>
+                <a:schemeClr val="tx1"/>
+              </a:solidFill>
+            </a:endParaRPr>
+          </a:p>
+        </p:txBody>
+      </p:sp>
+      <p:sp>
+        <p:nvSpPr>
+          <p:cNvPr id="65" name="직사각형 64">
+            <a:extLst>
+              <a:ext uri="{FF2B5EF4-FFF2-40B4-BE49-F238E27FC236}">
+                <a16:creationId xmlns:a16="http://schemas.microsoft.com/office/drawing/2014/main" id="{7BE7868B-45E1-4C99-BF4D-75A635A6CD8C}"/>
+              </a:ext>
+            </a:extLst>
+          </p:cNvPr>
+          <p:cNvSpPr/>
+          <p:nvPr/>
+        </p:nvSpPr>
+        <p:spPr>
+          <a:xfrm>
+            <a:off x="6286049" y="3286599"/>
+            <a:ext cx="1174376" cy="297649"/>
+          </a:xfrm>
+          <a:prstGeom prst="rect">
+            <a:avLst/>
+          </a:prstGeom>
+          <a:solidFill>
+            <a:schemeClr val="bg1"/>
+          </a:solidFill>
+          <a:ln>
+            <a:solidFill>
+              <a:schemeClr val="tx1"/>
+            </a:solidFill>
+          </a:ln>
+        </p:spPr>
+        <p:style>
+          <a:lnRef idx="2">
+            <a:schemeClr val="accent1">
+              <a:shade val="50000"/>
+            </a:schemeClr>
+          </a:lnRef>
+          <a:fillRef idx="1">
+            <a:schemeClr val="accent1"/>
+          </a:fillRef>
+          <a:effectRef idx="0">
+            <a:schemeClr val="accent1"/>
+          </a:effectRef>
+          <a:fontRef idx="minor">
+            <a:schemeClr val="lt1"/>
+          </a:fontRef>
+        </p:style>
+        <p:txBody>
+          <a:bodyPr rtlCol="0" anchor="ctr"/>
+          <a:lstStyle/>
+          <a:p>
+            <a:pPr algn="ctr"/>
+            <a:r>
+              <a:rPr lang="en-US" altLang="ko-KR">
+                <a:solidFill>
+                  <a:schemeClr val="tx1"/>
+                </a:solidFill>
+              </a:rPr>
+              <a:t>int</a:t>
+            </a:r>
+            <a:endParaRPr lang="ko-KR" altLang="en-US">
+              <a:solidFill>
+                <a:schemeClr val="tx1"/>
+              </a:solidFill>
+            </a:endParaRPr>
+          </a:p>
+        </p:txBody>
+      </p:sp>
+      <p:sp>
+        <p:nvSpPr>
+          <p:cNvPr id="66" name="TextBox 65">
+            <a:extLst>
+              <a:ext uri="{FF2B5EF4-FFF2-40B4-BE49-F238E27FC236}">
+                <a16:creationId xmlns:a16="http://schemas.microsoft.com/office/drawing/2014/main" id="{3680A198-6090-4275-A269-DD6AB31EC8CA}"/>
+              </a:ext>
+            </a:extLst>
+          </p:cNvPr>
+          <p:cNvSpPr txBox="1"/>
+          <p:nvPr/>
+        </p:nvSpPr>
+        <p:spPr>
+          <a:xfrm>
+            <a:off x="6279773" y="2159355"/>
+            <a:ext cx="1321099" cy="253916"/>
+          </a:xfrm>
+          <a:prstGeom prst="rect">
+            <a:avLst/>
+          </a:prstGeom>
+          <a:noFill/>
+        </p:spPr>
+        <p:txBody>
+          <a:bodyPr wrap="square" rtlCol="0">
+            <a:spAutoFit/>
+          </a:bodyPr>
+          <a:lstStyle/>
+          <a:p>
+            <a:r>
+              <a:rPr lang="en-US" altLang="ko-KR" sz="1000"/>
+              <a:t>ecMembersAge[5]</a:t>
+            </a:r>
+            <a:endParaRPr lang="ko-KR" altLang="en-US" sz="1000"/>
+          </a:p>
+        </p:txBody>
+      </p:sp>
+      <p:sp>
+        <p:nvSpPr>
+          <p:cNvPr id="67" name="직사각형 66">
+            <a:extLst>
+              <a:ext uri="{FF2B5EF4-FFF2-40B4-BE49-F238E27FC236}">
+                <a16:creationId xmlns:a16="http://schemas.microsoft.com/office/drawing/2014/main" id="{40DF3B2B-3812-478F-BFD1-1FABCCF1D2A3}"/>
+              </a:ext>
+            </a:extLst>
+          </p:cNvPr>
+          <p:cNvSpPr/>
+          <p:nvPr/>
+        </p:nvSpPr>
+        <p:spPr>
+          <a:xfrm>
+            <a:off x="7449818" y="2409872"/>
+            <a:ext cx="1174376" cy="863632"/>
+          </a:xfrm>
+          <a:prstGeom prst="rect">
+            <a:avLst/>
+          </a:prstGeom>
+          <a:solidFill>
+            <a:schemeClr val="bg1"/>
+          </a:solidFill>
+          <a:ln>
+            <a:solidFill>
+              <a:schemeClr val="tx1"/>
+            </a:solidFill>
+          </a:ln>
+        </p:spPr>
+        <p:style>
+          <a:lnRef idx="2">
+            <a:schemeClr val="accent1">
+              <a:shade val="50000"/>
+            </a:schemeClr>
+          </a:lnRef>
+          <a:fillRef idx="1">
+            <a:schemeClr val="accent1"/>
+          </a:fillRef>
+          <a:effectRef idx="0">
+            <a:schemeClr val="accent1"/>
+          </a:effectRef>
+          <a:fontRef idx="minor">
+            <a:schemeClr val="lt1"/>
+          </a:fontRef>
+        </p:style>
+        <p:txBody>
+          <a:bodyPr rtlCol="0" anchor="ctr"/>
+          <a:lstStyle/>
+          <a:p>
+            <a:pPr algn="ctr"/>
+            <a:r>
+              <a:rPr lang="en-US" altLang="ko-KR">
+                <a:solidFill>
+                  <a:schemeClr val="tx1"/>
+                </a:solidFill>
+              </a:rPr>
+              <a:t>22</a:t>
+            </a:r>
+            <a:endParaRPr lang="ko-KR" altLang="en-US">
+              <a:solidFill>
+                <a:schemeClr val="tx1"/>
+              </a:solidFill>
+            </a:endParaRPr>
+          </a:p>
+        </p:txBody>
+      </p:sp>
+      <p:sp>
+        <p:nvSpPr>
+          <p:cNvPr id="68" name="직사각형 67">
+            <a:extLst>
+              <a:ext uri="{FF2B5EF4-FFF2-40B4-BE49-F238E27FC236}">
+                <a16:creationId xmlns:a16="http://schemas.microsoft.com/office/drawing/2014/main" id="{917E8612-C5DB-4AD2-8DDE-0AD8D14E755A}"/>
+              </a:ext>
+            </a:extLst>
+          </p:cNvPr>
+          <p:cNvSpPr/>
+          <p:nvPr/>
+        </p:nvSpPr>
+        <p:spPr>
+          <a:xfrm>
+            <a:off x="7449818" y="3584248"/>
+            <a:ext cx="1174376" cy="310744"/>
+          </a:xfrm>
+          <a:prstGeom prst="rect">
+            <a:avLst/>
+          </a:prstGeom>
+          <a:solidFill>
+            <a:schemeClr val="bg1"/>
+          </a:solidFill>
+          <a:ln>
+            <a:solidFill>
+              <a:schemeClr val="tx1"/>
+            </a:solidFill>
+          </a:ln>
+        </p:spPr>
+        <p:style>
+          <a:lnRef idx="2">
+            <a:schemeClr val="accent1">
+              <a:shade val="50000"/>
+            </a:schemeClr>
+          </a:lnRef>
+          <a:fillRef idx="1">
+            <a:schemeClr val="accent1"/>
+          </a:fillRef>
+          <a:effectRef idx="0">
+            <a:schemeClr val="accent1"/>
+          </a:effectRef>
+          <a:fontRef idx="minor">
+            <a:schemeClr val="lt1"/>
+          </a:fontRef>
+        </p:style>
+        <p:txBody>
+          <a:bodyPr rtlCol="0" anchor="ctr"/>
+          <a:lstStyle/>
+          <a:p>
+            <a:pPr algn="ctr"/>
+            <a:r>
+              <a:rPr lang="en-US" altLang="ko-KR">
+                <a:solidFill>
+                  <a:schemeClr val="tx1"/>
+                </a:solidFill>
+              </a:rPr>
+              <a:t>6</a:t>
+            </a:r>
+            <a:endParaRPr lang="ko-KR" altLang="en-US">
+              <a:solidFill>
+                <a:schemeClr val="tx1"/>
+              </a:solidFill>
+            </a:endParaRPr>
+          </a:p>
+        </p:txBody>
+      </p:sp>
+      <p:sp>
+        <p:nvSpPr>
+          <p:cNvPr id="69" name="직사각형 68">
+            <a:extLst>
+              <a:ext uri="{FF2B5EF4-FFF2-40B4-BE49-F238E27FC236}">
+                <a16:creationId xmlns:a16="http://schemas.microsoft.com/office/drawing/2014/main" id="{42D4A67D-29B5-4FA5-9B9E-A05D8577041F}"/>
+              </a:ext>
+            </a:extLst>
+          </p:cNvPr>
+          <p:cNvSpPr/>
+          <p:nvPr/>
+        </p:nvSpPr>
+        <p:spPr>
+          <a:xfrm>
+            <a:off x="7449818" y="3894992"/>
+            <a:ext cx="1174376" cy="310744"/>
+          </a:xfrm>
+          <a:prstGeom prst="rect">
+            <a:avLst/>
+          </a:prstGeom>
+          <a:solidFill>
+            <a:schemeClr val="bg1"/>
+          </a:solidFill>
+          <a:ln>
+            <a:solidFill>
+              <a:schemeClr val="tx1"/>
+            </a:solidFill>
+          </a:ln>
+        </p:spPr>
+        <p:style>
+          <a:lnRef idx="2">
+            <a:schemeClr val="accent1">
+              <a:shade val="50000"/>
+            </a:schemeClr>
+          </a:lnRef>
+          <a:fillRef idx="1">
+            <a:schemeClr val="accent1"/>
+          </a:fillRef>
+          <a:effectRef idx="0">
+            <a:schemeClr val="accent1"/>
+          </a:effectRef>
+          <a:fontRef idx="minor">
+            <a:schemeClr val="lt1"/>
+          </a:fontRef>
+        </p:style>
+        <p:txBody>
+          <a:bodyPr rtlCol="0" anchor="ctr"/>
+          <a:lstStyle/>
+          <a:p>
+            <a:pPr algn="ctr"/>
+            <a:r>
+              <a:rPr lang="en-US" altLang="ko-KR">
+                <a:solidFill>
+                  <a:schemeClr val="tx1"/>
+                </a:solidFill>
+              </a:rPr>
+              <a:t>0x0018</a:t>
+            </a:r>
+            <a:endParaRPr lang="ko-KR" altLang="en-US">
+              <a:solidFill>
+                <a:schemeClr val="tx1"/>
+              </a:solidFill>
+            </a:endParaRPr>
+          </a:p>
+        </p:txBody>
+      </p:sp>
+      <p:sp>
+        <p:nvSpPr>
+          <p:cNvPr id="70" name="직사각형 69">
+            <a:extLst>
+              <a:ext uri="{FF2B5EF4-FFF2-40B4-BE49-F238E27FC236}">
+                <a16:creationId xmlns:a16="http://schemas.microsoft.com/office/drawing/2014/main" id="{5D53F826-4D04-48F2-BD28-BF8CDF25B4B5}"/>
+              </a:ext>
+            </a:extLst>
+          </p:cNvPr>
+          <p:cNvSpPr/>
+          <p:nvPr/>
+        </p:nvSpPr>
+        <p:spPr>
+          <a:xfrm>
+            <a:off x="7449818" y="3286599"/>
+            <a:ext cx="1174376" cy="297649"/>
+          </a:xfrm>
+          <a:prstGeom prst="rect">
+            <a:avLst/>
+          </a:prstGeom>
+          <a:solidFill>
+            <a:schemeClr val="bg1"/>
+          </a:solidFill>
+          <a:ln>
+            <a:solidFill>
+              <a:schemeClr val="tx1"/>
+            </a:solidFill>
+          </a:ln>
+        </p:spPr>
+        <p:style>
+          <a:lnRef idx="2">
+            <a:schemeClr val="accent1">
+              <a:shade val="50000"/>
+            </a:schemeClr>
+          </a:lnRef>
+          <a:fillRef idx="1">
+            <a:schemeClr val="accent1"/>
+          </a:fillRef>
+          <a:effectRef idx="0">
+            <a:schemeClr val="accent1"/>
+          </a:effectRef>
+          <a:fontRef idx="minor">
+            <a:schemeClr val="lt1"/>
+          </a:fontRef>
+        </p:style>
+        <p:txBody>
+          <a:bodyPr rtlCol="0" anchor="ctr"/>
+          <a:lstStyle/>
+          <a:p>
+            <a:pPr algn="ctr"/>
+            <a:r>
+              <a:rPr lang="en-US" altLang="ko-KR">
+                <a:solidFill>
+                  <a:schemeClr val="tx1"/>
+                </a:solidFill>
+              </a:rPr>
+              <a:t>int</a:t>
+            </a:r>
+            <a:endParaRPr lang="ko-KR" altLang="en-US">
+              <a:solidFill>
+                <a:schemeClr val="tx1"/>
+              </a:solidFill>
+            </a:endParaRPr>
+          </a:p>
+        </p:txBody>
+      </p:sp>
+      <p:sp>
+        <p:nvSpPr>
+          <p:cNvPr id="71" name="TextBox 70">
+            <a:extLst>
+              <a:ext uri="{FF2B5EF4-FFF2-40B4-BE49-F238E27FC236}">
+                <a16:creationId xmlns:a16="http://schemas.microsoft.com/office/drawing/2014/main" id="{24EE72FD-95C4-4893-B3ED-DBEC8945FEE2}"/>
+              </a:ext>
+            </a:extLst>
+          </p:cNvPr>
+          <p:cNvSpPr txBox="1"/>
+          <p:nvPr/>
+        </p:nvSpPr>
+        <p:spPr>
+          <a:xfrm>
+            <a:off x="7443542" y="2159355"/>
+            <a:ext cx="1321099" cy="253916"/>
+          </a:xfrm>
+          <a:prstGeom prst="rect">
+            <a:avLst/>
+          </a:prstGeom>
+          <a:noFill/>
+        </p:spPr>
+        <p:txBody>
+          <a:bodyPr wrap="square" rtlCol="0">
+            <a:spAutoFit/>
+          </a:bodyPr>
+          <a:lstStyle/>
+          <a:p>
+            <a:r>
+              <a:rPr lang="en-US" altLang="ko-KR" sz="1000"/>
+              <a:t>ecMembersAge[6]</a:t>
+            </a:r>
+            <a:endParaRPr lang="ko-KR" altLang="en-US" sz="1000"/>
+          </a:p>
+        </p:txBody>
+      </p:sp>
+      <p:sp>
+        <p:nvSpPr>
+          <p:cNvPr id="72" name="직사각형 71">
+            <a:extLst>
+              <a:ext uri="{FF2B5EF4-FFF2-40B4-BE49-F238E27FC236}">
+                <a16:creationId xmlns:a16="http://schemas.microsoft.com/office/drawing/2014/main" id="{88CA3BBE-CE5A-4027-869E-18E5DA8A4325}"/>
+              </a:ext>
+            </a:extLst>
+          </p:cNvPr>
+          <p:cNvSpPr/>
+          <p:nvPr/>
+        </p:nvSpPr>
+        <p:spPr>
+          <a:xfrm>
+            <a:off x="8624194" y="2409934"/>
+            <a:ext cx="1174376" cy="863632"/>
+          </a:xfrm>
+          <a:prstGeom prst="rect">
+            <a:avLst/>
+          </a:prstGeom>
+          <a:solidFill>
+            <a:schemeClr val="bg1"/>
+          </a:solidFill>
+          <a:ln>
+            <a:solidFill>
+              <a:schemeClr val="tx1"/>
+            </a:solidFill>
+          </a:ln>
+        </p:spPr>
+        <p:style>
+          <a:lnRef idx="2">
+            <a:schemeClr val="accent1">
+              <a:shade val="50000"/>
+            </a:schemeClr>
+          </a:lnRef>
+          <a:fillRef idx="1">
+            <a:schemeClr val="accent1"/>
+          </a:fillRef>
+          <a:effectRef idx="0">
+            <a:schemeClr val="accent1"/>
+          </a:effectRef>
+          <a:fontRef idx="minor">
+            <a:schemeClr val="lt1"/>
+          </a:fontRef>
+        </p:style>
+        <p:txBody>
+          <a:bodyPr rtlCol="0" anchor="ctr"/>
+          <a:lstStyle/>
+          <a:p>
+            <a:pPr algn="ctr"/>
+            <a:r>
+              <a:rPr lang="en-US" altLang="ko-KR">
+                <a:solidFill>
+                  <a:schemeClr val="tx1"/>
+                </a:solidFill>
+              </a:rPr>
+              <a:t>24</a:t>
+            </a:r>
+            <a:endParaRPr lang="ko-KR" altLang="en-US">
+              <a:solidFill>
+                <a:schemeClr val="tx1"/>
+              </a:solidFill>
+            </a:endParaRPr>
+          </a:p>
+        </p:txBody>
+      </p:sp>
+      <p:sp>
+        <p:nvSpPr>
+          <p:cNvPr id="73" name="직사각형 72">
+            <a:extLst>
+              <a:ext uri="{FF2B5EF4-FFF2-40B4-BE49-F238E27FC236}">
+                <a16:creationId xmlns:a16="http://schemas.microsoft.com/office/drawing/2014/main" id="{237C0284-87E7-478C-9845-C71A9D6C0902}"/>
+              </a:ext>
+            </a:extLst>
+          </p:cNvPr>
+          <p:cNvSpPr/>
+          <p:nvPr/>
+        </p:nvSpPr>
+        <p:spPr>
+          <a:xfrm>
+            <a:off x="8624194" y="3584310"/>
+            <a:ext cx="1174376" cy="310744"/>
+          </a:xfrm>
+          <a:prstGeom prst="rect">
+            <a:avLst/>
+          </a:prstGeom>
+          <a:solidFill>
+            <a:schemeClr val="bg1"/>
+          </a:solidFill>
+          <a:ln>
+            <a:solidFill>
+              <a:schemeClr val="tx1"/>
+            </a:solidFill>
+          </a:ln>
+        </p:spPr>
+        <p:style>
+          <a:lnRef idx="2">
+            <a:schemeClr val="accent1">
+              <a:shade val="50000"/>
+            </a:schemeClr>
+          </a:lnRef>
+          <a:fillRef idx="1">
+            <a:schemeClr val="accent1"/>
+          </a:fillRef>
+          <a:effectRef idx="0">
+            <a:schemeClr val="accent1"/>
+          </a:effectRef>
+          <a:fontRef idx="minor">
+            <a:schemeClr val="lt1"/>
+          </a:fontRef>
+        </p:style>
+        <p:txBody>
+          <a:bodyPr rtlCol="0" anchor="ctr"/>
+          <a:lstStyle/>
+          <a:p>
+            <a:pPr algn="ctr"/>
+            <a:r>
+              <a:rPr lang="en-US" altLang="ko-KR">
+                <a:solidFill>
+                  <a:schemeClr val="tx1"/>
+                </a:solidFill>
+              </a:rPr>
+              <a:t>7</a:t>
+            </a:r>
+            <a:endParaRPr lang="ko-KR" altLang="en-US">
+              <a:solidFill>
+                <a:schemeClr val="tx1"/>
+              </a:solidFill>
+            </a:endParaRPr>
+          </a:p>
+        </p:txBody>
+      </p:sp>
+      <p:sp>
+        <p:nvSpPr>
+          <p:cNvPr id="74" name="직사각형 73">
+            <a:extLst>
+              <a:ext uri="{FF2B5EF4-FFF2-40B4-BE49-F238E27FC236}">
+                <a16:creationId xmlns:a16="http://schemas.microsoft.com/office/drawing/2014/main" id="{147C378E-851B-4B97-9C46-D1FC7C921178}"/>
+              </a:ext>
+            </a:extLst>
+          </p:cNvPr>
+          <p:cNvSpPr/>
+          <p:nvPr/>
+        </p:nvSpPr>
+        <p:spPr>
+          <a:xfrm>
+            <a:off x="8624194" y="3895054"/>
+            <a:ext cx="1174376" cy="310744"/>
+          </a:xfrm>
+          <a:prstGeom prst="rect">
+            <a:avLst/>
+          </a:prstGeom>
+          <a:solidFill>
+            <a:schemeClr val="bg1"/>
+          </a:solidFill>
+          <a:ln>
+            <a:solidFill>
+              <a:schemeClr val="tx1"/>
+            </a:solidFill>
+          </a:ln>
+        </p:spPr>
+        <p:style>
+          <a:lnRef idx="2">
+            <a:schemeClr val="accent1">
+              <a:shade val="50000"/>
+            </a:schemeClr>
+          </a:lnRef>
+          <a:fillRef idx="1">
+            <a:schemeClr val="accent1"/>
+          </a:fillRef>
+          <a:effectRef idx="0">
+            <a:schemeClr val="accent1"/>
+          </a:effectRef>
+          <a:fontRef idx="minor">
+            <a:schemeClr val="lt1"/>
+          </a:fontRef>
+        </p:style>
+        <p:txBody>
+          <a:bodyPr rtlCol="0" anchor="ctr"/>
+          <a:lstStyle/>
+          <a:p>
+            <a:pPr algn="ctr"/>
+            <a:r>
+              <a:rPr lang="en-US" altLang="ko-KR">
+                <a:solidFill>
+                  <a:schemeClr val="tx1"/>
+                </a:solidFill>
+              </a:rPr>
+              <a:t>0x001C</a:t>
+            </a:r>
+            <a:endParaRPr lang="ko-KR" altLang="en-US">
+              <a:solidFill>
+                <a:schemeClr val="tx1"/>
+              </a:solidFill>
+            </a:endParaRPr>
+          </a:p>
+        </p:txBody>
+      </p:sp>
+      <p:sp>
+        <p:nvSpPr>
+          <p:cNvPr id="75" name="직사각형 74">
+            <a:extLst>
+              <a:ext uri="{FF2B5EF4-FFF2-40B4-BE49-F238E27FC236}">
+                <a16:creationId xmlns:a16="http://schemas.microsoft.com/office/drawing/2014/main" id="{297C3BA7-A981-4C41-B9A8-B200A67D5802}"/>
+              </a:ext>
+            </a:extLst>
+          </p:cNvPr>
+          <p:cNvSpPr/>
+          <p:nvPr/>
+        </p:nvSpPr>
+        <p:spPr>
+          <a:xfrm>
+            <a:off x="8624194" y="3286661"/>
+            <a:ext cx="1174376" cy="297649"/>
+          </a:xfrm>
+          <a:prstGeom prst="rect">
+            <a:avLst/>
+          </a:prstGeom>
+          <a:solidFill>
+            <a:schemeClr val="bg1"/>
+          </a:solidFill>
+          <a:ln>
+            <a:solidFill>
+              <a:schemeClr val="tx1"/>
+            </a:solidFill>
+          </a:ln>
+        </p:spPr>
+        <p:style>
+          <a:lnRef idx="2">
+            <a:schemeClr val="accent1">
+              <a:shade val="50000"/>
+            </a:schemeClr>
+          </a:lnRef>
+          <a:fillRef idx="1">
+            <a:schemeClr val="accent1"/>
+          </a:fillRef>
+          <a:effectRef idx="0">
+            <a:schemeClr val="accent1"/>
+          </a:effectRef>
+          <a:fontRef idx="minor">
+            <a:schemeClr val="lt1"/>
+          </a:fontRef>
+        </p:style>
+        <p:txBody>
+          <a:bodyPr rtlCol="0" anchor="ctr"/>
+          <a:lstStyle/>
+          <a:p>
+            <a:pPr algn="ctr"/>
+            <a:r>
+              <a:rPr lang="en-US" altLang="ko-KR">
+                <a:solidFill>
+                  <a:schemeClr val="tx1"/>
+                </a:solidFill>
+              </a:rPr>
+              <a:t>int</a:t>
+            </a:r>
+            <a:endParaRPr lang="ko-KR" altLang="en-US">
+              <a:solidFill>
+                <a:schemeClr val="tx1"/>
+              </a:solidFill>
+            </a:endParaRPr>
+          </a:p>
+        </p:txBody>
+      </p:sp>
+      <p:sp>
+        <p:nvSpPr>
+          <p:cNvPr id="76" name="TextBox 75">
+            <a:extLst>
+              <a:ext uri="{FF2B5EF4-FFF2-40B4-BE49-F238E27FC236}">
+                <a16:creationId xmlns:a16="http://schemas.microsoft.com/office/drawing/2014/main" id="{AD5EB197-7F54-4D6B-8182-842B192F221A}"/>
+              </a:ext>
+            </a:extLst>
+          </p:cNvPr>
+          <p:cNvSpPr txBox="1"/>
+          <p:nvPr/>
+        </p:nvSpPr>
+        <p:spPr>
+          <a:xfrm>
+            <a:off x="8617918" y="2159417"/>
+            <a:ext cx="1321099" cy="253916"/>
+          </a:xfrm>
+          <a:prstGeom prst="rect">
+            <a:avLst/>
+          </a:prstGeom>
+          <a:noFill/>
+        </p:spPr>
+        <p:txBody>
+          <a:bodyPr wrap="square" rtlCol="0">
+            <a:spAutoFit/>
+          </a:bodyPr>
+          <a:lstStyle/>
+          <a:p>
+            <a:r>
+              <a:rPr lang="en-US" altLang="ko-KR" sz="1000"/>
+              <a:t>ecMembersAge[7]</a:t>
+            </a:r>
+            <a:endParaRPr lang="ko-KR" altLang="en-US" sz="1000"/>
+          </a:p>
+        </p:txBody>
+      </p:sp>
+      <p:sp>
+        <p:nvSpPr>
+          <p:cNvPr id="77" name="직사각형 76">
+            <a:extLst>
+              <a:ext uri="{FF2B5EF4-FFF2-40B4-BE49-F238E27FC236}">
+                <a16:creationId xmlns:a16="http://schemas.microsoft.com/office/drawing/2014/main" id="{2973AE6B-B2EC-4989-B9BD-F02A592B8BA9}"/>
+              </a:ext>
+            </a:extLst>
+          </p:cNvPr>
+          <p:cNvSpPr/>
+          <p:nvPr/>
+        </p:nvSpPr>
+        <p:spPr>
+          <a:xfrm>
+            <a:off x="9796331" y="2409872"/>
+            <a:ext cx="1174376" cy="863632"/>
+          </a:xfrm>
+          <a:prstGeom prst="rect">
+            <a:avLst/>
+          </a:prstGeom>
+          <a:solidFill>
+            <a:schemeClr val="bg1"/>
+          </a:solidFill>
+          <a:ln>
+            <a:solidFill>
+              <a:schemeClr val="tx1"/>
+            </a:solidFill>
+          </a:ln>
+        </p:spPr>
+        <p:style>
+          <a:lnRef idx="2">
+            <a:schemeClr val="accent1">
+              <a:shade val="50000"/>
+            </a:schemeClr>
+          </a:lnRef>
+          <a:fillRef idx="1">
+            <a:schemeClr val="accent1"/>
+          </a:fillRef>
+          <a:effectRef idx="0">
+            <a:schemeClr val="accent1"/>
+          </a:effectRef>
+          <a:fontRef idx="minor">
+            <a:schemeClr val="lt1"/>
+          </a:fontRef>
+        </p:style>
+        <p:txBody>
+          <a:bodyPr rtlCol="0" anchor="ctr"/>
+          <a:lstStyle/>
+          <a:p>
+            <a:pPr algn="ctr"/>
+            <a:r>
+              <a:rPr lang="en-US" altLang="ko-KR">
+                <a:solidFill>
+                  <a:schemeClr val="tx1"/>
+                </a:solidFill>
+              </a:rPr>
+              <a:t>25</a:t>
+            </a:r>
+            <a:endParaRPr lang="ko-KR" altLang="en-US">
+              <a:solidFill>
+                <a:schemeClr val="tx1"/>
+              </a:solidFill>
+            </a:endParaRPr>
+          </a:p>
+        </p:txBody>
+      </p:sp>
+      <p:sp>
+        <p:nvSpPr>
+          <p:cNvPr id="78" name="직사각형 77">
+            <a:extLst>
+              <a:ext uri="{FF2B5EF4-FFF2-40B4-BE49-F238E27FC236}">
+                <a16:creationId xmlns:a16="http://schemas.microsoft.com/office/drawing/2014/main" id="{ED3FD51A-8500-4686-A083-E09EED67DF59}"/>
+              </a:ext>
+            </a:extLst>
+          </p:cNvPr>
+          <p:cNvSpPr/>
+          <p:nvPr/>
+        </p:nvSpPr>
+        <p:spPr>
+          <a:xfrm>
+            <a:off x="9796331" y="3584248"/>
+            <a:ext cx="1174376" cy="310744"/>
+          </a:xfrm>
+          <a:prstGeom prst="rect">
+            <a:avLst/>
+          </a:prstGeom>
+          <a:solidFill>
+            <a:schemeClr val="bg1"/>
+          </a:solidFill>
+          <a:ln>
+            <a:solidFill>
+              <a:schemeClr val="tx1"/>
+            </a:solidFill>
+          </a:ln>
+        </p:spPr>
+        <p:style>
+          <a:lnRef idx="2">
+            <a:schemeClr val="accent1">
+              <a:shade val="50000"/>
+            </a:schemeClr>
+          </a:lnRef>
+          <a:fillRef idx="1">
+            <a:schemeClr val="accent1"/>
+          </a:fillRef>
+          <a:effectRef idx="0">
+            <a:schemeClr val="accent1"/>
+          </a:effectRef>
+          <a:fontRef idx="minor">
+            <a:schemeClr val="lt1"/>
+          </a:fontRef>
+        </p:style>
+        <p:txBody>
+          <a:bodyPr rtlCol="0" anchor="ctr"/>
+          <a:lstStyle/>
+          <a:p>
+            <a:pPr algn="ctr"/>
+            <a:r>
+              <a:rPr lang="en-US" altLang="ko-KR">
+                <a:solidFill>
+                  <a:schemeClr val="tx1"/>
+                </a:solidFill>
+              </a:rPr>
+              <a:t>8</a:t>
+            </a:r>
+            <a:endParaRPr lang="ko-KR" altLang="en-US">
+              <a:solidFill>
+                <a:schemeClr val="tx1"/>
+              </a:solidFill>
+            </a:endParaRPr>
+          </a:p>
+        </p:txBody>
+      </p:sp>
+      <p:sp>
+        <p:nvSpPr>
+          <p:cNvPr id="79" name="직사각형 78">
+            <a:extLst>
+              <a:ext uri="{FF2B5EF4-FFF2-40B4-BE49-F238E27FC236}">
+                <a16:creationId xmlns:a16="http://schemas.microsoft.com/office/drawing/2014/main" id="{8CE1FB9A-EB74-4C03-BB7B-07FA24AC7134}"/>
+              </a:ext>
+            </a:extLst>
+          </p:cNvPr>
+          <p:cNvSpPr/>
+          <p:nvPr/>
+        </p:nvSpPr>
+        <p:spPr>
+          <a:xfrm>
+            <a:off x="9796331" y="3894992"/>
+            <a:ext cx="1174376" cy="310744"/>
+          </a:xfrm>
+          <a:prstGeom prst="rect">
+            <a:avLst/>
+          </a:prstGeom>
+          <a:solidFill>
+            <a:schemeClr val="bg1"/>
+          </a:solidFill>
+          <a:ln>
+            <a:solidFill>
+              <a:schemeClr val="tx1"/>
+            </a:solidFill>
+          </a:ln>
+        </p:spPr>
+        <p:style>
+          <a:lnRef idx="2">
+            <a:schemeClr val="accent1">
+              <a:shade val="50000"/>
+            </a:schemeClr>
+          </a:lnRef>
+          <a:fillRef idx="1">
+            <a:schemeClr val="accent1"/>
+          </a:fillRef>
+          <a:effectRef idx="0">
+            <a:schemeClr val="accent1"/>
+          </a:effectRef>
+          <a:fontRef idx="minor">
+            <a:schemeClr val="lt1"/>
+          </a:fontRef>
+        </p:style>
+        <p:txBody>
+          <a:bodyPr rtlCol="0" anchor="ctr"/>
+          <a:lstStyle/>
+          <a:p>
+            <a:pPr algn="ctr"/>
+            <a:r>
+              <a:rPr lang="en-US" altLang="ko-KR">
+                <a:solidFill>
+                  <a:schemeClr val="tx1"/>
+                </a:solidFill>
+              </a:rPr>
+              <a:t>0x0020</a:t>
+            </a:r>
+            <a:endParaRPr lang="ko-KR" altLang="en-US">
+              <a:solidFill>
+                <a:schemeClr val="tx1"/>
+              </a:solidFill>
+            </a:endParaRPr>
+          </a:p>
+        </p:txBody>
+      </p:sp>
+      <p:sp>
+        <p:nvSpPr>
+          <p:cNvPr id="80" name="직사각형 79">
+            <a:extLst>
+              <a:ext uri="{FF2B5EF4-FFF2-40B4-BE49-F238E27FC236}">
+                <a16:creationId xmlns:a16="http://schemas.microsoft.com/office/drawing/2014/main" id="{6AAF692F-2FD5-40CB-81D5-C54FE90820E8}"/>
+              </a:ext>
+            </a:extLst>
+          </p:cNvPr>
+          <p:cNvSpPr/>
+          <p:nvPr/>
+        </p:nvSpPr>
+        <p:spPr>
+          <a:xfrm>
+            <a:off x="9796331" y="3286599"/>
+            <a:ext cx="1174376" cy="297649"/>
+          </a:xfrm>
+          <a:prstGeom prst="rect">
+            <a:avLst/>
+          </a:prstGeom>
+          <a:solidFill>
+            <a:schemeClr val="bg1"/>
+          </a:solidFill>
+          <a:ln>
+            <a:solidFill>
+              <a:schemeClr val="tx1"/>
+            </a:solidFill>
+          </a:ln>
+        </p:spPr>
+        <p:style>
+          <a:lnRef idx="2">
+            <a:schemeClr val="accent1">
+              <a:shade val="50000"/>
+            </a:schemeClr>
+          </a:lnRef>
+          <a:fillRef idx="1">
+            <a:schemeClr val="accent1"/>
+          </a:fillRef>
+          <a:effectRef idx="0">
+            <a:schemeClr val="accent1"/>
+          </a:effectRef>
+          <a:fontRef idx="minor">
+            <a:schemeClr val="lt1"/>
+          </a:fontRef>
+        </p:style>
+        <p:txBody>
+          <a:bodyPr rtlCol="0" anchor="ctr"/>
+          <a:lstStyle/>
+          <a:p>
+            <a:pPr algn="ctr"/>
+            <a:r>
+              <a:rPr lang="en-US" altLang="ko-KR">
+                <a:solidFill>
+                  <a:schemeClr val="tx1"/>
+                </a:solidFill>
+              </a:rPr>
+              <a:t>int</a:t>
+            </a:r>
+            <a:endParaRPr lang="ko-KR" altLang="en-US">
+              <a:solidFill>
+                <a:schemeClr val="tx1"/>
+              </a:solidFill>
+            </a:endParaRPr>
+          </a:p>
+        </p:txBody>
+      </p:sp>
+      <p:sp>
+        <p:nvSpPr>
+          <p:cNvPr id="81" name="TextBox 80">
+            <a:extLst>
+              <a:ext uri="{FF2B5EF4-FFF2-40B4-BE49-F238E27FC236}">
+                <a16:creationId xmlns:a16="http://schemas.microsoft.com/office/drawing/2014/main" id="{D412DA62-3376-4C4E-B59C-6E19E3CADAF7}"/>
+              </a:ext>
+            </a:extLst>
+          </p:cNvPr>
+          <p:cNvSpPr txBox="1"/>
+          <p:nvPr/>
+        </p:nvSpPr>
+        <p:spPr>
+          <a:xfrm>
+            <a:off x="9790055" y="2159355"/>
+            <a:ext cx="1321099" cy="253916"/>
+          </a:xfrm>
+          <a:prstGeom prst="rect">
+            <a:avLst/>
+          </a:prstGeom>
+          <a:noFill/>
+        </p:spPr>
+        <p:txBody>
+          <a:bodyPr wrap="square" rtlCol="0">
+            <a:spAutoFit/>
+          </a:bodyPr>
+          <a:lstStyle/>
+          <a:p>
+            <a:r>
+              <a:rPr lang="en-US" altLang="ko-KR" sz="1000"/>
+              <a:t>ecMembersAge[8]</a:t>
+            </a:r>
+            <a:endParaRPr lang="ko-KR" altLang="en-US" sz="1000"/>
+          </a:p>
+        </p:txBody>
+      </p:sp>
+      <p:sp>
+        <p:nvSpPr>
+          <p:cNvPr id="82" name="직사각형 81">
+            <a:extLst>
+              <a:ext uri="{FF2B5EF4-FFF2-40B4-BE49-F238E27FC236}">
+                <a16:creationId xmlns:a16="http://schemas.microsoft.com/office/drawing/2014/main" id="{0BE843C1-2B3E-4819-88D6-D0DBB41DD4C5}"/>
+              </a:ext>
+            </a:extLst>
+          </p:cNvPr>
+          <p:cNvSpPr/>
+          <p:nvPr/>
+        </p:nvSpPr>
+        <p:spPr>
+          <a:xfrm>
+            <a:off x="10970707" y="2409934"/>
+            <a:ext cx="1174376" cy="863632"/>
+          </a:xfrm>
+          <a:prstGeom prst="rect">
+            <a:avLst/>
+          </a:prstGeom>
+          <a:solidFill>
+            <a:schemeClr val="bg1"/>
+          </a:solidFill>
+          <a:ln>
+            <a:solidFill>
+              <a:schemeClr val="tx1"/>
+            </a:solidFill>
+          </a:ln>
+        </p:spPr>
+        <p:style>
+          <a:lnRef idx="2">
+            <a:schemeClr val="accent1">
+              <a:shade val="50000"/>
+            </a:schemeClr>
+          </a:lnRef>
+          <a:fillRef idx="1">
+            <a:schemeClr val="accent1"/>
+          </a:fillRef>
+          <a:effectRef idx="0">
+            <a:schemeClr val="accent1"/>
+          </a:effectRef>
+          <a:fontRef idx="minor">
+            <a:schemeClr val="lt1"/>
+          </a:fontRef>
+        </p:style>
+        <p:txBody>
+          <a:bodyPr rtlCol="0" anchor="ctr"/>
+          <a:lstStyle/>
+          <a:p>
+            <a:pPr algn="ctr"/>
+            <a:r>
+              <a:rPr lang="en-US" altLang="ko-KR">
+                <a:solidFill>
+                  <a:schemeClr val="tx1"/>
+                </a:solidFill>
+              </a:rPr>
+              <a:t>23</a:t>
+            </a:r>
+            <a:endParaRPr lang="ko-KR" altLang="en-US">
+              <a:solidFill>
+                <a:schemeClr val="tx1"/>
+              </a:solidFill>
+            </a:endParaRPr>
+          </a:p>
+        </p:txBody>
+      </p:sp>
+      <p:sp>
+        <p:nvSpPr>
+          <p:cNvPr id="83" name="직사각형 82">
+            <a:extLst>
+              <a:ext uri="{FF2B5EF4-FFF2-40B4-BE49-F238E27FC236}">
+                <a16:creationId xmlns:a16="http://schemas.microsoft.com/office/drawing/2014/main" id="{98FA18D9-9937-4B84-89DD-E4F5ABA39AD9}"/>
+              </a:ext>
+            </a:extLst>
+          </p:cNvPr>
+          <p:cNvSpPr/>
+          <p:nvPr/>
+        </p:nvSpPr>
+        <p:spPr>
+          <a:xfrm>
+            <a:off x="10970707" y="3584310"/>
+            <a:ext cx="1174376" cy="310744"/>
+          </a:xfrm>
+          <a:prstGeom prst="rect">
+            <a:avLst/>
+          </a:prstGeom>
+          <a:solidFill>
+            <a:schemeClr val="bg1"/>
+          </a:solidFill>
+          <a:ln>
+            <a:solidFill>
+              <a:schemeClr val="tx1"/>
+            </a:solidFill>
+          </a:ln>
+        </p:spPr>
+        <p:style>
+          <a:lnRef idx="2">
+            <a:schemeClr val="accent1">
+              <a:shade val="50000"/>
+            </a:schemeClr>
+          </a:lnRef>
+          <a:fillRef idx="1">
+            <a:schemeClr val="accent1"/>
+          </a:fillRef>
+          <a:effectRef idx="0">
+            <a:schemeClr val="accent1"/>
+          </a:effectRef>
+          <a:fontRef idx="minor">
+            <a:schemeClr val="lt1"/>
+          </a:fontRef>
+        </p:style>
+        <p:txBody>
+          <a:bodyPr rtlCol="0" anchor="ctr"/>
+          <a:lstStyle/>
+          <a:p>
+            <a:pPr algn="ctr"/>
+            <a:r>
+              <a:rPr lang="en-US" altLang="ko-KR">
+                <a:solidFill>
+                  <a:schemeClr val="tx1"/>
+                </a:solidFill>
+              </a:rPr>
+              <a:t>9</a:t>
+            </a:r>
+            <a:endParaRPr lang="ko-KR" altLang="en-US">
+              <a:solidFill>
+                <a:schemeClr val="tx1"/>
+              </a:solidFill>
+            </a:endParaRPr>
+          </a:p>
+        </p:txBody>
+      </p:sp>
+      <p:sp>
+        <p:nvSpPr>
+          <p:cNvPr id="84" name="직사각형 83">
+            <a:extLst>
+              <a:ext uri="{FF2B5EF4-FFF2-40B4-BE49-F238E27FC236}">
+                <a16:creationId xmlns:a16="http://schemas.microsoft.com/office/drawing/2014/main" id="{2C32FE94-C606-4A7B-B119-C4CBB7FCECD8}"/>
+              </a:ext>
+            </a:extLst>
+          </p:cNvPr>
+          <p:cNvSpPr/>
+          <p:nvPr/>
+        </p:nvSpPr>
+        <p:spPr>
+          <a:xfrm>
+            <a:off x="10970707" y="3895054"/>
+            <a:ext cx="1174376" cy="310744"/>
+          </a:xfrm>
+          <a:prstGeom prst="rect">
+            <a:avLst/>
+          </a:prstGeom>
+          <a:solidFill>
+            <a:schemeClr val="bg1"/>
+          </a:solidFill>
+          <a:ln>
+            <a:solidFill>
+              <a:schemeClr val="tx1"/>
+            </a:solidFill>
+          </a:ln>
+        </p:spPr>
+        <p:style>
+          <a:lnRef idx="2">
+            <a:schemeClr val="accent1">
+              <a:shade val="50000"/>
+            </a:schemeClr>
+          </a:lnRef>
+          <a:fillRef idx="1">
+            <a:schemeClr val="accent1"/>
+          </a:fillRef>
+          <a:effectRef idx="0">
+            <a:schemeClr val="accent1"/>
+          </a:effectRef>
+          <a:fontRef idx="minor">
+            <a:schemeClr val="lt1"/>
+          </a:fontRef>
+        </p:style>
+        <p:txBody>
+          <a:bodyPr rtlCol="0" anchor="ctr"/>
+          <a:lstStyle/>
+          <a:p>
+            <a:pPr algn="ctr"/>
+            <a:r>
+              <a:rPr lang="en-US" altLang="ko-KR">
+                <a:solidFill>
+                  <a:schemeClr val="tx1"/>
+                </a:solidFill>
+              </a:rPr>
+              <a:t>0x0024</a:t>
+            </a:r>
+            <a:endParaRPr lang="ko-KR" altLang="en-US">
+              <a:solidFill>
+                <a:schemeClr val="tx1"/>
+              </a:solidFill>
+            </a:endParaRPr>
+          </a:p>
+        </p:txBody>
+      </p:sp>
+      <p:sp>
+        <p:nvSpPr>
+          <p:cNvPr id="85" name="직사각형 84">
+            <a:extLst>
+              <a:ext uri="{FF2B5EF4-FFF2-40B4-BE49-F238E27FC236}">
+                <a16:creationId xmlns:a16="http://schemas.microsoft.com/office/drawing/2014/main" id="{0F9500CB-DF64-414B-AC98-2194BD9ACA9A}"/>
+              </a:ext>
+            </a:extLst>
+          </p:cNvPr>
+          <p:cNvSpPr/>
+          <p:nvPr/>
+        </p:nvSpPr>
+        <p:spPr>
+          <a:xfrm>
+            <a:off x="10970707" y="3286661"/>
+            <a:ext cx="1174376" cy="297649"/>
+          </a:xfrm>
+          <a:prstGeom prst="rect">
+            <a:avLst/>
+          </a:prstGeom>
+          <a:solidFill>
+            <a:schemeClr val="bg1"/>
+          </a:solidFill>
+          <a:ln>
+            <a:solidFill>
+              <a:schemeClr val="tx1"/>
+            </a:solidFill>
+          </a:ln>
+        </p:spPr>
+        <p:style>
+          <a:lnRef idx="2">
+            <a:schemeClr val="accent1">
+              <a:shade val="50000"/>
+            </a:schemeClr>
+          </a:lnRef>
+          <a:fillRef idx="1">
+            <a:schemeClr val="accent1"/>
+          </a:fillRef>
+          <a:effectRef idx="0">
+            <a:schemeClr val="accent1"/>
+          </a:effectRef>
+          <a:fontRef idx="minor">
+            <a:schemeClr val="lt1"/>
+          </a:fontRef>
+        </p:style>
+        <p:txBody>
+          <a:bodyPr rtlCol="0" anchor="ctr"/>
+          <a:lstStyle/>
+          <a:p>
+            <a:pPr algn="ctr"/>
+            <a:r>
+              <a:rPr lang="en-US" altLang="ko-KR">
+                <a:solidFill>
+                  <a:schemeClr val="tx1"/>
+                </a:solidFill>
+              </a:rPr>
+              <a:t>int</a:t>
+            </a:r>
+            <a:endParaRPr lang="ko-KR" altLang="en-US">
+              <a:solidFill>
+                <a:schemeClr val="tx1"/>
+              </a:solidFill>
+            </a:endParaRPr>
+          </a:p>
+        </p:txBody>
+      </p:sp>
+      <p:sp>
+        <p:nvSpPr>
+          <p:cNvPr id="86" name="TextBox 85">
+            <a:extLst>
+              <a:ext uri="{FF2B5EF4-FFF2-40B4-BE49-F238E27FC236}">
+                <a16:creationId xmlns:a16="http://schemas.microsoft.com/office/drawing/2014/main" id="{0B770374-C57D-4AD7-9A45-C7DC71B7085B}"/>
+              </a:ext>
+            </a:extLst>
+          </p:cNvPr>
+          <p:cNvSpPr txBox="1"/>
+          <p:nvPr/>
+        </p:nvSpPr>
+        <p:spPr>
+          <a:xfrm>
+            <a:off x="10964431" y="2159417"/>
+            <a:ext cx="1321099" cy="253916"/>
+          </a:xfrm>
+          <a:prstGeom prst="rect">
+            <a:avLst/>
+          </a:prstGeom>
+          <a:noFill/>
+        </p:spPr>
+        <p:txBody>
+          <a:bodyPr wrap="square" rtlCol="0">
+            <a:spAutoFit/>
+          </a:bodyPr>
+          <a:lstStyle/>
+          <a:p>
+            <a:r>
+              <a:rPr lang="en-US" altLang="ko-KR" sz="1000"/>
+              <a:t>ecMembersAge[9]</a:t>
+            </a:r>
+            <a:endParaRPr lang="ko-KR" altLang="en-US" sz="1000"/>
+          </a:p>
+        </p:txBody>
+      </p:sp>
+    </p:spTree>
+    <p:extLst>
+      <p:ext uri="{BB962C8B-B14F-4D97-AF65-F5344CB8AC3E}">
+        <p14:creationId xmlns:p14="http://schemas.microsoft.com/office/powerpoint/2010/main" val="2525526657"/>
+      </p:ext>
+    </p:extLst>
+  </p:cSld>
+  <p:clrMapOvr>
+    <a:masterClrMapping/>
+  </p:clrMapOvr>
+</p:sld>
+</file>
+
+<file path=ppt/slides/slide7.xml><?xml version="1.0" encoding="utf-8"?>
+<p:sld xmlns:a="http://schemas.openxmlformats.org/drawingml/2006/main" xmlns:r="http://schemas.openxmlformats.org/officeDocument/2006/relationships" xmlns:p="http://schemas.openxmlformats.org/presentationml/2006/main">
+  <p:cSld>
+    <p:spTree>
+      <p:nvGrpSpPr>
+        <p:cNvPr id="1" name=""/>
+        <p:cNvGrpSpPr/>
+        <p:nvPr/>
+      </p:nvGrpSpPr>
+      <p:grpSpPr>
+        <a:xfrm>
+          <a:off x="0" y="0"/>
+          <a:ext cx="0" cy="0"/>
+          <a:chOff x="0" y="0"/>
+          <a:chExt cx="0" cy="0"/>
+        </a:xfrm>
+      </p:grpSpPr>
+      <p:pic>
+        <p:nvPicPr>
+          <p:cNvPr id="6" name="그림 5" descr="화살이(가) 표시된 사진&#10;&#10;자동 생성된 설명">
+            <a:extLst>
+              <a:ext uri="{FF2B5EF4-FFF2-40B4-BE49-F238E27FC236}">
+                <a16:creationId xmlns:a16="http://schemas.microsoft.com/office/drawing/2014/main" id="{A56C6D43-05A3-4988-A7D7-3D59E2F65C17}"/>
+              </a:ext>
+            </a:extLst>
+          </p:cNvPr>
+          <p:cNvPicPr>
+            <a:picLocks noChangeAspect="1"/>
+          </p:cNvPicPr>
+          <p:nvPr/>
+        </p:nvPicPr>
+        <p:blipFill>
+          <a:blip r:embed="rId2">
+            <a:alphaModFix amt="5000"/>
+            <a:extLst>
+              <a:ext uri="{28A0092B-C50C-407E-A947-70E740481C1C}">
+                <a14:useLocalDpi xmlns:a14="http://schemas.microsoft.com/office/drawing/2010/main" val="0"/>
+              </a:ext>
+            </a:extLst>
+          </a:blip>
+          <a:stretch>
+            <a:fillRect/>
+          </a:stretch>
+        </p:blipFill>
+        <p:spPr>
+          <a:xfrm>
+            <a:off x="1209040" y="-1"/>
+            <a:ext cx="9875520" cy="6857429"/>
+          </a:xfrm>
+          <a:prstGeom prst="rect">
+            <a:avLst/>
+          </a:prstGeom>
+        </p:spPr>
+      </p:pic>
+      <p:sp>
+        <p:nvSpPr>
+          <p:cNvPr id="2" name="제목 1">
+            <a:extLst>
+              <a:ext uri="{FF2B5EF4-FFF2-40B4-BE49-F238E27FC236}">
+                <a16:creationId xmlns:a16="http://schemas.microsoft.com/office/drawing/2014/main" id="{B5F771FA-F15B-46C3-BA0D-4B28CB171312}"/>
+              </a:ext>
+            </a:extLst>
+          </p:cNvPr>
+          <p:cNvSpPr>
+            <a:spLocks noGrp="1"/>
+          </p:cNvSpPr>
+          <p:nvPr>
+            <p:ph type="ctrTitle"/>
+          </p:nvPr>
+        </p:nvSpPr>
+        <p:spPr>
+          <a:xfrm>
+            <a:off x="301812" y="210670"/>
+            <a:ext cx="11689976" cy="851648"/>
+          </a:xfrm>
+        </p:spPr>
+        <p:txBody>
+          <a:bodyPr>
+            <a:normAutofit fontScale="90000"/>
+          </a:bodyPr>
+          <a:lstStyle/>
+          <a:p>
+            <a:pPr algn="l"/>
+            <a:r>
+              <a:rPr lang="ko-KR" altLang="en-US" b="1">
+                <a:effectLst>
+                  <a:outerShdw blurRad="38100" dist="38100" dir="2700000" algn="tl">
+                    <a:srgbClr val="000000">
+                      <a:alpha val="43137"/>
+                    </a:srgbClr>
+                  </a:outerShdw>
+                </a:effectLst>
+              </a:rPr>
+              <a:t>배열</a:t>
+            </a:r>
+          </a:p>
+        </p:txBody>
+      </p:sp>
+      <p:sp>
+        <p:nvSpPr>
+          <p:cNvPr id="4" name="이등변 삼각형 3">
+            <a:extLst>
+              <a:ext uri="{FF2B5EF4-FFF2-40B4-BE49-F238E27FC236}">
+                <a16:creationId xmlns:a16="http://schemas.microsoft.com/office/drawing/2014/main" id="{D82EB4D7-301B-4780-87C6-7D1E66BD5181}"/>
+              </a:ext>
+            </a:extLst>
+          </p:cNvPr>
+          <p:cNvSpPr/>
+          <p:nvPr/>
+        </p:nvSpPr>
+        <p:spPr>
+          <a:xfrm rot="10800000">
+            <a:off x="11204089" y="-1"/>
+            <a:ext cx="987911" cy="851647"/>
+          </a:xfrm>
+          <a:prstGeom prst="triangle">
+            <a:avLst>
+              <a:gd name="adj" fmla="val 0"/>
+            </a:avLst>
+          </a:prstGeom>
+          <a:solidFill>
+            <a:schemeClr val="tx1"/>
+          </a:solidFill>
+          <a:ln>
+            <a:solidFill>
+              <a:schemeClr val="tx1"/>
+            </a:solidFill>
+          </a:ln>
+        </p:spPr>
+        <p:style>
+          <a:lnRef idx="2">
+            <a:schemeClr val="accent1">
+              <a:shade val="50000"/>
+            </a:schemeClr>
+          </a:lnRef>
+          <a:fillRef idx="1">
+            <a:schemeClr val="accent1"/>
+          </a:fillRef>
+          <a:effectRef idx="0">
+            <a:schemeClr val="accent1"/>
+          </a:effectRef>
+          <a:fontRef idx="minor">
+            <a:schemeClr val="lt1"/>
+          </a:fontRef>
+        </p:style>
+        <p:txBody>
+          <a:bodyPr rtlCol="0" anchor="ctr"/>
+          <a:lstStyle/>
+          <a:p>
+            <a:pPr algn="ctr"/>
+            <a:endParaRPr lang="ko-KR" altLang="en-US"/>
+          </a:p>
+        </p:txBody>
+      </p:sp>
+      <p:cxnSp>
+        <p:nvCxnSpPr>
+          <p:cNvPr id="7" name="직선 연결선 6">
+            <a:extLst>
+              <a:ext uri="{FF2B5EF4-FFF2-40B4-BE49-F238E27FC236}">
+                <a16:creationId xmlns:a16="http://schemas.microsoft.com/office/drawing/2014/main" id="{2585E046-0EB0-4A38-9487-0FDCAD563659}"/>
+              </a:ext>
+            </a:extLst>
+          </p:cNvPr>
+          <p:cNvCxnSpPr/>
+          <p:nvPr/>
+        </p:nvCxnSpPr>
+        <p:spPr>
+          <a:xfrm>
+            <a:off x="30480" y="1143598"/>
+            <a:ext cx="2357120" cy="0"/>
+          </a:xfrm>
+          <a:prstGeom prst="line">
+            <a:avLst/>
+          </a:prstGeom>
+          <a:ln w="63500">
+            <a:solidFill>
+              <a:schemeClr val="tx1"/>
+            </a:solidFill>
+          </a:ln>
+        </p:spPr>
+        <p:style>
+          <a:lnRef idx="1">
+            <a:schemeClr val="accent1"/>
+          </a:lnRef>
+          <a:fillRef idx="0">
+            <a:schemeClr val="accent1"/>
+          </a:fillRef>
+          <a:effectRef idx="0">
+            <a:schemeClr val="accent1"/>
+          </a:effectRef>
+          <a:fontRef idx="minor">
+            <a:schemeClr val="tx1"/>
+          </a:fontRef>
+        </p:style>
+      </p:cxnSp>
+      <p:sp>
+        <p:nvSpPr>
+          <p:cNvPr id="8" name="TextBox 7">
+            <a:extLst>
+              <a:ext uri="{FF2B5EF4-FFF2-40B4-BE49-F238E27FC236}">
+                <a16:creationId xmlns:a16="http://schemas.microsoft.com/office/drawing/2014/main" id="{401ED521-CFE1-44B7-9BB3-E355239399D3}"/>
+              </a:ext>
+            </a:extLst>
+          </p:cNvPr>
+          <p:cNvSpPr txBox="1"/>
+          <p:nvPr/>
+        </p:nvSpPr>
+        <p:spPr>
+          <a:xfrm>
+            <a:off x="730922" y="2402136"/>
+            <a:ext cx="11260866" cy="4093428"/>
+          </a:xfrm>
+          <a:prstGeom prst="rect">
+            <a:avLst/>
+          </a:prstGeom>
+          <a:noFill/>
+        </p:spPr>
+        <p:txBody>
+          <a:bodyPr wrap="square" rtlCol="0">
+            <a:spAutoFit/>
+          </a:bodyPr>
+          <a:lstStyle/>
+          <a:p>
+            <a:r>
+              <a:rPr lang="en-US" altLang="ko-KR" sz="2000">
+                <a:effectLst>
+                  <a:outerShdw blurRad="38100" dist="38100" dir="2700000" algn="tl">
+                    <a:srgbClr val="000000">
+                      <a:alpha val="43137"/>
+                    </a:srgbClr>
+                  </a:outerShdw>
+                </a:effectLst>
+              </a:rPr>
+              <a:t>#include &lt;stdio.h&gt;</a:t>
+            </a:r>
+          </a:p>
+          <a:p>
+            <a:endParaRPr lang="en-US" altLang="ko-KR" sz="2000">
+              <a:effectLst>
+                <a:outerShdw blurRad="38100" dist="38100" dir="2700000" algn="tl">
+                  <a:srgbClr val="000000">
+                    <a:alpha val="43137"/>
+                  </a:srgbClr>
+                </a:outerShdw>
+              </a:effectLst>
+            </a:endParaRPr>
+          </a:p>
+          <a:p>
+            <a:r>
+              <a:rPr lang="en-US" altLang="ko-KR" sz="2000">
+                <a:effectLst>
+                  <a:outerShdw blurRad="38100" dist="38100" dir="2700000" algn="tl">
+                    <a:srgbClr val="000000">
+                      <a:alpha val="43137"/>
+                    </a:srgbClr>
+                  </a:outerShdw>
+                </a:effectLst>
+              </a:rPr>
+              <a:t>int main() {</a:t>
+            </a:r>
+          </a:p>
+          <a:p>
+            <a:r>
+              <a:rPr lang="en-US" altLang="ko-KR" sz="2000">
+                <a:effectLst>
+                  <a:outerShdw blurRad="38100" dist="38100" dir="2700000" algn="tl">
+                    <a:srgbClr val="000000">
+                      <a:alpha val="43137"/>
+                    </a:srgbClr>
+                  </a:outerShdw>
+                </a:effectLst>
+              </a:rPr>
+              <a:t>	int ecMembersAge[10];</a:t>
+            </a:r>
+          </a:p>
+          <a:p>
+            <a:r>
+              <a:rPr lang="en-US" altLang="ko-KR" sz="2000">
+                <a:effectLst>
+                  <a:outerShdw blurRad="38100" dist="38100" dir="2700000" algn="tl">
+                    <a:srgbClr val="000000">
+                      <a:alpha val="43137"/>
+                    </a:srgbClr>
+                  </a:outerShdw>
+                </a:effectLst>
+              </a:rPr>
+              <a:t>	int i = 0;</a:t>
+            </a:r>
+          </a:p>
+          <a:p>
+            <a:r>
+              <a:rPr lang="en-US" altLang="ko-KR" sz="2000">
+                <a:effectLst>
+                  <a:outerShdw blurRad="38100" dist="38100" dir="2700000" algn="tl">
+                    <a:srgbClr val="000000">
+                      <a:alpha val="43137"/>
+                    </a:srgbClr>
+                  </a:outerShdw>
+                </a:effectLst>
+              </a:rPr>
+              <a:t>	for( i = 0; i &lt; 10; ++i ) {</a:t>
+            </a:r>
+          </a:p>
+          <a:p>
+            <a:r>
+              <a:rPr lang="en-US" altLang="ko-KR" sz="2000">
+                <a:effectLst>
+                  <a:outerShdw blurRad="38100" dist="38100" dir="2700000" algn="tl">
+                    <a:srgbClr val="000000">
+                      <a:alpha val="43137"/>
+                    </a:srgbClr>
+                  </a:outerShdw>
+                </a:effectLst>
+              </a:rPr>
+              <a:t>		scanf(“%d”, &amp;ecMembersAge[%d]);</a:t>
+            </a:r>
+          </a:p>
+          <a:p>
+            <a:r>
+              <a:rPr lang="en-US" altLang="ko-KR" sz="2000">
+                <a:effectLst>
+                  <a:outerShdw blurRad="38100" dist="38100" dir="2700000" algn="tl">
+                    <a:srgbClr val="000000">
+                      <a:alpha val="43137"/>
+                    </a:srgbClr>
+                  </a:outerShdw>
+                </a:effectLst>
+              </a:rPr>
+              <a:t>	}</a:t>
+            </a:r>
+          </a:p>
+          <a:p>
+            <a:r>
+              <a:rPr lang="en-US" altLang="ko-KR" sz="2000">
+                <a:effectLst>
+                  <a:outerShdw blurRad="38100" dist="38100" dir="2700000" algn="tl">
+                    <a:srgbClr val="000000">
+                      <a:alpha val="43137"/>
+                    </a:srgbClr>
+                  </a:outerShdw>
+                </a:effectLst>
+              </a:rPr>
+              <a:t>	for( i = 0; i &lt; 10; ++i ) {</a:t>
+            </a:r>
+          </a:p>
+          <a:p>
+            <a:r>
+              <a:rPr lang="en-US" altLang="ko-KR" sz="2000">
+                <a:effectLst>
+                  <a:outerShdw blurRad="38100" dist="38100" dir="2700000" algn="tl">
+                    <a:srgbClr val="000000">
+                      <a:alpha val="43137"/>
+                    </a:srgbClr>
+                  </a:outerShdw>
+                </a:effectLst>
+              </a:rPr>
+              <a:t>		printf( “ecMembersAge[%d]</a:t>
+            </a:r>
+            <a:r>
+              <a:rPr lang="ko-KR" altLang="en-US" sz="2000">
+                <a:effectLst>
+                  <a:outerShdw blurRad="38100" dist="38100" dir="2700000" algn="tl">
+                    <a:srgbClr val="000000">
+                      <a:alpha val="43137"/>
+                    </a:srgbClr>
+                  </a:outerShdw>
+                </a:effectLst>
+              </a:rPr>
+              <a:t> </a:t>
+            </a:r>
+            <a:r>
+              <a:rPr lang="en-US" altLang="ko-KR" sz="2000">
+                <a:effectLst>
+                  <a:outerShdw blurRad="38100" dist="38100" dir="2700000" algn="tl">
+                    <a:srgbClr val="000000">
+                      <a:alpha val="43137"/>
+                    </a:srgbClr>
+                  </a:outerShdw>
+                </a:effectLst>
+              </a:rPr>
+              <a:t>=</a:t>
+            </a:r>
+            <a:r>
+              <a:rPr lang="ko-KR" altLang="en-US" sz="2000">
+                <a:effectLst>
+                  <a:outerShdw blurRad="38100" dist="38100" dir="2700000" algn="tl">
+                    <a:srgbClr val="000000">
+                      <a:alpha val="43137"/>
+                    </a:srgbClr>
+                  </a:outerShdw>
+                </a:effectLst>
+              </a:rPr>
+              <a:t> </a:t>
+            </a:r>
+            <a:r>
+              <a:rPr lang="en-US" altLang="ko-KR" sz="2000">
+                <a:effectLst>
+                  <a:outerShdw blurRad="38100" dist="38100" dir="2700000" algn="tl">
+                    <a:srgbClr val="000000">
+                      <a:alpha val="43137"/>
+                    </a:srgbClr>
+                  </a:outerShdw>
+                </a:effectLst>
+              </a:rPr>
+              <a:t>%d\n”, i, ecMembersAge[i] );</a:t>
+            </a:r>
+          </a:p>
+          <a:p>
+            <a:r>
+              <a:rPr lang="en-US" altLang="ko-KR" sz="2000">
+                <a:effectLst>
+                  <a:outerShdw blurRad="38100" dist="38100" dir="2700000" algn="tl">
+                    <a:srgbClr val="000000">
+                      <a:alpha val="43137"/>
+                    </a:srgbClr>
+                  </a:outerShdw>
+                </a:effectLst>
+              </a:rPr>
+              <a:t>	}</a:t>
+            </a:r>
+          </a:p>
+          <a:p>
+            <a:r>
+              <a:rPr lang="en-US" altLang="ko-KR" sz="2000">
+                <a:effectLst>
+                  <a:outerShdw blurRad="38100" dist="38100" dir="2700000" algn="tl">
+                    <a:srgbClr val="000000">
+                      <a:alpha val="43137"/>
+                    </a:srgbClr>
+                  </a:outerShdw>
+                </a:effectLst>
+              </a:rPr>
+              <a:t>	return 0;</a:t>
+            </a:r>
+          </a:p>
+          <a:p>
+            <a:r>
+              <a:rPr lang="en-US" altLang="ko-KR" sz="2000">
+                <a:effectLst>
+                  <a:outerShdw blurRad="38100" dist="38100" dir="2700000" algn="tl">
+                    <a:srgbClr val="000000">
+                      <a:alpha val="43137"/>
+                    </a:srgbClr>
+                  </a:outerShdw>
+                </a:effectLst>
+              </a:rPr>
+              <a:t>}</a:t>
+            </a:r>
+          </a:p>
+        </p:txBody>
+      </p:sp>
+      <p:sp>
+        <p:nvSpPr>
+          <p:cNvPr id="9" name="TextBox 8">
+            <a:extLst>
+              <a:ext uri="{FF2B5EF4-FFF2-40B4-BE49-F238E27FC236}">
+                <a16:creationId xmlns:a16="http://schemas.microsoft.com/office/drawing/2014/main" id="{0D9F02F6-35F7-46F5-8FFE-FBAD20732CDC}"/>
+              </a:ext>
+            </a:extLst>
+          </p:cNvPr>
+          <p:cNvSpPr txBox="1"/>
+          <p:nvPr/>
+        </p:nvSpPr>
+        <p:spPr>
+          <a:xfrm>
+            <a:off x="301812" y="1347761"/>
+            <a:ext cx="7700955" cy="461665"/>
+          </a:xfrm>
+          <a:prstGeom prst="rect">
+            <a:avLst/>
+          </a:prstGeom>
+          <a:noFill/>
+        </p:spPr>
+        <p:txBody>
+          <a:bodyPr wrap="square" rtlCol="0">
+            <a:spAutoFit/>
+          </a:bodyPr>
+          <a:lstStyle/>
           <a:p>
             <a:pPr marL="457200" indent="-457200">
               <a:buFont typeface="Arial" panose="020B0604020202020204" pitchFamily="34" charset="0"/>
               <a:buChar char="•"/>
             </a:pPr>
             <a:r>
-              <a:rPr lang="en-US" altLang="ko-KR" sz="3200">
-                <a:effectLst>
-                  <a:outerShdw blurRad="38100" dist="38100" dir="2700000" algn="tl">
-                    <a:srgbClr val="000000">
-                      <a:alpha val="43137"/>
-                    </a:srgbClr>
-                  </a:outerShdw>
-                </a:effectLst>
-              </a:rPr>
-              <a:t>boj.kr/8958</a:t>
-            </a:r>
+              <a:rPr lang="ko-KR" altLang="en-US" sz="2400" b="1">
+                <a:effectLst>
+                  <a:outerShdw blurRad="38100" dist="38100" dir="2700000" algn="tl">
+                    <a:srgbClr val="000000">
+                      <a:alpha val="43137"/>
+                    </a:srgbClr>
+                  </a:outerShdw>
+                </a:effectLst>
+              </a:rPr>
+              <a:t>배열</a:t>
+            </a:r>
+            <a:r>
+              <a:rPr lang="en-US" altLang="ko-KR" sz="2400" b="1">
+                <a:effectLst>
+                  <a:outerShdw blurRad="38100" dist="38100" dir="2700000" algn="tl">
+                    <a:srgbClr val="000000">
+                      <a:alpha val="43137"/>
+                    </a:srgbClr>
+                  </a:outerShdw>
+                </a:effectLst>
+              </a:rPr>
+              <a:t>(Array)</a:t>
+            </a:r>
+            <a:r>
+              <a:rPr lang="ko-KR" altLang="en-US" sz="2400" b="1">
+                <a:effectLst>
+                  <a:outerShdw blurRad="38100" dist="38100" dir="2700000" algn="tl">
+                    <a:srgbClr val="000000">
+                      <a:alpha val="43137"/>
+                    </a:srgbClr>
+                  </a:outerShdw>
+                </a:effectLst>
+              </a:rPr>
+              <a:t>의 호출</a:t>
+            </a:r>
+            <a:endParaRPr lang="en-US" altLang="ko-KR" sz="2400" b="1">
+              <a:effectLst>
+                <a:outerShdw blurRad="38100" dist="38100" dir="2700000" algn="tl">
+                  <a:srgbClr val="000000">
+                    <a:alpha val="43137"/>
+                  </a:srgbClr>
+                </a:outerShdw>
+              </a:effectLst>
+            </a:endParaRPr>
+          </a:p>
+        </p:txBody>
+      </p:sp>
+      <p:sp>
+        <p:nvSpPr>
+          <p:cNvPr id="10" name="TextBox 9">
+            <a:extLst>
+              <a:ext uri="{FF2B5EF4-FFF2-40B4-BE49-F238E27FC236}">
+                <a16:creationId xmlns:a16="http://schemas.microsoft.com/office/drawing/2014/main" id="{A29EA04F-7B1B-49BC-ACB8-3B4FF42C8C33}"/>
+              </a:ext>
+            </a:extLst>
+          </p:cNvPr>
+          <p:cNvSpPr txBox="1"/>
+          <p:nvPr/>
+        </p:nvSpPr>
+        <p:spPr>
+          <a:xfrm>
+            <a:off x="730922" y="1941546"/>
+            <a:ext cx="9300584" cy="461665"/>
+          </a:xfrm>
+          <a:prstGeom prst="rect">
+            <a:avLst/>
+          </a:prstGeom>
+          <a:noFill/>
+        </p:spPr>
+        <p:txBody>
+          <a:bodyPr wrap="square" rtlCol="0">
+            <a:spAutoFit/>
+          </a:bodyPr>
+          <a:lstStyle/>
+          <a:p>
+            <a:r>
+              <a:rPr lang="en-US" altLang="ko-KR" sz="2400">
+                <a:effectLst>
+                  <a:outerShdw blurRad="38100" dist="38100" dir="2700000" algn="tl">
+                    <a:srgbClr val="000000">
+                      <a:alpha val="43137"/>
+                    </a:srgbClr>
+                  </a:outerShdw>
+                </a:effectLst>
+              </a:rPr>
+              <a:t>EC</a:t>
+            </a:r>
+            <a:r>
+              <a:rPr lang="ko-KR" altLang="en-US" sz="2400">
+                <a:effectLst>
+                  <a:outerShdw blurRad="38100" dist="38100" dir="2700000" algn="tl">
+                    <a:srgbClr val="000000">
+                      <a:alpha val="43137"/>
+                    </a:srgbClr>
+                  </a:outerShdw>
+                </a:effectLst>
+              </a:rPr>
+              <a:t>멤버 </a:t>
+            </a:r>
+            <a:r>
+              <a:rPr lang="en-US" altLang="ko-KR" sz="2400">
+                <a:effectLst>
+                  <a:outerShdw blurRad="38100" dist="38100" dir="2700000" algn="tl">
+                    <a:srgbClr val="000000">
+                      <a:alpha val="43137"/>
+                    </a:srgbClr>
+                  </a:outerShdw>
+                </a:effectLst>
+              </a:rPr>
+              <a:t>10</a:t>
+            </a:r>
+            <a:r>
+              <a:rPr lang="ko-KR" altLang="en-US" sz="2400">
+                <a:effectLst>
+                  <a:outerShdw blurRad="38100" dist="38100" dir="2700000" algn="tl">
+                    <a:srgbClr val="000000">
+                      <a:alpha val="43137"/>
+                    </a:srgbClr>
+                  </a:outerShdw>
+                </a:effectLst>
+              </a:rPr>
+              <a:t>명의 나이를 입력받고 출력하는 프로그램</a:t>
+            </a:r>
+            <a:endParaRPr lang="en-US" altLang="ko-KR" sz="2400">
+              <a:effectLst>
+                <a:outerShdw blurRad="38100" dist="38100" dir="2700000" algn="tl">
+                  <a:srgbClr val="000000">
+                    <a:alpha val="43137"/>
+                  </a:srgbClr>
+                </a:outerShdw>
+              </a:effectLst>
+            </a:endParaRPr>
+          </a:p>
+        </p:txBody>
+      </p:sp>
+      <p:sp>
+        <p:nvSpPr>
+          <p:cNvPr id="11" name="TextBox 10">
+            <a:extLst>
+              <a:ext uri="{FF2B5EF4-FFF2-40B4-BE49-F238E27FC236}">
+                <a16:creationId xmlns:a16="http://schemas.microsoft.com/office/drawing/2014/main" id="{24C02C91-08F8-46D8-8A1D-D46374E86290}"/>
+              </a:ext>
+            </a:extLst>
+          </p:cNvPr>
+          <p:cNvSpPr txBox="1"/>
+          <p:nvPr/>
+        </p:nvSpPr>
+        <p:spPr>
+          <a:xfrm>
+            <a:off x="4152289" y="3743029"/>
+            <a:ext cx="5096735" cy="369332"/>
+          </a:xfrm>
+          <a:prstGeom prst="rect">
+            <a:avLst/>
+          </a:prstGeom>
+          <a:noFill/>
+        </p:spPr>
+        <p:txBody>
+          <a:bodyPr wrap="square" rtlCol="0">
+            <a:spAutoFit/>
+          </a:bodyPr>
+          <a:lstStyle/>
+          <a:p>
+            <a:r>
+              <a:rPr lang="ko-KR" altLang="en-US">
+                <a:solidFill>
+                  <a:srgbClr val="0000FF"/>
+                </a:solidFill>
+                <a:effectLst>
+                  <a:outerShdw blurRad="38100" dist="38100" dir="2700000" algn="tl">
+                    <a:srgbClr val="000000">
+                      <a:alpha val="43137"/>
+                    </a:srgbClr>
+                  </a:outerShdw>
+                </a:effectLst>
+              </a:rPr>
+              <a:t>배열은 주로 </a:t>
+            </a:r>
+            <a:r>
+              <a:rPr lang="en-US" altLang="ko-KR">
+                <a:solidFill>
+                  <a:srgbClr val="0000FF"/>
+                </a:solidFill>
+                <a:effectLst>
+                  <a:outerShdw blurRad="38100" dist="38100" dir="2700000" algn="tl">
+                    <a:srgbClr val="000000">
+                      <a:alpha val="43137"/>
+                    </a:srgbClr>
+                  </a:outerShdw>
+                </a:effectLst>
+              </a:rPr>
+              <a:t>for</a:t>
+            </a:r>
+            <a:r>
+              <a:rPr lang="ko-KR" altLang="en-US">
+                <a:solidFill>
+                  <a:srgbClr val="0000FF"/>
+                </a:solidFill>
+                <a:effectLst>
+                  <a:outerShdw blurRad="38100" dist="38100" dir="2700000" algn="tl">
+                    <a:srgbClr val="000000">
+                      <a:alpha val="43137"/>
+                    </a:srgbClr>
+                  </a:outerShdw>
+                </a:effectLst>
+              </a:rPr>
+              <a:t>문과 함께 사용하는 경우가 많음</a:t>
+            </a:r>
+            <a:endParaRPr lang="en-US" altLang="ko-KR">
+              <a:solidFill>
+                <a:srgbClr val="0000FF"/>
+              </a:solidFill>
+              <a:effectLst>
+                <a:outerShdw blurRad="38100" dist="38100" dir="2700000" algn="tl">
+                  <a:srgbClr val="000000">
+                    <a:alpha val="43137"/>
+                  </a:srgbClr>
+                </a:outerShdw>
+              </a:effectLst>
+            </a:endParaRPr>
           </a:p>
         </p:txBody>
       </p:sp>
     </p:spTree>
     <p:extLst>
       <p:ext uri="{BB962C8B-B14F-4D97-AF65-F5344CB8AC3E}">
-        <p14:creationId xmlns:p14="http://schemas.microsoft.com/office/powerpoint/2010/main" val="647075201"/>
+        <p14:creationId xmlns:p14="http://schemas.microsoft.com/office/powerpoint/2010/main" val="2930011233"/>
+      </p:ext>
+    </p:extLst>
+  </p:cSld>
+  <p:clrMapOvr>
+    <a:masterClrMapping/>
+  </p:clrMapOvr>
+</p:sld>
+</file>
+
+<file path=ppt/slides/slide8.xml><?xml version="1.0" encoding="utf-8"?>
+<p:sld xmlns:a="http://schemas.openxmlformats.org/drawingml/2006/main" xmlns:r="http://schemas.openxmlformats.org/officeDocument/2006/relationships" xmlns:p="http://schemas.openxmlformats.org/presentationml/2006/main">
+  <p:cSld>
+    <p:spTree>
+      <p:nvGrpSpPr>
+        <p:cNvPr id="1" name=""/>
+        <p:cNvGrpSpPr/>
+        <p:nvPr/>
+      </p:nvGrpSpPr>
+      <p:grpSpPr>
+        <a:xfrm>
+          <a:off x="0" y="0"/>
+          <a:ext cx="0" cy="0"/>
+          <a:chOff x="0" y="0"/>
+          <a:chExt cx="0" cy="0"/>
+        </a:xfrm>
+      </p:grpSpPr>
+      <p:pic>
+        <p:nvPicPr>
+          <p:cNvPr id="6" name="그림 5" descr="화살이(가) 표시된 사진&#10;&#10;자동 생성된 설명">
+            <a:extLst>
+              <a:ext uri="{FF2B5EF4-FFF2-40B4-BE49-F238E27FC236}">
+                <a16:creationId xmlns:a16="http://schemas.microsoft.com/office/drawing/2014/main" id="{A56C6D43-05A3-4988-A7D7-3D59E2F65C17}"/>
+              </a:ext>
+            </a:extLst>
+          </p:cNvPr>
+          <p:cNvPicPr>
+            <a:picLocks noChangeAspect="1"/>
+          </p:cNvPicPr>
+          <p:nvPr/>
+        </p:nvPicPr>
+        <p:blipFill>
+          <a:blip r:embed="rId2">
+            <a:alphaModFix amt="5000"/>
+            <a:extLst>
+              <a:ext uri="{28A0092B-C50C-407E-A947-70E740481C1C}">
+                <a14:useLocalDpi xmlns:a14="http://schemas.microsoft.com/office/drawing/2010/main" val="0"/>
+              </a:ext>
+            </a:extLst>
+          </a:blip>
+          <a:stretch>
+            <a:fillRect/>
+          </a:stretch>
+        </p:blipFill>
+        <p:spPr>
+          <a:xfrm>
+            <a:off x="1209040" y="-1"/>
+            <a:ext cx="9875520" cy="6857429"/>
+          </a:xfrm>
+          <a:prstGeom prst="rect">
+            <a:avLst/>
+          </a:prstGeom>
+        </p:spPr>
+      </p:pic>
+      <p:sp>
+        <p:nvSpPr>
+          <p:cNvPr id="2" name="제목 1">
+            <a:extLst>
+              <a:ext uri="{FF2B5EF4-FFF2-40B4-BE49-F238E27FC236}">
+                <a16:creationId xmlns:a16="http://schemas.microsoft.com/office/drawing/2014/main" id="{B5F771FA-F15B-46C3-BA0D-4B28CB171312}"/>
+              </a:ext>
+            </a:extLst>
+          </p:cNvPr>
+          <p:cNvSpPr>
+            <a:spLocks noGrp="1"/>
+          </p:cNvSpPr>
+          <p:nvPr>
+            <p:ph type="ctrTitle"/>
+          </p:nvPr>
+        </p:nvSpPr>
+        <p:spPr>
+          <a:xfrm>
+            <a:off x="301812" y="210670"/>
+            <a:ext cx="11689976" cy="851648"/>
+          </a:xfrm>
+        </p:spPr>
+        <p:txBody>
+          <a:bodyPr>
+            <a:normAutofit fontScale="90000"/>
+          </a:bodyPr>
+          <a:lstStyle/>
+          <a:p>
+            <a:pPr algn="l"/>
+            <a:r>
+              <a:rPr lang="ko-KR" altLang="en-US" b="1">
+                <a:effectLst>
+                  <a:outerShdw blurRad="38100" dist="38100" dir="2700000" algn="tl">
+                    <a:srgbClr val="000000">
+                      <a:alpha val="43137"/>
+                    </a:srgbClr>
+                  </a:outerShdw>
+                </a:effectLst>
+              </a:rPr>
+              <a:t>배열</a:t>
+            </a:r>
+          </a:p>
+        </p:txBody>
+      </p:sp>
+      <p:sp>
+        <p:nvSpPr>
+          <p:cNvPr id="4" name="이등변 삼각형 3">
+            <a:extLst>
+              <a:ext uri="{FF2B5EF4-FFF2-40B4-BE49-F238E27FC236}">
+                <a16:creationId xmlns:a16="http://schemas.microsoft.com/office/drawing/2014/main" id="{D82EB4D7-301B-4780-87C6-7D1E66BD5181}"/>
+              </a:ext>
+            </a:extLst>
+          </p:cNvPr>
+          <p:cNvSpPr/>
+          <p:nvPr/>
+        </p:nvSpPr>
+        <p:spPr>
+          <a:xfrm rot="10800000">
+            <a:off x="11204089" y="-1"/>
+            <a:ext cx="987911" cy="851647"/>
+          </a:xfrm>
+          <a:prstGeom prst="triangle">
+            <a:avLst>
+              <a:gd name="adj" fmla="val 0"/>
+            </a:avLst>
+          </a:prstGeom>
+          <a:solidFill>
+            <a:schemeClr val="tx1"/>
+          </a:solidFill>
+          <a:ln>
+            <a:solidFill>
+              <a:schemeClr val="tx1"/>
+            </a:solidFill>
+          </a:ln>
+        </p:spPr>
+        <p:style>
+          <a:lnRef idx="2">
+            <a:schemeClr val="accent1">
+              <a:shade val="50000"/>
+            </a:schemeClr>
+          </a:lnRef>
+          <a:fillRef idx="1">
+            <a:schemeClr val="accent1"/>
+          </a:fillRef>
+          <a:effectRef idx="0">
+            <a:schemeClr val="accent1"/>
+          </a:effectRef>
+          <a:fontRef idx="minor">
+            <a:schemeClr val="lt1"/>
+          </a:fontRef>
+        </p:style>
+        <p:txBody>
+          <a:bodyPr rtlCol="0" anchor="ctr"/>
+          <a:lstStyle/>
+          <a:p>
+            <a:pPr algn="ctr"/>
+            <a:endParaRPr lang="ko-KR" altLang="en-US"/>
+          </a:p>
+        </p:txBody>
+      </p:sp>
+      <p:cxnSp>
+        <p:nvCxnSpPr>
+          <p:cNvPr id="7" name="직선 연결선 6">
+            <a:extLst>
+              <a:ext uri="{FF2B5EF4-FFF2-40B4-BE49-F238E27FC236}">
+                <a16:creationId xmlns:a16="http://schemas.microsoft.com/office/drawing/2014/main" id="{2585E046-0EB0-4A38-9487-0FDCAD563659}"/>
+              </a:ext>
+            </a:extLst>
+          </p:cNvPr>
+          <p:cNvCxnSpPr/>
+          <p:nvPr/>
+        </p:nvCxnSpPr>
+        <p:spPr>
+          <a:xfrm>
+            <a:off x="30480" y="1143598"/>
+            <a:ext cx="2357120" cy="0"/>
+          </a:xfrm>
+          <a:prstGeom prst="line">
+            <a:avLst/>
+          </a:prstGeom>
+          <a:ln w="63500">
+            <a:solidFill>
+              <a:schemeClr val="tx1"/>
+            </a:solidFill>
+          </a:ln>
+        </p:spPr>
+        <p:style>
+          <a:lnRef idx="1">
+            <a:schemeClr val="accent1"/>
+          </a:lnRef>
+          <a:fillRef idx="0">
+            <a:schemeClr val="accent1"/>
+          </a:fillRef>
+          <a:effectRef idx="0">
+            <a:schemeClr val="accent1"/>
+          </a:effectRef>
+          <a:fontRef idx="minor">
+            <a:schemeClr val="tx1"/>
+          </a:fontRef>
+        </p:style>
+      </p:cxnSp>
+      <p:sp>
+        <p:nvSpPr>
+          <p:cNvPr id="8" name="TextBox 7">
+            <a:extLst>
+              <a:ext uri="{FF2B5EF4-FFF2-40B4-BE49-F238E27FC236}">
+                <a16:creationId xmlns:a16="http://schemas.microsoft.com/office/drawing/2014/main" id="{401ED521-CFE1-44B7-9BB3-E355239399D3}"/>
+              </a:ext>
+            </a:extLst>
+          </p:cNvPr>
+          <p:cNvSpPr txBox="1"/>
+          <p:nvPr/>
+        </p:nvSpPr>
+        <p:spPr>
+          <a:xfrm>
+            <a:off x="730922" y="2402136"/>
+            <a:ext cx="11260866" cy="4093428"/>
+          </a:xfrm>
+          <a:prstGeom prst="rect">
+            <a:avLst/>
+          </a:prstGeom>
+          <a:noFill/>
+        </p:spPr>
+        <p:txBody>
+          <a:bodyPr wrap="square" rtlCol="0">
+            <a:spAutoFit/>
+          </a:bodyPr>
+          <a:lstStyle/>
+          <a:p>
+            <a:r>
+              <a:rPr lang="en-US" altLang="ko-KR" sz="2000">
+                <a:effectLst>
+                  <a:outerShdw blurRad="38100" dist="38100" dir="2700000" algn="tl">
+                    <a:srgbClr val="000000">
+                      <a:alpha val="43137"/>
+                    </a:srgbClr>
+                  </a:outerShdw>
+                </a:effectLst>
+              </a:rPr>
+              <a:t>#include &lt;stdio.h&gt;</a:t>
+            </a:r>
+          </a:p>
+          <a:p>
+            <a:endParaRPr lang="en-US" altLang="ko-KR" sz="2000">
+              <a:effectLst>
+                <a:outerShdw blurRad="38100" dist="38100" dir="2700000" algn="tl">
+                  <a:srgbClr val="000000">
+                    <a:alpha val="43137"/>
+                  </a:srgbClr>
+                </a:outerShdw>
+              </a:effectLst>
+            </a:endParaRPr>
+          </a:p>
+          <a:p>
+            <a:r>
+              <a:rPr lang="en-US" altLang="ko-KR" sz="2000">
+                <a:effectLst>
+                  <a:outerShdw blurRad="38100" dist="38100" dir="2700000" algn="tl">
+                    <a:srgbClr val="000000">
+                      <a:alpha val="43137"/>
+                    </a:srgbClr>
+                  </a:outerShdw>
+                </a:effectLst>
+              </a:rPr>
+              <a:t>int main() {</a:t>
+            </a:r>
+          </a:p>
+          <a:p>
+            <a:r>
+              <a:rPr lang="en-US" altLang="ko-KR" sz="2000">
+                <a:effectLst>
+                  <a:outerShdw blurRad="38100" dist="38100" dir="2700000" algn="tl">
+                    <a:srgbClr val="000000">
+                      <a:alpha val="43137"/>
+                    </a:srgbClr>
+                  </a:outerShdw>
+                </a:effectLst>
+              </a:rPr>
+              <a:t>	int ecMembersAge[10];</a:t>
+            </a:r>
+          </a:p>
+          <a:p>
+            <a:r>
+              <a:rPr lang="en-US" altLang="ko-KR" sz="2000">
+                <a:effectLst>
+                  <a:outerShdw blurRad="38100" dist="38100" dir="2700000" algn="tl">
+                    <a:srgbClr val="000000">
+                      <a:alpha val="43137"/>
+                    </a:srgbClr>
+                  </a:outerShdw>
+                </a:effectLst>
+              </a:rPr>
+              <a:t>	int i = 0;</a:t>
+            </a:r>
+          </a:p>
+          <a:p>
+            <a:r>
+              <a:rPr lang="en-US" altLang="ko-KR" sz="2000">
+                <a:effectLst>
+                  <a:outerShdw blurRad="38100" dist="38100" dir="2700000" algn="tl">
+                    <a:srgbClr val="000000">
+                      <a:alpha val="43137"/>
+                    </a:srgbClr>
+                  </a:outerShdw>
+                </a:effectLst>
+              </a:rPr>
+              <a:t>	for( i = 0; i &lt; </a:t>
+            </a:r>
+            <a:r>
+              <a:rPr lang="en-US" altLang="ko-KR" sz="2000">
+                <a:solidFill>
+                  <a:srgbClr val="00B050"/>
+                </a:solidFill>
+                <a:effectLst>
+                  <a:outerShdw blurRad="38100" dist="38100" dir="2700000" algn="tl">
+                    <a:srgbClr val="000000">
+                      <a:alpha val="43137"/>
+                    </a:srgbClr>
+                  </a:outerShdw>
+                </a:effectLst>
+              </a:rPr>
+              <a:t>sizeof(ecMembersAge) / sizeof(int)</a:t>
+            </a:r>
+            <a:r>
+              <a:rPr lang="en-US" altLang="ko-KR" sz="2000">
+                <a:effectLst>
+                  <a:outerShdw blurRad="38100" dist="38100" dir="2700000" algn="tl">
+                    <a:srgbClr val="000000">
+                      <a:alpha val="43137"/>
+                    </a:srgbClr>
+                  </a:outerShdw>
+                </a:effectLst>
+              </a:rPr>
+              <a:t>; ++i ) {</a:t>
+            </a:r>
+          </a:p>
+          <a:p>
+            <a:r>
+              <a:rPr lang="en-US" altLang="ko-KR" sz="2000">
+                <a:effectLst>
+                  <a:outerShdw blurRad="38100" dist="38100" dir="2700000" algn="tl">
+                    <a:srgbClr val="000000">
+                      <a:alpha val="43137"/>
+                    </a:srgbClr>
+                  </a:outerShdw>
+                </a:effectLst>
+              </a:rPr>
+              <a:t>		scanf(“%d”, &amp;ecMembersAge[%d]);</a:t>
+            </a:r>
+          </a:p>
+          <a:p>
+            <a:r>
+              <a:rPr lang="en-US" altLang="ko-KR" sz="2000">
+                <a:effectLst>
+                  <a:outerShdw blurRad="38100" dist="38100" dir="2700000" algn="tl">
+                    <a:srgbClr val="000000">
+                      <a:alpha val="43137"/>
+                    </a:srgbClr>
+                  </a:outerShdw>
+                </a:effectLst>
+              </a:rPr>
+              <a:t>	}</a:t>
+            </a:r>
+          </a:p>
+          <a:p>
+            <a:r>
+              <a:rPr lang="en-US" altLang="ko-KR" sz="2000">
+                <a:effectLst>
+                  <a:outerShdw blurRad="38100" dist="38100" dir="2700000" algn="tl">
+                    <a:srgbClr val="000000">
+                      <a:alpha val="43137"/>
+                    </a:srgbClr>
+                  </a:outerShdw>
+                </a:effectLst>
+              </a:rPr>
+              <a:t>	for( i = 0; i &lt; </a:t>
+            </a:r>
+            <a:r>
+              <a:rPr lang="en-US" altLang="ko-KR" sz="2000">
+                <a:solidFill>
+                  <a:srgbClr val="00B050"/>
+                </a:solidFill>
+                <a:effectLst>
+                  <a:outerShdw blurRad="38100" dist="38100" dir="2700000" algn="tl">
+                    <a:srgbClr val="000000">
+                      <a:alpha val="43137"/>
+                    </a:srgbClr>
+                  </a:outerShdw>
+                </a:effectLst>
+              </a:rPr>
+              <a:t>sizeof(ecMembersAge) / sizeof(int)</a:t>
+            </a:r>
+            <a:r>
+              <a:rPr lang="en-US" altLang="ko-KR" sz="2000">
+                <a:effectLst>
+                  <a:outerShdw blurRad="38100" dist="38100" dir="2700000" algn="tl">
+                    <a:srgbClr val="000000">
+                      <a:alpha val="43137"/>
+                    </a:srgbClr>
+                  </a:outerShdw>
+                </a:effectLst>
+              </a:rPr>
+              <a:t>; ++i ) {</a:t>
+            </a:r>
+          </a:p>
+          <a:p>
+            <a:r>
+              <a:rPr lang="en-US" altLang="ko-KR" sz="2000">
+                <a:effectLst>
+                  <a:outerShdw blurRad="38100" dist="38100" dir="2700000" algn="tl">
+                    <a:srgbClr val="000000">
+                      <a:alpha val="43137"/>
+                    </a:srgbClr>
+                  </a:outerShdw>
+                </a:effectLst>
+              </a:rPr>
+              <a:t>		printf( “ecMembersAge[%d]</a:t>
+            </a:r>
+            <a:r>
+              <a:rPr lang="ko-KR" altLang="en-US" sz="2000">
+                <a:effectLst>
+                  <a:outerShdw blurRad="38100" dist="38100" dir="2700000" algn="tl">
+                    <a:srgbClr val="000000">
+                      <a:alpha val="43137"/>
+                    </a:srgbClr>
+                  </a:outerShdw>
+                </a:effectLst>
+              </a:rPr>
+              <a:t> </a:t>
+            </a:r>
+            <a:r>
+              <a:rPr lang="en-US" altLang="ko-KR" sz="2000">
+                <a:effectLst>
+                  <a:outerShdw blurRad="38100" dist="38100" dir="2700000" algn="tl">
+                    <a:srgbClr val="000000">
+                      <a:alpha val="43137"/>
+                    </a:srgbClr>
+                  </a:outerShdw>
+                </a:effectLst>
+              </a:rPr>
+              <a:t>=</a:t>
+            </a:r>
+            <a:r>
+              <a:rPr lang="ko-KR" altLang="en-US" sz="2000">
+                <a:effectLst>
+                  <a:outerShdw blurRad="38100" dist="38100" dir="2700000" algn="tl">
+                    <a:srgbClr val="000000">
+                      <a:alpha val="43137"/>
+                    </a:srgbClr>
+                  </a:outerShdw>
+                </a:effectLst>
+              </a:rPr>
+              <a:t> </a:t>
+            </a:r>
+            <a:r>
+              <a:rPr lang="en-US" altLang="ko-KR" sz="2000">
+                <a:effectLst>
+                  <a:outerShdw blurRad="38100" dist="38100" dir="2700000" algn="tl">
+                    <a:srgbClr val="000000">
+                      <a:alpha val="43137"/>
+                    </a:srgbClr>
+                  </a:outerShdw>
+                </a:effectLst>
+              </a:rPr>
+              <a:t>%d\n”, i, ecMembersAge[i] );</a:t>
+            </a:r>
+          </a:p>
+          <a:p>
+            <a:r>
+              <a:rPr lang="en-US" altLang="ko-KR" sz="2000">
+                <a:effectLst>
+                  <a:outerShdw blurRad="38100" dist="38100" dir="2700000" algn="tl">
+                    <a:srgbClr val="000000">
+                      <a:alpha val="43137"/>
+                    </a:srgbClr>
+                  </a:outerShdw>
+                </a:effectLst>
+              </a:rPr>
+              <a:t>	}</a:t>
+            </a:r>
+          </a:p>
+          <a:p>
+            <a:r>
+              <a:rPr lang="en-US" altLang="ko-KR" sz="2000">
+                <a:effectLst>
+                  <a:outerShdw blurRad="38100" dist="38100" dir="2700000" algn="tl">
+                    <a:srgbClr val="000000">
+                      <a:alpha val="43137"/>
+                    </a:srgbClr>
+                  </a:outerShdw>
+                </a:effectLst>
+              </a:rPr>
+              <a:t>	return 0;</a:t>
+            </a:r>
+          </a:p>
+          <a:p>
+            <a:r>
+              <a:rPr lang="en-US" altLang="ko-KR" sz="2000">
+                <a:effectLst>
+                  <a:outerShdw blurRad="38100" dist="38100" dir="2700000" algn="tl">
+                    <a:srgbClr val="000000">
+                      <a:alpha val="43137"/>
+                    </a:srgbClr>
+                  </a:outerShdw>
+                </a:effectLst>
+              </a:rPr>
+              <a:t>}</a:t>
+            </a:r>
+          </a:p>
+        </p:txBody>
+      </p:sp>
+      <p:sp>
+        <p:nvSpPr>
+          <p:cNvPr id="9" name="TextBox 8">
+            <a:extLst>
+              <a:ext uri="{FF2B5EF4-FFF2-40B4-BE49-F238E27FC236}">
+                <a16:creationId xmlns:a16="http://schemas.microsoft.com/office/drawing/2014/main" id="{0D9F02F6-35F7-46F5-8FFE-FBAD20732CDC}"/>
+              </a:ext>
+            </a:extLst>
+          </p:cNvPr>
+          <p:cNvSpPr txBox="1"/>
+          <p:nvPr/>
+        </p:nvSpPr>
+        <p:spPr>
+          <a:xfrm>
+            <a:off x="301812" y="1347761"/>
+            <a:ext cx="7700955" cy="461665"/>
+          </a:xfrm>
+          <a:prstGeom prst="rect">
+            <a:avLst/>
+          </a:prstGeom>
+          <a:noFill/>
+        </p:spPr>
+        <p:txBody>
+          <a:bodyPr wrap="square" rtlCol="0">
+            <a:spAutoFit/>
+          </a:bodyPr>
+          <a:lstStyle/>
+          <a:p>
+            <a:pPr marL="457200" indent="-457200">
+              <a:buFont typeface="Arial" panose="020B0604020202020204" pitchFamily="34" charset="0"/>
+              <a:buChar char="•"/>
+            </a:pPr>
+            <a:r>
+              <a:rPr lang="ko-KR" altLang="en-US" sz="2400" b="1">
+                <a:effectLst>
+                  <a:outerShdw blurRad="38100" dist="38100" dir="2700000" algn="tl">
+                    <a:srgbClr val="000000">
+                      <a:alpha val="43137"/>
+                    </a:srgbClr>
+                  </a:outerShdw>
+                </a:effectLst>
+              </a:rPr>
+              <a:t>배열</a:t>
+            </a:r>
+            <a:r>
+              <a:rPr lang="en-US" altLang="ko-KR" sz="2400" b="1">
+                <a:effectLst>
+                  <a:outerShdw blurRad="38100" dist="38100" dir="2700000" algn="tl">
+                    <a:srgbClr val="000000">
+                      <a:alpha val="43137"/>
+                    </a:srgbClr>
+                  </a:outerShdw>
+                </a:effectLst>
+              </a:rPr>
+              <a:t>(Array)</a:t>
+            </a:r>
+            <a:r>
+              <a:rPr lang="ko-KR" altLang="en-US" sz="2400" b="1">
+                <a:effectLst>
+                  <a:outerShdw blurRad="38100" dist="38100" dir="2700000" algn="tl">
+                    <a:srgbClr val="000000">
+                      <a:alpha val="43137"/>
+                    </a:srgbClr>
+                  </a:outerShdw>
+                </a:effectLst>
+              </a:rPr>
+              <a:t>의 호출</a:t>
+            </a:r>
+            <a:endParaRPr lang="en-US" altLang="ko-KR" sz="2400" b="1">
+              <a:effectLst>
+                <a:outerShdw blurRad="38100" dist="38100" dir="2700000" algn="tl">
+                  <a:srgbClr val="000000">
+                    <a:alpha val="43137"/>
+                  </a:srgbClr>
+                </a:outerShdw>
+              </a:effectLst>
+            </a:endParaRPr>
+          </a:p>
+        </p:txBody>
+      </p:sp>
+      <p:sp>
+        <p:nvSpPr>
+          <p:cNvPr id="10" name="TextBox 9">
+            <a:extLst>
+              <a:ext uri="{FF2B5EF4-FFF2-40B4-BE49-F238E27FC236}">
+                <a16:creationId xmlns:a16="http://schemas.microsoft.com/office/drawing/2014/main" id="{A29EA04F-7B1B-49BC-ACB8-3B4FF42C8C33}"/>
+              </a:ext>
+            </a:extLst>
+          </p:cNvPr>
+          <p:cNvSpPr txBox="1"/>
+          <p:nvPr/>
+        </p:nvSpPr>
+        <p:spPr>
+          <a:xfrm>
+            <a:off x="730922" y="1941546"/>
+            <a:ext cx="10730156" cy="461665"/>
+          </a:xfrm>
+          <a:prstGeom prst="rect">
+            <a:avLst/>
+          </a:prstGeom>
+          <a:noFill/>
+        </p:spPr>
+        <p:txBody>
+          <a:bodyPr wrap="square" rtlCol="0">
+            <a:spAutoFit/>
+          </a:bodyPr>
+          <a:lstStyle/>
+          <a:p>
+            <a:r>
+              <a:rPr lang="en-US" altLang="ko-KR" sz="2400">
+                <a:effectLst>
+                  <a:outerShdw blurRad="38100" dist="38100" dir="2700000" algn="tl">
+                    <a:srgbClr val="000000">
+                      <a:alpha val="43137"/>
+                    </a:srgbClr>
+                  </a:outerShdw>
+                </a:effectLst>
+              </a:rPr>
+              <a:t>EC</a:t>
+            </a:r>
+            <a:r>
+              <a:rPr lang="ko-KR" altLang="en-US" sz="2400">
+                <a:effectLst>
+                  <a:outerShdw blurRad="38100" dist="38100" dir="2700000" algn="tl">
+                    <a:srgbClr val="000000">
+                      <a:alpha val="43137"/>
+                    </a:srgbClr>
+                  </a:outerShdw>
+                </a:effectLst>
+              </a:rPr>
+              <a:t>멤버 </a:t>
+            </a:r>
+            <a:r>
+              <a:rPr lang="en-US" altLang="ko-KR" sz="2400">
+                <a:effectLst>
+                  <a:outerShdw blurRad="38100" dist="38100" dir="2700000" algn="tl">
+                    <a:srgbClr val="000000">
+                      <a:alpha val="43137"/>
+                    </a:srgbClr>
+                  </a:outerShdw>
+                </a:effectLst>
+              </a:rPr>
+              <a:t>10</a:t>
+            </a:r>
+            <a:r>
+              <a:rPr lang="ko-KR" altLang="en-US" sz="2400">
+                <a:effectLst>
+                  <a:outerShdw blurRad="38100" dist="38100" dir="2700000" algn="tl">
+                    <a:srgbClr val="000000">
+                      <a:alpha val="43137"/>
+                    </a:srgbClr>
+                  </a:outerShdw>
+                </a:effectLst>
+              </a:rPr>
+              <a:t>명의 나이를 입력받고 출력하는 프로그램</a:t>
+            </a:r>
+            <a:r>
+              <a:rPr lang="en-US" altLang="ko-KR" sz="2400">
+                <a:effectLst>
+                  <a:outerShdw blurRad="38100" dist="38100" dir="2700000" algn="tl">
+                    <a:srgbClr val="000000">
+                      <a:alpha val="43137"/>
+                    </a:srgbClr>
+                  </a:outerShdw>
+                </a:effectLst>
+              </a:rPr>
+              <a:t>(sizeof()</a:t>
+            </a:r>
+            <a:r>
+              <a:rPr lang="ko-KR" altLang="en-US" sz="2400">
+                <a:effectLst>
+                  <a:outerShdw blurRad="38100" dist="38100" dir="2700000" algn="tl">
+                    <a:srgbClr val="000000">
+                      <a:alpha val="43137"/>
+                    </a:srgbClr>
+                  </a:outerShdw>
+                </a:effectLst>
+              </a:rPr>
+              <a:t>함수 사용</a:t>
+            </a:r>
+            <a:r>
+              <a:rPr lang="en-US" altLang="ko-KR" sz="2400">
+                <a:effectLst>
+                  <a:outerShdw blurRad="38100" dist="38100" dir="2700000" algn="tl">
+                    <a:srgbClr val="000000">
+                      <a:alpha val="43137"/>
+                    </a:srgbClr>
+                  </a:outerShdw>
+                </a:effectLst>
+              </a:rPr>
+              <a:t>)</a:t>
+            </a:r>
+          </a:p>
+        </p:txBody>
+      </p:sp>
+    </p:spTree>
+    <p:extLst>
+      <p:ext uri="{BB962C8B-B14F-4D97-AF65-F5344CB8AC3E}">
+        <p14:creationId xmlns:p14="http://schemas.microsoft.com/office/powerpoint/2010/main" val="3022853289"/>
+      </p:ext>
+    </p:extLst>
+  </p:cSld>
+  <p:clrMapOvr>
+    <a:masterClrMapping/>
+  </p:clrMapOvr>
+</p:sld>
+</file>
+
+<file path=ppt/slides/slide9.xml><?xml version="1.0" encoding="utf-8"?>
+<p:sld xmlns:a="http://schemas.openxmlformats.org/drawingml/2006/main" xmlns:r="http://schemas.openxmlformats.org/officeDocument/2006/relationships" xmlns:p="http://schemas.openxmlformats.org/presentationml/2006/main">
+  <p:cSld>
+    <p:spTree>
+      <p:nvGrpSpPr>
+        <p:cNvPr id="1" name=""/>
+        <p:cNvGrpSpPr/>
+        <p:nvPr/>
+      </p:nvGrpSpPr>
+      <p:grpSpPr>
+        <a:xfrm>
+          <a:off x="0" y="0"/>
+          <a:ext cx="0" cy="0"/>
+          <a:chOff x="0" y="0"/>
+          <a:chExt cx="0" cy="0"/>
+        </a:xfrm>
+      </p:grpSpPr>
+      <p:pic>
+        <p:nvPicPr>
+          <p:cNvPr id="6" name="그림 5" descr="화살이(가) 표시된 사진&#10;&#10;자동 생성된 설명">
+            <a:extLst>
+              <a:ext uri="{FF2B5EF4-FFF2-40B4-BE49-F238E27FC236}">
+                <a16:creationId xmlns:a16="http://schemas.microsoft.com/office/drawing/2014/main" id="{A56C6D43-05A3-4988-A7D7-3D59E2F65C17}"/>
+              </a:ext>
+            </a:extLst>
+          </p:cNvPr>
+          <p:cNvPicPr>
+            <a:picLocks noChangeAspect="1"/>
+          </p:cNvPicPr>
+          <p:nvPr/>
+        </p:nvPicPr>
+        <p:blipFill>
+          <a:blip r:embed="rId2">
+            <a:alphaModFix amt="5000"/>
+            <a:extLst>
+              <a:ext uri="{28A0092B-C50C-407E-A947-70E740481C1C}">
+                <a14:useLocalDpi xmlns:a14="http://schemas.microsoft.com/office/drawing/2010/main" val="0"/>
+              </a:ext>
+            </a:extLst>
+          </a:blip>
+          <a:stretch>
+            <a:fillRect/>
+          </a:stretch>
+        </p:blipFill>
+        <p:spPr>
+          <a:xfrm>
+            <a:off x="1209040" y="-1"/>
+            <a:ext cx="9875520" cy="6857429"/>
+          </a:xfrm>
+          <a:prstGeom prst="rect">
+            <a:avLst/>
+          </a:prstGeom>
+        </p:spPr>
+      </p:pic>
+      <p:sp>
+        <p:nvSpPr>
+          <p:cNvPr id="2" name="제목 1">
+            <a:extLst>
+              <a:ext uri="{FF2B5EF4-FFF2-40B4-BE49-F238E27FC236}">
+                <a16:creationId xmlns:a16="http://schemas.microsoft.com/office/drawing/2014/main" id="{B5F771FA-F15B-46C3-BA0D-4B28CB171312}"/>
+              </a:ext>
+            </a:extLst>
+          </p:cNvPr>
+          <p:cNvSpPr>
+            <a:spLocks noGrp="1"/>
+          </p:cNvSpPr>
+          <p:nvPr>
+            <p:ph type="ctrTitle"/>
+          </p:nvPr>
+        </p:nvSpPr>
+        <p:spPr>
+          <a:xfrm>
+            <a:off x="301812" y="210670"/>
+            <a:ext cx="11689976" cy="851648"/>
+          </a:xfrm>
+        </p:spPr>
+        <p:txBody>
+          <a:bodyPr>
+            <a:normAutofit fontScale="90000"/>
+          </a:bodyPr>
+          <a:lstStyle/>
+          <a:p>
+            <a:pPr algn="l"/>
+            <a:r>
+              <a:rPr lang="en-US" altLang="ko-KR" b="1">
+                <a:effectLst>
+                  <a:outerShdw blurRad="38100" dist="38100" dir="2700000" algn="tl">
+                    <a:srgbClr val="000000">
+                      <a:alpha val="43137"/>
+                    </a:srgbClr>
+                  </a:outerShdw>
+                </a:effectLst>
+              </a:rPr>
+              <a:t>String</a:t>
+            </a:r>
+            <a:endParaRPr lang="ko-KR" altLang="en-US" b="1">
+              <a:effectLst>
+                <a:outerShdw blurRad="38100" dist="38100" dir="2700000" algn="tl">
+                  <a:srgbClr val="000000">
+                    <a:alpha val="43137"/>
+                  </a:srgbClr>
+                </a:outerShdw>
+              </a:effectLst>
+            </a:endParaRPr>
+          </a:p>
+        </p:txBody>
+      </p:sp>
+      <p:sp>
+        <p:nvSpPr>
+          <p:cNvPr id="4" name="이등변 삼각형 3">
+            <a:extLst>
+              <a:ext uri="{FF2B5EF4-FFF2-40B4-BE49-F238E27FC236}">
+                <a16:creationId xmlns:a16="http://schemas.microsoft.com/office/drawing/2014/main" id="{D82EB4D7-301B-4780-87C6-7D1E66BD5181}"/>
+              </a:ext>
+            </a:extLst>
+          </p:cNvPr>
+          <p:cNvSpPr/>
+          <p:nvPr/>
+        </p:nvSpPr>
+        <p:spPr>
+          <a:xfrm rot="10800000">
+            <a:off x="11204089" y="-1"/>
+            <a:ext cx="987911" cy="851647"/>
+          </a:xfrm>
+          <a:prstGeom prst="triangle">
+            <a:avLst>
+              <a:gd name="adj" fmla="val 0"/>
+            </a:avLst>
+          </a:prstGeom>
+          <a:solidFill>
+            <a:schemeClr val="tx1"/>
+          </a:solidFill>
+          <a:ln>
+            <a:solidFill>
+              <a:schemeClr val="tx1"/>
+            </a:solidFill>
+          </a:ln>
+        </p:spPr>
+        <p:style>
+          <a:lnRef idx="2">
+            <a:schemeClr val="accent1">
+              <a:shade val="50000"/>
+            </a:schemeClr>
+          </a:lnRef>
+          <a:fillRef idx="1">
+            <a:schemeClr val="accent1"/>
+          </a:fillRef>
+          <a:effectRef idx="0">
+            <a:schemeClr val="accent1"/>
+          </a:effectRef>
+          <a:fontRef idx="minor">
+            <a:schemeClr val="lt1"/>
+          </a:fontRef>
+        </p:style>
+        <p:txBody>
+          <a:bodyPr rtlCol="0" anchor="ctr"/>
+          <a:lstStyle/>
+          <a:p>
+            <a:pPr algn="ctr"/>
+            <a:endParaRPr lang="ko-KR" altLang="en-US"/>
+          </a:p>
+        </p:txBody>
+      </p:sp>
+      <p:cxnSp>
+        <p:nvCxnSpPr>
+          <p:cNvPr id="7" name="직선 연결선 6">
+            <a:extLst>
+              <a:ext uri="{FF2B5EF4-FFF2-40B4-BE49-F238E27FC236}">
+                <a16:creationId xmlns:a16="http://schemas.microsoft.com/office/drawing/2014/main" id="{2585E046-0EB0-4A38-9487-0FDCAD563659}"/>
+              </a:ext>
+            </a:extLst>
+          </p:cNvPr>
+          <p:cNvCxnSpPr/>
+          <p:nvPr/>
+        </p:nvCxnSpPr>
+        <p:spPr>
+          <a:xfrm>
+            <a:off x="30480" y="1143598"/>
+            <a:ext cx="2357120" cy="0"/>
+          </a:xfrm>
+          <a:prstGeom prst="line">
+            <a:avLst/>
+          </a:prstGeom>
+          <a:ln w="63500">
+            <a:solidFill>
+              <a:schemeClr val="tx1"/>
+            </a:solidFill>
+          </a:ln>
+        </p:spPr>
+        <p:style>
+          <a:lnRef idx="1">
+            <a:schemeClr val="accent1"/>
+          </a:lnRef>
+          <a:fillRef idx="0">
+            <a:schemeClr val="accent1"/>
+          </a:fillRef>
+          <a:effectRef idx="0">
+            <a:schemeClr val="accent1"/>
+          </a:effectRef>
+          <a:fontRef idx="minor">
+            <a:schemeClr val="tx1"/>
+          </a:fontRef>
+        </p:style>
+      </p:cxnSp>
+      <p:sp>
+        <p:nvSpPr>
+          <p:cNvPr id="8" name="TextBox 7">
+            <a:extLst>
+              <a:ext uri="{FF2B5EF4-FFF2-40B4-BE49-F238E27FC236}">
+                <a16:creationId xmlns:a16="http://schemas.microsoft.com/office/drawing/2014/main" id="{401ED521-CFE1-44B7-9BB3-E355239399D3}"/>
+              </a:ext>
+            </a:extLst>
+          </p:cNvPr>
+          <p:cNvSpPr txBox="1"/>
+          <p:nvPr/>
+        </p:nvSpPr>
+        <p:spPr>
+          <a:xfrm>
+            <a:off x="730922" y="2402136"/>
+            <a:ext cx="8554720" cy="1200329"/>
+          </a:xfrm>
+          <a:prstGeom prst="rect">
+            <a:avLst/>
+          </a:prstGeom>
+          <a:noFill/>
+        </p:spPr>
+        <p:txBody>
+          <a:bodyPr wrap="square" rtlCol="0">
+            <a:spAutoFit/>
+          </a:bodyPr>
+          <a:lstStyle/>
+          <a:p>
+            <a:r>
+              <a:rPr lang="en-US" altLang="ko-KR" sz="2400">
+                <a:effectLst>
+                  <a:outerShdw blurRad="38100" dist="38100" dir="2700000" algn="tl">
+                    <a:srgbClr val="000000">
+                      <a:alpha val="43137"/>
+                    </a:srgbClr>
+                  </a:outerShdw>
+                </a:effectLst>
+              </a:rPr>
+              <a:t>String</a:t>
+            </a:r>
+            <a:r>
+              <a:rPr lang="ko-KR" altLang="en-US" sz="2400">
+                <a:effectLst>
+                  <a:outerShdw blurRad="38100" dist="38100" dir="2700000" algn="tl">
+                    <a:srgbClr val="000000">
+                      <a:alpha val="43137"/>
+                    </a:srgbClr>
+                  </a:outerShdw>
+                </a:effectLst>
+              </a:rPr>
+              <a:t>은 따로 자료형이 없고 </a:t>
+            </a:r>
+            <a:r>
+              <a:rPr lang="en-US" altLang="ko-KR" sz="2400">
+                <a:effectLst>
+                  <a:outerShdw blurRad="38100" dist="38100" dir="2700000" algn="tl">
+                    <a:srgbClr val="000000">
+                      <a:alpha val="43137"/>
+                    </a:srgbClr>
+                  </a:outerShdw>
+                </a:effectLst>
+              </a:rPr>
+              <a:t>char</a:t>
+            </a:r>
+            <a:r>
+              <a:rPr lang="ko-KR" altLang="en-US" sz="2400">
+                <a:effectLst>
+                  <a:outerShdw blurRad="38100" dist="38100" dir="2700000" algn="tl">
+                    <a:srgbClr val="000000">
+                      <a:alpha val="43137"/>
+                    </a:srgbClr>
+                  </a:outerShdw>
+                </a:effectLst>
+              </a:rPr>
+              <a:t>의 배열로 선언</a:t>
+            </a:r>
+            <a:endParaRPr lang="en-US" altLang="ko-KR" sz="2400">
+              <a:effectLst>
+                <a:outerShdw blurRad="38100" dist="38100" dir="2700000" algn="tl">
+                  <a:srgbClr val="000000">
+                    <a:alpha val="43137"/>
+                  </a:srgbClr>
+                </a:outerShdw>
+              </a:effectLst>
+            </a:endParaRPr>
+          </a:p>
+          <a:p>
+            <a:endParaRPr lang="en-US" altLang="ko-KR" sz="2400">
+              <a:effectLst>
+                <a:outerShdw blurRad="38100" dist="38100" dir="2700000" algn="tl">
+                  <a:srgbClr val="000000">
+                    <a:alpha val="43137"/>
+                  </a:srgbClr>
+                </a:outerShdw>
+              </a:effectLst>
+            </a:endParaRPr>
+          </a:p>
+          <a:p>
+            <a:r>
+              <a:rPr lang="en-US" altLang="ko-KR" sz="2400">
+                <a:effectLst>
+                  <a:outerShdw blurRad="38100" dist="38100" dir="2700000" algn="tl">
+                    <a:srgbClr val="000000">
+                      <a:alpha val="43137"/>
+                    </a:srgbClr>
+                  </a:outerShdw>
+                </a:effectLst>
+              </a:rPr>
+              <a:t>char string</a:t>
+            </a:r>
+            <a:r>
+              <a:rPr lang="ko-KR" altLang="en-US" sz="2400">
+                <a:effectLst>
+                  <a:outerShdw blurRad="38100" dist="38100" dir="2700000" algn="tl">
+                    <a:srgbClr val="000000">
+                      <a:alpha val="43137"/>
+                    </a:srgbClr>
+                  </a:outerShdw>
+                </a:effectLst>
+              </a:rPr>
+              <a:t>이름</a:t>
+            </a:r>
+            <a:r>
+              <a:rPr lang="en-US" altLang="ko-KR" sz="2400">
+                <a:effectLst>
+                  <a:outerShdw blurRad="38100" dist="38100" dir="2700000" algn="tl">
+                    <a:srgbClr val="000000">
+                      <a:alpha val="43137"/>
+                    </a:srgbClr>
+                  </a:outerShdw>
+                </a:effectLst>
+              </a:rPr>
+              <a:t>[string</a:t>
+            </a:r>
+            <a:r>
+              <a:rPr lang="ko-KR" altLang="en-US" sz="2400">
+                <a:effectLst>
+                  <a:outerShdw blurRad="38100" dist="38100" dir="2700000" algn="tl">
+                    <a:srgbClr val="000000">
+                      <a:alpha val="43137"/>
+                    </a:srgbClr>
+                  </a:outerShdw>
+                </a:effectLst>
+              </a:rPr>
+              <a:t>크기</a:t>
+            </a:r>
+            <a:r>
+              <a:rPr lang="en-US" altLang="ko-KR" sz="2400">
+                <a:effectLst>
+                  <a:outerShdw blurRad="38100" dist="38100" dir="2700000" algn="tl">
+                    <a:srgbClr val="000000">
+                      <a:alpha val="43137"/>
+                    </a:srgbClr>
+                  </a:outerShdw>
+                </a:effectLst>
+              </a:rPr>
+              <a:t>];</a:t>
+            </a:r>
+          </a:p>
+        </p:txBody>
+      </p:sp>
+      <p:sp>
+        <p:nvSpPr>
+          <p:cNvPr id="9" name="TextBox 8">
+            <a:extLst>
+              <a:ext uri="{FF2B5EF4-FFF2-40B4-BE49-F238E27FC236}">
+                <a16:creationId xmlns:a16="http://schemas.microsoft.com/office/drawing/2014/main" id="{0D9F02F6-35F7-46F5-8FFE-FBAD20732CDC}"/>
+              </a:ext>
+            </a:extLst>
+          </p:cNvPr>
+          <p:cNvSpPr txBox="1"/>
+          <p:nvPr/>
+        </p:nvSpPr>
+        <p:spPr>
+          <a:xfrm>
+            <a:off x="301812" y="1347761"/>
+            <a:ext cx="7700955" cy="461665"/>
+          </a:xfrm>
+          <a:prstGeom prst="rect">
+            <a:avLst/>
+          </a:prstGeom>
+          <a:noFill/>
+        </p:spPr>
+        <p:txBody>
+          <a:bodyPr wrap="square" rtlCol="0">
+            <a:spAutoFit/>
+          </a:bodyPr>
+          <a:lstStyle/>
+          <a:p>
+            <a:pPr marL="457200" indent="-457200">
+              <a:buFont typeface="Arial" panose="020B0604020202020204" pitchFamily="34" charset="0"/>
+              <a:buChar char="•"/>
+            </a:pPr>
+            <a:r>
+              <a:rPr lang="en-US" altLang="ko-KR" sz="2400" b="1">
+                <a:effectLst>
+                  <a:outerShdw blurRad="38100" dist="38100" dir="2700000" algn="tl">
+                    <a:srgbClr val="000000">
+                      <a:alpha val="43137"/>
+                    </a:srgbClr>
+                  </a:outerShdw>
+                </a:effectLst>
+              </a:rPr>
+              <a:t>String</a:t>
+            </a:r>
+            <a:r>
+              <a:rPr lang="ko-KR" altLang="en-US" sz="2400" b="1">
+                <a:effectLst>
+                  <a:outerShdw blurRad="38100" dist="38100" dir="2700000" algn="tl">
+                    <a:srgbClr val="000000">
+                      <a:alpha val="43137"/>
+                    </a:srgbClr>
+                  </a:outerShdw>
+                </a:effectLst>
+              </a:rPr>
+              <a:t>의 정의</a:t>
+            </a:r>
+            <a:endParaRPr lang="en-US" altLang="ko-KR" sz="2400" b="1">
+              <a:effectLst>
+                <a:outerShdw blurRad="38100" dist="38100" dir="2700000" algn="tl">
+                  <a:srgbClr val="000000">
+                    <a:alpha val="43137"/>
+                  </a:srgbClr>
+                </a:outerShdw>
+              </a:effectLst>
+            </a:endParaRPr>
+          </a:p>
+        </p:txBody>
+      </p:sp>
+      <p:sp>
+        <p:nvSpPr>
+          <p:cNvPr id="12" name="TextBox 11">
+            <a:extLst>
+              <a:ext uri="{FF2B5EF4-FFF2-40B4-BE49-F238E27FC236}">
+                <a16:creationId xmlns:a16="http://schemas.microsoft.com/office/drawing/2014/main" id="{58B23639-8E26-4765-9ED6-11518F66D22D}"/>
+              </a:ext>
+            </a:extLst>
+          </p:cNvPr>
+          <p:cNvSpPr txBox="1"/>
+          <p:nvPr/>
+        </p:nvSpPr>
+        <p:spPr>
+          <a:xfrm>
+            <a:off x="730922" y="3807384"/>
+            <a:ext cx="7497483" cy="369332"/>
+          </a:xfrm>
+          <a:prstGeom prst="rect">
+            <a:avLst/>
+          </a:prstGeom>
+          <a:noFill/>
+        </p:spPr>
+        <p:txBody>
+          <a:bodyPr wrap="square" rtlCol="0">
+            <a:spAutoFit/>
+          </a:bodyPr>
+          <a:lstStyle/>
+          <a:p>
+            <a:r>
+              <a:rPr lang="ko-KR" altLang="en-US">
+                <a:solidFill>
+                  <a:srgbClr val="0000FF"/>
+                </a:solidFill>
+                <a:effectLst>
+                  <a:outerShdw blurRad="38100" dist="38100" dir="2700000" algn="tl">
+                    <a:srgbClr val="000000">
+                      <a:alpha val="43137"/>
+                    </a:srgbClr>
+                  </a:outerShdw>
+                </a:effectLst>
+              </a:rPr>
+              <a:t>조건에서 탈출하지 못하면 무한루프에 걸려서 프로그램이 끝나지 않음</a:t>
+            </a:r>
+            <a:endParaRPr lang="en-US" altLang="ko-KR">
+              <a:solidFill>
+                <a:srgbClr val="0000FF"/>
+              </a:solidFill>
+              <a:effectLst>
+                <a:outerShdw blurRad="38100" dist="38100" dir="2700000" algn="tl">
+                  <a:srgbClr val="000000">
+                    <a:alpha val="43137"/>
+                  </a:srgbClr>
+                </a:outerShdw>
+              </a:effectLst>
+            </a:endParaRPr>
+          </a:p>
+        </p:txBody>
+      </p:sp>
+      <p:sp>
+        <p:nvSpPr>
+          <p:cNvPr id="10" name="TextBox 9">
+            <a:extLst>
+              <a:ext uri="{FF2B5EF4-FFF2-40B4-BE49-F238E27FC236}">
+                <a16:creationId xmlns:a16="http://schemas.microsoft.com/office/drawing/2014/main" id="{A29EA04F-7B1B-49BC-ACB8-3B4FF42C8C33}"/>
+              </a:ext>
+            </a:extLst>
+          </p:cNvPr>
+          <p:cNvSpPr txBox="1"/>
+          <p:nvPr/>
+        </p:nvSpPr>
+        <p:spPr>
+          <a:xfrm>
+            <a:off x="730922" y="1941546"/>
+            <a:ext cx="9300584" cy="461665"/>
+          </a:xfrm>
+          <a:prstGeom prst="rect">
+            <a:avLst/>
+          </a:prstGeom>
+          <a:noFill/>
+        </p:spPr>
+        <p:txBody>
+          <a:bodyPr wrap="square" rtlCol="0">
+            <a:spAutoFit/>
+          </a:bodyPr>
+          <a:lstStyle/>
+          <a:p>
+            <a:r>
+              <a:rPr lang="en-US" altLang="ko-KR" sz="2400">
+                <a:effectLst>
+                  <a:outerShdw blurRad="38100" dist="38100" dir="2700000" algn="tl">
+                    <a:srgbClr val="000000">
+                      <a:alpha val="43137"/>
+                    </a:srgbClr>
+                  </a:outerShdw>
+                </a:effectLst>
+              </a:rPr>
+              <a:t>char </a:t>
+            </a:r>
+            <a:r>
+              <a:rPr lang="ko-KR" altLang="en-US" sz="2400">
+                <a:effectLst>
+                  <a:outerShdw blurRad="38100" dist="38100" dir="2700000" algn="tl">
+                    <a:srgbClr val="000000">
+                      <a:alpha val="43137"/>
+                    </a:srgbClr>
+                  </a:outerShdw>
+                </a:effectLst>
+              </a:rPr>
+              <a:t>자료형의 배열로 이루어진 긴 문자열을 의미함</a:t>
+            </a:r>
+            <a:endParaRPr lang="en-US" altLang="ko-KR" sz="2400">
+              <a:effectLst>
+                <a:outerShdw blurRad="38100" dist="38100" dir="2700000" algn="tl">
+                  <a:srgbClr val="000000">
+                    <a:alpha val="43137"/>
+                  </a:srgbClr>
+                </a:outerShdw>
+              </a:effectLst>
+            </a:endParaRPr>
+          </a:p>
+        </p:txBody>
+      </p:sp>
+    </p:spTree>
+    <p:extLst>
+      <p:ext uri="{BB962C8B-B14F-4D97-AF65-F5344CB8AC3E}">
+        <p14:creationId xmlns:p14="http://schemas.microsoft.com/office/powerpoint/2010/main" val="609858640"/>
       </p:ext>
     </p:extLst>
   </p:cSld>

--- a/EC)Basic 3주차.pptx
+++ b/EC)Basic 3주차.pptx
@@ -273,7 +273,7 @@
           <a:p>
             <a:fld id="{99D9758D-D09E-4F4D-9D6D-5374D685559F}" type="datetimeFigureOut">
               <a:rPr lang="ko-KR" altLang="en-US" smtClean="0"/>
-              <a:t>2021-03-12</a:t>
+              <a:t>2021-03-24</a:t>
             </a:fld>
             <a:endParaRPr lang="ko-KR" altLang="en-US"/>
           </a:p>
@@ -471,7 +471,7 @@
           <a:p>
             <a:fld id="{99D9758D-D09E-4F4D-9D6D-5374D685559F}" type="datetimeFigureOut">
               <a:rPr lang="ko-KR" altLang="en-US" smtClean="0"/>
-              <a:t>2021-03-12</a:t>
+              <a:t>2021-03-24</a:t>
             </a:fld>
             <a:endParaRPr lang="ko-KR" altLang="en-US"/>
           </a:p>
@@ -679,7 +679,7 @@
           <a:p>
             <a:fld id="{99D9758D-D09E-4F4D-9D6D-5374D685559F}" type="datetimeFigureOut">
               <a:rPr lang="ko-KR" altLang="en-US" smtClean="0"/>
-              <a:t>2021-03-12</a:t>
+              <a:t>2021-03-24</a:t>
             </a:fld>
             <a:endParaRPr lang="ko-KR" altLang="en-US"/>
           </a:p>
@@ -877,7 +877,7 @@
           <a:p>
             <a:fld id="{99D9758D-D09E-4F4D-9D6D-5374D685559F}" type="datetimeFigureOut">
               <a:rPr lang="ko-KR" altLang="en-US" smtClean="0"/>
-              <a:t>2021-03-12</a:t>
+              <a:t>2021-03-24</a:t>
             </a:fld>
             <a:endParaRPr lang="ko-KR" altLang="en-US"/>
           </a:p>
@@ -1152,7 +1152,7 @@
           <a:p>
             <a:fld id="{99D9758D-D09E-4F4D-9D6D-5374D685559F}" type="datetimeFigureOut">
               <a:rPr lang="ko-KR" altLang="en-US" smtClean="0"/>
-              <a:t>2021-03-12</a:t>
+              <a:t>2021-03-24</a:t>
             </a:fld>
             <a:endParaRPr lang="ko-KR" altLang="en-US"/>
           </a:p>
@@ -1417,7 +1417,7 @@
           <a:p>
             <a:fld id="{99D9758D-D09E-4F4D-9D6D-5374D685559F}" type="datetimeFigureOut">
               <a:rPr lang="ko-KR" altLang="en-US" smtClean="0"/>
-              <a:t>2021-03-12</a:t>
+              <a:t>2021-03-24</a:t>
             </a:fld>
             <a:endParaRPr lang="ko-KR" altLang="en-US"/>
           </a:p>
@@ -1829,7 +1829,7 @@
           <a:p>
             <a:fld id="{99D9758D-D09E-4F4D-9D6D-5374D685559F}" type="datetimeFigureOut">
               <a:rPr lang="ko-KR" altLang="en-US" smtClean="0"/>
-              <a:t>2021-03-12</a:t>
+              <a:t>2021-03-24</a:t>
             </a:fld>
             <a:endParaRPr lang="ko-KR" altLang="en-US"/>
           </a:p>
@@ -1970,7 +1970,7 @@
           <a:p>
             <a:fld id="{99D9758D-D09E-4F4D-9D6D-5374D685559F}" type="datetimeFigureOut">
               <a:rPr lang="ko-KR" altLang="en-US" smtClean="0"/>
-              <a:t>2021-03-12</a:t>
+              <a:t>2021-03-24</a:t>
             </a:fld>
             <a:endParaRPr lang="ko-KR" altLang="en-US"/>
           </a:p>
@@ -2083,7 +2083,7 @@
           <a:p>
             <a:fld id="{99D9758D-D09E-4F4D-9D6D-5374D685559F}" type="datetimeFigureOut">
               <a:rPr lang="ko-KR" altLang="en-US" smtClean="0"/>
-              <a:t>2021-03-12</a:t>
+              <a:t>2021-03-24</a:t>
             </a:fld>
             <a:endParaRPr lang="ko-KR" altLang="en-US"/>
           </a:p>
@@ -2394,7 +2394,7 @@
           <a:p>
             <a:fld id="{99D9758D-D09E-4F4D-9D6D-5374D685559F}" type="datetimeFigureOut">
               <a:rPr lang="ko-KR" altLang="en-US" smtClean="0"/>
-              <a:t>2021-03-12</a:t>
+              <a:t>2021-03-24</a:t>
             </a:fld>
             <a:endParaRPr lang="ko-KR" altLang="en-US"/>
           </a:p>
@@ -2682,7 +2682,7 @@
           <a:p>
             <a:fld id="{99D9758D-D09E-4F4D-9D6D-5374D685559F}" type="datetimeFigureOut">
               <a:rPr lang="ko-KR" altLang="en-US" smtClean="0"/>
-              <a:t>2021-03-12</a:t>
+              <a:t>2021-03-24</a:t>
             </a:fld>
             <a:endParaRPr lang="ko-KR" altLang="en-US"/>
           </a:p>
@@ -2926,7 +2926,7 @@
           <a:p>
             <a:fld id="{99D9758D-D09E-4F4D-9D6D-5374D685559F}" type="datetimeFigureOut">
               <a:rPr lang="ko-KR" altLang="en-US" smtClean="0"/>
-              <a:t>2021-03-12</a:t>
+              <a:t>2021-03-24</a:t>
             </a:fld>
             <a:endParaRPr lang="ko-KR" altLang="en-US"/>
           </a:p>
@@ -7795,6 +7795,21 @@
           <a:lstStyle/>
           <a:p>
             <a:r>
+              <a:rPr lang="en-US" altLang="ko-KR">
+                <a:solidFill>
+                  <a:srgbClr val="0000FF"/>
+                </a:solidFill>
+                <a:effectLst>
+                  <a:outerShdw blurRad="38100" dist="38100" dir="2700000" algn="tl">
+                    <a:srgbClr val="000000">
+                      <a:alpha val="43137"/>
+                    </a:srgbClr>
+                  </a:outerShdw>
+                </a:effectLst>
+              </a:rPr>
+              <a:t>10</a:t>
+            </a:r>
+            <a:r>
               <a:rPr lang="ko-KR" altLang="en-US">
                 <a:solidFill>
                   <a:srgbClr val="0000FF"/>
@@ -7807,7 +7822,37 @@
                   </a:outerShdw>
                 </a:effectLst>
               </a:rPr>
-              <a:t>조건에서 탈출하지 못하면 무한루프에 걸려서 프로그램이 끝나지 않음</a:t>
+              <a:t>개의 </a:t>
+            </a:r>
+            <a:r>
+              <a:rPr lang="en-US" altLang="ko-KR">
+                <a:solidFill>
+                  <a:srgbClr val="0000FF"/>
+                </a:solidFill>
+                <a:effectLst>
+                  <a:outerShdw blurRad="38100" dist="38100" dir="2700000" algn="tl">
+                    <a:srgbClr val="000000">
+                      <a:alpha val="43137"/>
+                    </a:srgbClr>
+                  </a:outerShdw>
+                </a:effectLst>
+              </a:rPr>
+              <a:t>int </a:t>
+            </a:r>
+            <a:r>
+              <a:rPr lang="ko-KR" altLang="en-US">
+                <a:solidFill>
+                  <a:srgbClr val="0000FF"/>
+                </a:solidFill>
+                <a:effectLst>
+                  <a:outerShdw blurRad="38100" dist="38100" dir="2700000" algn="tl">
+                    <a:srgbClr val="000000">
+                      <a:alpha val="43137"/>
+                    </a:srgbClr>
+                  </a:outerShdw>
+                </a:effectLst>
+              </a:rPr>
+              <a:t>자료형을 저장할 수 있는 배열이 생성</a:t>
             </a:r>
             <a:endParaRPr lang="en-US" altLang="ko-KR">
               <a:solidFill>

--- a/EC)Basic 3주차.pptx
+++ b/EC)Basic 3주차.pptx
@@ -273,7 +273,7 @@
           <a:p>
             <a:fld id="{99D9758D-D09E-4F4D-9D6D-5374D685559F}" type="datetimeFigureOut">
               <a:rPr lang="ko-KR" altLang="en-US" smtClean="0"/>
-              <a:t>2021-03-24</a:t>
+              <a:t>2021-03-29</a:t>
             </a:fld>
             <a:endParaRPr lang="ko-KR" altLang="en-US"/>
           </a:p>
@@ -471,7 +471,7 @@
           <a:p>
             <a:fld id="{99D9758D-D09E-4F4D-9D6D-5374D685559F}" type="datetimeFigureOut">
               <a:rPr lang="ko-KR" altLang="en-US" smtClean="0"/>
-              <a:t>2021-03-24</a:t>
+              <a:t>2021-03-29</a:t>
             </a:fld>
             <a:endParaRPr lang="ko-KR" altLang="en-US"/>
           </a:p>
@@ -679,7 +679,7 @@
           <a:p>
             <a:fld id="{99D9758D-D09E-4F4D-9D6D-5374D685559F}" type="datetimeFigureOut">
               <a:rPr lang="ko-KR" altLang="en-US" smtClean="0"/>
-              <a:t>2021-03-24</a:t>
+              <a:t>2021-03-29</a:t>
             </a:fld>
             <a:endParaRPr lang="ko-KR" altLang="en-US"/>
           </a:p>
@@ -877,7 +877,7 @@
           <a:p>
             <a:fld id="{99D9758D-D09E-4F4D-9D6D-5374D685559F}" type="datetimeFigureOut">
               <a:rPr lang="ko-KR" altLang="en-US" smtClean="0"/>
-              <a:t>2021-03-24</a:t>
+              <a:t>2021-03-29</a:t>
             </a:fld>
             <a:endParaRPr lang="ko-KR" altLang="en-US"/>
           </a:p>
@@ -1152,7 +1152,7 @@
           <a:p>
             <a:fld id="{99D9758D-D09E-4F4D-9D6D-5374D685559F}" type="datetimeFigureOut">
               <a:rPr lang="ko-KR" altLang="en-US" smtClean="0"/>
-              <a:t>2021-03-24</a:t>
+              <a:t>2021-03-29</a:t>
             </a:fld>
             <a:endParaRPr lang="ko-KR" altLang="en-US"/>
           </a:p>
@@ -1417,7 +1417,7 @@
           <a:p>
             <a:fld id="{99D9758D-D09E-4F4D-9D6D-5374D685559F}" type="datetimeFigureOut">
               <a:rPr lang="ko-KR" altLang="en-US" smtClean="0"/>
-              <a:t>2021-03-24</a:t>
+              <a:t>2021-03-29</a:t>
             </a:fld>
             <a:endParaRPr lang="ko-KR" altLang="en-US"/>
           </a:p>
@@ -1829,7 +1829,7 @@
           <a:p>
             <a:fld id="{99D9758D-D09E-4F4D-9D6D-5374D685559F}" type="datetimeFigureOut">
               <a:rPr lang="ko-KR" altLang="en-US" smtClean="0"/>
-              <a:t>2021-03-24</a:t>
+              <a:t>2021-03-29</a:t>
             </a:fld>
             <a:endParaRPr lang="ko-KR" altLang="en-US"/>
           </a:p>
@@ -1970,7 +1970,7 @@
           <a:p>
             <a:fld id="{99D9758D-D09E-4F4D-9D6D-5374D685559F}" type="datetimeFigureOut">
               <a:rPr lang="ko-KR" altLang="en-US" smtClean="0"/>
-              <a:t>2021-03-24</a:t>
+              <a:t>2021-03-29</a:t>
             </a:fld>
             <a:endParaRPr lang="ko-KR" altLang="en-US"/>
           </a:p>
@@ -2083,7 +2083,7 @@
           <a:p>
             <a:fld id="{99D9758D-D09E-4F4D-9D6D-5374D685559F}" type="datetimeFigureOut">
               <a:rPr lang="ko-KR" altLang="en-US" smtClean="0"/>
-              <a:t>2021-03-24</a:t>
+              <a:t>2021-03-29</a:t>
             </a:fld>
             <a:endParaRPr lang="ko-KR" altLang="en-US"/>
           </a:p>
@@ -2394,7 +2394,7 @@
           <a:p>
             <a:fld id="{99D9758D-D09E-4F4D-9D6D-5374D685559F}" type="datetimeFigureOut">
               <a:rPr lang="ko-KR" altLang="en-US" smtClean="0"/>
-              <a:t>2021-03-24</a:t>
+              <a:t>2021-03-29</a:t>
             </a:fld>
             <a:endParaRPr lang="ko-KR" altLang="en-US"/>
           </a:p>
@@ -2682,7 +2682,7 @@
           <a:p>
             <a:fld id="{99D9758D-D09E-4F4D-9D6D-5374D685559F}" type="datetimeFigureOut">
               <a:rPr lang="ko-KR" altLang="en-US" smtClean="0"/>
-              <a:t>2021-03-24</a:t>
+              <a:t>2021-03-29</a:t>
             </a:fld>
             <a:endParaRPr lang="ko-KR" altLang="en-US"/>
           </a:p>
@@ -2926,7 +2926,7 @@
           <a:p>
             <a:fld id="{99D9758D-D09E-4F4D-9D6D-5374D685559F}" type="datetimeFigureOut">
               <a:rPr lang="ko-KR" altLang="en-US" smtClean="0"/>
-              <a:t>2021-03-24</a:t>
+              <a:t>2021-03-29</a:t>
             </a:fld>
             <a:endParaRPr lang="ko-KR" altLang="en-US"/>
           </a:p>
@@ -12320,6 +12320,11 @@
             <a:avLst/>
           </a:prstGeom>
           <a:noFill/>
+          <a:ln>
+            <a:solidFill>
+              <a:schemeClr val="tx1"/>
+            </a:solidFill>
+          </a:ln>
         </p:spPr>
         <p:txBody>
           <a:bodyPr wrap="square" rtlCol="0">
@@ -13040,6 +13045,11 @@
             <a:avLst/>
           </a:prstGeom>
           <a:noFill/>
+          <a:ln>
+            <a:solidFill>
+              <a:schemeClr val="tx1"/>
+            </a:solidFill>
+          </a:ln>
         </p:spPr>
         <p:txBody>
           <a:bodyPr wrap="square" rtlCol="0">

--- a/EC)Basic 3주차.pptx
+++ b/EC)Basic 3주차.pptx
@@ -13,13 +13,14 @@
     <p:sldId id="274" r:id="rId7"/>
     <p:sldId id="273" r:id="rId8"/>
     <p:sldId id="277" r:id="rId9"/>
-    <p:sldId id="275" r:id="rId10"/>
-    <p:sldId id="280" r:id="rId11"/>
-    <p:sldId id="276" r:id="rId12"/>
-    <p:sldId id="281" r:id="rId13"/>
-    <p:sldId id="278" r:id="rId14"/>
-    <p:sldId id="282" r:id="rId15"/>
-    <p:sldId id="270" r:id="rId16"/>
+    <p:sldId id="283" r:id="rId10"/>
+    <p:sldId id="275" r:id="rId11"/>
+    <p:sldId id="280" r:id="rId12"/>
+    <p:sldId id="276" r:id="rId13"/>
+    <p:sldId id="281" r:id="rId14"/>
+    <p:sldId id="278" r:id="rId15"/>
+    <p:sldId id="282" r:id="rId16"/>
+    <p:sldId id="270" r:id="rId17"/>
   </p:sldIdLst>
   <p:sldSz cx="12192000" cy="6858000"/>
   <p:notesSz cx="6858000" cy="9144000"/>
@@ -273,7 +274,7 @@
           <a:p>
             <a:fld id="{99D9758D-D09E-4F4D-9D6D-5374D685559F}" type="datetimeFigureOut">
               <a:rPr lang="ko-KR" altLang="en-US" smtClean="0"/>
-              <a:t>2021-03-29</a:t>
+              <a:t>2021-04-08</a:t>
             </a:fld>
             <a:endParaRPr lang="ko-KR" altLang="en-US"/>
           </a:p>
@@ -471,7 +472,7 @@
           <a:p>
             <a:fld id="{99D9758D-D09E-4F4D-9D6D-5374D685559F}" type="datetimeFigureOut">
               <a:rPr lang="ko-KR" altLang="en-US" smtClean="0"/>
-              <a:t>2021-03-29</a:t>
+              <a:t>2021-04-08</a:t>
             </a:fld>
             <a:endParaRPr lang="ko-KR" altLang="en-US"/>
           </a:p>
@@ -679,7 +680,7 @@
           <a:p>
             <a:fld id="{99D9758D-D09E-4F4D-9D6D-5374D685559F}" type="datetimeFigureOut">
               <a:rPr lang="ko-KR" altLang="en-US" smtClean="0"/>
-              <a:t>2021-03-29</a:t>
+              <a:t>2021-04-08</a:t>
             </a:fld>
             <a:endParaRPr lang="ko-KR" altLang="en-US"/>
           </a:p>
@@ -877,7 +878,7 @@
           <a:p>
             <a:fld id="{99D9758D-D09E-4F4D-9D6D-5374D685559F}" type="datetimeFigureOut">
               <a:rPr lang="ko-KR" altLang="en-US" smtClean="0"/>
-              <a:t>2021-03-29</a:t>
+              <a:t>2021-04-08</a:t>
             </a:fld>
             <a:endParaRPr lang="ko-KR" altLang="en-US"/>
           </a:p>
@@ -1152,7 +1153,7 @@
           <a:p>
             <a:fld id="{99D9758D-D09E-4F4D-9D6D-5374D685559F}" type="datetimeFigureOut">
               <a:rPr lang="ko-KR" altLang="en-US" smtClean="0"/>
-              <a:t>2021-03-29</a:t>
+              <a:t>2021-04-08</a:t>
             </a:fld>
             <a:endParaRPr lang="ko-KR" altLang="en-US"/>
           </a:p>
@@ -1417,7 +1418,7 @@
           <a:p>
             <a:fld id="{99D9758D-D09E-4F4D-9D6D-5374D685559F}" type="datetimeFigureOut">
               <a:rPr lang="ko-KR" altLang="en-US" smtClean="0"/>
-              <a:t>2021-03-29</a:t>
+              <a:t>2021-04-08</a:t>
             </a:fld>
             <a:endParaRPr lang="ko-KR" altLang="en-US"/>
           </a:p>
@@ -1829,7 +1830,7 @@
           <a:p>
             <a:fld id="{99D9758D-D09E-4F4D-9D6D-5374D685559F}" type="datetimeFigureOut">
               <a:rPr lang="ko-KR" altLang="en-US" smtClean="0"/>
-              <a:t>2021-03-29</a:t>
+              <a:t>2021-04-08</a:t>
             </a:fld>
             <a:endParaRPr lang="ko-KR" altLang="en-US"/>
           </a:p>
@@ -1970,7 +1971,7 @@
           <a:p>
             <a:fld id="{99D9758D-D09E-4F4D-9D6D-5374D685559F}" type="datetimeFigureOut">
               <a:rPr lang="ko-KR" altLang="en-US" smtClean="0"/>
-              <a:t>2021-03-29</a:t>
+              <a:t>2021-04-08</a:t>
             </a:fld>
             <a:endParaRPr lang="ko-KR" altLang="en-US"/>
           </a:p>
@@ -2083,7 +2084,7 @@
           <a:p>
             <a:fld id="{99D9758D-D09E-4F4D-9D6D-5374D685559F}" type="datetimeFigureOut">
               <a:rPr lang="ko-KR" altLang="en-US" smtClean="0"/>
-              <a:t>2021-03-29</a:t>
+              <a:t>2021-04-08</a:t>
             </a:fld>
             <a:endParaRPr lang="ko-KR" altLang="en-US"/>
           </a:p>
@@ -2394,7 +2395,7 @@
           <a:p>
             <a:fld id="{99D9758D-D09E-4F4D-9D6D-5374D685559F}" type="datetimeFigureOut">
               <a:rPr lang="ko-KR" altLang="en-US" smtClean="0"/>
-              <a:t>2021-03-29</a:t>
+              <a:t>2021-04-08</a:t>
             </a:fld>
             <a:endParaRPr lang="ko-KR" altLang="en-US"/>
           </a:p>
@@ -2682,7 +2683,7 @@
           <a:p>
             <a:fld id="{99D9758D-D09E-4F4D-9D6D-5374D685559F}" type="datetimeFigureOut">
               <a:rPr lang="ko-KR" altLang="en-US" smtClean="0"/>
-              <a:t>2021-03-29</a:t>
+              <a:t>2021-04-08</a:t>
             </a:fld>
             <a:endParaRPr lang="ko-KR" altLang="en-US"/>
           </a:p>
@@ -2926,7 +2927,7 @@
           <a:p>
             <a:fld id="{99D9758D-D09E-4F4D-9D6D-5374D685559F}" type="datetimeFigureOut">
               <a:rPr lang="ko-KR" altLang="en-US" smtClean="0"/>
-              <a:t>2021-03-29</a:t>
+              <a:t>2021-04-08</a:t>
             </a:fld>
             <a:endParaRPr lang="ko-KR" altLang="en-US"/>
           </a:p>
@@ -3800,17 +3801,12 @@
         <p:spPr>
           <a:xfrm>
             <a:off x="730922" y="2402136"/>
-            <a:ext cx="8554720" cy="2308324"/>
+            <a:ext cx="8554720" cy="1200329"/>
           </a:xfrm>
           <a:prstGeom prst="rect">
             <a:avLst/>
           </a:prstGeom>
           <a:noFill/>
-          <a:ln>
-            <a:solidFill>
-              <a:schemeClr val="tx1"/>
-            </a:solidFill>
-          </a:ln>
         </p:spPr>
         <p:txBody>
           <a:bodyPr wrap="square" rtlCol="0">
@@ -3828,10 +3824,44 @@
                   </a:outerShdw>
                 </a:effectLst>
               </a:rPr>
-              <a:t>#include &lt;stdio.h&gt;</a:t>
-            </a:r>
-          </a:p>
-          <a:p>
+              <a:t>String</a:t>
+            </a:r>
+            <a:r>
+              <a:rPr lang="ko-KR" altLang="en-US" sz="2400">
+                <a:effectLst>
+                  <a:outerShdw blurRad="38100" dist="38100" dir="2700000" algn="tl">
+                    <a:srgbClr val="000000">
+                      <a:alpha val="43137"/>
+                    </a:srgbClr>
+                  </a:outerShdw>
+                </a:effectLst>
+              </a:rPr>
+              <a:t>은 따로 자료형이 없고 </a:t>
+            </a:r>
+            <a:r>
+              <a:rPr lang="en-US" altLang="ko-KR" sz="2400">
+                <a:effectLst>
+                  <a:outerShdw blurRad="38100" dist="38100" dir="2700000" algn="tl">
+                    <a:srgbClr val="000000">
+                      <a:alpha val="43137"/>
+                    </a:srgbClr>
+                  </a:outerShdw>
+                </a:effectLst>
+              </a:rPr>
+              <a:t>char</a:t>
+            </a:r>
+            <a:r>
+              <a:rPr lang="ko-KR" altLang="en-US" sz="2400">
+                <a:effectLst>
+                  <a:outerShdw blurRad="38100" dist="38100" dir="2700000" algn="tl">
+                    <a:srgbClr val="000000">
+                      <a:alpha val="43137"/>
+                    </a:srgbClr>
+                  </a:outerShdw>
+                </a:effectLst>
+              </a:rPr>
+              <a:t>의 배열로 선언</a:t>
+            </a:r>
             <a:endParaRPr lang="en-US" altLang="ko-KR" sz="2400">
               <a:effectLst>
                 <a:outerShdw blurRad="38100" dist="38100" dir="2700000" algn="tl">
@@ -3843,6 +3873,17 @@
             </a:endParaRPr>
           </a:p>
           <a:p>
+            <a:endParaRPr lang="en-US" altLang="ko-KR" sz="2400">
+              <a:effectLst>
+                <a:outerShdw blurRad="38100" dist="38100" dir="2700000" algn="tl">
+                  <a:srgbClr val="000000">
+                    <a:alpha val="43137"/>
+                  </a:srgbClr>
+                </a:outerShdw>
+              </a:effectLst>
+            </a:endParaRPr>
+          </a:p>
+          <a:p>
             <a:r>
               <a:rPr lang="en-US" altLang="ko-KR" sz="2400">
                 <a:effectLst>
@@ -3853,10 +3894,20 @@
                   </a:outerShdw>
                 </a:effectLst>
               </a:rPr>
-              <a:t>int main() {</a:t>
-            </a:r>
-          </a:p>
-          <a:p>
+              <a:t>char string</a:t>
+            </a:r>
+            <a:r>
+              <a:rPr lang="ko-KR" altLang="en-US" sz="2400">
+                <a:effectLst>
+                  <a:outerShdw blurRad="38100" dist="38100" dir="2700000" algn="tl">
+                    <a:srgbClr val="000000">
+                      <a:alpha val="43137"/>
+                    </a:srgbClr>
+                  </a:outerShdw>
+                </a:effectLst>
+              </a:rPr>
+              <a:t>이름</a:t>
+            </a:r>
             <a:r>
               <a:rPr lang="en-US" altLang="ko-KR" sz="2400">
                 <a:effectLst>
@@ -3867,10 +3918,20 @@
                   </a:outerShdw>
                 </a:effectLst>
               </a:rPr>
-              <a:t>	char stringHello[100] = “Hello World!”; </a:t>
-            </a:r>
-          </a:p>
-          <a:p>
+              <a:t>[string</a:t>
+            </a:r>
+            <a:r>
+              <a:rPr lang="ko-KR" altLang="en-US" sz="2400">
+                <a:effectLst>
+                  <a:outerShdw blurRad="38100" dist="38100" dir="2700000" algn="tl">
+                    <a:srgbClr val="000000">
+                      <a:alpha val="43137"/>
+                    </a:srgbClr>
+                  </a:outerShdw>
+                </a:effectLst>
+              </a:rPr>
+              <a:t>크기</a:t>
+            </a:r>
             <a:r>
               <a:rPr lang="en-US" altLang="ko-KR" sz="2400">
                 <a:effectLst>
@@ -3881,21 +3942,7 @@
                   </a:outerShdw>
                 </a:effectLst>
               </a:rPr>
-              <a:t>	printf(“%s”, stringHello);</a:t>
-            </a:r>
-          </a:p>
-          <a:p>
-            <a:r>
-              <a:rPr lang="en-US" altLang="ko-KR" sz="2400">
-                <a:effectLst>
-                  <a:outerShdw blurRad="38100" dist="38100" dir="2700000" algn="tl">
-                    <a:srgbClr val="000000">
-                      <a:alpha val="43137"/>
-                    </a:srgbClr>
-                  </a:outerShdw>
-                </a:effectLst>
-              </a:rPr>
-              <a:t>}</a:t>
+              <a:t>];</a:t>
             </a:r>
           </a:p>
         </p:txBody>
@@ -3954,7 +4001,7 @@
                   </a:outerShdw>
                 </a:effectLst>
               </a:rPr>
-              <a:t>의 선언 및 입출력</a:t>
+              <a:t>의 정의</a:t>
             </a:r>
             <a:endParaRPr lang="en-US" altLang="ko-KR" sz="2400" b="1">
               <a:effectLst>
@@ -4006,7 +4053,7 @@
                   </a:outerShdw>
                 </a:effectLst>
               </a:rPr>
-              <a:t>“Hello</a:t>
+              <a:t>char </a:t>
             </a:r>
             <a:r>
               <a:rPr lang="ko-KR" altLang="en-US" sz="2400">
@@ -4018,55 +4065,7 @@
                   </a:outerShdw>
                 </a:effectLst>
               </a:rPr>
-              <a:t> </a:t>
-            </a:r>
-            <a:r>
-              <a:rPr lang="en-US" altLang="ko-KR" sz="2400">
-                <a:effectLst>
-                  <a:outerShdw blurRad="38100" dist="38100" dir="2700000" algn="tl">
-                    <a:srgbClr val="000000">
-                      <a:alpha val="43137"/>
-                    </a:srgbClr>
-                  </a:outerShdw>
-                </a:effectLst>
-              </a:rPr>
-              <a:t>World!”</a:t>
-            </a:r>
-            <a:r>
-              <a:rPr lang="ko-KR" altLang="en-US" sz="2400">
-                <a:effectLst>
-                  <a:outerShdw blurRad="38100" dist="38100" dir="2700000" algn="tl">
-                    <a:srgbClr val="000000">
-                      <a:alpha val="43137"/>
-                    </a:srgbClr>
-                  </a:outerShdw>
-                </a:effectLst>
-              </a:rPr>
-              <a:t>를 </a:t>
-            </a:r>
-            <a:r>
-              <a:rPr lang="en-US" altLang="ko-KR" sz="2400">
-                <a:effectLst>
-                  <a:outerShdw blurRad="38100" dist="38100" dir="2700000" algn="tl">
-                    <a:srgbClr val="000000">
-                      <a:alpha val="43137"/>
-                    </a:srgbClr>
-                  </a:outerShdw>
-                </a:effectLst>
-              </a:rPr>
-              <a:t>string</a:t>
-            </a:r>
-            <a:r>
-              <a:rPr lang="ko-KR" altLang="en-US" sz="2400">
-                <a:effectLst>
-                  <a:outerShdw blurRad="38100" dist="38100" dir="2700000" algn="tl">
-                    <a:srgbClr val="000000">
-                      <a:alpha val="43137"/>
-                    </a:srgbClr>
-                  </a:outerShdw>
-                </a:effectLst>
-              </a:rPr>
-              <a:t>에 넣고 출력하기</a:t>
+              <a:t>자료형의 배열로 이루어진 긴 문자열을 의미함</a:t>
             </a:r>
             <a:endParaRPr lang="en-US" altLang="ko-KR" sz="2400">
               <a:effectLst>
@@ -4083,7 +4082,7 @@
     </p:spTree>
     <p:extLst>
       <p:ext uri="{BB962C8B-B14F-4D97-AF65-F5344CB8AC3E}">
-        <p14:creationId xmlns:p14="http://schemas.microsoft.com/office/powerpoint/2010/main" val="3996033159"/>
+        <p14:creationId xmlns:p14="http://schemas.microsoft.com/office/powerpoint/2010/main" val="609858640"/>
       </p:ext>
     </p:extLst>
   </p:cSld>
@@ -4312,7 +4311,7 @@
         <p:spPr>
           <a:xfrm>
             <a:off x="730922" y="2402136"/>
-            <a:ext cx="8554720" cy="2677656"/>
+            <a:ext cx="8554720" cy="2308324"/>
           </a:xfrm>
           <a:prstGeom prst="rect">
             <a:avLst/>
@@ -4379,7 +4378,7 @@
                   </a:outerShdw>
                 </a:effectLst>
               </a:rPr>
-              <a:t>	char name[100];</a:t>
+              <a:t>	char stringHello[100] = “Hello World!”; </a:t>
             </a:r>
           </a:p>
           <a:p>
@@ -4393,21 +4392,7 @@
                   </a:outerShdw>
                 </a:effectLst>
               </a:rPr>
-              <a:t>	scanf(“%s”, name);</a:t>
-            </a:r>
-          </a:p>
-          <a:p>
-            <a:r>
-              <a:rPr lang="en-US" altLang="ko-KR" sz="2400">
-                <a:effectLst>
-                  <a:outerShdw blurRad="38100" dist="38100" dir="2700000" algn="tl">
-                    <a:srgbClr val="000000">
-                      <a:alpha val="43137"/>
-                    </a:srgbClr>
-                  </a:outerShdw>
-                </a:effectLst>
-              </a:rPr>
-              <a:t>	printf(“%s”, name);</a:t>
+              <a:t>	printf(“%s”, stringHello);</a:t>
             </a:r>
           </a:p>
           <a:p>
@@ -4496,10 +4481,10 @@
       </p:sp>
       <p:sp>
         <p:nvSpPr>
-          <p:cNvPr id="12" name="TextBox 11">
-            <a:extLst>
-              <a:ext uri="{FF2B5EF4-FFF2-40B4-BE49-F238E27FC236}">
-                <a16:creationId xmlns:a16="http://schemas.microsoft.com/office/drawing/2014/main" id="{58B23639-8E26-4765-9ED6-11518F66D22D}"/>
+          <p:cNvPr id="10" name="TextBox 9">
+            <a:extLst>
+              <a:ext uri="{FF2B5EF4-FFF2-40B4-BE49-F238E27FC236}">
+                <a16:creationId xmlns:a16="http://schemas.microsoft.com/office/drawing/2014/main" id="{A29EA04F-7B1B-49BC-ACB8-3B4FF42C8C33}"/>
               </a:ext>
             </a:extLst>
           </p:cNvPr>
@@ -4508,8 +4493,8 @@
         </p:nvSpPr>
         <p:spPr>
           <a:xfrm>
-            <a:off x="4478468" y="4018515"/>
-            <a:ext cx="2944310" cy="369332"/>
+            <a:off x="730922" y="1941546"/>
+            <a:ext cx="9300584" cy="461665"/>
           </a:xfrm>
           <a:prstGeom prst="rect">
             <a:avLst/>
@@ -4523,96 +4508,17 @@
           <a:lstStyle/>
           <a:p>
             <a:r>
-              <a:rPr lang="ko-KR" altLang="en-US">
-                <a:solidFill>
-                  <a:srgbClr val="0000FF"/>
-                </a:solidFill>
-                <a:effectLst>
-                  <a:outerShdw blurRad="38100" dist="38100" dir="2700000" algn="tl">
-                    <a:srgbClr val="000000">
-                      <a:alpha val="43137"/>
-                    </a:srgbClr>
-                  </a:outerShdw>
-                </a:effectLst>
-              </a:rPr>
-              <a:t>왜 얘한테는 </a:t>
-            </a:r>
-            <a:r>
-              <a:rPr lang="en-US" altLang="ko-KR">
-                <a:solidFill>
-                  <a:srgbClr val="0000FF"/>
-                </a:solidFill>
-                <a:effectLst>
-                  <a:outerShdw blurRad="38100" dist="38100" dir="2700000" algn="tl">
-                    <a:srgbClr val="000000">
-                      <a:alpha val="43137"/>
-                    </a:srgbClr>
-                  </a:outerShdw>
-                </a:effectLst>
-              </a:rPr>
-              <a:t>&amp; </a:t>
-            </a:r>
-            <a:r>
-              <a:rPr lang="ko-KR" altLang="en-US">
-                <a:solidFill>
-                  <a:srgbClr val="0000FF"/>
-                </a:solidFill>
-                <a:effectLst>
-                  <a:outerShdw blurRad="38100" dist="38100" dir="2700000" algn="tl">
-                    <a:srgbClr val="000000">
-                      <a:alpha val="43137"/>
-                    </a:srgbClr>
-                  </a:outerShdw>
-                </a:effectLst>
-              </a:rPr>
-              <a:t>안붙여요</a:t>
-            </a:r>
-            <a:r>
-              <a:rPr lang="en-US" altLang="ko-KR">
-                <a:solidFill>
-                  <a:srgbClr val="0000FF"/>
-                </a:solidFill>
-                <a:effectLst>
-                  <a:outerShdw blurRad="38100" dist="38100" dir="2700000" algn="tl">
-                    <a:srgbClr val="000000">
-                      <a:alpha val="43137"/>
-                    </a:srgbClr>
-                  </a:outerShdw>
-                </a:effectLst>
-              </a:rPr>
-              <a:t>?</a:t>
-            </a:r>
-          </a:p>
-        </p:txBody>
-      </p:sp>
-      <p:sp>
-        <p:nvSpPr>
-          <p:cNvPr id="10" name="TextBox 9">
-            <a:extLst>
-              <a:ext uri="{FF2B5EF4-FFF2-40B4-BE49-F238E27FC236}">
-                <a16:creationId xmlns:a16="http://schemas.microsoft.com/office/drawing/2014/main" id="{A29EA04F-7B1B-49BC-ACB8-3B4FF42C8C33}"/>
-              </a:ext>
-            </a:extLst>
-          </p:cNvPr>
-          <p:cNvSpPr txBox="1"/>
-          <p:nvPr/>
-        </p:nvSpPr>
-        <p:spPr>
-          <a:xfrm>
-            <a:off x="730922" y="1941546"/>
-            <a:ext cx="9300584" cy="461665"/>
-          </a:xfrm>
-          <a:prstGeom prst="rect">
-            <a:avLst/>
-          </a:prstGeom>
-          <a:noFill/>
-        </p:spPr>
-        <p:txBody>
-          <a:bodyPr wrap="square" rtlCol="0">
-            <a:spAutoFit/>
-          </a:bodyPr>
-          <a:lstStyle/>
-          <a:p>
+              <a:rPr lang="en-US" altLang="ko-KR" sz="2400">
+                <a:effectLst>
+                  <a:outerShdw blurRad="38100" dist="38100" dir="2700000" algn="tl">
+                    <a:srgbClr val="000000">
+                      <a:alpha val="43137"/>
+                    </a:srgbClr>
+                  </a:outerShdw>
+                </a:effectLst>
+              </a:rPr>
+              <a:t>“Hello</a:t>
+            </a:r>
             <a:r>
               <a:rPr lang="ko-KR" altLang="en-US" sz="2400">
                 <a:effectLst>
@@ -4623,7 +4529,55 @@
                   </a:outerShdw>
                 </a:effectLst>
               </a:rPr>
-              <a:t>이름을 입력받고 출력하는 프로그램</a:t>
+              <a:t> </a:t>
+            </a:r>
+            <a:r>
+              <a:rPr lang="en-US" altLang="ko-KR" sz="2400">
+                <a:effectLst>
+                  <a:outerShdw blurRad="38100" dist="38100" dir="2700000" algn="tl">
+                    <a:srgbClr val="000000">
+                      <a:alpha val="43137"/>
+                    </a:srgbClr>
+                  </a:outerShdw>
+                </a:effectLst>
+              </a:rPr>
+              <a:t>World!”</a:t>
+            </a:r>
+            <a:r>
+              <a:rPr lang="ko-KR" altLang="en-US" sz="2400">
+                <a:effectLst>
+                  <a:outerShdw blurRad="38100" dist="38100" dir="2700000" algn="tl">
+                    <a:srgbClr val="000000">
+                      <a:alpha val="43137"/>
+                    </a:srgbClr>
+                  </a:outerShdw>
+                </a:effectLst>
+              </a:rPr>
+              <a:t>를 </a:t>
+            </a:r>
+            <a:r>
+              <a:rPr lang="en-US" altLang="ko-KR" sz="2400">
+                <a:effectLst>
+                  <a:outerShdw blurRad="38100" dist="38100" dir="2700000" algn="tl">
+                    <a:srgbClr val="000000">
+                      <a:alpha val="43137"/>
+                    </a:srgbClr>
+                  </a:outerShdw>
+                </a:effectLst>
+              </a:rPr>
+              <a:t>string</a:t>
+            </a:r>
+            <a:r>
+              <a:rPr lang="ko-KR" altLang="en-US" sz="2400">
+                <a:effectLst>
+                  <a:outerShdw blurRad="38100" dist="38100" dir="2700000" algn="tl">
+                    <a:srgbClr val="000000">
+                      <a:alpha val="43137"/>
+                    </a:srgbClr>
+                  </a:outerShdw>
+                </a:effectLst>
+              </a:rPr>
+              <a:t>에 넣고 출력하기</a:t>
             </a:r>
             <a:endParaRPr lang="en-US" altLang="ko-KR" sz="2400">
               <a:effectLst>
@@ -4640,7 +4594,7 @@
     </p:spTree>
     <p:extLst>
       <p:ext uri="{BB962C8B-B14F-4D97-AF65-F5344CB8AC3E}">
-        <p14:creationId xmlns:p14="http://schemas.microsoft.com/office/powerpoint/2010/main" val="3025839933"/>
+        <p14:creationId xmlns:p14="http://schemas.microsoft.com/office/powerpoint/2010/main" val="3996033159"/>
       </p:ext>
     </p:extLst>
   </p:cSld>
@@ -4869,7 +4823,7 @@
         <p:spPr>
           <a:xfrm>
             <a:off x="730922" y="2402136"/>
-            <a:ext cx="8554720" cy="3046988"/>
+            <a:ext cx="8554720" cy="2677656"/>
           </a:xfrm>
           <a:prstGeom prst="rect">
             <a:avLst/>
@@ -4936,7 +4890,7 @@
                   </a:outerShdw>
                 </a:effectLst>
               </a:rPr>
-              <a:t>	char name1[100] = “KimSeonHwi”; </a:t>
+              <a:t>	char name[100];</a:t>
             </a:r>
           </a:p>
           <a:p>
@@ -4950,7 +4904,7 @@
                   </a:outerShdw>
                 </a:effectLst>
               </a:rPr>
-              <a:t>	char name2[100];</a:t>
+              <a:t>	scanf(“%s”, name);</a:t>
             </a:r>
           </a:p>
           <a:p>
@@ -4964,21 +4918,7 @@
                   </a:outerShdw>
                 </a:effectLst>
               </a:rPr>
-              <a:t>	name2 = name1;</a:t>
-            </a:r>
-          </a:p>
-          <a:p>
-            <a:r>
-              <a:rPr lang="en-US" altLang="ko-KR" sz="2400">
-                <a:effectLst>
-                  <a:outerShdw blurRad="38100" dist="38100" dir="2700000" algn="tl">
-                    <a:srgbClr val="000000">
-                      <a:alpha val="43137"/>
-                    </a:srgbClr>
-                  </a:outerShdw>
-                </a:effectLst>
-              </a:rPr>
-              <a:t>	printf(“%s\n%s\n”, name1, name2);</a:t>
+              <a:t>	printf(“%s”, name);</a:t>
             </a:r>
           </a:p>
           <a:p>
@@ -5051,7 +4991,7 @@
                   </a:outerShdw>
                 </a:effectLst>
               </a:rPr>
-              <a:t>의 대입</a:t>
+              <a:t>의 선언 및 입출력</a:t>
             </a:r>
             <a:endParaRPr lang="en-US" altLang="ko-KR" sz="2400" b="1">
               <a:effectLst>
@@ -5067,10 +5007,10 @@
       </p:sp>
       <p:sp>
         <p:nvSpPr>
-          <p:cNvPr id="10" name="TextBox 9">
-            <a:extLst>
-              <a:ext uri="{FF2B5EF4-FFF2-40B4-BE49-F238E27FC236}">
-                <a16:creationId xmlns:a16="http://schemas.microsoft.com/office/drawing/2014/main" id="{A29EA04F-7B1B-49BC-ACB8-3B4FF42C8C33}"/>
+          <p:cNvPr id="12" name="TextBox 11">
+            <a:extLst>
+              <a:ext uri="{FF2B5EF4-FFF2-40B4-BE49-F238E27FC236}">
+                <a16:creationId xmlns:a16="http://schemas.microsoft.com/office/drawing/2014/main" id="{58B23639-8E26-4765-9ED6-11518F66D22D}"/>
               </a:ext>
             </a:extLst>
           </p:cNvPr>
@@ -5079,8 +5019,8 @@
         </p:nvSpPr>
         <p:spPr>
           <a:xfrm>
-            <a:off x="730922" y="1941546"/>
-            <a:ext cx="9300584" cy="461665"/>
+            <a:off x="4478468" y="4018515"/>
+            <a:ext cx="2944310" cy="369332"/>
           </a:xfrm>
           <a:prstGeom prst="rect">
             <a:avLst/>
@@ -5094,6 +5034,97 @@
           <a:lstStyle/>
           <a:p>
             <a:r>
+              <a:rPr lang="ko-KR" altLang="en-US">
+                <a:solidFill>
+                  <a:srgbClr val="0000FF"/>
+                </a:solidFill>
+                <a:effectLst>
+                  <a:outerShdw blurRad="38100" dist="38100" dir="2700000" algn="tl">
+                    <a:srgbClr val="000000">
+                      <a:alpha val="43137"/>
+                    </a:srgbClr>
+                  </a:outerShdw>
+                </a:effectLst>
+              </a:rPr>
+              <a:t>왜 얘한테는 </a:t>
+            </a:r>
+            <a:r>
+              <a:rPr lang="en-US" altLang="ko-KR">
+                <a:solidFill>
+                  <a:srgbClr val="0000FF"/>
+                </a:solidFill>
+                <a:effectLst>
+                  <a:outerShdw blurRad="38100" dist="38100" dir="2700000" algn="tl">
+                    <a:srgbClr val="000000">
+                      <a:alpha val="43137"/>
+                    </a:srgbClr>
+                  </a:outerShdw>
+                </a:effectLst>
+              </a:rPr>
+              <a:t>&amp; </a:t>
+            </a:r>
+            <a:r>
+              <a:rPr lang="ko-KR" altLang="en-US">
+                <a:solidFill>
+                  <a:srgbClr val="0000FF"/>
+                </a:solidFill>
+                <a:effectLst>
+                  <a:outerShdw blurRad="38100" dist="38100" dir="2700000" algn="tl">
+                    <a:srgbClr val="000000">
+                      <a:alpha val="43137"/>
+                    </a:srgbClr>
+                  </a:outerShdw>
+                </a:effectLst>
+              </a:rPr>
+              <a:t>안붙여요</a:t>
+            </a:r>
+            <a:r>
+              <a:rPr lang="en-US" altLang="ko-KR">
+                <a:solidFill>
+                  <a:srgbClr val="0000FF"/>
+                </a:solidFill>
+                <a:effectLst>
+                  <a:outerShdw blurRad="38100" dist="38100" dir="2700000" algn="tl">
+                    <a:srgbClr val="000000">
+                      <a:alpha val="43137"/>
+                    </a:srgbClr>
+                  </a:outerShdw>
+                </a:effectLst>
+              </a:rPr>
+              <a:t>?</a:t>
+            </a:r>
+          </a:p>
+        </p:txBody>
+      </p:sp>
+      <p:sp>
+        <p:nvSpPr>
+          <p:cNvPr id="10" name="TextBox 9">
+            <a:extLst>
+              <a:ext uri="{FF2B5EF4-FFF2-40B4-BE49-F238E27FC236}">
+                <a16:creationId xmlns:a16="http://schemas.microsoft.com/office/drawing/2014/main" id="{A29EA04F-7B1B-49BC-ACB8-3B4FF42C8C33}"/>
+              </a:ext>
+            </a:extLst>
+          </p:cNvPr>
+          <p:cNvSpPr txBox="1"/>
+          <p:nvPr/>
+        </p:nvSpPr>
+        <p:spPr>
+          <a:xfrm>
+            <a:off x="730922" y="1941546"/>
+            <a:ext cx="9300584" cy="461665"/>
+          </a:xfrm>
+          <a:prstGeom prst="rect">
+            <a:avLst/>
+          </a:prstGeom>
+          <a:noFill/>
+        </p:spPr>
+        <p:txBody>
+          <a:bodyPr wrap="square" rtlCol="0">
+            <a:spAutoFit/>
+          </a:bodyPr>
+          <a:lstStyle/>
+          <a:p>
+            <a:r>
               <a:rPr lang="ko-KR" altLang="en-US" sz="2400">
                 <a:effectLst>
                   <a:outerShdw blurRad="38100" dist="38100" dir="2700000" algn="tl">
@@ -5103,75 +5134,24 @@
                   </a:outerShdw>
                 </a:effectLst>
               </a:rPr>
-              <a:t>이렇게 입력하면 </a:t>
-            </a:r>
-            <a:r>
-              <a:rPr lang="en-US" altLang="ko-KR" sz="2400">
-                <a:effectLst>
-                  <a:outerShdw blurRad="38100" dist="38100" dir="2700000" algn="tl">
-                    <a:srgbClr val="000000">
-                      <a:alpha val="43137"/>
-                    </a:srgbClr>
-                  </a:outerShdw>
-                </a:effectLst>
-              </a:rPr>
-              <a:t>name1</a:t>
-            </a:r>
-            <a:r>
-              <a:rPr lang="ko-KR" altLang="en-US" sz="2400">
-                <a:effectLst>
-                  <a:outerShdw blurRad="38100" dist="38100" dir="2700000" algn="tl">
-                    <a:srgbClr val="000000">
-                      <a:alpha val="43137"/>
-                    </a:srgbClr>
-                  </a:outerShdw>
-                </a:effectLst>
-              </a:rPr>
-              <a:t>의 내용이 </a:t>
-            </a:r>
-            <a:r>
-              <a:rPr lang="en-US" altLang="ko-KR" sz="2400">
-                <a:effectLst>
-                  <a:outerShdw blurRad="38100" dist="38100" dir="2700000" algn="tl">
-                    <a:srgbClr val="000000">
-                      <a:alpha val="43137"/>
-                    </a:srgbClr>
-                  </a:outerShdw>
-                </a:effectLst>
-              </a:rPr>
-              <a:t>name2</a:t>
-            </a:r>
-            <a:r>
-              <a:rPr lang="ko-KR" altLang="en-US" sz="2400">
-                <a:effectLst>
-                  <a:outerShdw blurRad="38100" dist="38100" dir="2700000" algn="tl">
-                    <a:srgbClr val="000000">
-                      <a:alpha val="43137"/>
-                    </a:srgbClr>
-                  </a:outerShdw>
-                </a:effectLst>
-              </a:rPr>
-              <a:t>에 들어갈까요</a:t>
-            </a:r>
-            <a:r>
-              <a:rPr lang="en-US" altLang="ko-KR" sz="2400">
-                <a:effectLst>
-                  <a:outerShdw blurRad="38100" dist="38100" dir="2700000" algn="tl">
-                    <a:srgbClr val="000000">
-                      <a:alpha val="43137"/>
-                    </a:srgbClr>
-                  </a:outerShdw>
-                </a:effectLst>
-              </a:rPr>
-              <a:t>?</a:t>
-            </a:r>
+              <a:t>이름을 입력받고 출력하는 프로그램</a:t>
+            </a:r>
+            <a:endParaRPr lang="en-US" altLang="ko-KR" sz="2400">
+              <a:effectLst>
+                <a:outerShdw blurRad="38100" dist="38100" dir="2700000" algn="tl">
+                  <a:srgbClr val="000000">
+                    <a:alpha val="43137"/>
+                  </a:srgbClr>
+                </a:outerShdw>
+              </a:effectLst>
+            </a:endParaRPr>
           </a:p>
         </p:txBody>
       </p:sp>
     </p:spTree>
     <p:extLst>
       <p:ext uri="{BB962C8B-B14F-4D97-AF65-F5344CB8AC3E}">
-        <p14:creationId xmlns:p14="http://schemas.microsoft.com/office/powerpoint/2010/main" val="381049518"/>
+        <p14:creationId xmlns:p14="http://schemas.microsoft.com/office/powerpoint/2010/main" val="3025839933"/>
       </p:ext>
     </p:extLst>
   </p:cSld>
@@ -5399,13 +5379,18 @@
         </p:nvSpPr>
         <p:spPr>
           <a:xfrm>
-            <a:off x="626607" y="1810052"/>
-            <a:ext cx="8554720" cy="830997"/>
+            <a:off x="730922" y="2402136"/>
+            <a:ext cx="8554720" cy="3046988"/>
           </a:xfrm>
           <a:prstGeom prst="rect">
             <a:avLst/>
           </a:prstGeom>
           <a:noFill/>
+          <a:ln>
+            <a:solidFill>
+              <a:schemeClr val="tx1"/>
+            </a:solidFill>
+          </a:ln>
         </p:spPr>
         <p:txBody>
           <a:bodyPr wrap="square" rtlCol="0">
@@ -5423,44 +5408,10 @@
                   </a:outerShdw>
                 </a:effectLst>
               </a:rPr>
-              <a:t>#include &lt;string.h&gt;</a:t>
-            </a:r>
-            <a:r>
-              <a:rPr lang="ko-KR" altLang="en-US" sz="2400">
-                <a:effectLst>
-                  <a:outerShdw blurRad="38100" dist="38100" dir="2700000" algn="tl">
-                    <a:srgbClr val="000000">
-                      <a:alpha val="43137"/>
-                    </a:srgbClr>
-                  </a:outerShdw>
-                </a:effectLst>
-              </a:rPr>
-              <a:t>를 통해 </a:t>
-            </a:r>
-            <a:r>
-              <a:rPr lang="en-US" altLang="ko-KR" sz="2400">
-                <a:effectLst>
-                  <a:outerShdw blurRad="38100" dist="38100" dir="2700000" algn="tl">
-                    <a:srgbClr val="000000">
-                      <a:alpha val="43137"/>
-                    </a:srgbClr>
-                  </a:outerShdw>
-                </a:effectLst>
-              </a:rPr>
-              <a:t>string.h</a:t>
-            </a:r>
-            <a:r>
-              <a:rPr lang="ko-KR" altLang="en-US" sz="2400">
-                <a:effectLst>
-                  <a:outerShdw blurRad="38100" dist="38100" dir="2700000" algn="tl">
-                    <a:srgbClr val="000000">
-                      <a:alpha val="43137"/>
-                    </a:srgbClr>
-                  </a:outerShdw>
-                </a:effectLst>
-              </a:rPr>
-              <a:t>를 포함시키면 다양한 </a:t>
-            </a:r>
+              <a:t>#include &lt;stdio.h&gt;</a:t>
+            </a:r>
+          </a:p>
+          <a:p>
             <a:endParaRPr lang="en-US" altLang="ko-KR" sz="2400">
               <a:effectLst>
                 <a:outerShdw blurRad="38100" dist="38100" dir="2700000" algn="tl">
@@ -5482,21 +5433,138 @@
                   </a:outerShdw>
                 </a:effectLst>
               </a:rPr>
-              <a:t>string</a:t>
-            </a:r>
-            <a:r>
-              <a:rPr lang="ko-KR" altLang="en-US" sz="2400">
-                <a:effectLst>
-                  <a:outerShdw blurRad="38100" dist="38100" dir="2700000" algn="tl">
-                    <a:srgbClr val="000000">
-                      <a:alpha val="43137"/>
-                    </a:srgbClr>
-                  </a:outerShdw>
-                </a:effectLst>
-              </a:rPr>
-              <a:t>관련 함수 이용 가능</a:t>
-            </a:r>
-            <a:endParaRPr lang="en-US" altLang="ko-KR" sz="2400">
+              <a:t>int main() {</a:t>
+            </a:r>
+          </a:p>
+          <a:p>
+            <a:r>
+              <a:rPr lang="en-US" altLang="ko-KR" sz="2400">
+                <a:effectLst>
+                  <a:outerShdw blurRad="38100" dist="38100" dir="2700000" algn="tl">
+                    <a:srgbClr val="000000">
+                      <a:alpha val="43137"/>
+                    </a:srgbClr>
+                  </a:outerShdw>
+                </a:effectLst>
+              </a:rPr>
+              <a:t>	char name1[100] = “KimSeonHwi”; </a:t>
+            </a:r>
+          </a:p>
+          <a:p>
+            <a:r>
+              <a:rPr lang="en-US" altLang="ko-KR" sz="2400">
+                <a:effectLst>
+                  <a:outerShdw blurRad="38100" dist="38100" dir="2700000" algn="tl">
+                    <a:srgbClr val="000000">
+                      <a:alpha val="43137"/>
+                    </a:srgbClr>
+                  </a:outerShdw>
+                </a:effectLst>
+              </a:rPr>
+              <a:t>	char name2[100];</a:t>
+            </a:r>
+          </a:p>
+          <a:p>
+            <a:r>
+              <a:rPr lang="en-US" altLang="ko-KR" sz="2400">
+                <a:effectLst>
+                  <a:outerShdw blurRad="38100" dist="38100" dir="2700000" algn="tl">
+                    <a:srgbClr val="000000">
+                      <a:alpha val="43137"/>
+                    </a:srgbClr>
+                  </a:outerShdw>
+                </a:effectLst>
+              </a:rPr>
+              <a:t>	name2 = name1;</a:t>
+            </a:r>
+          </a:p>
+          <a:p>
+            <a:r>
+              <a:rPr lang="en-US" altLang="ko-KR" sz="2400">
+                <a:effectLst>
+                  <a:outerShdw blurRad="38100" dist="38100" dir="2700000" algn="tl">
+                    <a:srgbClr val="000000">
+                      <a:alpha val="43137"/>
+                    </a:srgbClr>
+                  </a:outerShdw>
+                </a:effectLst>
+              </a:rPr>
+              <a:t>	printf(“%s\n%s\n”, name1, name2);</a:t>
+            </a:r>
+          </a:p>
+          <a:p>
+            <a:r>
+              <a:rPr lang="en-US" altLang="ko-KR" sz="2400">
+                <a:effectLst>
+                  <a:outerShdw blurRad="38100" dist="38100" dir="2700000" algn="tl">
+                    <a:srgbClr val="000000">
+                      <a:alpha val="43137"/>
+                    </a:srgbClr>
+                  </a:outerShdw>
+                </a:effectLst>
+              </a:rPr>
+              <a:t>}</a:t>
+            </a:r>
+          </a:p>
+        </p:txBody>
+      </p:sp>
+      <p:sp>
+        <p:nvSpPr>
+          <p:cNvPr id="9" name="TextBox 8">
+            <a:extLst>
+              <a:ext uri="{FF2B5EF4-FFF2-40B4-BE49-F238E27FC236}">
+                <a16:creationId xmlns:a16="http://schemas.microsoft.com/office/drawing/2014/main" id="{0D9F02F6-35F7-46F5-8FFE-FBAD20732CDC}"/>
+              </a:ext>
+            </a:extLst>
+          </p:cNvPr>
+          <p:cNvSpPr txBox="1"/>
+          <p:nvPr/>
+        </p:nvSpPr>
+        <p:spPr>
+          <a:xfrm>
+            <a:off x="301812" y="1347761"/>
+            <a:ext cx="7700955" cy="461665"/>
+          </a:xfrm>
+          <a:prstGeom prst="rect">
+            <a:avLst/>
+          </a:prstGeom>
+          <a:noFill/>
+        </p:spPr>
+        <p:txBody>
+          <a:bodyPr wrap="square" rtlCol="0">
+            <a:spAutoFit/>
+          </a:bodyPr>
+          <a:lstStyle/>
+          <a:p>
+            <a:pPr marL="457200" indent="-457200">
+              <a:buFont typeface="Arial" panose="020B0604020202020204" pitchFamily="34" charset="0"/>
+              <a:buChar char="•"/>
+            </a:pPr>
+            <a:r>
+              <a:rPr lang="en-US" altLang="ko-KR" sz="2400" b="1">
+                <a:effectLst>
+                  <a:outerShdw blurRad="38100" dist="38100" dir="2700000" algn="tl">
+                    <a:srgbClr val="000000">
+                      <a:alpha val="43137"/>
+                    </a:srgbClr>
+                  </a:outerShdw>
+                </a:effectLst>
+              </a:rPr>
+              <a:t>String</a:t>
+            </a:r>
+            <a:r>
+              <a:rPr lang="ko-KR" altLang="en-US" sz="2400" b="1">
+                <a:effectLst>
+                  <a:outerShdw blurRad="38100" dist="38100" dir="2700000" algn="tl">
+                    <a:srgbClr val="000000">
+                      <a:alpha val="43137"/>
+                    </a:srgbClr>
+                  </a:outerShdw>
+                </a:effectLst>
+              </a:rPr>
+              <a:t>의 대입</a:t>
+            </a:r>
+            <a:endParaRPr lang="en-US" altLang="ko-KR" sz="2400" b="1">
               <a:effectLst>
                 <a:outerShdw blurRad="38100" dist="38100" dir="2700000" algn="tl">
                   <a:srgbClr val="000000">
@@ -5510,10 +5578,10 @@
       </p:sp>
       <p:sp>
         <p:nvSpPr>
-          <p:cNvPr id="9" name="TextBox 8">
-            <a:extLst>
-              <a:ext uri="{FF2B5EF4-FFF2-40B4-BE49-F238E27FC236}">
-                <a16:creationId xmlns:a16="http://schemas.microsoft.com/office/drawing/2014/main" id="{0D9F02F6-35F7-46F5-8FFE-FBAD20732CDC}"/>
+          <p:cNvPr id="10" name="TextBox 9">
+            <a:extLst>
+              <a:ext uri="{FF2B5EF4-FFF2-40B4-BE49-F238E27FC236}">
+                <a16:creationId xmlns:a16="http://schemas.microsoft.com/office/drawing/2014/main" id="{A29EA04F-7B1B-49BC-ACB8-3B4FF42C8C33}"/>
               </a:ext>
             </a:extLst>
           </p:cNvPr>
@@ -5522,8 +5590,8 @@
         </p:nvSpPr>
         <p:spPr>
           <a:xfrm>
-            <a:off x="301812" y="1347761"/>
-            <a:ext cx="7700955" cy="461665"/>
+            <a:off x="730922" y="1941546"/>
+            <a:ext cx="9300584" cy="461665"/>
           </a:xfrm>
           <a:prstGeom prst="rect">
             <a:avLst/>
@@ -5536,111 +5604,18 @@
           </a:bodyPr>
           <a:lstStyle/>
           <a:p>
-            <a:pPr marL="457200" indent="-457200">
-              <a:buFont typeface="Arial" panose="020B0604020202020204" pitchFamily="34" charset="0"/>
-              <a:buChar char="•"/>
-            </a:pPr>
-            <a:r>
-              <a:rPr lang="en-US" altLang="ko-KR" sz="2400" b="1">
-                <a:effectLst>
-                  <a:outerShdw blurRad="38100" dist="38100" dir="2700000" algn="tl">
-                    <a:srgbClr val="000000">
-                      <a:alpha val="43137"/>
-                    </a:srgbClr>
-                  </a:outerShdw>
-                </a:effectLst>
-              </a:rPr>
-              <a:t>string.h</a:t>
-            </a:r>
-          </a:p>
-        </p:txBody>
-      </p:sp>
-      <p:sp>
-        <p:nvSpPr>
-          <p:cNvPr id="12" name="TextBox 11">
-            <a:extLst>
-              <a:ext uri="{FF2B5EF4-FFF2-40B4-BE49-F238E27FC236}">
-                <a16:creationId xmlns:a16="http://schemas.microsoft.com/office/drawing/2014/main" id="{58B23639-8E26-4765-9ED6-11518F66D22D}"/>
-              </a:ext>
-            </a:extLst>
-          </p:cNvPr>
-          <p:cNvSpPr txBox="1"/>
-          <p:nvPr/>
-        </p:nvSpPr>
-        <p:spPr>
-          <a:xfrm>
-            <a:off x="4200561" y="3472046"/>
-            <a:ext cx="7497483" cy="369332"/>
-          </a:xfrm>
-          <a:prstGeom prst="rect">
-            <a:avLst/>
-          </a:prstGeom>
-          <a:noFill/>
-        </p:spPr>
-        <p:txBody>
-          <a:bodyPr wrap="square" rtlCol="0">
-            <a:spAutoFit/>
-          </a:bodyPr>
-          <a:lstStyle/>
-          <a:p>
-            <a:r>
-              <a:rPr lang="ko-KR" altLang="en-US">
-                <a:solidFill>
-                  <a:srgbClr val="0000FF"/>
-                </a:solidFill>
-                <a:effectLst>
-                  <a:outerShdw blurRad="38100" dist="38100" dir="2700000" algn="tl">
-                    <a:srgbClr val="000000">
-                      <a:alpha val="43137"/>
-                    </a:srgbClr>
-                  </a:outerShdw>
-                </a:effectLst>
-              </a:rPr>
-              <a:t>너무 많으니 한 번 검색해서 찾아보세요</a:t>
-            </a:r>
-            <a:endParaRPr lang="en-US" altLang="ko-KR">
-              <a:solidFill>
-                <a:srgbClr val="0000FF"/>
-              </a:solidFill>
-              <a:effectLst>
-                <a:outerShdw blurRad="38100" dist="38100" dir="2700000" algn="tl">
-                  <a:srgbClr val="000000">
-                    <a:alpha val="43137"/>
-                  </a:srgbClr>
-                </a:outerShdw>
-              </a:effectLst>
-            </a:endParaRPr>
-          </a:p>
-        </p:txBody>
-      </p:sp>
-      <p:sp>
-        <p:nvSpPr>
-          <p:cNvPr id="10" name="TextBox 9">
-            <a:extLst>
-              <a:ext uri="{FF2B5EF4-FFF2-40B4-BE49-F238E27FC236}">
-                <a16:creationId xmlns:a16="http://schemas.microsoft.com/office/drawing/2014/main" id="{A29EA04F-7B1B-49BC-ACB8-3B4FF42C8C33}"/>
-              </a:ext>
-            </a:extLst>
-          </p:cNvPr>
-          <p:cNvSpPr txBox="1"/>
-          <p:nvPr/>
-        </p:nvSpPr>
-        <p:spPr>
-          <a:xfrm>
-            <a:off x="626607" y="2641049"/>
-            <a:ext cx="9300584" cy="830997"/>
-          </a:xfrm>
-          <a:prstGeom prst="rect">
-            <a:avLst/>
-          </a:prstGeom>
-          <a:noFill/>
-        </p:spPr>
-        <p:txBody>
-          <a:bodyPr wrap="square" rtlCol="0">
-            <a:spAutoFit/>
-          </a:bodyPr>
-          <a:lstStyle/>
-          <a:p>
+            <a:r>
+              <a:rPr lang="ko-KR" altLang="en-US" sz="2400">
+                <a:effectLst>
+                  <a:outerShdw blurRad="38100" dist="38100" dir="2700000" algn="tl">
+                    <a:srgbClr val="000000">
+                      <a:alpha val="43137"/>
+                    </a:srgbClr>
+                  </a:outerShdw>
+                </a:effectLst>
+              </a:rPr>
+              <a:t>이렇게 입력하면 </a:t>
+            </a:r>
             <a:r>
               <a:rPr lang="en-US" altLang="ko-KR" sz="2400">
                 <a:effectLst>
@@ -5651,7 +5626,7 @@
                   </a:outerShdw>
                 </a:effectLst>
               </a:rPr>
-              <a:t>string </a:t>
+              <a:t>name1</a:t>
             </a:r>
             <a:r>
               <a:rPr lang="ko-KR" altLang="en-US" sz="2400">
@@ -5663,7 +5638,7 @@
                   </a:outerShdw>
                 </a:effectLst>
               </a:rPr>
-              <a:t>복사하기</a:t>
+              <a:t>의 내용이 </a:t>
             </a:r>
             <a:r>
               <a:rPr lang="en-US" altLang="ko-KR" sz="2400">
@@ -5675,7 +5650,7 @@
                   </a:outerShdw>
                 </a:effectLst>
               </a:rPr>
-              <a:t>, strin</a:t>
+              <a:t>name2</a:t>
             </a:r>
             <a:r>
               <a:rPr lang="ko-KR" altLang="en-US" sz="2400">
@@ -5687,7 +5662,7 @@
                   </a:outerShdw>
                 </a:effectLst>
               </a:rPr>
-              <a:t>에 들어온 문자열 수 계산하기</a:t>
+              <a:t>에 들어갈까요</a:t>
             </a:r>
             <a:r>
               <a:rPr lang="en-US" altLang="ko-KR" sz="2400">
@@ -5699,33 +5674,7 @@
                   </a:outerShdw>
                 </a:effectLst>
               </a:rPr>
-              <a:t>,</a:t>
-            </a:r>
-          </a:p>
-          <a:p>
-            <a:r>
-              <a:rPr lang="ko-KR" altLang="en-US" sz="2400">
-                <a:effectLst>
-                  <a:outerShdw blurRad="38100" dist="38100" dir="2700000" algn="tl">
-                    <a:srgbClr val="000000">
-                      <a:alpha val="43137"/>
-                    </a:srgbClr>
-                  </a:outerShdw>
-                </a:effectLst>
-              </a:rPr>
-              <a:t>특정 단어 찾기 등</a:t>
-            </a:r>
-            <a:r>
-              <a:rPr lang="en-US" altLang="ko-KR" sz="2400">
-                <a:effectLst>
-                  <a:outerShdw blurRad="38100" dist="38100" dir="2700000" algn="tl">
-                    <a:srgbClr val="000000">
-                      <a:alpha val="43137"/>
-                    </a:srgbClr>
-                  </a:outerShdw>
-                </a:effectLst>
-              </a:rPr>
-              <a:t>...</a:t>
+              <a:t>?</a:t>
             </a:r>
           </a:p>
         </p:txBody>
@@ -5733,7 +5682,7 @@
     </p:spTree>
     <p:extLst>
       <p:ext uri="{BB962C8B-B14F-4D97-AF65-F5344CB8AC3E}">
-        <p14:creationId xmlns:p14="http://schemas.microsoft.com/office/powerpoint/2010/main" val="3447259264"/>
+        <p14:creationId xmlns:p14="http://schemas.microsoft.com/office/powerpoint/2010/main" val="381049518"/>
       </p:ext>
     </p:extLst>
   </p:cSld>
@@ -5961,18 +5910,13 @@
         </p:nvSpPr>
         <p:spPr>
           <a:xfrm>
-            <a:off x="730922" y="2402136"/>
-            <a:ext cx="8554720" cy="3416320"/>
+            <a:off x="626607" y="1810052"/>
+            <a:ext cx="8554720" cy="830997"/>
           </a:xfrm>
           <a:prstGeom prst="rect">
             <a:avLst/>
           </a:prstGeom>
           <a:noFill/>
-          <a:ln>
-            <a:solidFill>
-              <a:schemeClr val="tx1"/>
-            </a:solidFill>
-          </a:ln>
         </p:spPr>
         <p:txBody>
           <a:bodyPr wrap="square" rtlCol="0">
@@ -5990,10 +5934,20 @@
                   </a:outerShdw>
                 </a:effectLst>
               </a:rPr>
-              <a:t>#include &lt;stdio.h&gt;</a:t>
-            </a:r>
-          </a:p>
-          <a:p>
+              <a:t>#include &lt;string.h&gt;</a:t>
+            </a:r>
+            <a:r>
+              <a:rPr lang="ko-KR" altLang="en-US" sz="2400">
+                <a:effectLst>
+                  <a:outerShdw blurRad="38100" dist="38100" dir="2700000" algn="tl">
+                    <a:srgbClr val="000000">
+                      <a:alpha val="43137"/>
+                    </a:srgbClr>
+                  </a:outerShdw>
+                </a:effectLst>
+              </a:rPr>
+              <a:t>를 통해 </a:t>
+            </a:r>
             <a:r>
               <a:rPr lang="en-US" altLang="ko-KR" sz="2400">
                 <a:effectLst>
@@ -6004,7 +5958,7 @@
                   </a:outerShdw>
                 </a:effectLst>
               </a:rPr>
-              <a:t>#include</a:t>
+              <a:t>string.h</a:t>
             </a:r>
             <a:r>
               <a:rPr lang="ko-KR" altLang="en-US" sz="2400">
@@ -6016,22 +5970,8 @@
                   </a:outerShdw>
                 </a:effectLst>
               </a:rPr>
-              <a:t> </a:t>
-            </a:r>
-            <a:r>
-              <a:rPr lang="en-US" altLang="ko-KR" sz="2400">
-                <a:effectLst>
-                  <a:outerShdw blurRad="38100" dist="38100" dir="2700000" algn="tl">
-                    <a:srgbClr val="000000">
-                      <a:alpha val="43137"/>
-                    </a:srgbClr>
-                  </a:outerShdw>
-                </a:effectLst>
-              </a:rPr>
-              <a:t>&lt;string.h&gt;</a:t>
-            </a:r>
-          </a:p>
-          <a:p>
+              <a:t>를 포함시키면 다양한 </a:t>
+            </a:r>
             <a:endParaRPr lang="en-US" altLang="ko-KR" sz="2400">
               <a:effectLst>
                 <a:outerShdw blurRad="38100" dist="38100" dir="2700000" algn="tl">
@@ -6053,219 +5993,8 @@
                   </a:outerShdw>
                 </a:effectLst>
               </a:rPr>
-              <a:t>int main() {</a:t>
-            </a:r>
-          </a:p>
-          <a:p>
-            <a:r>
-              <a:rPr lang="en-US" altLang="ko-KR" sz="2400">
-                <a:effectLst>
-                  <a:outerShdw blurRad="38100" dist="38100" dir="2700000" algn="tl">
-                    <a:srgbClr val="000000">
-                      <a:alpha val="43137"/>
-                    </a:srgbClr>
-                  </a:outerShdw>
-                </a:effectLst>
-              </a:rPr>
-              <a:t>	char name1[100] = “KimSeonHwi”; </a:t>
-            </a:r>
-          </a:p>
-          <a:p>
-            <a:r>
-              <a:rPr lang="en-US" altLang="ko-KR" sz="2400">
-                <a:effectLst>
-                  <a:outerShdw blurRad="38100" dist="38100" dir="2700000" algn="tl">
-                    <a:srgbClr val="000000">
-                      <a:alpha val="43137"/>
-                    </a:srgbClr>
-                  </a:outerShdw>
-                </a:effectLst>
-              </a:rPr>
-              <a:t>	char name2[100];</a:t>
-            </a:r>
-          </a:p>
-          <a:p>
-            <a:r>
-              <a:rPr lang="en-US" altLang="ko-KR" sz="2400">
-                <a:effectLst>
-                  <a:outerShdw blurRad="38100" dist="38100" dir="2700000" algn="tl">
-                    <a:srgbClr val="000000">
-                      <a:alpha val="43137"/>
-                    </a:srgbClr>
-                  </a:outerShdw>
-                </a:effectLst>
-              </a:rPr>
-              <a:t>	</a:t>
-            </a:r>
-            <a:r>
-              <a:rPr lang="en-US" altLang="ko-KR" sz="2400">
-                <a:solidFill>
-                  <a:srgbClr val="00B050"/>
-                </a:solidFill>
-                <a:effectLst>
-                  <a:outerShdw blurRad="38100" dist="38100" dir="2700000" algn="tl">
-                    <a:srgbClr val="000000">
-                      <a:alpha val="43137"/>
-                    </a:srgbClr>
-                  </a:outerShdw>
-                </a:effectLst>
-              </a:rPr>
-              <a:t>strcpy(name2, name1);</a:t>
-            </a:r>
-          </a:p>
-          <a:p>
-            <a:r>
-              <a:rPr lang="en-US" altLang="ko-KR" sz="2400">
-                <a:effectLst>
-                  <a:outerShdw blurRad="38100" dist="38100" dir="2700000" algn="tl">
-                    <a:srgbClr val="000000">
-                      <a:alpha val="43137"/>
-                    </a:srgbClr>
-                  </a:outerShdw>
-                </a:effectLst>
-              </a:rPr>
-              <a:t>	printf(“%s\n%s\n”, name1, name2);</a:t>
-            </a:r>
-          </a:p>
-          <a:p>
-            <a:r>
-              <a:rPr lang="en-US" altLang="ko-KR" sz="2400">
-                <a:effectLst>
-                  <a:outerShdw blurRad="38100" dist="38100" dir="2700000" algn="tl">
-                    <a:srgbClr val="000000">
-                      <a:alpha val="43137"/>
-                    </a:srgbClr>
-                  </a:outerShdw>
-                </a:effectLst>
-              </a:rPr>
-              <a:t>}</a:t>
-            </a:r>
-          </a:p>
-        </p:txBody>
-      </p:sp>
-      <p:sp>
-        <p:nvSpPr>
-          <p:cNvPr id="9" name="TextBox 8">
-            <a:extLst>
-              <a:ext uri="{FF2B5EF4-FFF2-40B4-BE49-F238E27FC236}">
-                <a16:creationId xmlns:a16="http://schemas.microsoft.com/office/drawing/2014/main" id="{0D9F02F6-35F7-46F5-8FFE-FBAD20732CDC}"/>
-              </a:ext>
-            </a:extLst>
-          </p:cNvPr>
-          <p:cNvSpPr txBox="1"/>
-          <p:nvPr/>
-        </p:nvSpPr>
-        <p:spPr>
-          <a:xfrm>
-            <a:off x="301812" y="1347761"/>
-            <a:ext cx="7700955" cy="461665"/>
-          </a:xfrm>
-          <a:prstGeom prst="rect">
-            <a:avLst/>
-          </a:prstGeom>
-          <a:noFill/>
-        </p:spPr>
-        <p:txBody>
-          <a:bodyPr wrap="square" rtlCol="0">
-            <a:spAutoFit/>
-          </a:bodyPr>
-          <a:lstStyle/>
-          <a:p>
-            <a:pPr marL="457200" indent="-457200">
-              <a:buFont typeface="Arial" panose="020B0604020202020204" pitchFamily="34" charset="0"/>
-              <a:buChar char="•"/>
-            </a:pPr>
-            <a:r>
-              <a:rPr lang="en-US" altLang="ko-KR" sz="2400" b="1">
-                <a:effectLst>
-                  <a:outerShdw blurRad="38100" dist="38100" dir="2700000" algn="tl">
-                    <a:srgbClr val="000000">
-                      <a:alpha val="43137"/>
-                    </a:srgbClr>
-                  </a:outerShdw>
-                </a:effectLst>
-              </a:rPr>
-              <a:t>string.h </a:t>
-            </a:r>
-            <a:r>
-              <a:rPr lang="ko-KR" altLang="en-US" sz="2400" b="1">
-                <a:effectLst>
-                  <a:outerShdw blurRad="38100" dist="38100" dir="2700000" algn="tl">
-                    <a:srgbClr val="000000">
-                      <a:alpha val="43137"/>
-                    </a:srgbClr>
-                  </a:outerShdw>
-                </a:effectLst>
-              </a:rPr>
-              <a:t>사용예시</a:t>
-            </a:r>
-            <a:r>
-              <a:rPr lang="en-US" altLang="ko-KR" sz="2400" b="1">
-                <a:effectLst>
-                  <a:outerShdw blurRad="38100" dist="38100" dir="2700000" algn="tl">
-                    <a:srgbClr val="000000">
-                      <a:alpha val="43137"/>
-                    </a:srgbClr>
-                  </a:outerShdw>
-                </a:effectLst>
-              </a:rPr>
-              <a:t>(string </a:t>
-            </a:r>
-            <a:r>
-              <a:rPr lang="ko-KR" altLang="en-US" sz="2400" b="1">
-                <a:effectLst>
-                  <a:outerShdw blurRad="38100" dist="38100" dir="2700000" algn="tl">
-                    <a:srgbClr val="000000">
-                      <a:alpha val="43137"/>
-                    </a:srgbClr>
-                  </a:outerShdw>
-                </a:effectLst>
-              </a:rPr>
-              <a:t>복사하기</a:t>
-            </a:r>
-            <a:r>
-              <a:rPr lang="en-US" altLang="ko-KR" sz="2400" b="1">
-                <a:effectLst>
-                  <a:outerShdw blurRad="38100" dist="38100" dir="2700000" algn="tl">
-                    <a:srgbClr val="000000">
-                      <a:alpha val="43137"/>
-                    </a:srgbClr>
-                  </a:outerShdw>
-                </a:effectLst>
-              </a:rPr>
-              <a:t>)</a:t>
-            </a:r>
-          </a:p>
-        </p:txBody>
-      </p:sp>
-      <p:sp>
-        <p:nvSpPr>
-          <p:cNvPr id="10" name="TextBox 9">
-            <a:extLst>
-              <a:ext uri="{FF2B5EF4-FFF2-40B4-BE49-F238E27FC236}">
-                <a16:creationId xmlns:a16="http://schemas.microsoft.com/office/drawing/2014/main" id="{A29EA04F-7B1B-49BC-ACB8-3B4FF42C8C33}"/>
-              </a:ext>
-            </a:extLst>
-          </p:cNvPr>
-          <p:cNvSpPr txBox="1"/>
-          <p:nvPr/>
-        </p:nvSpPr>
-        <p:spPr>
-          <a:xfrm>
-            <a:off x="730922" y="1941546"/>
-            <a:ext cx="9300584" cy="461665"/>
-          </a:xfrm>
-          <a:prstGeom prst="rect">
-            <a:avLst/>
-          </a:prstGeom>
-          <a:noFill/>
-        </p:spPr>
-        <p:txBody>
-          <a:bodyPr wrap="square" rtlCol="0">
-            <a:spAutoFit/>
-          </a:bodyPr>
-          <a:lstStyle/>
-          <a:p>
+              <a:t>string</a:t>
+            </a:r>
             <a:r>
               <a:rPr lang="ko-KR" altLang="en-US" sz="2400">
                 <a:effectLst>
@@ -6276,55 +6005,7 @@
                   </a:outerShdw>
                 </a:effectLst>
               </a:rPr>
-              <a:t>이렇게 입력하면 </a:t>
-            </a:r>
-            <a:r>
-              <a:rPr lang="en-US" altLang="ko-KR" sz="2400">
-                <a:effectLst>
-                  <a:outerShdw blurRad="38100" dist="38100" dir="2700000" algn="tl">
-                    <a:srgbClr val="000000">
-                      <a:alpha val="43137"/>
-                    </a:srgbClr>
-                  </a:outerShdw>
-                </a:effectLst>
-              </a:rPr>
-              <a:t>name1</a:t>
-            </a:r>
-            <a:r>
-              <a:rPr lang="ko-KR" altLang="en-US" sz="2400">
-                <a:effectLst>
-                  <a:outerShdw blurRad="38100" dist="38100" dir="2700000" algn="tl">
-                    <a:srgbClr val="000000">
-                      <a:alpha val="43137"/>
-                    </a:srgbClr>
-                  </a:outerShdw>
-                </a:effectLst>
-              </a:rPr>
-              <a:t>의 내용이 </a:t>
-            </a:r>
-            <a:r>
-              <a:rPr lang="en-US" altLang="ko-KR" sz="2400">
-                <a:effectLst>
-                  <a:outerShdw blurRad="38100" dist="38100" dir="2700000" algn="tl">
-                    <a:srgbClr val="000000">
-                      <a:alpha val="43137"/>
-                    </a:srgbClr>
-                  </a:outerShdw>
-                </a:effectLst>
-              </a:rPr>
-              <a:t>name2</a:t>
-            </a:r>
-            <a:r>
-              <a:rPr lang="ko-KR" altLang="en-US" sz="2400">
-                <a:effectLst>
-                  <a:outerShdw blurRad="38100" dist="38100" dir="2700000" algn="tl">
-                    <a:srgbClr val="000000">
-                      <a:alpha val="43137"/>
-                    </a:srgbClr>
-                  </a:outerShdw>
-                </a:effectLst>
-              </a:rPr>
-              <a:t>에 들어가요</a:t>
+              <a:t>관련 함수 이용 가능</a:t>
             </a:r>
             <a:endParaRPr lang="en-US" altLang="ko-KR" sz="2400">
               <a:effectLst>
@@ -6340,10 +6021,10 @@
       </p:sp>
       <p:sp>
         <p:nvSpPr>
-          <p:cNvPr id="11" name="TextBox 10">
-            <a:extLst>
-              <a:ext uri="{FF2B5EF4-FFF2-40B4-BE49-F238E27FC236}">
-                <a16:creationId xmlns:a16="http://schemas.microsoft.com/office/drawing/2014/main" id="{2FE1DCEA-FB72-4B2F-A923-1AB3E2C9D29F}"/>
+          <p:cNvPr id="9" name="TextBox 8">
+            <a:extLst>
+              <a:ext uri="{FF2B5EF4-FFF2-40B4-BE49-F238E27FC236}">
+                <a16:creationId xmlns:a16="http://schemas.microsoft.com/office/drawing/2014/main" id="{0D9F02F6-35F7-46F5-8FFE-FBAD20732CDC}"/>
               </a:ext>
             </a:extLst>
           </p:cNvPr>
@@ -6352,8 +6033,8 @@
         </p:nvSpPr>
         <p:spPr>
           <a:xfrm>
-            <a:off x="4854984" y="4637457"/>
-            <a:ext cx="7497483" cy="369332"/>
+            <a:off x="301812" y="1347761"/>
+            <a:ext cx="7700955" cy="461665"/>
           </a:xfrm>
           <a:prstGeom prst="rect">
             <a:avLst/>
@@ -6366,11 +6047,12 @@
           </a:bodyPr>
           <a:lstStyle/>
           <a:p>
-            <a:r>
-              <a:rPr lang="en-US" altLang="ko-KR">
-                <a:solidFill>
-                  <a:srgbClr val="0000FF"/>
-                </a:solidFill>
+            <a:pPr marL="457200" indent="-457200">
+              <a:buFont typeface="Arial" panose="020B0604020202020204" pitchFamily="34" charset="0"/>
+              <a:buChar char="•"/>
+            </a:pPr>
+            <a:r>
+              <a:rPr lang="en-US" altLang="ko-KR" sz="2400" b="1">
                 <a:effectLst>
                   <a:outerShdw blurRad="38100" dist="38100" dir="2700000" algn="tl">
                     <a:srgbClr val="000000">
@@ -6381,6 +6063,37 @@
               </a:rPr>
               <a:t>string.h</a:t>
             </a:r>
+          </a:p>
+        </p:txBody>
+      </p:sp>
+      <p:sp>
+        <p:nvSpPr>
+          <p:cNvPr id="12" name="TextBox 11">
+            <a:extLst>
+              <a:ext uri="{FF2B5EF4-FFF2-40B4-BE49-F238E27FC236}">
+                <a16:creationId xmlns:a16="http://schemas.microsoft.com/office/drawing/2014/main" id="{58B23639-8E26-4765-9ED6-11518F66D22D}"/>
+              </a:ext>
+            </a:extLst>
+          </p:cNvPr>
+          <p:cNvSpPr txBox="1"/>
+          <p:nvPr/>
+        </p:nvSpPr>
+        <p:spPr>
+          <a:xfrm>
+            <a:off x="4200561" y="3472046"/>
+            <a:ext cx="7497483" cy="369332"/>
+          </a:xfrm>
+          <a:prstGeom prst="rect">
+            <a:avLst/>
+          </a:prstGeom>
+          <a:noFill/>
+        </p:spPr>
+        <p:txBody>
+          <a:bodyPr wrap="square" rtlCol="0">
+            <a:spAutoFit/>
+          </a:bodyPr>
+          <a:lstStyle/>
+          <a:p>
             <a:r>
               <a:rPr lang="ko-KR" altLang="en-US">
                 <a:solidFill>
@@ -6394,37 +6107,7 @@
                   </a:outerShdw>
                 </a:effectLst>
               </a:rPr>
-              <a:t>에 들어있는 </a:t>
-            </a:r>
-            <a:r>
-              <a:rPr lang="en-US" altLang="ko-KR">
-                <a:solidFill>
-                  <a:srgbClr val="0000FF"/>
-                </a:solidFill>
-                <a:effectLst>
-                  <a:outerShdw blurRad="38100" dist="38100" dir="2700000" algn="tl">
-                    <a:srgbClr val="000000">
-                      <a:alpha val="43137"/>
-                    </a:srgbClr>
-                  </a:outerShdw>
-                </a:effectLst>
-              </a:rPr>
-              <a:t>strcpy </a:t>
-            </a:r>
-            <a:r>
-              <a:rPr lang="ko-KR" altLang="en-US">
-                <a:solidFill>
-                  <a:srgbClr val="0000FF"/>
-                </a:solidFill>
-                <a:effectLst>
-                  <a:outerShdw blurRad="38100" dist="38100" dir="2700000" algn="tl">
-                    <a:srgbClr val="000000">
-                      <a:alpha val="43137"/>
-                    </a:srgbClr>
-                  </a:outerShdw>
-                </a:effectLst>
-              </a:rPr>
-              <a:t>함수</a:t>
+              <a:t>너무 많으니 한 번 검색해서 찾아보세요</a:t>
             </a:r>
             <a:endParaRPr lang="en-US" altLang="ko-KR">
               <a:solidFill>
@@ -6441,10 +6124,127 @@
           </a:p>
         </p:txBody>
       </p:sp>
+      <p:sp>
+        <p:nvSpPr>
+          <p:cNvPr id="10" name="TextBox 9">
+            <a:extLst>
+              <a:ext uri="{FF2B5EF4-FFF2-40B4-BE49-F238E27FC236}">
+                <a16:creationId xmlns:a16="http://schemas.microsoft.com/office/drawing/2014/main" id="{A29EA04F-7B1B-49BC-ACB8-3B4FF42C8C33}"/>
+              </a:ext>
+            </a:extLst>
+          </p:cNvPr>
+          <p:cNvSpPr txBox="1"/>
+          <p:nvPr/>
+        </p:nvSpPr>
+        <p:spPr>
+          <a:xfrm>
+            <a:off x="626607" y="2641049"/>
+            <a:ext cx="9300584" cy="830997"/>
+          </a:xfrm>
+          <a:prstGeom prst="rect">
+            <a:avLst/>
+          </a:prstGeom>
+          <a:noFill/>
+        </p:spPr>
+        <p:txBody>
+          <a:bodyPr wrap="square" rtlCol="0">
+            <a:spAutoFit/>
+          </a:bodyPr>
+          <a:lstStyle/>
+          <a:p>
+            <a:r>
+              <a:rPr lang="en-US" altLang="ko-KR" sz="2400">
+                <a:effectLst>
+                  <a:outerShdw blurRad="38100" dist="38100" dir="2700000" algn="tl">
+                    <a:srgbClr val="000000">
+                      <a:alpha val="43137"/>
+                    </a:srgbClr>
+                  </a:outerShdw>
+                </a:effectLst>
+              </a:rPr>
+              <a:t>string </a:t>
+            </a:r>
+            <a:r>
+              <a:rPr lang="ko-KR" altLang="en-US" sz="2400">
+                <a:effectLst>
+                  <a:outerShdw blurRad="38100" dist="38100" dir="2700000" algn="tl">
+                    <a:srgbClr val="000000">
+                      <a:alpha val="43137"/>
+                    </a:srgbClr>
+                  </a:outerShdw>
+                </a:effectLst>
+              </a:rPr>
+              <a:t>복사하기</a:t>
+            </a:r>
+            <a:r>
+              <a:rPr lang="en-US" altLang="ko-KR" sz="2400">
+                <a:effectLst>
+                  <a:outerShdw blurRad="38100" dist="38100" dir="2700000" algn="tl">
+                    <a:srgbClr val="000000">
+                      <a:alpha val="43137"/>
+                    </a:srgbClr>
+                  </a:outerShdw>
+                </a:effectLst>
+              </a:rPr>
+              <a:t>, strin</a:t>
+            </a:r>
+            <a:r>
+              <a:rPr lang="ko-KR" altLang="en-US" sz="2400">
+                <a:effectLst>
+                  <a:outerShdw blurRad="38100" dist="38100" dir="2700000" algn="tl">
+                    <a:srgbClr val="000000">
+                      <a:alpha val="43137"/>
+                    </a:srgbClr>
+                  </a:outerShdw>
+                </a:effectLst>
+              </a:rPr>
+              <a:t>에 들어온 문자열 수 계산하기</a:t>
+            </a:r>
+            <a:r>
+              <a:rPr lang="en-US" altLang="ko-KR" sz="2400">
+                <a:effectLst>
+                  <a:outerShdw blurRad="38100" dist="38100" dir="2700000" algn="tl">
+                    <a:srgbClr val="000000">
+                      <a:alpha val="43137"/>
+                    </a:srgbClr>
+                  </a:outerShdw>
+                </a:effectLst>
+              </a:rPr>
+              <a:t>,</a:t>
+            </a:r>
+          </a:p>
+          <a:p>
+            <a:r>
+              <a:rPr lang="ko-KR" altLang="en-US" sz="2400">
+                <a:effectLst>
+                  <a:outerShdw blurRad="38100" dist="38100" dir="2700000" algn="tl">
+                    <a:srgbClr val="000000">
+                      <a:alpha val="43137"/>
+                    </a:srgbClr>
+                  </a:outerShdw>
+                </a:effectLst>
+              </a:rPr>
+              <a:t>특정 단어 찾기 등</a:t>
+            </a:r>
+            <a:r>
+              <a:rPr lang="en-US" altLang="ko-KR" sz="2400">
+                <a:effectLst>
+                  <a:outerShdw blurRad="38100" dist="38100" dir="2700000" algn="tl">
+                    <a:srgbClr val="000000">
+                      <a:alpha val="43137"/>
+                    </a:srgbClr>
+                  </a:outerShdw>
+                </a:effectLst>
+              </a:rPr>
+              <a:t>...</a:t>
+            </a:r>
+          </a:p>
+        </p:txBody>
+      </p:sp>
     </p:spTree>
     <p:extLst>
       <p:ext uri="{BB962C8B-B14F-4D97-AF65-F5344CB8AC3E}">
-        <p14:creationId xmlns:p14="http://schemas.microsoft.com/office/powerpoint/2010/main" val="1478359360"/>
+        <p14:creationId xmlns:p14="http://schemas.microsoft.com/office/powerpoint/2010/main" val="3447259264"/>
       </p:ext>
     </p:extLst>
   </p:cSld>
@@ -6473,10 +6273,10 @@
       </p:grpSpPr>
       <p:pic>
         <p:nvPicPr>
-          <p:cNvPr id="10" name="그림 9" descr="화살이(가) 표시된 사진&#10;&#10;자동 생성된 설명">
-            <a:extLst>
-              <a:ext uri="{FF2B5EF4-FFF2-40B4-BE49-F238E27FC236}">
-                <a16:creationId xmlns:a16="http://schemas.microsoft.com/office/drawing/2014/main" id="{44CFF3E1-8AF5-49B1-BCC4-92C7C5FC2EAB}"/>
+          <p:cNvPr id="6" name="그림 5" descr="화살이(가) 표시된 사진&#10;&#10;자동 생성된 설명">
+            <a:extLst>
+              <a:ext uri="{FF2B5EF4-FFF2-40B4-BE49-F238E27FC236}">
+                <a16:creationId xmlns:a16="http://schemas.microsoft.com/office/drawing/2014/main" id="{A56C6D43-05A3-4988-A7D7-3D59E2F65C17}"/>
               </a:ext>
             </a:extLst>
           </p:cNvPr>
@@ -6538,17 +6338,26 @@
           <a:p>
             <a:pPr algn="l"/>
             <a:r>
-              <a:rPr lang="ko-KR" altLang="en-US" b="1">
-                <a:effectLst>
-                  <a:outerShdw blurRad="38100" dist="38100" dir="2700000" algn="tl">
-                    <a:srgbClr val="000000">
-                      <a:alpha val="43137"/>
-                    </a:srgbClr>
-                  </a:outerShdw>
-                </a:effectLst>
-              </a:rPr>
-              <a:t>과제</a:t>
-            </a:r>
+              <a:rPr lang="en-US" altLang="ko-KR" b="1">
+                <a:effectLst>
+                  <a:outerShdw blurRad="38100" dist="38100" dir="2700000" algn="tl">
+                    <a:srgbClr val="000000">
+                      <a:alpha val="43137"/>
+                    </a:srgbClr>
+                  </a:outerShdw>
+                </a:effectLst>
+              </a:rPr>
+              <a:t>String</a:t>
+            </a:r>
+            <a:endParaRPr lang="ko-KR" altLang="en-US" b="1">
+              <a:effectLst>
+                <a:outerShdw blurRad="38100" dist="38100" dir="2700000" algn="tl">
+                  <a:srgbClr val="000000">
+                    <a:alpha val="43137"/>
+                  </a:srgbClr>
+                </a:outerShdw>
+              </a:effectLst>
+            </a:endParaRPr>
           </a:p>
         </p:txBody>
       </p:sp>
@@ -6651,10 +6460,10 @@
       </p:cxnSp>
       <p:sp>
         <p:nvSpPr>
-          <p:cNvPr id="11" name="TextBox 10">
-            <a:extLst>
-              <a:ext uri="{FF2B5EF4-FFF2-40B4-BE49-F238E27FC236}">
-                <a16:creationId xmlns:a16="http://schemas.microsoft.com/office/drawing/2014/main" id="{866C7EE0-D0AC-46B6-A800-93045D75F2C4}"/>
+          <p:cNvPr id="8" name="TextBox 7">
+            <a:extLst>
+              <a:ext uri="{FF2B5EF4-FFF2-40B4-BE49-F238E27FC236}">
+                <a16:creationId xmlns:a16="http://schemas.microsoft.com/office/drawing/2014/main" id="{401ED521-CFE1-44B7-9BB3-E355239399D3}"/>
               </a:ext>
             </a:extLst>
           </p:cNvPr>
@@ -6663,13 +6472,18 @@
         </p:nvSpPr>
         <p:spPr>
           <a:xfrm>
-            <a:off x="1209040" y="1600025"/>
-            <a:ext cx="8935557" cy="1569660"/>
+            <a:off x="730922" y="2402136"/>
+            <a:ext cx="8554720" cy="3416320"/>
           </a:xfrm>
           <a:prstGeom prst="rect">
             <a:avLst/>
           </a:prstGeom>
           <a:noFill/>
+          <a:ln>
+            <a:solidFill>
+              <a:schemeClr val="tx1"/>
+            </a:solidFill>
+          </a:ln>
         </p:spPr>
         <p:txBody>
           <a:bodyPr wrap="square" rtlCol="0">
@@ -6677,29 +6491,59 @@
           </a:bodyPr>
           <a:lstStyle/>
           <a:p>
-            <a:pPr marL="457200" indent="-457200">
-              <a:buFont typeface="Arial" panose="020B0604020202020204" pitchFamily="34" charset="0"/>
-              <a:buChar char="•"/>
-            </a:pPr>
-            <a:r>
-              <a:rPr lang="en-US" altLang="ko-KR" sz="3200">
-                <a:effectLst>
-                  <a:outerShdw blurRad="38100" dist="38100" dir="2700000" algn="tl">
-                    <a:srgbClr val="000000">
-                      <a:alpha val="43137"/>
-                    </a:srgbClr>
-                  </a:outerShdw>
-                </a:effectLst>
-              </a:rPr>
-              <a:t>boj.kr/2562</a:t>
-            </a:r>
-          </a:p>
-          <a:p>
-            <a:pPr marL="457200" indent="-457200">
-              <a:buFont typeface="Arial" panose="020B0604020202020204" pitchFamily="34" charset="0"/>
-              <a:buChar char="•"/>
-            </a:pPr>
-            <a:endParaRPr lang="en-US" altLang="ko-KR" sz="3200">
+            <a:r>
+              <a:rPr lang="en-US" altLang="ko-KR" sz="2400">
+                <a:effectLst>
+                  <a:outerShdw blurRad="38100" dist="38100" dir="2700000" algn="tl">
+                    <a:srgbClr val="000000">
+                      <a:alpha val="43137"/>
+                    </a:srgbClr>
+                  </a:outerShdw>
+                </a:effectLst>
+              </a:rPr>
+              <a:t>#include &lt;stdio.h&gt;</a:t>
+            </a:r>
+          </a:p>
+          <a:p>
+            <a:r>
+              <a:rPr lang="en-US" altLang="ko-KR" sz="2400">
+                <a:effectLst>
+                  <a:outerShdw blurRad="38100" dist="38100" dir="2700000" algn="tl">
+                    <a:srgbClr val="000000">
+                      <a:alpha val="43137"/>
+                    </a:srgbClr>
+                  </a:outerShdw>
+                </a:effectLst>
+              </a:rPr>
+              <a:t>#include</a:t>
+            </a:r>
+            <a:r>
+              <a:rPr lang="ko-KR" altLang="en-US" sz="2400">
+                <a:effectLst>
+                  <a:outerShdw blurRad="38100" dist="38100" dir="2700000" algn="tl">
+                    <a:srgbClr val="000000">
+                      <a:alpha val="43137"/>
+                    </a:srgbClr>
+                  </a:outerShdw>
+                </a:effectLst>
+              </a:rPr>
+              <a:t> </a:t>
+            </a:r>
+            <a:r>
+              <a:rPr lang="en-US" altLang="ko-KR" sz="2400">
+                <a:effectLst>
+                  <a:outerShdw blurRad="38100" dist="38100" dir="2700000" algn="tl">
+                    <a:srgbClr val="000000">
+                      <a:alpha val="43137"/>
+                    </a:srgbClr>
+                  </a:outerShdw>
+                </a:effectLst>
+              </a:rPr>
+              <a:t>&lt;string.h&gt;</a:t>
+            </a:r>
+          </a:p>
+          <a:p>
+            <a:endParaRPr lang="en-US" altLang="ko-KR" sz="2400">
               <a:effectLst>
                 <a:outerShdw blurRad="38100" dist="38100" dir="2700000" algn="tl">
                   <a:srgbClr val="000000">
@@ -6710,12 +6554,679 @@
             </a:endParaRPr>
           </a:p>
           <a:p>
+            <a:r>
+              <a:rPr lang="en-US" altLang="ko-KR" sz="2400">
+                <a:effectLst>
+                  <a:outerShdw blurRad="38100" dist="38100" dir="2700000" algn="tl">
+                    <a:srgbClr val="000000">
+                      <a:alpha val="43137"/>
+                    </a:srgbClr>
+                  </a:outerShdw>
+                </a:effectLst>
+              </a:rPr>
+              <a:t>int main() {</a:t>
+            </a:r>
+          </a:p>
+          <a:p>
+            <a:r>
+              <a:rPr lang="en-US" altLang="ko-KR" sz="2400">
+                <a:effectLst>
+                  <a:outerShdw blurRad="38100" dist="38100" dir="2700000" algn="tl">
+                    <a:srgbClr val="000000">
+                      <a:alpha val="43137"/>
+                    </a:srgbClr>
+                  </a:outerShdw>
+                </a:effectLst>
+              </a:rPr>
+              <a:t>	char name1[100] = “KimSeonHwi”; </a:t>
+            </a:r>
+          </a:p>
+          <a:p>
+            <a:r>
+              <a:rPr lang="en-US" altLang="ko-KR" sz="2400">
+                <a:effectLst>
+                  <a:outerShdw blurRad="38100" dist="38100" dir="2700000" algn="tl">
+                    <a:srgbClr val="000000">
+                      <a:alpha val="43137"/>
+                    </a:srgbClr>
+                  </a:outerShdw>
+                </a:effectLst>
+              </a:rPr>
+              <a:t>	char name2[100];</a:t>
+            </a:r>
+          </a:p>
+          <a:p>
+            <a:r>
+              <a:rPr lang="en-US" altLang="ko-KR" sz="2400">
+                <a:effectLst>
+                  <a:outerShdw blurRad="38100" dist="38100" dir="2700000" algn="tl">
+                    <a:srgbClr val="000000">
+                      <a:alpha val="43137"/>
+                    </a:srgbClr>
+                  </a:outerShdw>
+                </a:effectLst>
+              </a:rPr>
+              <a:t>	</a:t>
+            </a:r>
+            <a:r>
+              <a:rPr lang="en-US" altLang="ko-KR" sz="2400">
+                <a:solidFill>
+                  <a:srgbClr val="00B050"/>
+                </a:solidFill>
+                <a:effectLst>
+                  <a:outerShdw blurRad="38100" dist="38100" dir="2700000" algn="tl">
+                    <a:srgbClr val="000000">
+                      <a:alpha val="43137"/>
+                    </a:srgbClr>
+                  </a:outerShdw>
+                </a:effectLst>
+              </a:rPr>
+              <a:t>strcpy(name2, name1);</a:t>
+            </a:r>
+          </a:p>
+          <a:p>
+            <a:r>
+              <a:rPr lang="en-US" altLang="ko-KR" sz="2400">
+                <a:effectLst>
+                  <a:outerShdw blurRad="38100" dist="38100" dir="2700000" algn="tl">
+                    <a:srgbClr val="000000">
+                      <a:alpha val="43137"/>
+                    </a:srgbClr>
+                  </a:outerShdw>
+                </a:effectLst>
+              </a:rPr>
+              <a:t>	printf(“%s\n%s\n”, name1, name2);</a:t>
+            </a:r>
+          </a:p>
+          <a:p>
+            <a:r>
+              <a:rPr lang="en-US" altLang="ko-KR" sz="2400">
+                <a:effectLst>
+                  <a:outerShdw blurRad="38100" dist="38100" dir="2700000" algn="tl">
+                    <a:srgbClr val="000000">
+                      <a:alpha val="43137"/>
+                    </a:srgbClr>
+                  </a:outerShdw>
+                </a:effectLst>
+              </a:rPr>
+              <a:t>}</a:t>
+            </a:r>
+          </a:p>
+        </p:txBody>
+      </p:sp>
+      <p:sp>
+        <p:nvSpPr>
+          <p:cNvPr id="9" name="TextBox 8">
+            <a:extLst>
+              <a:ext uri="{FF2B5EF4-FFF2-40B4-BE49-F238E27FC236}">
+                <a16:creationId xmlns:a16="http://schemas.microsoft.com/office/drawing/2014/main" id="{0D9F02F6-35F7-46F5-8FFE-FBAD20732CDC}"/>
+              </a:ext>
+            </a:extLst>
+          </p:cNvPr>
+          <p:cNvSpPr txBox="1"/>
+          <p:nvPr/>
+        </p:nvSpPr>
+        <p:spPr>
+          <a:xfrm>
+            <a:off x="301812" y="1347761"/>
+            <a:ext cx="7700955" cy="461665"/>
+          </a:xfrm>
+          <a:prstGeom prst="rect">
+            <a:avLst/>
+          </a:prstGeom>
+          <a:noFill/>
+        </p:spPr>
+        <p:txBody>
+          <a:bodyPr wrap="square" rtlCol="0">
+            <a:spAutoFit/>
+          </a:bodyPr>
+          <a:lstStyle/>
+          <a:p>
             <a:pPr marL="457200" indent="-457200">
               <a:buFont typeface="Arial" panose="020B0604020202020204" pitchFamily="34" charset="0"/>
               <a:buChar char="•"/>
             </a:pPr>
             <a:r>
-              <a:rPr lang="en-US" altLang="ko-KR" sz="3200">
+              <a:rPr lang="en-US" altLang="ko-KR" sz="2400" b="1">
+                <a:effectLst>
+                  <a:outerShdw blurRad="38100" dist="38100" dir="2700000" algn="tl">
+                    <a:srgbClr val="000000">
+                      <a:alpha val="43137"/>
+                    </a:srgbClr>
+                  </a:outerShdw>
+                </a:effectLst>
+              </a:rPr>
+              <a:t>string.h </a:t>
+            </a:r>
+            <a:r>
+              <a:rPr lang="ko-KR" altLang="en-US" sz="2400" b="1">
+                <a:effectLst>
+                  <a:outerShdw blurRad="38100" dist="38100" dir="2700000" algn="tl">
+                    <a:srgbClr val="000000">
+                      <a:alpha val="43137"/>
+                    </a:srgbClr>
+                  </a:outerShdw>
+                </a:effectLst>
+              </a:rPr>
+              <a:t>사용예시</a:t>
+            </a:r>
+            <a:r>
+              <a:rPr lang="en-US" altLang="ko-KR" sz="2400" b="1">
+                <a:effectLst>
+                  <a:outerShdw blurRad="38100" dist="38100" dir="2700000" algn="tl">
+                    <a:srgbClr val="000000">
+                      <a:alpha val="43137"/>
+                    </a:srgbClr>
+                  </a:outerShdw>
+                </a:effectLst>
+              </a:rPr>
+              <a:t>(string </a:t>
+            </a:r>
+            <a:r>
+              <a:rPr lang="ko-KR" altLang="en-US" sz="2400" b="1">
+                <a:effectLst>
+                  <a:outerShdw blurRad="38100" dist="38100" dir="2700000" algn="tl">
+                    <a:srgbClr val="000000">
+                      <a:alpha val="43137"/>
+                    </a:srgbClr>
+                  </a:outerShdw>
+                </a:effectLst>
+              </a:rPr>
+              <a:t>복사하기</a:t>
+            </a:r>
+            <a:r>
+              <a:rPr lang="en-US" altLang="ko-KR" sz="2400" b="1">
+                <a:effectLst>
+                  <a:outerShdw blurRad="38100" dist="38100" dir="2700000" algn="tl">
+                    <a:srgbClr val="000000">
+                      <a:alpha val="43137"/>
+                    </a:srgbClr>
+                  </a:outerShdw>
+                </a:effectLst>
+              </a:rPr>
+              <a:t>)</a:t>
+            </a:r>
+          </a:p>
+        </p:txBody>
+      </p:sp>
+      <p:sp>
+        <p:nvSpPr>
+          <p:cNvPr id="10" name="TextBox 9">
+            <a:extLst>
+              <a:ext uri="{FF2B5EF4-FFF2-40B4-BE49-F238E27FC236}">
+                <a16:creationId xmlns:a16="http://schemas.microsoft.com/office/drawing/2014/main" id="{A29EA04F-7B1B-49BC-ACB8-3B4FF42C8C33}"/>
+              </a:ext>
+            </a:extLst>
+          </p:cNvPr>
+          <p:cNvSpPr txBox="1"/>
+          <p:nvPr/>
+        </p:nvSpPr>
+        <p:spPr>
+          <a:xfrm>
+            <a:off x="730922" y="1941546"/>
+            <a:ext cx="9300584" cy="461665"/>
+          </a:xfrm>
+          <a:prstGeom prst="rect">
+            <a:avLst/>
+          </a:prstGeom>
+          <a:noFill/>
+        </p:spPr>
+        <p:txBody>
+          <a:bodyPr wrap="square" rtlCol="0">
+            <a:spAutoFit/>
+          </a:bodyPr>
+          <a:lstStyle/>
+          <a:p>
+            <a:r>
+              <a:rPr lang="ko-KR" altLang="en-US" sz="2400">
+                <a:effectLst>
+                  <a:outerShdw blurRad="38100" dist="38100" dir="2700000" algn="tl">
+                    <a:srgbClr val="000000">
+                      <a:alpha val="43137"/>
+                    </a:srgbClr>
+                  </a:outerShdw>
+                </a:effectLst>
+              </a:rPr>
+              <a:t>이렇게 입력하면 </a:t>
+            </a:r>
+            <a:r>
+              <a:rPr lang="en-US" altLang="ko-KR" sz="2400">
+                <a:effectLst>
+                  <a:outerShdw blurRad="38100" dist="38100" dir="2700000" algn="tl">
+                    <a:srgbClr val="000000">
+                      <a:alpha val="43137"/>
+                    </a:srgbClr>
+                  </a:outerShdw>
+                </a:effectLst>
+              </a:rPr>
+              <a:t>name1</a:t>
+            </a:r>
+            <a:r>
+              <a:rPr lang="ko-KR" altLang="en-US" sz="2400">
+                <a:effectLst>
+                  <a:outerShdw blurRad="38100" dist="38100" dir="2700000" algn="tl">
+                    <a:srgbClr val="000000">
+                      <a:alpha val="43137"/>
+                    </a:srgbClr>
+                  </a:outerShdw>
+                </a:effectLst>
+              </a:rPr>
+              <a:t>의 내용이 </a:t>
+            </a:r>
+            <a:r>
+              <a:rPr lang="en-US" altLang="ko-KR" sz="2400">
+                <a:effectLst>
+                  <a:outerShdw blurRad="38100" dist="38100" dir="2700000" algn="tl">
+                    <a:srgbClr val="000000">
+                      <a:alpha val="43137"/>
+                    </a:srgbClr>
+                  </a:outerShdw>
+                </a:effectLst>
+              </a:rPr>
+              <a:t>name2</a:t>
+            </a:r>
+            <a:r>
+              <a:rPr lang="ko-KR" altLang="en-US" sz="2400">
+                <a:effectLst>
+                  <a:outerShdw blurRad="38100" dist="38100" dir="2700000" algn="tl">
+                    <a:srgbClr val="000000">
+                      <a:alpha val="43137"/>
+                    </a:srgbClr>
+                  </a:outerShdw>
+                </a:effectLst>
+              </a:rPr>
+              <a:t>에 들어가요</a:t>
+            </a:r>
+            <a:endParaRPr lang="en-US" altLang="ko-KR" sz="2400">
+              <a:effectLst>
+                <a:outerShdw blurRad="38100" dist="38100" dir="2700000" algn="tl">
+                  <a:srgbClr val="000000">
+                    <a:alpha val="43137"/>
+                  </a:srgbClr>
+                </a:outerShdw>
+              </a:effectLst>
+            </a:endParaRPr>
+          </a:p>
+        </p:txBody>
+      </p:sp>
+      <p:sp>
+        <p:nvSpPr>
+          <p:cNvPr id="11" name="TextBox 10">
+            <a:extLst>
+              <a:ext uri="{FF2B5EF4-FFF2-40B4-BE49-F238E27FC236}">
+                <a16:creationId xmlns:a16="http://schemas.microsoft.com/office/drawing/2014/main" id="{2FE1DCEA-FB72-4B2F-A923-1AB3E2C9D29F}"/>
+              </a:ext>
+            </a:extLst>
+          </p:cNvPr>
+          <p:cNvSpPr txBox="1"/>
+          <p:nvPr/>
+        </p:nvSpPr>
+        <p:spPr>
+          <a:xfrm>
+            <a:off x="4854984" y="4637457"/>
+            <a:ext cx="7497483" cy="369332"/>
+          </a:xfrm>
+          <a:prstGeom prst="rect">
+            <a:avLst/>
+          </a:prstGeom>
+          <a:noFill/>
+        </p:spPr>
+        <p:txBody>
+          <a:bodyPr wrap="square" rtlCol="0">
+            <a:spAutoFit/>
+          </a:bodyPr>
+          <a:lstStyle/>
+          <a:p>
+            <a:r>
+              <a:rPr lang="en-US" altLang="ko-KR">
+                <a:solidFill>
+                  <a:srgbClr val="0000FF"/>
+                </a:solidFill>
+                <a:effectLst>
+                  <a:outerShdw blurRad="38100" dist="38100" dir="2700000" algn="tl">
+                    <a:srgbClr val="000000">
+                      <a:alpha val="43137"/>
+                    </a:srgbClr>
+                  </a:outerShdw>
+                </a:effectLst>
+              </a:rPr>
+              <a:t>string.h</a:t>
+            </a:r>
+            <a:r>
+              <a:rPr lang="ko-KR" altLang="en-US">
+                <a:solidFill>
+                  <a:srgbClr val="0000FF"/>
+                </a:solidFill>
+                <a:effectLst>
+                  <a:outerShdw blurRad="38100" dist="38100" dir="2700000" algn="tl">
+                    <a:srgbClr val="000000">
+                      <a:alpha val="43137"/>
+                    </a:srgbClr>
+                  </a:outerShdw>
+                </a:effectLst>
+              </a:rPr>
+              <a:t>에 들어있는 </a:t>
+            </a:r>
+            <a:r>
+              <a:rPr lang="en-US" altLang="ko-KR">
+                <a:solidFill>
+                  <a:srgbClr val="0000FF"/>
+                </a:solidFill>
+                <a:effectLst>
+                  <a:outerShdw blurRad="38100" dist="38100" dir="2700000" algn="tl">
+                    <a:srgbClr val="000000">
+                      <a:alpha val="43137"/>
+                    </a:srgbClr>
+                  </a:outerShdw>
+                </a:effectLst>
+              </a:rPr>
+              <a:t>strcpy </a:t>
+            </a:r>
+            <a:r>
+              <a:rPr lang="ko-KR" altLang="en-US">
+                <a:solidFill>
+                  <a:srgbClr val="0000FF"/>
+                </a:solidFill>
+                <a:effectLst>
+                  <a:outerShdw blurRad="38100" dist="38100" dir="2700000" algn="tl">
+                    <a:srgbClr val="000000">
+                      <a:alpha val="43137"/>
+                    </a:srgbClr>
+                  </a:outerShdw>
+                </a:effectLst>
+              </a:rPr>
+              <a:t>함수</a:t>
+            </a:r>
+            <a:endParaRPr lang="en-US" altLang="ko-KR">
+              <a:solidFill>
+                <a:srgbClr val="0000FF"/>
+              </a:solidFill>
+              <a:effectLst>
+                <a:outerShdw blurRad="38100" dist="38100" dir="2700000" algn="tl">
+                  <a:srgbClr val="000000">
+                    <a:alpha val="43137"/>
+                  </a:srgbClr>
+                </a:outerShdw>
+              </a:effectLst>
+            </a:endParaRPr>
+          </a:p>
+        </p:txBody>
+      </p:sp>
+    </p:spTree>
+    <p:extLst>
+      <p:ext uri="{BB962C8B-B14F-4D97-AF65-F5344CB8AC3E}">
+        <p14:creationId xmlns:p14="http://schemas.microsoft.com/office/powerpoint/2010/main" val="1478359360"/>
+      </p:ext>
+    </p:extLst>
+  </p:cSld>
+  <p:clrMapOvr>
+    <a:masterClrMapping/>
+  </p:clrMapOvr>
+</p:sld>
+</file>
+
+<file path=ppt/slides/slide16.xml><?xml version="1.0" encoding="utf-8"?>
+<p:sld xmlns:a="http://schemas.openxmlformats.org/drawingml/2006/main" xmlns:r="http://schemas.openxmlformats.org/officeDocument/2006/relationships" xmlns:p="http://schemas.openxmlformats.org/presentationml/2006/main">
+  <p:cSld>
+    <p:spTree>
+      <p:nvGrpSpPr>
+        <p:cNvPr id="1" name=""/>
+        <p:cNvGrpSpPr/>
+        <p:nvPr/>
+      </p:nvGrpSpPr>
+      <p:grpSpPr>
+        <a:xfrm>
+          <a:off x="0" y="0"/>
+          <a:ext cx="0" cy="0"/>
+          <a:chOff x="0" y="0"/>
+          <a:chExt cx="0" cy="0"/>
+        </a:xfrm>
+      </p:grpSpPr>
+      <p:pic>
+        <p:nvPicPr>
+          <p:cNvPr id="10" name="그림 9" descr="화살이(가) 표시된 사진&#10;&#10;자동 생성된 설명">
+            <a:extLst>
+              <a:ext uri="{FF2B5EF4-FFF2-40B4-BE49-F238E27FC236}">
+                <a16:creationId xmlns:a16="http://schemas.microsoft.com/office/drawing/2014/main" id="{44CFF3E1-8AF5-49B1-BCC4-92C7C5FC2EAB}"/>
+              </a:ext>
+            </a:extLst>
+          </p:cNvPr>
+          <p:cNvPicPr>
+            <a:picLocks noChangeAspect="1"/>
+          </p:cNvPicPr>
+          <p:nvPr/>
+        </p:nvPicPr>
+        <p:blipFill>
+          <a:blip r:embed="rId2">
+            <a:alphaModFix amt="5000"/>
+            <a:extLst>
+              <a:ext uri="{28A0092B-C50C-407E-A947-70E740481C1C}">
+                <a14:useLocalDpi xmlns:a14="http://schemas.microsoft.com/office/drawing/2010/main" val="0"/>
+              </a:ext>
+            </a:extLst>
+          </a:blip>
+          <a:stretch>
+            <a:fillRect/>
+          </a:stretch>
+        </p:blipFill>
+        <p:spPr>
+          <a:xfrm>
+            <a:off x="1209040" y="-1"/>
+            <a:ext cx="9875520" cy="6857429"/>
+          </a:xfrm>
+          <a:prstGeom prst="rect">
+            <a:avLst/>
+          </a:prstGeom>
+        </p:spPr>
+      </p:pic>
+      <p:sp>
+        <p:nvSpPr>
+          <p:cNvPr id="2" name="제목 1">
+            <a:extLst>
+              <a:ext uri="{FF2B5EF4-FFF2-40B4-BE49-F238E27FC236}">
+                <a16:creationId xmlns:a16="http://schemas.microsoft.com/office/drawing/2014/main" id="{B5F771FA-F15B-46C3-BA0D-4B28CB171312}"/>
+              </a:ext>
+            </a:extLst>
+          </p:cNvPr>
+          <p:cNvSpPr>
+            <a:spLocks noGrp="1"/>
+          </p:cNvSpPr>
+          <p:nvPr>
+            <p:ph type="ctrTitle"/>
+          </p:nvPr>
+        </p:nvSpPr>
+        <p:spPr>
+          <a:xfrm>
+            <a:off x="301812" y="210670"/>
+            <a:ext cx="11689976" cy="851648"/>
+          </a:xfrm>
+        </p:spPr>
+        <p:txBody>
+          <a:bodyPr>
+            <a:normAutofit fontScale="90000"/>
+          </a:bodyPr>
+          <a:lstStyle/>
+          <a:p>
+            <a:pPr algn="l"/>
+            <a:r>
+              <a:rPr lang="ko-KR" altLang="en-US" b="1">
+                <a:effectLst>
+                  <a:outerShdw blurRad="38100" dist="38100" dir="2700000" algn="tl">
+                    <a:srgbClr val="000000">
+                      <a:alpha val="43137"/>
+                    </a:srgbClr>
+                  </a:outerShdw>
+                </a:effectLst>
+              </a:rPr>
+              <a:t>과제</a:t>
+            </a:r>
+          </a:p>
+        </p:txBody>
+      </p:sp>
+      <p:sp>
+        <p:nvSpPr>
+          <p:cNvPr id="4" name="이등변 삼각형 3">
+            <a:extLst>
+              <a:ext uri="{FF2B5EF4-FFF2-40B4-BE49-F238E27FC236}">
+                <a16:creationId xmlns:a16="http://schemas.microsoft.com/office/drawing/2014/main" id="{D82EB4D7-301B-4780-87C6-7D1E66BD5181}"/>
+              </a:ext>
+            </a:extLst>
+          </p:cNvPr>
+          <p:cNvSpPr/>
+          <p:nvPr/>
+        </p:nvSpPr>
+        <p:spPr>
+          <a:xfrm rot="10800000">
+            <a:off x="11204089" y="-1"/>
+            <a:ext cx="987911" cy="851647"/>
+          </a:xfrm>
+          <a:prstGeom prst="triangle">
+            <a:avLst>
+              <a:gd name="adj" fmla="val 0"/>
+            </a:avLst>
+          </a:prstGeom>
+          <a:solidFill>
+            <a:schemeClr val="tx1"/>
+          </a:solidFill>
+          <a:ln>
+            <a:solidFill>
+              <a:schemeClr val="tx1"/>
+            </a:solidFill>
+          </a:ln>
+        </p:spPr>
+        <p:style>
+          <a:lnRef idx="2">
+            <a:schemeClr val="accent1">
+              <a:shade val="50000"/>
+            </a:schemeClr>
+          </a:lnRef>
+          <a:fillRef idx="1">
+            <a:schemeClr val="accent1"/>
+          </a:fillRef>
+          <a:effectRef idx="0">
+            <a:schemeClr val="accent1"/>
+          </a:effectRef>
+          <a:fontRef idx="minor">
+            <a:schemeClr val="lt1"/>
+          </a:fontRef>
+        </p:style>
+        <p:txBody>
+          <a:bodyPr rtlCol="0" anchor="ctr"/>
+          <a:lstStyle/>
+          <a:p>
+            <a:pPr algn="ctr"/>
+            <a:endParaRPr lang="ko-KR" altLang="en-US"/>
+          </a:p>
+        </p:txBody>
+      </p:sp>
+      <p:cxnSp>
+        <p:nvCxnSpPr>
+          <p:cNvPr id="7" name="직선 연결선 6">
+            <a:extLst>
+              <a:ext uri="{FF2B5EF4-FFF2-40B4-BE49-F238E27FC236}">
+                <a16:creationId xmlns:a16="http://schemas.microsoft.com/office/drawing/2014/main" id="{2585E046-0EB0-4A38-9487-0FDCAD563659}"/>
+              </a:ext>
+            </a:extLst>
+          </p:cNvPr>
+          <p:cNvCxnSpPr/>
+          <p:nvPr/>
+        </p:nvCxnSpPr>
+        <p:spPr>
+          <a:xfrm>
+            <a:off x="30480" y="1143598"/>
+            <a:ext cx="2357120" cy="0"/>
+          </a:xfrm>
+          <a:prstGeom prst="line">
+            <a:avLst/>
+          </a:prstGeom>
+          <a:ln w="63500">
+            <a:solidFill>
+              <a:schemeClr val="tx1"/>
+            </a:solidFill>
+          </a:ln>
+        </p:spPr>
+        <p:style>
+          <a:lnRef idx="1">
+            <a:schemeClr val="accent1"/>
+          </a:lnRef>
+          <a:fillRef idx="0">
+            <a:schemeClr val="accent1"/>
+          </a:fillRef>
+          <a:effectRef idx="0">
+            <a:schemeClr val="accent1"/>
+          </a:effectRef>
+          <a:fontRef idx="minor">
+            <a:schemeClr val="tx1"/>
+          </a:fontRef>
+        </p:style>
+      </p:cxnSp>
+      <p:sp>
+        <p:nvSpPr>
+          <p:cNvPr id="11" name="TextBox 10">
+            <a:extLst>
+              <a:ext uri="{FF2B5EF4-FFF2-40B4-BE49-F238E27FC236}">
+                <a16:creationId xmlns:a16="http://schemas.microsoft.com/office/drawing/2014/main" id="{866C7EE0-D0AC-46B6-A800-93045D75F2C4}"/>
+              </a:ext>
+            </a:extLst>
+          </p:cNvPr>
+          <p:cNvSpPr txBox="1"/>
+          <p:nvPr/>
+        </p:nvSpPr>
+        <p:spPr>
+          <a:xfrm>
+            <a:off x="1209040" y="1600025"/>
+            <a:ext cx="8935557" cy="1569660"/>
+          </a:xfrm>
+          <a:prstGeom prst="rect">
+            <a:avLst/>
+          </a:prstGeom>
+          <a:noFill/>
+        </p:spPr>
+        <p:txBody>
+          <a:bodyPr wrap="square" rtlCol="0">
+            <a:spAutoFit/>
+          </a:bodyPr>
+          <a:lstStyle/>
+          <a:p>
+            <a:pPr marL="457200" indent="-457200">
+              <a:buFont typeface="Arial" panose="020B0604020202020204" pitchFamily="34" charset="0"/>
+              <a:buChar char="•"/>
+            </a:pPr>
+            <a:r>
+              <a:rPr lang="en-US" altLang="ko-KR" sz="3200" dirty="0">
+                <a:effectLst>
+                  <a:outerShdw blurRad="38100" dist="38100" dir="2700000" algn="tl">
+                    <a:srgbClr val="000000">
+                      <a:alpha val="43137"/>
+                    </a:srgbClr>
+                  </a:outerShdw>
+                </a:effectLst>
+              </a:rPr>
+              <a:t>boj.kr/2562</a:t>
+            </a:r>
+          </a:p>
+          <a:p>
+            <a:pPr marL="457200" indent="-457200">
+              <a:buFont typeface="Arial" panose="020B0604020202020204" pitchFamily="34" charset="0"/>
+              <a:buChar char="•"/>
+            </a:pPr>
+            <a:endParaRPr lang="en-US" altLang="ko-KR" sz="3200" dirty="0">
+              <a:effectLst>
+                <a:outerShdw blurRad="38100" dist="38100" dir="2700000" algn="tl">
+                  <a:srgbClr val="000000">
+                    <a:alpha val="43137"/>
+                  </a:srgbClr>
+                </a:outerShdw>
+              </a:effectLst>
+            </a:endParaRPr>
+          </a:p>
+          <a:p>
+            <a:pPr marL="457200" indent="-457200">
+              <a:buFont typeface="Arial" panose="020B0604020202020204" pitchFamily="34" charset="0"/>
+              <a:buChar char="•"/>
+            </a:pPr>
+            <a:r>
+              <a:rPr lang="en-US" altLang="ko-KR" sz="3200" dirty="0">
                 <a:effectLst>
                   <a:outerShdw blurRad="38100" dist="38100" dir="2700000" algn="tl">
                     <a:srgbClr val="000000">
@@ -7279,7 +7790,7 @@
               <a:buChar char="•"/>
             </a:pPr>
             <a:r>
-              <a:rPr lang="en-US" altLang="ko-KR" sz="3200">
+              <a:rPr lang="en-US" altLang="ko-KR" sz="3200" dirty="0">
                 <a:effectLst>
                   <a:outerShdw blurRad="38100" dist="38100" dir="2700000" algn="tl">
                     <a:srgbClr val="000000">
@@ -7296,7 +7807,7 @@
               <a:buFont typeface="Arial" panose="020B0604020202020204" pitchFamily="34" charset="0"/>
               <a:buChar char="•"/>
             </a:pPr>
-            <a:endParaRPr lang="en-US" altLang="ko-KR" sz="3200">
+            <a:endParaRPr lang="en-US" altLang="ko-KR" sz="3200" dirty="0">
               <a:effectLst>
                 <a:outerShdw blurRad="38100" dist="38100" dir="2700000" algn="tl">
                   <a:srgbClr val="000000">
@@ -7312,7 +7823,7 @@
               <a:buChar char="•"/>
             </a:pPr>
             <a:r>
-              <a:rPr lang="en-US" altLang="ko-KR" sz="3200">
+              <a:rPr lang="en-US" altLang="ko-KR" sz="3200" dirty="0">
                 <a:effectLst>
                   <a:outerShdw blurRad="38100" dist="38100" dir="2700000" algn="tl">
                     <a:srgbClr val="000000">
@@ -7329,7 +7840,7 @@
               <a:buFont typeface="Arial" panose="020B0604020202020204" pitchFamily="34" charset="0"/>
               <a:buChar char="•"/>
             </a:pPr>
-            <a:endParaRPr lang="en-US" altLang="ko-KR" sz="3200">
+            <a:endParaRPr lang="en-US" altLang="ko-KR" sz="3200" dirty="0">
               <a:effectLst>
                 <a:outerShdw blurRad="38100" dist="38100" dir="2700000" algn="tl">
                   <a:srgbClr val="000000">
@@ -7345,7 +7856,7 @@
               <a:buChar char="•"/>
             </a:pPr>
             <a:r>
-              <a:rPr lang="en-US" altLang="ko-KR" sz="3200">
+              <a:rPr lang="en-US" altLang="ko-KR" sz="3200" dirty="0">
                 <a:effectLst>
                   <a:outerShdw blurRad="38100" dist="38100" dir="2700000" algn="tl">
                     <a:srgbClr val="000000">
@@ -9099,14 +9610,14 @@
           <a:p>
             <a:pPr algn="ctr"/>
             <a:r>
-              <a:rPr lang="en-US" altLang="ko-KR">
+              <a:rPr lang="en-US" altLang="ko-KR" dirty="0">
                 <a:solidFill>
                   <a:schemeClr val="tx1"/>
                 </a:solidFill>
               </a:rPr>
               <a:t>0x0000</a:t>
             </a:r>
-            <a:endParaRPr lang="ko-KR" altLang="en-US">
+            <a:endParaRPr lang="ko-KR" altLang="en-US" dirty="0">
               <a:solidFill>
                 <a:schemeClr val="tx1"/>
               </a:solidFill>
@@ -9384,10 +9895,14 @@
           <a:lstStyle/>
           <a:p>
             <a:r>
-              <a:rPr lang="en-US" altLang="ko-KR" sz="1000"/>
-              <a:t>ecMembersAge[0]</a:t>
-            </a:r>
-            <a:endParaRPr lang="ko-KR" altLang="en-US" sz="1000"/>
+              <a:rPr lang="en-US" altLang="ko-KR" sz="1000" dirty="0" err="1"/>
+              <a:t>ecMembersAge</a:t>
+            </a:r>
+            <a:r>
+              <a:rPr lang="en-US" altLang="ko-KR" sz="1000" dirty="0"/>
+              <a:t>[0]</a:t>
+            </a:r>
+            <a:endParaRPr lang="ko-KR" altLang="en-US" sz="1000" dirty="0"/>
           </a:p>
         </p:txBody>
       </p:sp>
@@ -9574,14 +10089,14 @@
           <a:p>
             <a:pPr algn="ctr"/>
             <a:r>
-              <a:rPr lang="en-US" altLang="ko-KR">
+              <a:rPr lang="en-US" altLang="ko-KR" dirty="0">
                 <a:solidFill>
                   <a:schemeClr val="tx1"/>
                 </a:solidFill>
               </a:rPr>
               <a:t>0x0004</a:t>
             </a:r>
-            <a:endParaRPr lang="ko-KR" altLang="en-US">
+            <a:endParaRPr lang="ko-KR" altLang="en-US" dirty="0">
               <a:solidFill>
                 <a:schemeClr val="tx1"/>
               </a:solidFill>
@@ -9640,14 +10155,14 @@
           <a:p>
             <a:pPr algn="ctr"/>
             <a:r>
-              <a:rPr lang="en-US" altLang="ko-KR">
+              <a:rPr lang="en-US" altLang="ko-KR" dirty="0">
                 <a:solidFill>
                   <a:schemeClr val="tx1"/>
                 </a:solidFill>
               </a:rPr>
               <a:t>int</a:t>
             </a:r>
-            <a:endParaRPr lang="ko-KR" altLang="en-US">
+            <a:endParaRPr lang="ko-KR" altLang="en-US" dirty="0">
               <a:solidFill>
                 <a:schemeClr val="tx1"/>
               </a:solidFill>
@@ -9874,14 +10389,14 @@
           <a:p>
             <a:pPr algn="ctr"/>
             <a:r>
-              <a:rPr lang="en-US" altLang="ko-KR">
+              <a:rPr lang="en-US" altLang="ko-KR" dirty="0">
                 <a:solidFill>
                   <a:schemeClr val="tx1"/>
                 </a:solidFill>
               </a:rPr>
               <a:t>0x0008</a:t>
             </a:r>
-            <a:endParaRPr lang="ko-KR" altLang="en-US">
+            <a:endParaRPr lang="ko-KR" altLang="en-US" dirty="0">
               <a:solidFill>
                 <a:schemeClr val="tx1"/>
               </a:solidFill>
@@ -10174,14 +10689,14 @@
           <a:p>
             <a:pPr algn="ctr"/>
             <a:r>
-              <a:rPr lang="en-US" altLang="ko-KR">
+              <a:rPr lang="en-US" altLang="ko-KR" dirty="0">
                 <a:solidFill>
                   <a:schemeClr val="tx1"/>
                 </a:solidFill>
               </a:rPr>
               <a:t>0x000C</a:t>
             </a:r>
-            <a:endParaRPr lang="ko-KR" altLang="en-US">
+            <a:endParaRPr lang="ko-KR" altLang="en-US" dirty="0">
               <a:solidFill>
                 <a:schemeClr val="tx1"/>
               </a:solidFill>
@@ -10474,14 +10989,14 @@
           <a:p>
             <a:pPr algn="ctr"/>
             <a:r>
-              <a:rPr lang="en-US" altLang="ko-KR">
+              <a:rPr lang="en-US" altLang="ko-KR" dirty="0">
                 <a:solidFill>
                   <a:schemeClr val="tx1"/>
                 </a:solidFill>
               </a:rPr>
               <a:t>0x0010</a:t>
             </a:r>
-            <a:endParaRPr lang="ko-KR" altLang="en-US">
+            <a:endParaRPr lang="ko-KR" altLang="en-US" dirty="0">
               <a:solidFill>
                 <a:schemeClr val="tx1"/>
               </a:solidFill>
@@ -10774,14 +11289,14 @@
           <a:p>
             <a:pPr algn="ctr"/>
             <a:r>
-              <a:rPr lang="en-US" altLang="ko-KR">
+              <a:rPr lang="en-US" altLang="ko-KR" dirty="0">
                 <a:solidFill>
                   <a:schemeClr val="tx1"/>
                 </a:solidFill>
               </a:rPr>
               <a:t>0x0014</a:t>
             </a:r>
-            <a:endParaRPr lang="ko-KR" altLang="en-US">
+            <a:endParaRPr lang="ko-KR" altLang="en-US" dirty="0">
               <a:solidFill>
                 <a:schemeClr val="tx1"/>
               </a:solidFill>
@@ -12333,20 +12848,44 @@
           <a:lstStyle/>
           <a:p>
             <a:r>
-              <a:rPr lang="en-US" altLang="ko-KR" sz="2000">
-                <a:effectLst>
-                  <a:outerShdw blurRad="38100" dist="38100" dir="2700000" algn="tl">
-                    <a:srgbClr val="000000">
-                      <a:alpha val="43137"/>
-                    </a:srgbClr>
-                  </a:outerShdw>
-                </a:effectLst>
-              </a:rPr>
-              <a:t>#include &lt;stdio.h&gt;</a:t>
-            </a:r>
-          </a:p>
-          <a:p>
-            <a:endParaRPr lang="en-US" altLang="ko-KR" sz="2000">
+              <a:rPr lang="en-US" altLang="ko-KR" sz="2000" dirty="0">
+                <a:effectLst>
+                  <a:outerShdw blurRad="38100" dist="38100" dir="2700000" algn="tl">
+                    <a:srgbClr val="000000">
+                      <a:alpha val="43137"/>
+                    </a:srgbClr>
+                  </a:outerShdw>
+                </a:effectLst>
+              </a:rPr>
+              <a:t>#include &lt;</a:t>
+            </a:r>
+            <a:r>
+              <a:rPr lang="en-US" altLang="ko-KR" sz="2000" dirty="0" err="1">
+                <a:effectLst>
+                  <a:outerShdw blurRad="38100" dist="38100" dir="2700000" algn="tl">
+                    <a:srgbClr val="000000">
+                      <a:alpha val="43137"/>
+                    </a:srgbClr>
+                  </a:outerShdw>
+                </a:effectLst>
+              </a:rPr>
+              <a:t>stdio.h</a:t>
+            </a:r>
+            <a:r>
+              <a:rPr lang="en-US" altLang="ko-KR" sz="2000" dirty="0">
+                <a:effectLst>
+                  <a:outerShdw blurRad="38100" dist="38100" dir="2700000" algn="tl">
+                    <a:srgbClr val="000000">
+                      <a:alpha val="43137"/>
+                    </a:srgbClr>
+                  </a:outerShdw>
+                </a:effectLst>
+              </a:rPr>
+              <a:t>&gt;</a:t>
+            </a:r>
+          </a:p>
+          <a:p>
+            <a:endParaRPr lang="en-US" altLang="ko-KR" sz="2000" dirty="0">
               <a:effectLst>
                 <a:outerShdw blurRad="38100" dist="38100" dir="2700000" algn="tl">
                   <a:srgbClr val="000000">
@@ -12358,7 +12897,7 @@
           </a:p>
           <a:p>
             <a:r>
-              <a:rPr lang="en-US" altLang="ko-KR" sz="2000">
+              <a:rPr lang="en-US" altLang="ko-KR" sz="2000" dirty="0">
                 <a:effectLst>
                   <a:outerShdw blurRad="38100" dist="38100" dir="2700000" algn="tl">
                     <a:srgbClr val="000000">
@@ -12372,63 +12911,255 @@
           </a:p>
           <a:p>
             <a:r>
-              <a:rPr lang="en-US" altLang="ko-KR" sz="2000">
-                <a:effectLst>
-                  <a:outerShdw blurRad="38100" dist="38100" dir="2700000" algn="tl">
-                    <a:srgbClr val="000000">
-                      <a:alpha val="43137"/>
-                    </a:srgbClr>
-                  </a:outerShdw>
-                </a:effectLst>
-              </a:rPr>
-              <a:t>	int ecMembersAge[10];</a:t>
-            </a:r>
-          </a:p>
-          <a:p>
-            <a:r>
-              <a:rPr lang="en-US" altLang="ko-KR" sz="2000">
-                <a:effectLst>
-                  <a:outerShdw blurRad="38100" dist="38100" dir="2700000" algn="tl">
-                    <a:srgbClr val="000000">
-                      <a:alpha val="43137"/>
-                    </a:srgbClr>
-                  </a:outerShdw>
-                </a:effectLst>
-              </a:rPr>
-              <a:t>	int i = 0;</a:t>
-            </a:r>
-          </a:p>
-          <a:p>
-            <a:r>
-              <a:rPr lang="en-US" altLang="ko-KR" sz="2000">
-                <a:effectLst>
-                  <a:outerShdw blurRad="38100" dist="38100" dir="2700000" algn="tl">
-                    <a:srgbClr val="000000">
-                      <a:alpha val="43137"/>
-                    </a:srgbClr>
-                  </a:outerShdw>
-                </a:effectLst>
-              </a:rPr>
-              <a:t>	for( i = 0; i &lt; 10; ++i ) {</a:t>
-            </a:r>
-          </a:p>
-          <a:p>
-            <a:r>
-              <a:rPr lang="en-US" altLang="ko-KR" sz="2000">
-                <a:effectLst>
-                  <a:outerShdw blurRad="38100" dist="38100" dir="2700000" algn="tl">
-                    <a:srgbClr val="000000">
-                      <a:alpha val="43137"/>
-                    </a:srgbClr>
-                  </a:outerShdw>
-                </a:effectLst>
-              </a:rPr>
-              <a:t>		scanf(“%d”, &amp;ecMembersAge[%d]);</a:t>
-            </a:r>
-          </a:p>
-          <a:p>
-            <a:r>
-              <a:rPr lang="en-US" altLang="ko-KR" sz="2000">
+              <a:rPr lang="en-US" altLang="ko-KR" sz="2000" dirty="0">
+                <a:effectLst>
+                  <a:outerShdw blurRad="38100" dist="38100" dir="2700000" algn="tl">
+                    <a:srgbClr val="000000">
+                      <a:alpha val="43137"/>
+                    </a:srgbClr>
+                  </a:outerShdw>
+                </a:effectLst>
+              </a:rPr>
+              <a:t>	int </a:t>
+            </a:r>
+            <a:r>
+              <a:rPr lang="en-US" altLang="ko-KR" sz="2000" dirty="0" err="1">
+                <a:effectLst>
+                  <a:outerShdw blurRad="38100" dist="38100" dir="2700000" algn="tl">
+                    <a:srgbClr val="000000">
+                      <a:alpha val="43137"/>
+                    </a:srgbClr>
+                  </a:outerShdw>
+                </a:effectLst>
+              </a:rPr>
+              <a:t>ecMembersAge</a:t>
+            </a:r>
+            <a:r>
+              <a:rPr lang="en-US" altLang="ko-KR" sz="2000" dirty="0">
+                <a:effectLst>
+                  <a:outerShdw blurRad="38100" dist="38100" dir="2700000" algn="tl">
+                    <a:srgbClr val="000000">
+                      <a:alpha val="43137"/>
+                    </a:srgbClr>
+                  </a:outerShdw>
+                </a:effectLst>
+              </a:rPr>
+              <a:t>[10];</a:t>
+            </a:r>
+          </a:p>
+          <a:p>
+            <a:r>
+              <a:rPr lang="en-US" altLang="ko-KR" sz="2000" dirty="0">
+                <a:effectLst>
+                  <a:outerShdw blurRad="38100" dist="38100" dir="2700000" algn="tl">
+                    <a:srgbClr val="000000">
+                      <a:alpha val="43137"/>
+                    </a:srgbClr>
+                  </a:outerShdw>
+                </a:effectLst>
+              </a:rPr>
+              <a:t>	int </a:t>
+            </a:r>
+            <a:r>
+              <a:rPr lang="en-US" altLang="ko-KR" sz="2000" dirty="0" err="1">
+                <a:effectLst>
+                  <a:outerShdw blurRad="38100" dist="38100" dir="2700000" algn="tl">
+                    <a:srgbClr val="000000">
+                      <a:alpha val="43137"/>
+                    </a:srgbClr>
+                  </a:outerShdw>
+                </a:effectLst>
+              </a:rPr>
+              <a:t>i</a:t>
+            </a:r>
+            <a:r>
+              <a:rPr lang="en-US" altLang="ko-KR" sz="2000" dirty="0">
+                <a:effectLst>
+                  <a:outerShdw blurRad="38100" dist="38100" dir="2700000" algn="tl">
+                    <a:srgbClr val="000000">
+                      <a:alpha val="43137"/>
+                    </a:srgbClr>
+                  </a:outerShdw>
+                </a:effectLst>
+              </a:rPr>
+              <a:t> = 0;</a:t>
+            </a:r>
+          </a:p>
+          <a:p>
+            <a:r>
+              <a:rPr lang="en-US" altLang="ko-KR" sz="2000" dirty="0">
+                <a:effectLst>
+                  <a:outerShdw blurRad="38100" dist="38100" dir="2700000" algn="tl">
+                    <a:srgbClr val="000000">
+                      <a:alpha val="43137"/>
+                    </a:srgbClr>
+                  </a:outerShdw>
+                </a:effectLst>
+              </a:rPr>
+              <a:t>	for( </a:t>
+            </a:r>
+            <a:r>
+              <a:rPr lang="en-US" altLang="ko-KR" sz="2000" dirty="0" err="1">
+                <a:effectLst>
+                  <a:outerShdw blurRad="38100" dist="38100" dir="2700000" algn="tl">
+                    <a:srgbClr val="000000">
+                      <a:alpha val="43137"/>
+                    </a:srgbClr>
+                  </a:outerShdw>
+                </a:effectLst>
+              </a:rPr>
+              <a:t>i</a:t>
+            </a:r>
+            <a:r>
+              <a:rPr lang="en-US" altLang="ko-KR" sz="2000" dirty="0">
+                <a:effectLst>
+                  <a:outerShdw blurRad="38100" dist="38100" dir="2700000" algn="tl">
+                    <a:srgbClr val="000000">
+                      <a:alpha val="43137"/>
+                    </a:srgbClr>
+                  </a:outerShdw>
+                </a:effectLst>
+              </a:rPr>
+              <a:t> = 0; </a:t>
+            </a:r>
+            <a:r>
+              <a:rPr lang="en-US" altLang="ko-KR" sz="2000" dirty="0" err="1">
+                <a:effectLst>
+                  <a:outerShdw blurRad="38100" dist="38100" dir="2700000" algn="tl">
+                    <a:srgbClr val="000000">
+                      <a:alpha val="43137"/>
+                    </a:srgbClr>
+                  </a:outerShdw>
+                </a:effectLst>
+              </a:rPr>
+              <a:t>i</a:t>
+            </a:r>
+            <a:r>
+              <a:rPr lang="en-US" altLang="ko-KR" sz="2000" dirty="0">
+                <a:effectLst>
+                  <a:outerShdw blurRad="38100" dist="38100" dir="2700000" algn="tl">
+                    <a:srgbClr val="000000">
+                      <a:alpha val="43137"/>
+                    </a:srgbClr>
+                  </a:outerShdw>
+                </a:effectLst>
+              </a:rPr>
+              <a:t> &lt; 10; ++</a:t>
+            </a:r>
+            <a:r>
+              <a:rPr lang="en-US" altLang="ko-KR" sz="2000" dirty="0" err="1">
+                <a:effectLst>
+                  <a:outerShdw blurRad="38100" dist="38100" dir="2700000" algn="tl">
+                    <a:srgbClr val="000000">
+                      <a:alpha val="43137"/>
+                    </a:srgbClr>
+                  </a:outerShdw>
+                </a:effectLst>
+              </a:rPr>
+              <a:t>i</a:t>
+            </a:r>
+            <a:r>
+              <a:rPr lang="en-US" altLang="ko-KR" sz="2000" dirty="0">
+                <a:effectLst>
+                  <a:outerShdw blurRad="38100" dist="38100" dir="2700000" algn="tl">
+                    <a:srgbClr val="000000">
+                      <a:alpha val="43137"/>
+                    </a:srgbClr>
+                  </a:outerShdw>
+                </a:effectLst>
+              </a:rPr>
+              <a:t> ) {</a:t>
+            </a:r>
+          </a:p>
+          <a:p>
+            <a:r>
+              <a:rPr lang="en-US" altLang="ko-KR" sz="2000" dirty="0">
+                <a:effectLst>
+                  <a:outerShdw blurRad="38100" dist="38100" dir="2700000" algn="tl">
+                    <a:srgbClr val="000000">
+                      <a:alpha val="43137"/>
+                    </a:srgbClr>
+                  </a:outerShdw>
+                </a:effectLst>
+              </a:rPr>
+              <a:t>		</a:t>
+            </a:r>
+            <a:r>
+              <a:rPr lang="en-US" altLang="ko-KR" sz="2000" dirty="0" err="1">
+                <a:effectLst>
+                  <a:outerShdw blurRad="38100" dist="38100" dir="2700000" algn="tl">
+                    <a:srgbClr val="000000">
+                      <a:alpha val="43137"/>
+                    </a:srgbClr>
+                  </a:outerShdw>
+                </a:effectLst>
+              </a:rPr>
+              <a:t>scanf</a:t>
+            </a:r>
+            <a:r>
+              <a:rPr lang="en-US" altLang="ko-KR" sz="2000" dirty="0">
+                <a:effectLst>
+                  <a:outerShdw blurRad="38100" dist="38100" dir="2700000" algn="tl">
+                    <a:srgbClr val="000000">
+                      <a:alpha val="43137"/>
+                    </a:srgbClr>
+                  </a:outerShdw>
+                </a:effectLst>
+              </a:rPr>
+              <a:t>(“%d”, &amp;</a:t>
+            </a:r>
+            <a:r>
+              <a:rPr lang="en-US" altLang="ko-KR" sz="2000" dirty="0" err="1">
+                <a:effectLst>
+                  <a:outerShdw blurRad="38100" dist="38100" dir="2700000" algn="tl">
+                    <a:srgbClr val="000000">
+                      <a:alpha val="43137"/>
+                    </a:srgbClr>
+                  </a:outerShdw>
+                </a:effectLst>
+              </a:rPr>
+              <a:t>ecMembersAge</a:t>
+            </a:r>
+            <a:r>
+              <a:rPr lang="en-US" altLang="ko-KR" sz="2000" dirty="0">
+                <a:effectLst>
+                  <a:outerShdw blurRad="38100" dist="38100" dir="2700000" algn="tl">
+                    <a:srgbClr val="000000">
+                      <a:alpha val="43137"/>
+                    </a:srgbClr>
+                  </a:outerShdw>
+                </a:effectLst>
+              </a:rPr>
+              <a:t>[</a:t>
+            </a:r>
+            <a:r>
+              <a:rPr lang="en-US" altLang="ko-KR" sz="2000" dirty="0" err="1">
+                <a:effectLst>
+                  <a:outerShdw blurRad="38100" dist="38100" dir="2700000" algn="tl">
+                    <a:srgbClr val="000000">
+                      <a:alpha val="43137"/>
+                    </a:srgbClr>
+                  </a:outerShdw>
+                </a:effectLst>
+              </a:rPr>
+              <a:t>i</a:t>
+            </a:r>
+            <a:r>
+              <a:rPr lang="en-US" altLang="ko-KR" sz="2000" dirty="0">
+                <a:effectLst>
+                  <a:outerShdw blurRad="38100" dist="38100" dir="2700000" algn="tl">
+                    <a:srgbClr val="000000">
+                      <a:alpha val="43137"/>
+                    </a:srgbClr>
+                  </a:outerShdw>
+                </a:effectLst>
+              </a:rPr>
+              <a:t>]);</a:t>
+            </a:r>
+          </a:p>
+          <a:p>
+            <a:r>
+              <a:rPr lang="en-US" altLang="ko-KR" sz="2000" dirty="0">
                 <a:effectLst>
                   <a:outerShdw blurRad="38100" dist="38100" dir="2700000" algn="tl">
                     <a:srgbClr val="000000">
@@ -12442,33 +13173,153 @@
           </a:p>
           <a:p>
             <a:r>
-              <a:rPr lang="en-US" altLang="ko-KR" sz="2000">
-                <a:effectLst>
-                  <a:outerShdw blurRad="38100" dist="38100" dir="2700000" algn="tl">
-                    <a:srgbClr val="000000">
-                      <a:alpha val="43137"/>
-                    </a:srgbClr>
-                  </a:outerShdw>
-                </a:effectLst>
-              </a:rPr>
-              <a:t>	for( i = 0; i &lt; 10; ++i ) {</a:t>
-            </a:r>
-          </a:p>
-          <a:p>
-            <a:r>
-              <a:rPr lang="en-US" altLang="ko-KR" sz="2000">
-                <a:effectLst>
-                  <a:outerShdw blurRad="38100" dist="38100" dir="2700000" algn="tl">
-                    <a:srgbClr val="000000">
-                      <a:alpha val="43137"/>
-                    </a:srgbClr>
-                  </a:outerShdw>
-                </a:effectLst>
-              </a:rPr>
-              <a:t>		printf( “ecMembersAge[%d]</a:t>
-            </a:r>
-            <a:r>
-              <a:rPr lang="ko-KR" altLang="en-US" sz="2000">
+              <a:rPr lang="en-US" altLang="ko-KR" sz="2000" dirty="0">
+                <a:effectLst>
+                  <a:outerShdw blurRad="38100" dist="38100" dir="2700000" algn="tl">
+                    <a:srgbClr val="000000">
+                      <a:alpha val="43137"/>
+                    </a:srgbClr>
+                  </a:outerShdw>
+                </a:effectLst>
+              </a:rPr>
+              <a:t>	for( </a:t>
+            </a:r>
+            <a:r>
+              <a:rPr lang="en-US" altLang="ko-KR" sz="2000" dirty="0" err="1">
+                <a:effectLst>
+                  <a:outerShdw blurRad="38100" dist="38100" dir="2700000" algn="tl">
+                    <a:srgbClr val="000000">
+                      <a:alpha val="43137"/>
+                    </a:srgbClr>
+                  </a:outerShdw>
+                </a:effectLst>
+              </a:rPr>
+              <a:t>i</a:t>
+            </a:r>
+            <a:r>
+              <a:rPr lang="en-US" altLang="ko-KR" sz="2000" dirty="0">
+                <a:effectLst>
+                  <a:outerShdw blurRad="38100" dist="38100" dir="2700000" algn="tl">
+                    <a:srgbClr val="000000">
+                      <a:alpha val="43137"/>
+                    </a:srgbClr>
+                  </a:outerShdw>
+                </a:effectLst>
+              </a:rPr>
+              <a:t> = 0; </a:t>
+            </a:r>
+            <a:r>
+              <a:rPr lang="en-US" altLang="ko-KR" sz="2000" dirty="0" err="1">
+                <a:effectLst>
+                  <a:outerShdw blurRad="38100" dist="38100" dir="2700000" algn="tl">
+                    <a:srgbClr val="000000">
+                      <a:alpha val="43137"/>
+                    </a:srgbClr>
+                  </a:outerShdw>
+                </a:effectLst>
+              </a:rPr>
+              <a:t>i</a:t>
+            </a:r>
+            <a:r>
+              <a:rPr lang="en-US" altLang="ko-KR" sz="2000" dirty="0">
+                <a:effectLst>
+                  <a:outerShdw blurRad="38100" dist="38100" dir="2700000" algn="tl">
+                    <a:srgbClr val="000000">
+                      <a:alpha val="43137"/>
+                    </a:srgbClr>
+                  </a:outerShdw>
+                </a:effectLst>
+              </a:rPr>
+              <a:t> &lt; 10; ++</a:t>
+            </a:r>
+            <a:r>
+              <a:rPr lang="en-US" altLang="ko-KR" sz="2000" dirty="0" err="1">
+                <a:effectLst>
+                  <a:outerShdw blurRad="38100" dist="38100" dir="2700000" algn="tl">
+                    <a:srgbClr val="000000">
+                      <a:alpha val="43137"/>
+                    </a:srgbClr>
+                  </a:outerShdw>
+                </a:effectLst>
+              </a:rPr>
+              <a:t>i</a:t>
+            </a:r>
+            <a:r>
+              <a:rPr lang="en-US" altLang="ko-KR" sz="2000" dirty="0">
+                <a:effectLst>
+                  <a:outerShdw blurRad="38100" dist="38100" dir="2700000" algn="tl">
+                    <a:srgbClr val="000000">
+                      <a:alpha val="43137"/>
+                    </a:srgbClr>
+                  </a:outerShdw>
+                </a:effectLst>
+              </a:rPr>
+              <a:t> ) {</a:t>
+            </a:r>
+          </a:p>
+          <a:p>
+            <a:r>
+              <a:rPr lang="en-US" altLang="ko-KR" sz="2000" dirty="0">
+                <a:effectLst>
+                  <a:outerShdw blurRad="38100" dist="38100" dir="2700000" algn="tl">
+                    <a:srgbClr val="000000">
+                      <a:alpha val="43137"/>
+                    </a:srgbClr>
+                  </a:outerShdw>
+                </a:effectLst>
+              </a:rPr>
+              <a:t>		</a:t>
+            </a:r>
+            <a:r>
+              <a:rPr lang="en-US" altLang="ko-KR" sz="2000" dirty="0" err="1">
+                <a:effectLst>
+                  <a:outerShdw blurRad="38100" dist="38100" dir="2700000" algn="tl">
+                    <a:srgbClr val="000000">
+                      <a:alpha val="43137"/>
+                    </a:srgbClr>
+                  </a:outerShdw>
+                </a:effectLst>
+              </a:rPr>
+              <a:t>printf</a:t>
+            </a:r>
+            <a:r>
+              <a:rPr lang="en-US" altLang="ko-KR" sz="2000" dirty="0">
+                <a:effectLst>
+                  <a:outerShdw blurRad="38100" dist="38100" dir="2700000" algn="tl">
+                    <a:srgbClr val="000000">
+                      <a:alpha val="43137"/>
+                    </a:srgbClr>
+                  </a:outerShdw>
+                </a:effectLst>
+              </a:rPr>
+              <a:t>( “</a:t>
+            </a:r>
+            <a:r>
+              <a:rPr lang="en-US" altLang="ko-KR" sz="2000" dirty="0" err="1">
+                <a:effectLst>
+                  <a:outerShdw blurRad="38100" dist="38100" dir="2700000" algn="tl">
+                    <a:srgbClr val="000000">
+                      <a:alpha val="43137"/>
+                    </a:srgbClr>
+                  </a:outerShdw>
+                </a:effectLst>
+              </a:rPr>
+              <a:t>ecMembersAge</a:t>
+            </a:r>
+            <a:r>
+              <a:rPr lang="en-US" altLang="ko-KR" sz="2000" dirty="0">
+                <a:effectLst>
+                  <a:outerShdw blurRad="38100" dist="38100" dir="2700000" algn="tl">
+                    <a:srgbClr val="000000">
+                      <a:alpha val="43137"/>
+                    </a:srgbClr>
+                  </a:outerShdw>
+                </a:effectLst>
+              </a:rPr>
+              <a:t>[%d]</a:t>
+            </a:r>
+            <a:r>
+              <a:rPr lang="ko-KR" altLang="en-US" sz="2000" dirty="0">
                 <a:effectLst>
                   <a:outerShdw blurRad="38100" dist="38100" dir="2700000" algn="tl">
                     <a:srgbClr val="000000">
@@ -12480,7 +13331,7 @@
               <a:t> </a:t>
             </a:r>
             <a:r>
-              <a:rPr lang="en-US" altLang="ko-KR" sz="2000">
+              <a:rPr lang="en-US" altLang="ko-KR" sz="2000" dirty="0">
                 <a:effectLst>
                   <a:outerShdw blurRad="38100" dist="38100" dir="2700000" algn="tl">
                     <a:srgbClr val="000000">
@@ -12492,7 +13343,7 @@
               <a:t>=</a:t>
             </a:r>
             <a:r>
-              <a:rPr lang="ko-KR" altLang="en-US" sz="2000">
+              <a:rPr lang="ko-KR" altLang="en-US" sz="2000" dirty="0">
                 <a:effectLst>
                   <a:outerShdw blurRad="38100" dist="38100" dir="2700000" algn="tl">
                     <a:srgbClr val="000000">
@@ -12504,21 +13355,93 @@
               <a:t> </a:t>
             </a:r>
             <a:r>
-              <a:rPr lang="en-US" altLang="ko-KR" sz="2000">
-                <a:effectLst>
-                  <a:outerShdw blurRad="38100" dist="38100" dir="2700000" algn="tl">
-                    <a:srgbClr val="000000">
-                      <a:alpha val="43137"/>
-                    </a:srgbClr>
-                  </a:outerShdw>
-                </a:effectLst>
-              </a:rPr>
-              <a:t>%d\n”, i, ecMembersAge[i] );</a:t>
-            </a:r>
-          </a:p>
-          <a:p>
-            <a:r>
-              <a:rPr lang="en-US" altLang="ko-KR" sz="2000">
+              <a:rPr lang="en-US" altLang="ko-KR" sz="2000" dirty="0">
+                <a:effectLst>
+                  <a:outerShdw blurRad="38100" dist="38100" dir="2700000" algn="tl">
+                    <a:srgbClr val="000000">
+                      <a:alpha val="43137"/>
+                    </a:srgbClr>
+                  </a:outerShdw>
+                </a:effectLst>
+              </a:rPr>
+              <a:t>%d\n”, </a:t>
+            </a:r>
+            <a:r>
+              <a:rPr lang="en-US" altLang="ko-KR" sz="2000" dirty="0" err="1">
+                <a:effectLst>
+                  <a:outerShdw blurRad="38100" dist="38100" dir="2700000" algn="tl">
+                    <a:srgbClr val="000000">
+                      <a:alpha val="43137"/>
+                    </a:srgbClr>
+                  </a:outerShdw>
+                </a:effectLst>
+              </a:rPr>
+              <a:t>i</a:t>
+            </a:r>
+            <a:r>
+              <a:rPr lang="en-US" altLang="ko-KR" sz="2000" dirty="0">
+                <a:effectLst>
+                  <a:outerShdw blurRad="38100" dist="38100" dir="2700000" algn="tl">
+                    <a:srgbClr val="000000">
+                      <a:alpha val="43137"/>
+                    </a:srgbClr>
+                  </a:outerShdw>
+                </a:effectLst>
+              </a:rPr>
+              <a:t>, </a:t>
+            </a:r>
+            <a:r>
+              <a:rPr lang="en-US" altLang="ko-KR" sz="2000" dirty="0" err="1">
+                <a:effectLst>
+                  <a:outerShdw blurRad="38100" dist="38100" dir="2700000" algn="tl">
+                    <a:srgbClr val="000000">
+                      <a:alpha val="43137"/>
+                    </a:srgbClr>
+                  </a:outerShdw>
+                </a:effectLst>
+              </a:rPr>
+              <a:t>ecMembersAge</a:t>
+            </a:r>
+            <a:r>
+              <a:rPr lang="en-US" altLang="ko-KR" sz="2000" dirty="0">
+                <a:effectLst>
+                  <a:outerShdw blurRad="38100" dist="38100" dir="2700000" algn="tl">
+                    <a:srgbClr val="000000">
+                      <a:alpha val="43137"/>
+                    </a:srgbClr>
+                  </a:outerShdw>
+                </a:effectLst>
+              </a:rPr>
+              <a:t>[</a:t>
+            </a:r>
+            <a:r>
+              <a:rPr lang="en-US" altLang="ko-KR" sz="2000" dirty="0" err="1">
+                <a:effectLst>
+                  <a:outerShdw blurRad="38100" dist="38100" dir="2700000" algn="tl">
+                    <a:srgbClr val="000000">
+                      <a:alpha val="43137"/>
+                    </a:srgbClr>
+                  </a:outerShdw>
+                </a:effectLst>
+              </a:rPr>
+              <a:t>i</a:t>
+            </a:r>
+            <a:r>
+              <a:rPr lang="en-US" altLang="ko-KR" sz="2000" dirty="0">
+                <a:effectLst>
+                  <a:outerShdw blurRad="38100" dist="38100" dir="2700000" algn="tl">
+                    <a:srgbClr val="000000">
+                      <a:alpha val="43137"/>
+                    </a:srgbClr>
+                  </a:outerShdw>
+                </a:effectLst>
+              </a:rPr>
+              <a:t>] );</a:t>
+            </a:r>
+          </a:p>
+          <a:p>
+            <a:r>
+              <a:rPr lang="en-US" altLang="ko-KR" sz="2000" dirty="0">
                 <a:effectLst>
                   <a:outerShdw blurRad="38100" dist="38100" dir="2700000" algn="tl">
                     <a:srgbClr val="000000">
@@ -12532,7 +13455,7 @@
           </a:p>
           <a:p>
             <a:r>
-              <a:rPr lang="en-US" altLang="ko-KR" sz="2000">
+              <a:rPr lang="en-US" altLang="ko-KR" sz="2000" dirty="0">
                 <a:effectLst>
                   <a:outerShdw blurRad="38100" dist="38100" dir="2700000" algn="tl">
                     <a:srgbClr val="000000">
@@ -12546,7 +13469,7 @@
           </a:p>
           <a:p>
             <a:r>
-              <a:rPr lang="en-US" altLang="ko-KR" sz="2000">
+              <a:rPr lang="en-US" altLang="ko-KR" sz="2000" dirty="0">
                 <a:effectLst>
                   <a:outerShdw blurRad="38100" dist="38100" dir="2700000" algn="tl">
                     <a:srgbClr val="000000">
@@ -12757,7 +13680,7 @@
           <a:lstStyle/>
           <a:p>
             <a:r>
-              <a:rPr lang="ko-KR" altLang="en-US">
+              <a:rPr lang="ko-KR" altLang="en-US" dirty="0">
                 <a:solidFill>
                   <a:srgbClr val="0000FF"/>
                 </a:solidFill>
@@ -12772,7 +13695,7 @@
               <a:t>배열은 주로 </a:t>
             </a:r>
             <a:r>
-              <a:rPr lang="en-US" altLang="ko-KR">
+              <a:rPr lang="en-US" altLang="ko-KR" dirty="0">
                 <a:solidFill>
                   <a:srgbClr val="0000FF"/>
                 </a:solidFill>
@@ -12787,7 +13710,7 @@
               <a:t>for</a:t>
             </a:r>
             <a:r>
-              <a:rPr lang="ko-KR" altLang="en-US">
+              <a:rPr lang="ko-KR" altLang="en-US" dirty="0">
                 <a:solidFill>
                   <a:srgbClr val="0000FF"/>
                 </a:solidFill>
@@ -12801,7 +13724,7 @@
               </a:rPr>
               <a:t>문과 함께 사용하는 경우가 많음</a:t>
             </a:r>
-            <a:endParaRPr lang="en-US" altLang="ko-KR">
+            <a:endParaRPr lang="en-US" altLang="ko-KR" dirty="0">
               <a:solidFill>
                 <a:srgbClr val="0000FF"/>
               </a:solidFill>
@@ -13631,26 +14554,17 @@
           <a:p>
             <a:pPr algn="l"/>
             <a:r>
-              <a:rPr lang="en-US" altLang="ko-KR" b="1">
-                <a:effectLst>
-                  <a:outerShdw blurRad="38100" dist="38100" dir="2700000" algn="tl">
-                    <a:srgbClr val="000000">
-                      <a:alpha val="43137"/>
-                    </a:srgbClr>
-                  </a:outerShdw>
-                </a:effectLst>
-              </a:rPr>
-              <a:t>String</a:t>
-            </a:r>
-            <a:endParaRPr lang="ko-KR" altLang="en-US" b="1">
-              <a:effectLst>
-                <a:outerShdw blurRad="38100" dist="38100" dir="2700000" algn="tl">
-                  <a:srgbClr val="000000">
-                    <a:alpha val="43137"/>
-                  </a:srgbClr>
-                </a:outerShdw>
-              </a:effectLst>
-            </a:endParaRPr>
+              <a:rPr lang="ko-KR" altLang="en-US" b="1">
+                <a:effectLst>
+                  <a:outerShdw blurRad="38100" dist="38100" dir="2700000" algn="tl">
+                    <a:srgbClr val="000000">
+                      <a:alpha val="43137"/>
+                    </a:srgbClr>
+                  </a:outerShdw>
+                </a:effectLst>
+              </a:rPr>
+              <a:t>배열</a:t>
+            </a:r>
           </a:p>
         </p:txBody>
       </p:sp>
@@ -13766,12 +14680,17 @@
         <p:spPr>
           <a:xfrm>
             <a:off x="730922" y="2402136"/>
-            <a:ext cx="8554720" cy="1200329"/>
+            <a:ext cx="11260866" cy="3970318"/>
           </a:xfrm>
           <a:prstGeom prst="rect">
             <a:avLst/>
           </a:prstGeom>
           <a:noFill/>
+          <a:ln>
+            <a:solidFill>
+              <a:schemeClr val="tx1"/>
+            </a:solidFill>
+          </a:ln>
         </p:spPr>
         <p:txBody>
           <a:bodyPr wrap="square" rtlCol="0">
@@ -13780,54 +14699,44 @@
           <a:lstStyle/>
           <a:p>
             <a:r>
-              <a:rPr lang="en-US" altLang="ko-KR" sz="2400">
-                <a:effectLst>
-                  <a:outerShdw blurRad="38100" dist="38100" dir="2700000" algn="tl">
-                    <a:srgbClr val="000000">
-                      <a:alpha val="43137"/>
-                    </a:srgbClr>
-                  </a:outerShdw>
-                </a:effectLst>
-              </a:rPr>
-              <a:t>String</a:t>
-            </a:r>
-            <a:r>
-              <a:rPr lang="ko-KR" altLang="en-US" sz="2400">
-                <a:effectLst>
-                  <a:outerShdw blurRad="38100" dist="38100" dir="2700000" algn="tl">
-                    <a:srgbClr val="000000">
-                      <a:alpha val="43137"/>
-                    </a:srgbClr>
-                  </a:outerShdw>
-                </a:effectLst>
-              </a:rPr>
-              <a:t>은 따로 자료형이 없고 </a:t>
-            </a:r>
-            <a:r>
-              <a:rPr lang="en-US" altLang="ko-KR" sz="2400">
-                <a:effectLst>
-                  <a:outerShdw blurRad="38100" dist="38100" dir="2700000" algn="tl">
-                    <a:srgbClr val="000000">
-                      <a:alpha val="43137"/>
-                    </a:srgbClr>
-                  </a:outerShdw>
-                </a:effectLst>
-              </a:rPr>
-              <a:t>char</a:t>
-            </a:r>
-            <a:r>
-              <a:rPr lang="ko-KR" altLang="en-US" sz="2400">
-                <a:effectLst>
-                  <a:outerShdw blurRad="38100" dist="38100" dir="2700000" algn="tl">
-                    <a:srgbClr val="000000">
-                      <a:alpha val="43137"/>
-                    </a:srgbClr>
-                  </a:outerShdw>
-                </a:effectLst>
-              </a:rPr>
-              <a:t>의 배열로 선언</a:t>
-            </a:r>
-            <a:endParaRPr lang="en-US" altLang="ko-KR" sz="2400">
+              <a:rPr lang="en-US" altLang="ko-KR" sz="1400" dirty="0">
+                <a:effectLst>
+                  <a:outerShdw blurRad="38100" dist="38100" dir="2700000" algn="tl">
+                    <a:srgbClr val="000000">
+                      <a:alpha val="43137"/>
+                    </a:srgbClr>
+                  </a:outerShdw>
+                </a:effectLst>
+              </a:rPr>
+              <a:t>#include &lt;</a:t>
+            </a:r>
+            <a:r>
+              <a:rPr lang="en-US" altLang="ko-KR" sz="1400" dirty="0" err="1">
+                <a:effectLst>
+                  <a:outerShdw blurRad="38100" dist="38100" dir="2700000" algn="tl">
+                    <a:srgbClr val="000000">
+                      <a:alpha val="43137"/>
+                    </a:srgbClr>
+                  </a:outerShdw>
+                </a:effectLst>
+              </a:rPr>
+              <a:t>stdio.h</a:t>
+            </a:r>
+            <a:r>
+              <a:rPr lang="en-US" altLang="ko-KR" sz="1400" dirty="0">
+                <a:effectLst>
+                  <a:outerShdw blurRad="38100" dist="38100" dir="2700000" algn="tl">
+                    <a:srgbClr val="000000">
+                      <a:alpha val="43137"/>
+                    </a:srgbClr>
+                  </a:outerShdw>
+                </a:effectLst>
+              </a:rPr>
+              <a:t>&gt;</a:t>
+            </a:r>
+          </a:p>
+          <a:p>
+            <a:endParaRPr lang="en-US" altLang="ko-KR" sz="1400" dirty="0">
               <a:effectLst>
                 <a:outerShdw blurRad="38100" dist="38100" dir="2700000" algn="tl">
                   <a:srgbClr val="000000">
@@ -13838,7 +14747,468 @@
             </a:endParaRPr>
           </a:p>
           <a:p>
-            <a:endParaRPr lang="en-US" altLang="ko-KR" sz="2400">
+            <a:r>
+              <a:rPr lang="en-US" altLang="ko-KR" sz="1400" dirty="0">
+                <a:effectLst>
+                  <a:outerShdw blurRad="38100" dist="38100" dir="2700000" algn="tl">
+                    <a:srgbClr val="000000">
+                      <a:alpha val="43137"/>
+                    </a:srgbClr>
+                  </a:outerShdw>
+                </a:effectLst>
+              </a:rPr>
+              <a:t>int main() {</a:t>
+            </a:r>
+          </a:p>
+          <a:p>
+            <a:r>
+              <a:rPr lang="en-US" altLang="ko-KR" sz="1400" dirty="0">
+                <a:effectLst>
+                  <a:outerShdw blurRad="38100" dist="38100" dir="2700000" algn="tl">
+                    <a:srgbClr val="000000">
+                      <a:alpha val="43137"/>
+                    </a:srgbClr>
+                  </a:outerShdw>
+                </a:effectLst>
+              </a:rPr>
+              <a:t>	int </a:t>
+            </a:r>
+            <a:r>
+              <a:rPr lang="en-US" altLang="ko-KR" sz="1400" dirty="0" err="1">
+                <a:effectLst>
+                  <a:outerShdw blurRad="38100" dist="38100" dir="2700000" algn="tl">
+                    <a:srgbClr val="000000">
+                      <a:alpha val="43137"/>
+                    </a:srgbClr>
+                  </a:outerShdw>
+                </a:effectLst>
+              </a:rPr>
+              <a:t>eachScore</a:t>
+            </a:r>
+            <a:r>
+              <a:rPr lang="en-US" altLang="ko-KR" sz="1400" dirty="0">
+                <a:effectLst>
+                  <a:outerShdw blurRad="38100" dist="38100" dir="2700000" algn="tl">
+                    <a:srgbClr val="000000">
+                      <a:alpha val="43137"/>
+                    </a:srgbClr>
+                  </a:outerShdw>
+                </a:effectLst>
+              </a:rPr>
+              <a:t>[5][5] = { </a:t>
+            </a:r>
+          </a:p>
+          <a:p>
+            <a:r>
+              <a:rPr lang="en-US" altLang="ko-KR" sz="1400" dirty="0">
+                <a:effectLst>
+                  <a:outerShdw blurRad="38100" dist="38100" dir="2700000" algn="tl">
+                    <a:srgbClr val="000000">
+                      <a:alpha val="43137"/>
+                    </a:srgbClr>
+                  </a:outerShdw>
+                </a:effectLst>
+              </a:rPr>
+              <a:t>		{3, 6, 1, 2, 3},</a:t>
+            </a:r>
+          </a:p>
+          <a:p>
+            <a:r>
+              <a:rPr lang="en-US" altLang="ko-KR" sz="1400" dirty="0">
+                <a:effectLst>
+                  <a:outerShdw blurRad="38100" dist="38100" dir="2700000" algn="tl">
+                    <a:srgbClr val="000000">
+                      <a:alpha val="43137"/>
+                    </a:srgbClr>
+                  </a:outerShdw>
+                </a:effectLst>
+              </a:rPr>
+              <a:t>		{2, 1, 5, 7, 9},</a:t>
+            </a:r>
+          </a:p>
+          <a:p>
+            <a:r>
+              <a:rPr lang="en-US" altLang="ko-KR" sz="1400" dirty="0">
+                <a:effectLst>
+                  <a:outerShdw blurRad="38100" dist="38100" dir="2700000" algn="tl">
+                    <a:srgbClr val="000000">
+                      <a:alpha val="43137"/>
+                    </a:srgbClr>
+                  </a:outerShdw>
+                </a:effectLst>
+              </a:rPr>
+              <a:t>		{1, 8, 9, 2, 3},</a:t>
+            </a:r>
+          </a:p>
+          <a:p>
+            <a:r>
+              <a:rPr lang="en-US" altLang="ko-KR" sz="1400" dirty="0">
+                <a:effectLst>
+                  <a:outerShdw blurRad="38100" dist="38100" dir="2700000" algn="tl">
+                    <a:srgbClr val="000000">
+                      <a:alpha val="43137"/>
+                    </a:srgbClr>
+                  </a:outerShdw>
+                </a:effectLst>
+              </a:rPr>
+              <a:t>		{2, 1, 8, 0, 5},</a:t>
+            </a:r>
+          </a:p>
+          <a:p>
+            <a:r>
+              <a:rPr lang="en-US" altLang="ko-KR" sz="1400" dirty="0">
+                <a:effectLst>
+                  <a:outerShdw blurRad="38100" dist="38100" dir="2700000" algn="tl">
+                    <a:srgbClr val="000000">
+                      <a:alpha val="43137"/>
+                    </a:srgbClr>
+                  </a:outerShdw>
+                </a:effectLst>
+              </a:rPr>
+              <a:t>		{1, 5, 2, 1, 3} </a:t>
+            </a:r>
+          </a:p>
+          <a:p>
+            <a:r>
+              <a:rPr lang="en-US" altLang="ko-KR" sz="1400" dirty="0">
+                <a:effectLst>
+                  <a:outerShdw blurRad="38100" dist="38100" dir="2700000" algn="tl">
+                    <a:srgbClr val="000000">
+                      <a:alpha val="43137"/>
+                    </a:srgbClr>
+                  </a:outerShdw>
+                </a:effectLst>
+              </a:rPr>
+              <a:t>	};</a:t>
+            </a:r>
+          </a:p>
+          <a:p>
+            <a:r>
+              <a:rPr lang="en-US" altLang="ko-KR" sz="1400" dirty="0">
+                <a:effectLst>
+                  <a:outerShdw blurRad="38100" dist="38100" dir="2700000" algn="tl">
+                    <a:srgbClr val="000000">
+                      <a:alpha val="43137"/>
+                    </a:srgbClr>
+                  </a:outerShdw>
+                </a:effectLst>
+              </a:rPr>
+              <a:t>	for(int </a:t>
+            </a:r>
+            <a:r>
+              <a:rPr lang="en-US" altLang="ko-KR" sz="1400" dirty="0" err="1">
+                <a:effectLst>
+                  <a:outerShdw blurRad="38100" dist="38100" dir="2700000" algn="tl">
+                    <a:srgbClr val="000000">
+                      <a:alpha val="43137"/>
+                    </a:srgbClr>
+                  </a:outerShdw>
+                </a:effectLst>
+              </a:rPr>
+              <a:t>i</a:t>
+            </a:r>
+            <a:r>
+              <a:rPr lang="en-US" altLang="ko-KR" sz="1400" dirty="0">
+                <a:effectLst>
+                  <a:outerShdw blurRad="38100" dist="38100" dir="2700000" algn="tl">
+                    <a:srgbClr val="000000">
+                      <a:alpha val="43137"/>
+                    </a:srgbClr>
+                  </a:outerShdw>
+                </a:effectLst>
+              </a:rPr>
+              <a:t> = 0; </a:t>
+            </a:r>
+            <a:r>
+              <a:rPr lang="en-US" altLang="ko-KR" sz="1400" dirty="0" err="1">
+                <a:effectLst>
+                  <a:outerShdw blurRad="38100" dist="38100" dir="2700000" algn="tl">
+                    <a:srgbClr val="000000">
+                      <a:alpha val="43137"/>
+                    </a:srgbClr>
+                  </a:outerShdw>
+                </a:effectLst>
+              </a:rPr>
+              <a:t>i</a:t>
+            </a:r>
+            <a:r>
+              <a:rPr lang="en-US" altLang="ko-KR" sz="1400" dirty="0">
+                <a:effectLst>
+                  <a:outerShdw blurRad="38100" dist="38100" dir="2700000" algn="tl">
+                    <a:srgbClr val="000000">
+                      <a:alpha val="43137"/>
+                    </a:srgbClr>
+                  </a:outerShdw>
+                </a:effectLst>
+              </a:rPr>
+              <a:t> &lt; 5; </a:t>
+            </a:r>
+            <a:r>
+              <a:rPr lang="en-US" altLang="ko-KR" sz="1400" dirty="0" err="1">
+                <a:effectLst>
+                  <a:outerShdw blurRad="38100" dist="38100" dir="2700000" algn="tl">
+                    <a:srgbClr val="000000">
+                      <a:alpha val="43137"/>
+                    </a:srgbClr>
+                  </a:outerShdw>
+                </a:effectLst>
+              </a:rPr>
+              <a:t>i</a:t>
+            </a:r>
+            <a:r>
+              <a:rPr lang="en-US" altLang="ko-KR" sz="1400" dirty="0">
+                <a:effectLst>
+                  <a:outerShdw blurRad="38100" dist="38100" dir="2700000" algn="tl">
+                    <a:srgbClr val="000000">
+                      <a:alpha val="43137"/>
+                    </a:srgbClr>
+                  </a:outerShdw>
+                </a:effectLst>
+              </a:rPr>
+              <a:t>++) {</a:t>
+            </a:r>
+          </a:p>
+          <a:p>
+            <a:r>
+              <a:rPr lang="en-US" altLang="ko-KR" sz="1400" dirty="0">
+                <a:effectLst>
+                  <a:outerShdw blurRad="38100" dist="38100" dir="2700000" algn="tl">
+                    <a:srgbClr val="000000">
+                      <a:alpha val="43137"/>
+                    </a:srgbClr>
+                  </a:outerShdw>
+                </a:effectLst>
+              </a:rPr>
+              <a:t>		for(int j = 0; j &lt; 5; </a:t>
+            </a:r>
+            <a:r>
+              <a:rPr lang="en-US" altLang="ko-KR" sz="1400" dirty="0" err="1">
+                <a:effectLst>
+                  <a:outerShdw blurRad="38100" dist="38100" dir="2700000" algn="tl">
+                    <a:srgbClr val="000000">
+                      <a:alpha val="43137"/>
+                    </a:srgbClr>
+                  </a:outerShdw>
+                </a:effectLst>
+              </a:rPr>
+              <a:t>j++</a:t>
+            </a:r>
+            <a:r>
+              <a:rPr lang="en-US" altLang="ko-KR" sz="1400" dirty="0">
+                <a:effectLst>
+                  <a:outerShdw blurRad="38100" dist="38100" dir="2700000" algn="tl">
+                    <a:srgbClr val="000000">
+                      <a:alpha val="43137"/>
+                    </a:srgbClr>
+                  </a:outerShdw>
+                </a:effectLst>
+              </a:rPr>
+              <a:t>) {</a:t>
+            </a:r>
+          </a:p>
+          <a:p>
+            <a:r>
+              <a:rPr lang="en-US" altLang="ko-KR" sz="1400" dirty="0">
+                <a:effectLst>
+                  <a:outerShdw blurRad="38100" dist="38100" dir="2700000" algn="tl">
+                    <a:srgbClr val="000000">
+                      <a:alpha val="43137"/>
+                    </a:srgbClr>
+                  </a:outerShdw>
+                </a:effectLst>
+              </a:rPr>
+              <a:t>			</a:t>
+            </a:r>
+            <a:r>
+              <a:rPr lang="en-US" altLang="ko-KR" sz="1400" dirty="0" err="1">
+                <a:effectLst>
+                  <a:outerShdw blurRad="38100" dist="38100" dir="2700000" algn="tl">
+                    <a:srgbClr val="000000">
+                      <a:alpha val="43137"/>
+                    </a:srgbClr>
+                  </a:outerShdw>
+                </a:effectLst>
+              </a:rPr>
+              <a:t>printf</a:t>
+            </a:r>
+            <a:r>
+              <a:rPr lang="en-US" altLang="ko-KR" sz="1400" dirty="0">
+                <a:effectLst>
+                  <a:outerShdw blurRad="38100" dist="38100" dir="2700000" algn="tl">
+                    <a:srgbClr val="000000">
+                      <a:alpha val="43137"/>
+                    </a:srgbClr>
+                  </a:outerShdw>
+                </a:effectLst>
+              </a:rPr>
+              <a:t>(“%d”, </a:t>
+            </a:r>
+            <a:r>
+              <a:rPr lang="en-US" altLang="ko-KR" sz="1400" dirty="0" err="1">
+                <a:effectLst>
+                  <a:outerShdw blurRad="38100" dist="38100" dir="2700000" algn="tl">
+                    <a:srgbClr val="000000">
+                      <a:alpha val="43137"/>
+                    </a:srgbClr>
+                  </a:outerShdw>
+                </a:effectLst>
+              </a:rPr>
+              <a:t>eachScore</a:t>
+            </a:r>
+            <a:r>
+              <a:rPr lang="en-US" altLang="ko-KR" sz="1400" dirty="0">
+                <a:effectLst>
+                  <a:outerShdw blurRad="38100" dist="38100" dir="2700000" algn="tl">
+                    <a:srgbClr val="000000">
+                      <a:alpha val="43137"/>
+                    </a:srgbClr>
+                  </a:outerShdw>
+                </a:effectLst>
+              </a:rPr>
+              <a:t>[</a:t>
+            </a:r>
+            <a:r>
+              <a:rPr lang="en-US" altLang="ko-KR" sz="1400" dirty="0" err="1">
+                <a:effectLst>
+                  <a:outerShdw blurRad="38100" dist="38100" dir="2700000" algn="tl">
+                    <a:srgbClr val="000000">
+                      <a:alpha val="43137"/>
+                    </a:srgbClr>
+                  </a:outerShdw>
+                </a:effectLst>
+              </a:rPr>
+              <a:t>i</a:t>
+            </a:r>
+            <a:r>
+              <a:rPr lang="en-US" altLang="ko-KR" sz="1400" dirty="0">
+                <a:effectLst>
+                  <a:outerShdw blurRad="38100" dist="38100" dir="2700000" algn="tl">
+                    <a:srgbClr val="000000">
+                      <a:alpha val="43137"/>
+                    </a:srgbClr>
+                  </a:outerShdw>
+                </a:effectLst>
+              </a:rPr>
+              <a:t>][j]);</a:t>
+            </a:r>
+          </a:p>
+          <a:p>
+            <a:r>
+              <a:rPr lang="en-US" altLang="ko-KR" sz="1400" dirty="0">
+                <a:effectLst>
+                  <a:outerShdw blurRad="38100" dist="38100" dir="2700000" algn="tl">
+                    <a:srgbClr val="000000">
+                      <a:alpha val="43137"/>
+                    </a:srgbClr>
+                  </a:outerShdw>
+                </a:effectLst>
+              </a:rPr>
+              <a:t>		}</a:t>
+            </a:r>
+          </a:p>
+          <a:p>
+            <a:r>
+              <a:rPr lang="en-US" altLang="ko-KR" sz="1400" dirty="0">
+                <a:effectLst>
+                  <a:outerShdw blurRad="38100" dist="38100" dir="2700000" algn="tl">
+                    <a:srgbClr val="000000">
+                      <a:alpha val="43137"/>
+                    </a:srgbClr>
+                  </a:outerShdw>
+                </a:effectLst>
+              </a:rPr>
+              <a:t>	}</a:t>
+            </a:r>
+          </a:p>
+          <a:p>
+            <a:r>
+              <a:rPr lang="en-US" altLang="ko-KR" sz="1400" dirty="0">
+                <a:effectLst>
+                  <a:outerShdw blurRad="38100" dist="38100" dir="2700000" algn="tl">
+                    <a:srgbClr val="000000">
+                      <a:alpha val="43137"/>
+                    </a:srgbClr>
+                  </a:outerShdw>
+                </a:effectLst>
+              </a:rPr>
+              <a:t>	</a:t>
+            </a:r>
+          </a:p>
+          <a:p>
+            <a:r>
+              <a:rPr lang="en-US" altLang="ko-KR" sz="1400" dirty="0">
+                <a:effectLst>
+                  <a:outerShdw blurRad="38100" dist="38100" dir="2700000" algn="tl">
+                    <a:srgbClr val="000000">
+                      <a:alpha val="43137"/>
+                    </a:srgbClr>
+                  </a:outerShdw>
+                </a:effectLst>
+              </a:rPr>
+              <a:t>	return 0;</a:t>
+            </a:r>
+          </a:p>
+          <a:p>
+            <a:r>
+              <a:rPr lang="en-US" altLang="ko-KR" sz="1400" dirty="0">
+                <a:effectLst>
+                  <a:outerShdw blurRad="38100" dist="38100" dir="2700000" algn="tl">
+                    <a:srgbClr val="000000">
+                      <a:alpha val="43137"/>
+                    </a:srgbClr>
+                  </a:outerShdw>
+                </a:effectLst>
+              </a:rPr>
+              <a:t>}</a:t>
+            </a:r>
+          </a:p>
+        </p:txBody>
+      </p:sp>
+      <p:sp>
+        <p:nvSpPr>
+          <p:cNvPr id="9" name="TextBox 8">
+            <a:extLst>
+              <a:ext uri="{FF2B5EF4-FFF2-40B4-BE49-F238E27FC236}">
+                <a16:creationId xmlns:a16="http://schemas.microsoft.com/office/drawing/2014/main" id="{0D9F02F6-35F7-46F5-8FFE-FBAD20732CDC}"/>
+              </a:ext>
+            </a:extLst>
+          </p:cNvPr>
+          <p:cNvSpPr txBox="1"/>
+          <p:nvPr/>
+        </p:nvSpPr>
+        <p:spPr>
+          <a:xfrm>
+            <a:off x="301812" y="1347761"/>
+            <a:ext cx="7700955" cy="461665"/>
+          </a:xfrm>
+          <a:prstGeom prst="rect">
+            <a:avLst/>
+          </a:prstGeom>
+          <a:noFill/>
+        </p:spPr>
+        <p:txBody>
+          <a:bodyPr wrap="square" rtlCol="0">
+            <a:spAutoFit/>
+          </a:bodyPr>
+          <a:lstStyle/>
+          <a:p>
+            <a:pPr marL="457200" indent="-457200">
+              <a:buFont typeface="Arial" panose="020B0604020202020204" pitchFamily="34" charset="0"/>
+              <a:buChar char="•"/>
+            </a:pPr>
+            <a:r>
+              <a:rPr lang="ko-KR" altLang="en-US" sz="2400" b="1" dirty="0">
+                <a:effectLst>
+                  <a:outerShdw blurRad="38100" dist="38100" dir="2700000" algn="tl">
+                    <a:srgbClr val="000000">
+                      <a:alpha val="43137"/>
+                    </a:srgbClr>
+                  </a:outerShdw>
+                </a:effectLst>
+              </a:rPr>
+              <a:t>다차원 배열</a:t>
+            </a:r>
+            <a:endParaRPr lang="en-US" altLang="ko-KR" sz="2400" b="1" dirty="0">
               <a:effectLst>
                 <a:outerShdw blurRad="38100" dist="38100" dir="2700000" algn="tl">
                   <a:srgbClr val="000000">
@@ -13848,76 +15218,14 @@
               </a:effectLst>
             </a:endParaRPr>
           </a:p>
-          <a:p>
-            <a:r>
-              <a:rPr lang="en-US" altLang="ko-KR" sz="2400">
-                <a:effectLst>
-                  <a:outerShdw blurRad="38100" dist="38100" dir="2700000" algn="tl">
-                    <a:srgbClr val="000000">
-                      <a:alpha val="43137"/>
-                    </a:srgbClr>
-                  </a:outerShdw>
-                </a:effectLst>
-              </a:rPr>
-              <a:t>char string</a:t>
-            </a:r>
-            <a:r>
-              <a:rPr lang="ko-KR" altLang="en-US" sz="2400">
-                <a:effectLst>
-                  <a:outerShdw blurRad="38100" dist="38100" dir="2700000" algn="tl">
-                    <a:srgbClr val="000000">
-                      <a:alpha val="43137"/>
-                    </a:srgbClr>
-                  </a:outerShdw>
-                </a:effectLst>
-              </a:rPr>
-              <a:t>이름</a:t>
-            </a:r>
-            <a:r>
-              <a:rPr lang="en-US" altLang="ko-KR" sz="2400">
-                <a:effectLst>
-                  <a:outerShdw blurRad="38100" dist="38100" dir="2700000" algn="tl">
-                    <a:srgbClr val="000000">
-                      <a:alpha val="43137"/>
-                    </a:srgbClr>
-                  </a:outerShdw>
-                </a:effectLst>
-              </a:rPr>
-              <a:t>[string</a:t>
-            </a:r>
-            <a:r>
-              <a:rPr lang="ko-KR" altLang="en-US" sz="2400">
-                <a:effectLst>
-                  <a:outerShdw blurRad="38100" dist="38100" dir="2700000" algn="tl">
-                    <a:srgbClr val="000000">
-                      <a:alpha val="43137"/>
-                    </a:srgbClr>
-                  </a:outerShdw>
-                </a:effectLst>
-              </a:rPr>
-              <a:t>크기</a:t>
-            </a:r>
-            <a:r>
-              <a:rPr lang="en-US" altLang="ko-KR" sz="2400">
-                <a:effectLst>
-                  <a:outerShdw blurRad="38100" dist="38100" dir="2700000" algn="tl">
-                    <a:srgbClr val="000000">
-                      <a:alpha val="43137"/>
-                    </a:srgbClr>
-                  </a:outerShdw>
-                </a:effectLst>
-              </a:rPr>
-              <a:t>];</a:t>
-            </a:r>
-          </a:p>
-        </p:txBody>
-      </p:sp>
-      <p:sp>
-        <p:nvSpPr>
-          <p:cNvPr id="9" name="TextBox 8">
-            <a:extLst>
-              <a:ext uri="{FF2B5EF4-FFF2-40B4-BE49-F238E27FC236}">
-                <a16:creationId xmlns:a16="http://schemas.microsoft.com/office/drawing/2014/main" id="{0D9F02F6-35F7-46F5-8FFE-FBAD20732CDC}"/>
+        </p:txBody>
+      </p:sp>
+      <p:sp>
+        <p:nvSpPr>
+          <p:cNvPr id="10" name="TextBox 9">
+            <a:extLst>
+              <a:ext uri="{FF2B5EF4-FFF2-40B4-BE49-F238E27FC236}">
+                <a16:creationId xmlns:a16="http://schemas.microsoft.com/office/drawing/2014/main" id="{A29EA04F-7B1B-49BC-ACB8-3B4FF42C8C33}"/>
               </a:ext>
             </a:extLst>
           </p:cNvPr>
@@ -13926,8 +15234,8 @@
         </p:nvSpPr>
         <p:spPr>
           <a:xfrm>
-            <a:off x="301812" y="1347761"/>
-            <a:ext cx="7700955" cy="461665"/>
+            <a:off x="730922" y="1941546"/>
+            <a:ext cx="10730156" cy="461665"/>
           </a:xfrm>
           <a:prstGeom prst="rect">
             <a:avLst/>
@@ -13940,35 +15248,79 @@
           </a:bodyPr>
           <a:lstStyle/>
           <a:p>
-            <a:pPr marL="457200" indent="-457200">
-              <a:buFont typeface="Arial" panose="020B0604020202020204" pitchFamily="34" charset="0"/>
-              <a:buChar char="•"/>
-            </a:pPr>
-            <a:r>
-              <a:rPr lang="en-US" altLang="ko-KR" sz="2400" b="1">
-                <a:effectLst>
-                  <a:outerShdw blurRad="38100" dist="38100" dir="2700000" algn="tl">
-                    <a:srgbClr val="000000">
-                      <a:alpha val="43137"/>
-                    </a:srgbClr>
-                  </a:outerShdw>
-                </a:effectLst>
-              </a:rPr>
-              <a:t>String</a:t>
-            </a:r>
-            <a:r>
-              <a:rPr lang="ko-KR" altLang="en-US" sz="2400" b="1">
-                <a:effectLst>
-                  <a:outerShdw blurRad="38100" dist="38100" dir="2700000" algn="tl">
-                    <a:srgbClr val="000000">
-                      <a:alpha val="43137"/>
-                    </a:srgbClr>
-                  </a:outerShdw>
-                </a:effectLst>
-              </a:rPr>
-              <a:t>의 정의</a:t>
-            </a:r>
-            <a:endParaRPr lang="en-US" altLang="ko-KR" sz="2400" b="1">
+            <a:r>
+              <a:rPr lang="en-US" altLang="ko-KR" sz="2400" dirty="0">
+                <a:effectLst>
+                  <a:outerShdw blurRad="38100" dist="38100" dir="2700000" algn="tl">
+                    <a:srgbClr val="000000">
+                      <a:alpha val="43137"/>
+                    </a:srgbClr>
+                  </a:outerShdw>
+                </a:effectLst>
+              </a:rPr>
+              <a:t>1</a:t>
+            </a:r>
+            <a:r>
+              <a:rPr lang="ko-KR" altLang="en-US" sz="2400" dirty="0">
+                <a:effectLst>
+                  <a:outerShdw blurRad="38100" dist="38100" dir="2700000" algn="tl">
+                    <a:srgbClr val="000000">
+                      <a:alpha val="43137"/>
+                    </a:srgbClr>
+                  </a:outerShdw>
+                </a:effectLst>
+              </a:rPr>
+              <a:t>차원 뿐만 아니라 </a:t>
+            </a:r>
+            <a:r>
+              <a:rPr lang="en-US" altLang="ko-KR" sz="2400" dirty="0">
+                <a:effectLst>
+                  <a:outerShdw blurRad="38100" dist="38100" dir="2700000" algn="tl">
+                    <a:srgbClr val="000000">
+                      <a:alpha val="43137"/>
+                    </a:srgbClr>
+                  </a:outerShdw>
+                </a:effectLst>
+              </a:rPr>
+              <a:t>2</a:t>
+            </a:r>
+            <a:r>
+              <a:rPr lang="ko-KR" altLang="en-US" sz="2400" dirty="0">
+                <a:effectLst>
+                  <a:outerShdw blurRad="38100" dist="38100" dir="2700000" algn="tl">
+                    <a:srgbClr val="000000">
+                      <a:alpha val="43137"/>
+                    </a:srgbClr>
+                  </a:outerShdw>
+                </a:effectLst>
+              </a:rPr>
+              <a:t>차원</a:t>
+            </a:r>
+            <a:r>
+              <a:rPr lang="en-US" altLang="ko-KR" sz="2400" dirty="0">
+                <a:effectLst>
+                  <a:outerShdw blurRad="38100" dist="38100" dir="2700000" algn="tl">
+                    <a:srgbClr val="000000">
+                      <a:alpha val="43137"/>
+                    </a:srgbClr>
+                  </a:outerShdw>
+                </a:effectLst>
+              </a:rPr>
+              <a:t>, 3</a:t>
+            </a:r>
+            <a:r>
+              <a:rPr lang="ko-KR" altLang="en-US" sz="2400" dirty="0">
+                <a:effectLst>
+                  <a:outerShdw blurRad="38100" dist="38100" dir="2700000" algn="tl">
+                    <a:srgbClr val="000000">
+                      <a:alpha val="43137"/>
+                    </a:srgbClr>
+                  </a:outerShdw>
+                </a:effectLst>
+              </a:rPr>
+              <a:t>차원의 배열도 만들 수 있음</a:t>
+            </a:r>
+            <a:endParaRPr lang="en-US" altLang="ko-KR" sz="2400" dirty="0">
               <a:effectLst>
                 <a:outerShdw blurRad="38100" dist="38100" dir="2700000" algn="tl">
                   <a:srgbClr val="000000">
@@ -13982,10 +15334,10 @@
       </p:sp>
       <p:sp>
         <p:nvSpPr>
-          <p:cNvPr id="12" name="TextBox 11">
-            <a:extLst>
-              <a:ext uri="{FF2B5EF4-FFF2-40B4-BE49-F238E27FC236}">
-                <a16:creationId xmlns:a16="http://schemas.microsoft.com/office/drawing/2014/main" id="{58B23639-8E26-4765-9ED6-11518F66D22D}"/>
+          <p:cNvPr id="11" name="TextBox 10">
+            <a:extLst>
+              <a:ext uri="{FF2B5EF4-FFF2-40B4-BE49-F238E27FC236}">
+                <a16:creationId xmlns:a16="http://schemas.microsoft.com/office/drawing/2014/main" id="{BA09F2AB-F4DC-4035-BF76-84E89C5FE59E}"/>
               </a:ext>
             </a:extLst>
           </p:cNvPr>
@@ -13994,8 +15346,8 @@
         </p:nvSpPr>
         <p:spPr>
           <a:xfrm>
-            <a:off x="730922" y="3807384"/>
-            <a:ext cx="7497483" cy="369332"/>
+            <a:off x="3825118" y="3282439"/>
+            <a:ext cx="1468335" cy="246221"/>
           </a:xfrm>
           <a:prstGeom prst="rect">
             <a:avLst/>
@@ -14009,7 +15361,7 @@
           <a:lstStyle/>
           <a:p>
             <a:r>
-              <a:rPr lang="ko-KR" altLang="en-US">
+              <a:rPr lang="en-US" altLang="ko-KR" sz="1000" dirty="0" err="1">
                 <a:solidFill>
                   <a:srgbClr val="0000FF"/>
                 </a:solidFill>
@@ -14021,29 +15373,32 @@
                   </a:outerShdw>
                 </a:effectLst>
               </a:rPr>
-              <a:t>조건에서 탈출하지 못하면 무한루프에 걸려서 프로그램이 끝나지 않음</a:t>
-            </a:r>
-            <a:endParaRPr lang="en-US" altLang="ko-KR">
-              <a:solidFill>
-                <a:srgbClr val="0000FF"/>
-              </a:solidFill>
-              <a:effectLst>
-                <a:outerShdw blurRad="38100" dist="38100" dir="2700000" algn="tl">
-                  <a:srgbClr val="000000">
-                    <a:alpha val="43137"/>
-                  </a:srgbClr>
-                </a:outerShdw>
-              </a:effectLst>
-            </a:endParaRPr>
-          </a:p>
-        </p:txBody>
-      </p:sp>
-      <p:sp>
-        <p:nvSpPr>
-          <p:cNvPr id="10" name="TextBox 9">
-            <a:extLst>
-              <a:ext uri="{FF2B5EF4-FFF2-40B4-BE49-F238E27FC236}">
-                <a16:creationId xmlns:a16="http://schemas.microsoft.com/office/drawing/2014/main" id="{A29EA04F-7B1B-49BC-ACB8-3B4FF42C8C33}"/>
+              <a:t>eachScore</a:t>
+            </a:r>
+            <a:r>
+              <a:rPr lang="en-US" altLang="ko-KR" sz="1000" dirty="0">
+                <a:solidFill>
+                  <a:srgbClr val="0000FF"/>
+                </a:solidFill>
+                <a:effectLst>
+                  <a:outerShdw blurRad="38100" dist="38100" dir="2700000" algn="tl">
+                    <a:srgbClr val="000000">
+                      <a:alpha val="43137"/>
+                    </a:srgbClr>
+                  </a:outerShdw>
+                </a:effectLst>
+              </a:rPr>
+              <a:t>[0][0]~[0][4]</a:t>
+            </a:r>
+          </a:p>
+        </p:txBody>
+      </p:sp>
+      <p:sp>
+        <p:nvSpPr>
+          <p:cNvPr id="12" name="TextBox 11">
+            <a:extLst>
+              <a:ext uri="{FF2B5EF4-FFF2-40B4-BE49-F238E27FC236}">
+                <a16:creationId xmlns:a16="http://schemas.microsoft.com/office/drawing/2014/main" id="{8BE3DD6C-F601-4CBE-8E76-009FC575388B}"/>
               </a:ext>
             </a:extLst>
           </p:cNvPr>
@@ -14052,8 +15407,8 @@
         </p:nvSpPr>
         <p:spPr>
           <a:xfrm>
-            <a:off x="730922" y="1941546"/>
-            <a:ext cx="9300584" cy="461665"/>
+            <a:off x="3825117" y="3496808"/>
+            <a:ext cx="1468335" cy="246221"/>
           </a:xfrm>
           <a:prstGeom prst="rect">
             <a:avLst/>
@@ -14067,45 +15422,225 @@
           <a:lstStyle/>
           <a:p>
             <a:r>
-              <a:rPr lang="en-US" altLang="ko-KR" sz="2400">
-                <a:effectLst>
-                  <a:outerShdw blurRad="38100" dist="38100" dir="2700000" algn="tl">
-                    <a:srgbClr val="000000">
-                      <a:alpha val="43137"/>
-                    </a:srgbClr>
-                  </a:outerShdw>
-                </a:effectLst>
-              </a:rPr>
-              <a:t>char </a:t>
-            </a:r>
-            <a:r>
-              <a:rPr lang="ko-KR" altLang="en-US" sz="2400">
-                <a:effectLst>
-                  <a:outerShdw blurRad="38100" dist="38100" dir="2700000" algn="tl">
-                    <a:srgbClr val="000000">
-                      <a:alpha val="43137"/>
-                    </a:srgbClr>
-                  </a:outerShdw>
-                </a:effectLst>
-              </a:rPr>
-              <a:t>자료형의 배열로 이루어진 긴 문자열을 의미함</a:t>
-            </a:r>
-            <a:endParaRPr lang="en-US" altLang="ko-KR" sz="2400">
-              <a:effectLst>
-                <a:outerShdw blurRad="38100" dist="38100" dir="2700000" algn="tl">
-                  <a:srgbClr val="000000">
-                    <a:alpha val="43137"/>
-                  </a:srgbClr>
-                </a:outerShdw>
-              </a:effectLst>
-            </a:endParaRPr>
+              <a:rPr lang="en-US" altLang="ko-KR" sz="1000" dirty="0" err="1">
+                <a:solidFill>
+                  <a:srgbClr val="0000FF"/>
+                </a:solidFill>
+                <a:effectLst>
+                  <a:outerShdw blurRad="38100" dist="38100" dir="2700000" algn="tl">
+                    <a:srgbClr val="000000">
+                      <a:alpha val="43137"/>
+                    </a:srgbClr>
+                  </a:outerShdw>
+                </a:effectLst>
+              </a:rPr>
+              <a:t>eachScore</a:t>
+            </a:r>
+            <a:r>
+              <a:rPr lang="en-US" altLang="ko-KR" sz="1000" dirty="0">
+                <a:solidFill>
+                  <a:srgbClr val="0000FF"/>
+                </a:solidFill>
+                <a:effectLst>
+                  <a:outerShdw blurRad="38100" dist="38100" dir="2700000" algn="tl">
+                    <a:srgbClr val="000000">
+                      <a:alpha val="43137"/>
+                    </a:srgbClr>
+                  </a:outerShdw>
+                </a:effectLst>
+              </a:rPr>
+              <a:t>[1][0]~[1][4]</a:t>
+            </a:r>
+          </a:p>
+        </p:txBody>
+      </p:sp>
+      <p:sp>
+        <p:nvSpPr>
+          <p:cNvPr id="13" name="TextBox 12">
+            <a:extLst>
+              <a:ext uri="{FF2B5EF4-FFF2-40B4-BE49-F238E27FC236}">
+                <a16:creationId xmlns:a16="http://schemas.microsoft.com/office/drawing/2014/main" id="{6BDE4091-10A5-4C5C-9437-08EEA5F4E8B0}"/>
+              </a:ext>
+            </a:extLst>
+          </p:cNvPr>
+          <p:cNvSpPr txBox="1"/>
+          <p:nvPr/>
+        </p:nvSpPr>
+        <p:spPr>
+          <a:xfrm>
+            <a:off x="3825117" y="3728703"/>
+            <a:ext cx="1468335" cy="246221"/>
+          </a:xfrm>
+          <a:prstGeom prst="rect">
+            <a:avLst/>
+          </a:prstGeom>
+          <a:noFill/>
+        </p:spPr>
+        <p:txBody>
+          <a:bodyPr wrap="square" rtlCol="0">
+            <a:spAutoFit/>
+          </a:bodyPr>
+          <a:lstStyle/>
+          <a:p>
+            <a:r>
+              <a:rPr lang="en-US" altLang="ko-KR" sz="1000" dirty="0" err="1">
+                <a:solidFill>
+                  <a:srgbClr val="0000FF"/>
+                </a:solidFill>
+                <a:effectLst>
+                  <a:outerShdw blurRad="38100" dist="38100" dir="2700000" algn="tl">
+                    <a:srgbClr val="000000">
+                      <a:alpha val="43137"/>
+                    </a:srgbClr>
+                  </a:outerShdw>
+                </a:effectLst>
+              </a:rPr>
+              <a:t>eachScore</a:t>
+            </a:r>
+            <a:r>
+              <a:rPr lang="en-US" altLang="ko-KR" sz="1000" dirty="0">
+                <a:solidFill>
+                  <a:srgbClr val="0000FF"/>
+                </a:solidFill>
+                <a:effectLst>
+                  <a:outerShdw blurRad="38100" dist="38100" dir="2700000" algn="tl">
+                    <a:srgbClr val="000000">
+                      <a:alpha val="43137"/>
+                    </a:srgbClr>
+                  </a:outerShdw>
+                </a:effectLst>
+              </a:rPr>
+              <a:t>[2][0]~[2][4]</a:t>
+            </a:r>
+          </a:p>
+        </p:txBody>
+      </p:sp>
+      <p:sp>
+        <p:nvSpPr>
+          <p:cNvPr id="14" name="TextBox 13">
+            <a:extLst>
+              <a:ext uri="{FF2B5EF4-FFF2-40B4-BE49-F238E27FC236}">
+                <a16:creationId xmlns:a16="http://schemas.microsoft.com/office/drawing/2014/main" id="{9AAD3585-1A29-422A-B57E-948C25BF7A55}"/>
+              </a:ext>
+            </a:extLst>
+          </p:cNvPr>
+          <p:cNvSpPr txBox="1"/>
+          <p:nvPr/>
+        </p:nvSpPr>
+        <p:spPr>
+          <a:xfrm>
+            <a:off x="3825116" y="3928992"/>
+            <a:ext cx="1468335" cy="246221"/>
+          </a:xfrm>
+          <a:prstGeom prst="rect">
+            <a:avLst/>
+          </a:prstGeom>
+          <a:noFill/>
+        </p:spPr>
+        <p:txBody>
+          <a:bodyPr wrap="square" rtlCol="0">
+            <a:spAutoFit/>
+          </a:bodyPr>
+          <a:lstStyle/>
+          <a:p>
+            <a:r>
+              <a:rPr lang="en-US" altLang="ko-KR" sz="1000" dirty="0" err="1">
+                <a:solidFill>
+                  <a:srgbClr val="0000FF"/>
+                </a:solidFill>
+                <a:effectLst>
+                  <a:outerShdw blurRad="38100" dist="38100" dir="2700000" algn="tl">
+                    <a:srgbClr val="000000">
+                      <a:alpha val="43137"/>
+                    </a:srgbClr>
+                  </a:outerShdw>
+                </a:effectLst>
+              </a:rPr>
+              <a:t>eachScore</a:t>
+            </a:r>
+            <a:r>
+              <a:rPr lang="en-US" altLang="ko-KR" sz="1000" dirty="0">
+                <a:solidFill>
+                  <a:srgbClr val="0000FF"/>
+                </a:solidFill>
+                <a:effectLst>
+                  <a:outerShdw blurRad="38100" dist="38100" dir="2700000" algn="tl">
+                    <a:srgbClr val="000000">
+                      <a:alpha val="43137"/>
+                    </a:srgbClr>
+                  </a:outerShdw>
+                </a:effectLst>
+              </a:rPr>
+              <a:t>[3][0]~[3][4]</a:t>
+            </a:r>
+          </a:p>
+        </p:txBody>
+      </p:sp>
+      <p:sp>
+        <p:nvSpPr>
+          <p:cNvPr id="15" name="TextBox 14">
+            <a:extLst>
+              <a:ext uri="{FF2B5EF4-FFF2-40B4-BE49-F238E27FC236}">
+                <a16:creationId xmlns:a16="http://schemas.microsoft.com/office/drawing/2014/main" id="{CB820218-A240-4CB7-BD60-88CC7D46BF8E}"/>
+              </a:ext>
+            </a:extLst>
+          </p:cNvPr>
+          <p:cNvSpPr txBox="1"/>
+          <p:nvPr/>
+        </p:nvSpPr>
+        <p:spPr>
+          <a:xfrm>
+            <a:off x="3825116" y="4129035"/>
+            <a:ext cx="1468335" cy="246221"/>
+          </a:xfrm>
+          <a:prstGeom prst="rect">
+            <a:avLst/>
+          </a:prstGeom>
+          <a:noFill/>
+        </p:spPr>
+        <p:txBody>
+          <a:bodyPr wrap="square" rtlCol="0">
+            <a:spAutoFit/>
+          </a:bodyPr>
+          <a:lstStyle/>
+          <a:p>
+            <a:r>
+              <a:rPr lang="en-US" altLang="ko-KR" sz="1000" dirty="0" err="1">
+                <a:solidFill>
+                  <a:srgbClr val="0000FF"/>
+                </a:solidFill>
+                <a:effectLst>
+                  <a:outerShdw blurRad="38100" dist="38100" dir="2700000" algn="tl">
+                    <a:srgbClr val="000000">
+                      <a:alpha val="43137"/>
+                    </a:srgbClr>
+                  </a:outerShdw>
+                </a:effectLst>
+              </a:rPr>
+              <a:t>eachScore</a:t>
+            </a:r>
+            <a:r>
+              <a:rPr lang="en-US" altLang="ko-KR" sz="1000" dirty="0">
+                <a:solidFill>
+                  <a:srgbClr val="0000FF"/>
+                </a:solidFill>
+                <a:effectLst>
+                  <a:outerShdw blurRad="38100" dist="38100" dir="2700000" algn="tl">
+                    <a:srgbClr val="000000">
+                      <a:alpha val="43137"/>
+                    </a:srgbClr>
+                  </a:outerShdw>
+                </a:effectLst>
+              </a:rPr>
+              <a:t>[4][0]~[4][4]</a:t>
+            </a:r>
           </a:p>
         </p:txBody>
       </p:sp>
     </p:spTree>
     <p:extLst>
       <p:ext uri="{BB962C8B-B14F-4D97-AF65-F5344CB8AC3E}">
-        <p14:creationId xmlns:p14="http://schemas.microsoft.com/office/powerpoint/2010/main" val="609858640"/>
+        <p14:creationId xmlns:p14="http://schemas.microsoft.com/office/powerpoint/2010/main" val="1822787465"/>
       </p:ext>
     </p:extLst>
   </p:cSld>
